--- a/docs/Azure-Snowflake.pptx
+++ b/docs/Azure-Snowflake.pptx
@@ -21,23 +21,27 @@
     <p:sldId id="289" r:id="rId18"/>
     <p:sldId id="274" r:id="rId19"/>
     <p:sldId id="291" r:id="rId20"/>
-    <p:sldId id="290" r:id="rId21"/>
-    <p:sldId id="275" r:id="rId22"/>
-    <p:sldId id="269" r:id="rId23"/>
-    <p:sldId id="270" r:id="rId24"/>
-    <p:sldId id="260" r:id="rId25"/>
-    <p:sldId id="259" r:id="rId26"/>
-    <p:sldId id="261" r:id="rId27"/>
-    <p:sldId id="262" r:id="rId28"/>
-    <p:sldId id="263" r:id="rId29"/>
-    <p:sldId id="264" r:id="rId30"/>
-    <p:sldId id="266" r:id="rId31"/>
-    <p:sldId id="267" r:id="rId32"/>
-    <p:sldId id="265" r:id="rId33"/>
-    <p:sldId id="268" r:id="rId34"/>
-    <p:sldId id="271" r:id="rId35"/>
-    <p:sldId id="272" r:id="rId36"/>
-    <p:sldId id="273" r:id="rId37"/>
+    <p:sldId id="292" r:id="rId21"/>
+    <p:sldId id="293" r:id="rId22"/>
+    <p:sldId id="295" r:id="rId23"/>
+    <p:sldId id="294" r:id="rId24"/>
+    <p:sldId id="290" r:id="rId25"/>
+    <p:sldId id="275" r:id="rId26"/>
+    <p:sldId id="269" r:id="rId27"/>
+    <p:sldId id="270" r:id="rId28"/>
+    <p:sldId id="260" r:id="rId29"/>
+    <p:sldId id="259" r:id="rId30"/>
+    <p:sldId id="261" r:id="rId31"/>
+    <p:sldId id="262" r:id="rId32"/>
+    <p:sldId id="263" r:id="rId33"/>
+    <p:sldId id="264" r:id="rId34"/>
+    <p:sldId id="266" r:id="rId35"/>
+    <p:sldId id="267" r:id="rId36"/>
+    <p:sldId id="265" r:id="rId37"/>
+    <p:sldId id="268" r:id="rId38"/>
+    <p:sldId id="271" r:id="rId39"/>
+    <p:sldId id="272" r:id="rId40"/>
+    <p:sldId id="273" r:id="rId41"/>
   </p:sldIdLst>
   <p:sldSz cx="12192000" cy="6858000"/>
   <p:notesSz cx="6858000" cy="9144000"/>
@@ -382,7 +386,7 @@
           <a:p>
             <a:fld id="{ED291B17-9318-49DB-B28B-6E5994AE9581}" type="datetime1">
               <a:rPr lang="en-US" smtClean="0"/>
-              <a:t>5/3/2024</a:t>
+              <a:t>5/11/2024</a:t>
             </a:fld>
             <a:endParaRPr lang="en-US" dirty="0"/>
           </a:p>
@@ -585,7 +589,7 @@
           <a:p>
             <a:fld id="{2CED4963-E985-44C4-B8C4-FDD613B7C2F8}" type="datetime1">
               <a:rPr lang="en-US" smtClean="0"/>
-              <a:t>5/3/2024</a:t>
+              <a:t>5/11/2024</a:t>
             </a:fld>
             <a:endParaRPr lang="en-US" dirty="0"/>
           </a:p>
@@ -947,7 +951,7 @@
           <a:p>
             <a:fld id="{ED291B17-9318-49DB-B28B-6E5994AE9581}" type="datetime1">
               <a:rPr lang="en-US" smtClean="0"/>
-              <a:t>5/3/2024</a:t>
+              <a:t>5/11/2024</a:t>
             </a:fld>
             <a:endParaRPr lang="en-US" dirty="0"/>
           </a:p>
@@ -1082,7 +1086,7 @@
           </a:xfrm>
         </p:spPr>
         <p:txBody>
-          <a:bodyPr/>
+          <a:bodyPr anchor="t"/>
           <a:lstStyle/>
           <a:p>
             <a:pPr lvl="0"/>
@@ -1145,7 +1149,7 @@
           <a:p>
             <a:fld id="{78DD82B9-B8EE-4375-B6FF-88FA6ABB15D9}" type="datetime1">
               <a:rPr lang="en-US" smtClean="0"/>
-              <a:t>5/3/2024</a:t>
+              <a:t>5/11/2024</a:t>
             </a:fld>
             <a:endParaRPr lang="en-US" dirty="0"/>
           </a:p>
@@ -1457,7 +1461,7 @@
           <a:p>
             <a:fld id="{B2497495-0637-405E-AE64-5CC7506D51F5}" type="datetime1">
               <a:rPr lang="en-US" smtClean="0"/>
-              <a:t>5/3/2024</a:t>
+              <a:t>5/11/2024</a:t>
             </a:fld>
             <a:endParaRPr lang="en-US" dirty="0"/>
           </a:p>
@@ -1710,7 +1714,7 @@
           <a:p>
             <a:fld id="{7BFFD690-9426-415D-8B65-26881E07B2D4}" type="datetime1">
               <a:rPr lang="en-US" smtClean="0"/>
-              <a:t>5/3/2024</a:t>
+              <a:t>5/11/2024</a:t>
             </a:fld>
             <a:endParaRPr lang="en-US" dirty="0"/>
           </a:p>
@@ -2132,7 +2136,7 @@
           <a:p>
             <a:fld id="{04C4989A-474C-40DE-95B9-011C28B71673}" type="datetime1">
               <a:rPr lang="en-US" smtClean="0"/>
-              <a:t>5/3/2024</a:t>
+              <a:t>5/11/2024</a:t>
             </a:fld>
             <a:endParaRPr lang="en-US" dirty="0"/>
           </a:p>
@@ -2255,7 +2259,7 @@
           <a:p>
             <a:fld id="{5DB4ED54-5B5E-4A04-93D3-5772E3CE3818}" type="datetime1">
               <a:rPr lang="en-US" smtClean="0"/>
-              <a:t>5/3/2024</a:t>
+              <a:t>5/11/2024</a:t>
             </a:fld>
             <a:endParaRPr lang="en-US" dirty="0"/>
           </a:p>
@@ -2350,7 +2354,7 @@
           <a:p>
             <a:fld id="{4EDE50D6-574B-40AF-946F-D52A04ADE379}" type="datetime1">
               <a:rPr lang="en-US" smtClean="0"/>
-              <a:t>5/3/2024</a:t>
+              <a:t>5/11/2024</a:t>
             </a:fld>
             <a:endParaRPr lang="en-US" dirty="0"/>
           </a:p>
@@ -2727,7 +2731,7 @@
           <a:p>
             <a:fld id="{D82884F1-FFEA-405F-9602-3DCA865EDA4E}" type="datetime1">
               <a:rPr lang="en-US" smtClean="0"/>
-              <a:t>5/3/2024</a:t>
+              <a:t>5/11/2024</a:t>
             </a:fld>
             <a:endParaRPr lang="en-US" dirty="0"/>
           </a:p>
@@ -3020,7 +3024,7 @@
           <a:p>
             <a:fld id="{7E18DB4A-8810-4A10-AD5C-D5E2C667F5B3}" type="datetime1">
               <a:rPr lang="en-US" smtClean="0"/>
-              <a:t>5/3/2024</a:t>
+              <a:t>5/11/2024</a:t>
             </a:fld>
             <a:endParaRPr lang="en-US" dirty="0"/>
           </a:p>
@@ -3235,7 +3239,7 @@
           <a:p>
             <a:fld id="{ED291B17-9318-49DB-B28B-6E5994AE9581}" type="datetime1">
               <a:rPr lang="en-US" smtClean="0"/>
-              <a:t>5/3/2024</a:t>
+              <a:t>5/11/2024</a:t>
             </a:fld>
             <a:endParaRPr lang="en-US" dirty="0"/>
           </a:p>
@@ -6485,6 +6489,4448 @@
           <p:cNvPr id="2" name="Title 1">
             <a:extLst>
               <a:ext uri="{FF2B5EF4-FFF2-40B4-BE49-F238E27FC236}">
+                <a16:creationId xmlns:a16="http://schemas.microsoft.com/office/drawing/2014/main" id="{525FC945-5FF1-4E1A-989B-CD69C1CB5CF5}"/>
+              </a:ext>
+            </a:extLst>
+          </p:cNvPr>
+          <p:cNvSpPr>
+            <a:spLocks noGrp="1"/>
+          </p:cNvSpPr>
+          <p:nvPr>
+            <p:ph type="title"/>
+          </p:nvPr>
+        </p:nvSpPr>
+        <p:spPr/>
+        <p:txBody>
+          <a:bodyPr>
+            <a:normAutofit/>
+          </a:bodyPr>
+          <a:lstStyle/>
+          <a:p>
+            <a:pPr algn="l"/>
+            <a:r>
+              <a:rPr lang="en-US" sz="2500" dirty="0"/>
+              <a:t>Databases, Tables and Views - Overview</a:t>
+            </a:r>
+          </a:p>
+        </p:txBody>
+      </p:sp>
+      <p:sp>
+        <p:nvSpPr>
+          <p:cNvPr id="3" name="Content Placeholder 2">
+            <a:extLst>
+              <a:ext uri="{FF2B5EF4-FFF2-40B4-BE49-F238E27FC236}">
+                <a16:creationId xmlns:a16="http://schemas.microsoft.com/office/drawing/2014/main" id="{CA1FDA27-8FE5-F95B-1ED8-2191E5333C91}"/>
+              </a:ext>
+            </a:extLst>
+          </p:cNvPr>
+          <p:cNvSpPr>
+            <a:spLocks noGrp="1"/>
+          </p:cNvSpPr>
+          <p:nvPr>
+            <p:ph idx="1"/>
+          </p:nvPr>
+        </p:nvSpPr>
+        <p:spPr>
+          <a:xfrm>
+            <a:off x="581192" y="1119673"/>
+            <a:ext cx="11029615" cy="5430417"/>
+          </a:xfrm>
+        </p:spPr>
+        <p:txBody>
+          <a:bodyPr>
+            <a:normAutofit/>
+          </a:bodyPr>
+          <a:lstStyle/>
+          <a:p>
+            <a:pPr algn="l">
+              <a:lnSpc>
+                <a:spcPct val="100000"/>
+              </a:lnSpc>
+            </a:pPr>
+            <a:r>
+              <a:rPr lang="en-US" b="0" i="0" dirty="0">
+                <a:solidFill>
+                  <a:srgbClr val="2C2F34"/>
+                </a:solidFill>
+                <a:effectLst/>
+                <a:highlight>
+                  <a:srgbClr val="FFFFFF"/>
+                </a:highlight>
+                <a:latin typeface="Inter"/>
+              </a:rPr>
+              <a:t>All data in Snowflake is maintained in databases. Each database consists of one or more schemas, which are logical groupings of database objects, such as tables and views. Snowflake does not place any hard limits on the number of databases, schemas (within a database), or objects (within a schema) you can create.</a:t>
+            </a:r>
+          </a:p>
+          <a:p>
+            <a:pPr algn="l"/>
+            <a:r>
+              <a:rPr lang="en-US" b="1" i="0" dirty="0">
+                <a:effectLst/>
+                <a:highlight>
+                  <a:srgbClr val="FFFFFF"/>
+                </a:highlight>
+                <a:latin typeface="Inter"/>
+              </a:rPr>
+              <a:t>Micro-partitions &amp; Data Clustering</a:t>
+            </a:r>
+          </a:p>
+          <a:p>
+            <a:pPr lvl="1"/>
+            <a:r>
+              <a:rPr lang="en-US" b="0" i="0" dirty="0">
+                <a:solidFill>
+                  <a:srgbClr val="2C2F34"/>
+                </a:solidFill>
+                <a:effectLst/>
+                <a:highlight>
+                  <a:srgbClr val="FFFFFF"/>
+                </a:highlight>
+                <a:latin typeface="Inter"/>
+              </a:rPr>
+              <a:t>All data in Snowflake tables is automatically divided into micro-partitions, which are contiguous units of storage. Each micro-partition contains between 50 MB and 500 MB of uncompressed data (note that the actual size in Snowflake is smaller because data is always stored compressed). Groups of rows in tables are mapped into individual micro-partitions, organized in a columnar fashion. This size and structure allows for extremely granular pruning of very large tables, which can be comprised of millions, or even hundreds of millions, of micro-partitions.</a:t>
+            </a:r>
+          </a:p>
+          <a:p>
+            <a:pPr lvl="1"/>
+            <a:r>
+              <a:rPr lang="en-US" b="0" i="0" dirty="0">
+                <a:solidFill>
+                  <a:srgbClr val="2C2F34"/>
+                </a:solidFill>
+                <a:effectLst/>
+                <a:highlight>
+                  <a:srgbClr val="FFFFFF"/>
+                </a:highlight>
+                <a:latin typeface="Inter"/>
+              </a:rPr>
+              <a:t>Snowflake stores metadata about all rows stored in a micro-partition, including:</a:t>
+            </a:r>
+          </a:p>
+          <a:p>
+            <a:pPr lvl="1">
+              <a:buFont typeface="Arial" panose="020B0604020202020204" pitchFamily="34" charset="0"/>
+              <a:buChar char="•"/>
+            </a:pPr>
+            <a:r>
+              <a:rPr lang="en-US" b="0" i="0" dirty="0">
+                <a:solidFill>
+                  <a:srgbClr val="2C2F34"/>
+                </a:solidFill>
+                <a:effectLst/>
+                <a:highlight>
+                  <a:srgbClr val="FFFFFF"/>
+                </a:highlight>
+                <a:latin typeface="Inter"/>
+              </a:rPr>
+              <a:t>The range of values for each of the columns in the micro-partition.</a:t>
+            </a:r>
+          </a:p>
+          <a:p>
+            <a:pPr lvl="1">
+              <a:buFont typeface="Arial" panose="020B0604020202020204" pitchFamily="34" charset="0"/>
+              <a:buChar char="•"/>
+            </a:pPr>
+            <a:r>
+              <a:rPr lang="en-US" b="0" i="0" dirty="0">
+                <a:solidFill>
+                  <a:srgbClr val="2C2F34"/>
+                </a:solidFill>
+                <a:effectLst/>
+                <a:highlight>
+                  <a:srgbClr val="FFFFFF"/>
+                </a:highlight>
+                <a:latin typeface="Inter"/>
+              </a:rPr>
+              <a:t>The number of distinct values.</a:t>
+            </a:r>
+          </a:p>
+          <a:p>
+            <a:pPr lvl="1">
+              <a:buFont typeface="Arial" panose="020B0604020202020204" pitchFamily="34" charset="0"/>
+              <a:buChar char="•"/>
+            </a:pPr>
+            <a:r>
+              <a:rPr lang="en-US" b="0" i="0" dirty="0">
+                <a:solidFill>
+                  <a:srgbClr val="2C2F34"/>
+                </a:solidFill>
+                <a:effectLst/>
+                <a:highlight>
+                  <a:srgbClr val="FFFFFF"/>
+                </a:highlight>
+                <a:latin typeface="Inter"/>
+              </a:rPr>
+              <a:t>Additional properties used for both optimization and efficient query processing.</a:t>
+            </a:r>
+          </a:p>
+          <a:p>
+            <a:br>
+              <a:rPr lang="en-US" dirty="0"/>
+            </a:br>
+            <a:endParaRPr lang="en-US" dirty="0"/>
+          </a:p>
+        </p:txBody>
+      </p:sp>
+    </p:spTree>
+    <p:extLst>
+      <p:ext uri="{BB962C8B-B14F-4D97-AF65-F5344CB8AC3E}">
+        <p14:creationId xmlns:p14="http://schemas.microsoft.com/office/powerpoint/2010/main" val="700793671"/>
+      </p:ext>
+    </p:extLst>
+  </p:cSld>
+  <p:clrMapOvr>
+    <a:masterClrMapping/>
+  </p:clrMapOvr>
+</p:sld>
+</file>
+
+<file path=ppt/slides/slide18.xml><?xml version="1.0" encoding="utf-8"?>
+<p:sld xmlns:a="http://schemas.openxmlformats.org/drawingml/2006/main" xmlns:r="http://schemas.openxmlformats.org/officeDocument/2006/relationships" xmlns:p="http://schemas.openxmlformats.org/presentationml/2006/main">
+  <p:cSld>
+    <p:spTree>
+      <p:nvGrpSpPr>
+        <p:cNvPr id="1" name=""/>
+        <p:cNvGrpSpPr/>
+        <p:nvPr/>
+      </p:nvGrpSpPr>
+      <p:grpSpPr>
+        <a:xfrm>
+          <a:off x="0" y="0"/>
+          <a:ext cx="0" cy="0"/>
+          <a:chOff x="0" y="0"/>
+          <a:chExt cx="0" cy="0"/>
+        </a:xfrm>
+      </p:grpSpPr>
+      <p:sp>
+        <p:nvSpPr>
+          <p:cNvPr id="2" name="Title 1">
+            <a:extLst>
+              <a:ext uri="{FF2B5EF4-FFF2-40B4-BE49-F238E27FC236}">
+                <a16:creationId xmlns:a16="http://schemas.microsoft.com/office/drawing/2014/main" id="{525FC945-5FF1-4E1A-989B-CD69C1CB5CF5}"/>
+              </a:ext>
+            </a:extLst>
+          </p:cNvPr>
+          <p:cNvSpPr>
+            <a:spLocks noGrp="1"/>
+          </p:cNvSpPr>
+          <p:nvPr>
+            <p:ph type="title"/>
+          </p:nvPr>
+        </p:nvSpPr>
+        <p:spPr/>
+        <p:txBody>
+          <a:bodyPr>
+            <a:normAutofit/>
+          </a:bodyPr>
+          <a:lstStyle/>
+          <a:p>
+            <a:pPr algn="l"/>
+            <a:r>
+              <a:rPr lang="en-US" sz="2500" dirty="0"/>
+              <a:t>Databases, Tables and Views - Overview</a:t>
+            </a:r>
+          </a:p>
+        </p:txBody>
+      </p:sp>
+      <p:sp>
+        <p:nvSpPr>
+          <p:cNvPr id="3" name="Content Placeholder 2">
+            <a:extLst>
+              <a:ext uri="{FF2B5EF4-FFF2-40B4-BE49-F238E27FC236}">
+                <a16:creationId xmlns:a16="http://schemas.microsoft.com/office/drawing/2014/main" id="{CA1FDA27-8FE5-F95B-1ED8-2191E5333C91}"/>
+              </a:ext>
+            </a:extLst>
+          </p:cNvPr>
+          <p:cNvSpPr>
+            <a:spLocks noGrp="1"/>
+          </p:cNvSpPr>
+          <p:nvPr>
+            <p:ph idx="1"/>
+          </p:nvPr>
+        </p:nvSpPr>
+        <p:spPr>
+          <a:xfrm>
+            <a:off x="581192" y="1119673"/>
+            <a:ext cx="11029615" cy="5430417"/>
+          </a:xfrm>
+        </p:spPr>
+        <p:txBody>
+          <a:bodyPr>
+            <a:normAutofit/>
+          </a:bodyPr>
+          <a:lstStyle/>
+          <a:p>
+            <a:pPr marL="0" indent="0">
+              <a:buNone/>
+            </a:pPr>
+            <a:r>
+              <a:rPr lang="en-US" dirty="0"/>
+              <a:t>Benefits of Micro-partitions</a:t>
+            </a:r>
+          </a:p>
+          <a:p>
+            <a:r>
+              <a:rPr lang="en-US" dirty="0"/>
+              <a:t>In contrast to traditional static partitioning, Snowflake micro-partitions are derived automatically; they don’t need to be explicitly defined up-front or maintained by users.</a:t>
+            </a:r>
+          </a:p>
+          <a:p>
+            <a:r>
+              <a:rPr lang="en-US" dirty="0"/>
+              <a:t>As the name suggests, micro-partitions are small in size (50 to 500 MB, before compression), which enables extremely efficient DML and fine-grained pruning for faster queries.</a:t>
+            </a:r>
+          </a:p>
+          <a:p>
+            <a:r>
+              <a:rPr lang="en-US" dirty="0"/>
+              <a:t>Micro-partitions can overlap in their range of values, which, combined with their uniformly small size, helps prevent skew.</a:t>
+            </a:r>
+          </a:p>
+          <a:p>
+            <a:r>
+              <a:rPr lang="en-US" dirty="0"/>
+              <a:t>Columns are stored independently within micro-partitions, often referred to as columnar storage. This enables efficient scanning of individual columns; only the columns referenced by a query are scanned.</a:t>
+            </a:r>
+          </a:p>
+          <a:p>
+            <a:r>
+              <a:rPr lang="en-US" dirty="0"/>
+              <a:t>Columns are also compressed individually within micro-partitions. Snowflake automatically determines the most efficient compression algorithm for the columns in each micro-partition.</a:t>
+            </a:r>
+            <a:br>
+              <a:rPr lang="en-US" dirty="0"/>
+            </a:br>
+            <a:endParaRPr lang="en-US" dirty="0"/>
+          </a:p>
+        </p:txBody>
+      </p:sp>
+    </p:spTree>
+    <p:extLst>
+      <p:ext uri="{BB962C8B-B14F-4D97-AF65-F5344CB8AC3E}">
+        <p14:creationId xmlns:p14="http://schemas.microsoft.com/office/powerpoint/2010/main" val="3308875745"/>
+      </p:ext>
+    </p:extLst>
+  </p:cSld>
+  <p:clrMapOvr>
+    <a:masterClrMapping/>
+  </p:clrMapOvr>
+</p:sld>
+</file>
+
+<file path=ppt/slides/slide19.xml><?xml version="1.0" encoding="utf-8"?>
+<p:sld xmlns:a="http://schemas.openxmlformats.org/drawingml/2006/main" xmlns:r="http://schemas.openxmlformats.org/officeDocument/2006/relationships" xmlns:p="http://schemas.openxmlformats.org/presentationml/2006/main">
+  <p:cSld>
+    <p:spTree>
+      <p:nvGrpSpPr>
+        <p:cNvPr id="1" name=""/>
+        <p:cNvGrpSpPr/>
+        <p:nvPr/>
+      </p:nvGrpSpPr>
+      <p:grpSpPr>
+        <a:xfrm>
+          <a:off x="0" y="0"/>
+          <a:ext cx="0" cy="0"/>
+          <a:chOff x="0" y="0"/>
+          <a:chExt cx="0" cy="0"/>
+        </a:xfrm>
+      </p:grpSpPr>
+      <p:sp>
+        <p:nvSpPr>
+          <p:cNvPr id="2" name="Title 1">
+            <a:extLst>
+              <a:ext uri="{FF2B5EF4-FFF2-40B4-BE49-F238E27FC236}">
+                <a16:creationId xmlns:a16="http://schemas.microsoft.com/office/drawing/2014/main" id="{525FC945-5FF1-4E1A-989B-CD69C1CB5CF5}"/>
+              </a:ext>
+            </a:extLst>
+          </p:cNvPr>
+          <p:cNvSpPr>
+            <a:spLocks noGrp="1"/>
+          </p:cNvSpPr>
+          <p:nvPr>
+            <p:ph type="title"/>
+          </p:nvPr>
+        </p:nvSpPr>
+        <p:spPr/>
+        <p:txBody>
+          <a:bodyPr>
+            <a:normAutofit/>
+          </a:bodyPr>
+          <a:lstStyle/>
+          <a:p>
+            <a:pPr algn="l"/>
+            <a:r>
+              <a:rPr lang="en-US" sz="2500" dirty="0"/>
+              <a:t>Clustering Key- Overview</a:t>
+            </a:r>
+          </a:p>
+        </p:txBody>
+      </p:sp>
+      <p:pic>
+        <p:nvPicPr>
+          <p:cNvPr id="2050" name="Picture 2" descr="Logical table structures after reclustering">
+            <a:extLst>
+              <a:ext uri="{FF2B5EF4-FFF2-40B4-BE49-F238E27FC236}">
+                <a16:creationId xmlns:a16="http://schemas.microsoft.com/office/drawing/2014/main" id="{E8D2E9E3-7C2D-EAC0-D12F-E9BC42ED6710}"/>
+              </a:ext>
+            </a:extLst>
+          </p:cNvPr>
+          <p:cNvPicPr>
+            <a:picLocks noGrp="1" noChangeAspect="1" noChangeArrowheads="1"/>
+          </p:cNvPicPr>
+          <p:nvPr>
+            <p:ph idx="1"/>
+          </p:nvPr>
+        </p:nvPicPr>
+        <p:blipFill>
+          <a:blip r:embed="rId2">
+            <a:extLst>
+              <a:ext uri="{28A0092B-C50C-407E-A947-70E740481C1C}">
+                <a14:useLocalDpi xmlns:a14="http://schemas.microsoft.com/office/drawing/2010/main" val="0"/>
+              </a:ext>
+            </a:extLst>
+          </a:blip>
+          <a:srcRect/>
+          <a:stretch>
+            <a:fillRect/>
+          </a:stretch>
+        </p:blipFill>
+        <p:spPr bwMode="auto">
+          <a:xfrm>
+            <a:off x="3216011" y="1119188"/>
+            <a:ext cx="5759978" cy="5430837"/>
+          </a:xfrm>
+          <a:prstGeom prst="rect">
+            <a:avLst/>
+          </a:prstGeom>
+          <a:noFill/>
+          <a:extLst>
+            <a:ext uri="{909E8E84-426E-40DD-AFC4-6F175D3DCCD1}">
+              <a14:hiddenFill xmlns:a14="http://schemas.microsoft.com/office/drawing/2010/main">
+                <a:solidFill>
+                  <a:srgbClr val="FFFFFF"/>
+                </a:solidFill>
+              </a14:hiddenFill>
+            </a:ext>
+          </a:extLst>
+        </p:spPr>
+      </p:pic>
+    </p:spTree>
+    <p:extLst>
+      <p:ext uri="{BB962C8B-B14F-4D97-AF65-F5344CB8AC3E}">
+        <p14:creationId xmlns:p14="http://schemas.microsoft.com/office/powerpoint/2010/main" val="3192524229"/>
+      </p:ext>
+    </p:extLst>
+  </p:cSld>
+  <p:clrMapOvr>
+    <a:masterClrMapping/>
+  </p:clrMapOvr>
+</p:sld>
+</file>
+
+<file path=ppt/slides/slide2.xml><?xml version="1.0" encoding="utf-8"?>
+<p:sld xmlns:a="http://schemas.openxmlformats.org/drawingml/2006/main" xmlns:r="http://schemas.openxmlformats.org/officeDocument/2006/relationships" xmlns:p="http://schemas.openxmlformats.org/presentationml/2006/main">
+  <p:cSld>
+    <p:spTree>
+      <p:nvGrpSpPr>
+        <p:cNvPr id="1" name=""/>
+        <p:cNvGrpSpPr/>
+        <p:nvPr/>
+      </p:nvGrpSpPr>
+      <p:grpSpPr>
+        <a:xfrm>
+          <a:off x="0" y="0"/>
+          <a:ext cx="0" cy="0"/>
+          <a:chOff x="0" y="0"/>
+          <a:chExt cx="0" cy="0"/>
+        </a:xfrm>
+      </p:grpSpPr>
+      <p:sp>
+        <p:nvSpPr>
+          <p:cNvPr id="2" name="Title 1">
+            <a:extLst>
+              <a:ext uri="{FF2B5EF4-FFF2-40B4-BE49-F238E27FC236}">
+                <a16:creationId xmlns:a16="http://schemas.microsoft.com/office/drawing/2014/main" id="{525FC945-5FF1-4E1A-989B-CD69C1CB5CF5}"/>
+              </a:ext>
+            </a:extLst>
+          </p:cNvPr>
+          <p:cNvSpPr>
+            <a:spLocks noGrp="1"/>
+          </p:cNvSpPr>
+          <p:nvPr>
+            <p:ph type="title"/>
+          </p:nvPr>
+        </p:nvSpPr>
+        <p:spPr/>
+        <p:txBody>
+          <a:bodyPr>
+            <a:normAutofit fontScale="90000"/>
+          </a:bodyPr>
+          <a:lstStyle/>
+          <a:p>
+            <a:r>
+              <a:rPr lang="en-US" dirty="0"/>
+              <a:t>Snowflake course content</a:t>
+            </a:r>
+          </a:p>
+        </p:txBody>
+      </p:sp>
+      <p:sp>
+        <p:nvSpPr>
+          <p:cNvPr id="3" name="Content Placeholder 2">
+            <a:extLst>
+              <a:ext uri="{FF2B5EF4-FFF2-40B4-BE49-F238E27FC236}">
+                <a16:creationId xmlns:a16="http://schemas.microsoft.com/office/drawing/2014/main" id="{34418B51-0236-2D53-4E38-3BEACD0FFC3B}"/>
+              </a:ext>
+            </a:extLst>
+          </p:cNvPr>
+          <p:cNvSpPr>
+            <a:spLocks noGrp="1"/>
+          </p:cNvSpPr>
+          <p:nvPr>
+            <p:ph idx="1"/>
+          </p:nvPr>
+        </p:nvSpPr>
+        <p:spPr/>
+        <p:txBody>
+          <a:bodyPr numCol="2">
+            <a:normAutofit lnSpcReduction="10000"/>
+          </a:bodyPr>
+          <a:lstStyle/>
+          <a:p>
+            <a:pPr marL="342900" indent="-342900" algn="l">
+              <a:buFont typeface="+mj-lt"/>
+              <a:buAutoNum type="arabicPeriod"/>
+            </a:pPr>
+            <a:r>
+              <a:rPr lang="en-US" dirty="0"/>
+              <a:t>Snowflake Overview and Architecture</a:t>
+            </a:r>
+          </a:p>
+          <a:p>
+            <a:pPr marL="666900" lvl="1" indent="-342900">
+              <a:buFont typeface="+mj-lt"/>
+              <a:buAutoNum type="arabicPeriod"/>
+            </a:pPr>
+            <a:r>
+              <a:rPr lang="en-US" dirty="0"/>
+              <a:t>Architecture</a:t>
+            </a:r>
+          </a:p>
+          <a:p>
+            <a:pPr marL="666900" lvl="1" indent="-342900">
+              <a:buFont typeface="+mj-lt"/>
+              <a:buAutoNum type="arabicPeriod"/>
+            </a:pPr>
+            <a:r>
+              <a:rPr lang="en-US" dirty="0"/>
+              <a:t>Connectivity</a:t>
+            </a:r>
+          </a:p>
+          <a:p>
+            <a:pPr marL="342900" indent="-342900" algn="l">
+              <a:buFont typeface="+mj-lt"/>
+              <a:buAutoNum type="arabicPeriod"/>
+            </a:pPr>
+            <a:r>
+              <a:rPr lang="en-US" dirty="0"/>
+              <a:t>Getting started with snowflake</a:t>
+            </a:r>
+          </a:p>
+          <a:p>
+            <a:pPr marL="666900" lvl="1" indent="-342900">
+              <a:buFont typeface="+mj-lt"/>
+              <a:buAutoNum type="arabicPeriod"/>
+            </a:pPr>
+            <a:r>
+              <a:rPr lang="en-US" dirty="0"/>
+              <a:t>Virtual warehouse</a:t>
+            </a:r>
+          </a:p>
+          <a:p>
+            <a:pPr marL="666900" lvl="1" indent="-342900">
+              <a:buFont typeface="+mj-lt"/>
+              <a:buAutoNum type="arabicPeriod"/>
+            </a:pPr>
+            <a:r>
+              <a:rPr lang="en-US" dirty="0"/>
+              <a:t>Databases, Tables, views, data types</a:t>
+            </a:r>
+          </a:p>
+          <a:p>
+            <a:pPr marL="342900" indent="-342900">
+              <a:buFont typeface="+mj-lt"/>
+              <a:buAutoNum type="arabicPeriod"/>
+            </a:pPr>
+            <a:r>
+              <a:rPr lang="en-US" dirty="0"/>
+              <a:t>Data Loading and Unloading</a:t>
+            </a:r>
+          </a:p>
+          <a:p>
+            <a:pPr marL="342900" indent="-342900">
+              <a:buFont typeface="+mj-lt"/>
+              <a:buAutoNum type="arabicPeriod"/>
+            </a:pPr>
+            <a:r>
+              <a:rPr lang="en-US" dirty="0"/>
+              <a:t>Snowflake Queries</a:t>
+            </a:r>
+          </a:p>
+          <a:p>
+            <a:pPr marL="342900" indent="-342900">
+              <a:buFont typeface="+mj-lt"/>
+              <a:buAutoNum type="arabicPeriod"/>
+            </a:pPr>
+            <a:r>
+              <a:rPr lang="en-US" dirty="0"/>
+              <a:t>Data Sharing and collaboration</a:t>
+            </a:r>
+          </a:p>
+          <a:p>
+            <a:pPr marL="342900" indent="-342900">
+              <a:buFont typeface="+mj-lt"/>
+              <a:buAutoNum type="arabicPeriod"/>
+            </a:pPr>
+            <a:r>
+              <a:rPr lang="en-US" dirty="0"/>
+              <a:t>Alert notifications</a:t>
+            </a:r>
+          </a:p>
+          <a:p>
+            <a:pPr marL="342900" indent="-342900">
+              <a:buFont typeface="+mj-lt"/>
+              <a:buAutoNum type="arabicPeriod"/>
+            </a:pPr>
+            <a:r>
+              <a:rPr lang="en-US" dirty="0"/>
+              <a:t>Snowflake Security</a:t>
+            </a:r>
+          </a:p>
+          <a:p>
+            <a:pPr marL="342900" indent="-342900">
+              <a:buFont typeface="+mj-lt"/>
+              <a:buAutoNum type="arabicPeriod"/>
+            </a:pPr>
+            <a:r>
+              <a:rPr lang="en-US" dirty="0"/>
+              <a:t>Data Governance</a:t>
+            </a:r>
+          </a:p>
+          <a:p>
+            <a:pPr marL="342900" indent="-342900">
+              <a:buFont typeface="+mj-lt"/>
+              <a:buAutoNum type="arabicPeriod"/>
+            </a:pPr>
+            <a:r>
+              <a:rPr lang="en-US" dirty="0"/>
+              <a:t>Snowflake account management</a:t>
+            </a:r>
+          </a:p>
+          <a:p>
+            <a:pPr marL="342900" indent="-342900">
+              <a:buFont typeface="+mj-lt"/>
+              <a:buAutoNum type="arabicPeriod"/>
+            </a:pPr>
+            <a:r>
+              <a:rPr lang="en-US" dirty="0"/>
+              <a:t>Data Recovery</a:t>
+            </a:r>
+          </a:p>
+          <a:p>
+            <a:pPr marL="342900" indent="-342900">
+              <a:buFont typeface="+mj-lt"/>
+              <a:buAutoNum type="arabicPeriod"/>
+            </a:pPr>
+            <a:r>
+              <a:rPr lang="en-US" dirty="0"/>
+              <a:t>Performance optimization</a:t>
+            </a:r>
+          </a:p>
+          <a:p>
+            <a:pPr marL="342900" indent="-342900">
+              <a:buFont typeface="+mj-lt"/>
+              <a:buAutoNum type="arabicPeriod"/>
+            </a:pPr>
+            <a:r>
+              <a:rPr lang="en-US" dirty="0"/>
+              <a:t>Cost and Billing</a:t>
+            </a:r>
+          </a:p>
+          <a:p>
+            <a:pPr marL="342900" indent="-342900" algn="l">
+              <a:buFont typeface="+mj-lt"/>
+              <a:buAutoNum type="arabicPeriod"/>
+            </a:pPr>
+            <a:endParaRPr lang="en-US" dirty="0"/>
+          </a:p>
+        </p:txBody>
+      </p:sp>
+    </p:spTree>
+    <p:extLst>
+      <p:ext uri="{BB962C8B-B14F-4D97-AF65-F5344CB8AC3E}">
+        <p14:creationId xmlns:p14="http://schemas.microsoft.com/office/powerpoint/2010/main" val="2561708030"/>
+      </p:ext>
+    </p:extLst>
+  </p:cSld>
+  <p:clrMapOvr>
+    <a:masterClrMapping/>
+  </p:clrMapOvr>
+</p:sld>
+</file>
+
+<file path=ppt/slides/slide20.xml><?xml version="1.0" encoding="utf-8"?>
+<p:sld xmlns:a="http://schemas.openxmlformats.org/drawingml/2006/main" xmlns:r="http://schemas.openxmlformats.org/officeDocument/2006/relationships" xmlns:p="http://schemas.openxmlformats.org/presentationml/2006/main">
+  <p:cSld>
+    <p:spTree>
+      <p:nvGrpSpPr>
+        <p:cNvPr id="1" name=""/>
+        <p:cNvGrpSpPr/>
+        <p:nvPr/>
+      </p:nvGrpSpPr>
+      <p:grpSpPr>
+        <a:xfrm>
+          <a:off x="0" y="0"/>
+          <a:ext cx="0" cy="0"/>
+          <a:chOff x="0" y="0"/>
+          <a:chExt cx="0" cy="0"/>
+        </a:xfrm>
+      </p:grpSpPr>
+      <p:sp>
+        <p:nvSpPr>
+          <p:cNvPr id="2" name="Title 1">
+            <a:extLst>
+              <a:ext uri="{FF2B5EF4-FFF2-40B4-BE49-F238E27FC236}">
+                <a16:creationId xmlns:a16="http://schemas.microsoft.com/office/drawing/2014/main" id="{DF825DF8-6A1F-783B-CD35-5745E0630874}"/>
+              </a:ext>
+            </a:extLst>
+          </p:cNvPr>
+          <p:cNvSpPr>
+            <a:spLocks noGrp="1"/>
+          </p:cNvSpPr>
+          <p:nvPr>
+            <p:ph type="title"/>
+          </p:nvPr>
+        </p:nvSpPr>
+        <p:spPr>
+          <a:xfrm>
+            <a:off x="525208" y="758140"/>
+            <a:ext cx="11029616" cy="492162"/>
+          </a:xfrm>
+        </p:spPr>
+        <p:txBody>
+          <a:bodyPr>
+            <a:normAutofit fontScale="90000"/>
+          </a:bodyPr>
+          <a:lstStyle/>
+          <a:p>
+            <a:endParaRPr lang="en-US"/>
+          </a:p>
+        </p:txBody>
+      </p:sp>
+      <p:graphicFrame>
+        <p:nvGraphicFramePr>
+          <p:cNvPr id="6" name="Content Placeholder 5">
+            <a:extLst>
+              <a:ext uri="{FF2B5EF4-FFF2-40B4-BE49-F238E27FC236}">
+                <a16:creationId xmlns:a16="http://schemas.microsoft.com/office/drawing/2014/main" id="{CC9ED4FA-AC96-5F2C-AB80-EB38DE27879E}"/>
+              </a:ext>
+            </a:extLst>
+          </p:cNvPr>
+          <p:cNvGraphicFramePr>
+            <a:graphicFrameLocks noGrp="1"/>
+          </p:cNvGraphicFramePr>
+          <p:nvPr>
+            <p:ph idx="1"/>
+            <p:extLst>
+              <p:ext uri="{D42A27DB-BD31-4B8C-83A1-F6EECF244321}">
+                <p14:modId xmlns:p14="http://schemas.microsoft.com/office/powerpoint/2010/main" val="2554541832"/>
+              </p:ext>
+            </p:extLst>
+          </p:nvPr>
+        </p:nvGraphicFramePr>
+        <p:xfrm>
+          <a:off x="459891" y="1250302"/>
+          <a:ext cx="11029616" cy="5202732"/>
+        </p:xfrm>
+        <a:graphic>
+          <a:graphicData uri="http://schemas.openxmlformats.org/drawingml/2006/table">
+            <a:tbl>
+              <a:tblPr firstRow="1">
+                <a:tableStyleId>{69012ECD-51FC-41F1-AA8D-1B2483CD663E}</a:tableStyleId>
+              </a:tblPr>
+              <a:tblGrid>
+                <a:gridCol w="2067459">
+                  <a:extLst>
+                    <a:ext uri="{9D8B030D-6E8A-4147-A177-3AD203B41FA5}">
+                      <a16:colId xmlns:a16="http://schemas.microsoft.com/office/drawing/2014/main" val="993486755"/>
+                    </a:ext>
+                  </a:extLst>
+                </a:gridCol>
+                <a:gridCol w="3096733">
+                  <a:extLst>
+                    <a:ext uri="{9D8B030D-6E8A-4147-A177-3AD203B41FA5}">
+                      <a16:colId xmlns:a16="http://schemas.microsoft.com/office/drawing/2014/main" val="3614724464"/>
+                    </a:ext>
+                  </a:extLst>
+                </a:gridCol>
+                <a:gridCol w="5865424">
+                  <a:extLst>
+                    <a:ext uri="{9D8B030D-6E8A-4147-A177-3AD203B41FA5}">
+                      <a16:colId xmlns:a16="http://schemas.microsoft.com/office/drawing/2014/main" val="1444795324"/>
+                    </a:ext>
+                  </a:extLst>
+                </a:gridCol>
+              </a:tblGrid>
+              <a:tr h="176330">
+                <a:tc rowSpan="5">
+                  <a:txBody>
+                    <a:bodyPr/>
+                    <a:lstStyle/>
+                    <a:p>
+                      <a:pPr algn="l" fontAlgn="t"/>
+                      <a:r>
+                        <a:rPr lang="en-US" sz="900" b="1" dirty="0">
+                          <a:effectLst/>
+                        </a:rPr>
+                        <a:t>Category</a:t>
+                      </a:r>
+                    </a:p>
+                  </a:txBody>
+                  <a:tcPr marL="34384" marR="34384" marT="17192" marB="17192">
+                    <a:lnL w="12700" cap="flat" cmpd="sng" algn="ctr">
+                      <a:solidFill>
+                        <a:schemeClr val="tx1"/>
+                      </a:solidFill>
+                      <a:prstDash val="solid"/>
+                      <a:round/>
+                      <a:headEnd type="none" w="med" len="med"/>
+                      <a:tailEnd type="none" w="med" len="med"/>
+                    </a:lnL>
+                    <a:lnR w="12700" cap="flat" cmpd="sng" algn="ctr">
+                      <a:solidFill>
+                        <a:schemeClr val="tx1"/>
+                      </a:solidFill>
+                      <a:prstDash val="solid"/>
+                      <a:round/>
+                      <a:headEnd type="none" w="med" len="med"/>
+                      <a:tailEnd type="none" w="med" len="med"/>
+                    </a:lnR>
+                    <a:lnT w="12700" cap="flat" cmpd="sng" algn="ctr">
+                      <a:solidFill>
+                        <a:schemeClr val="tx1"/>
+                      </a:solidFill>
+                      <a:prstDash val="solid"/>
+                      <a:round/>
+                      <a:headEnd type="none" w="med" len="med"/>
+                      <a:tailEnd type="none" w="med" len="med"/>
+                    </a:lnT>
+                    <a:lnB w="12700" cap="flat" cmpd="sng" algn="ctr">
+                      <a:solidFill>
+                        <a:schemeClr val="tx1"/>
+                      </a:solidFill>
+                      <a:prstDash val="solid"/>
+                      <a:round/>
+                      <a:headEnd type="none" w="med" len="med"/>
+                      <a:tailEnd type="none" w="med" len="med"/>
+                    </a:lnB>
+                  </a:tcPr>
+                </a:tc>
+                <a:tc>
+                  <a:txBody>
+                    <a:bodyPr/>
+                    <a:lstStyle/>
+                    <a:p>
+                      <a:pPr algn="l" fontAlgn="t"/>
+                      <a:r>
+                        <a:rPr lang="en-US" sz="900" b="1">
+                          <a:effectLst/>
+                        </a:rPr>
+                        <a:t>Type</a:t>
+                      </a:r>
+                    </a:p>
+                  </a:txBody>
+                  <a:tcPr marL="34384" marR="34384" marT="17192" marB="17192">
+                    <a:lnL w="12700" cap="flat" cmpd="sng" algn="ctr">
+                      <a:solidFill>
+                        <a:schemeClr val="tx1"/>
+                      </a:solidFill>
+                      <a:prstDash val="solid"/>
+                      <a:round/>
+                      <a:headEnd type="none" w="med" len="med"/>
+                      <a:tailEnd type="none" w="med" len="med"/>
+                    </a:lnL>
+                    <a:lnR w="12700" cap="flat" cmpd="sng" algn="ctr">
+                      <a:solidFill>
+                        <a:schemeClr val="tx1"/>
+                      </a:solidFill>
+                      <a:prstDash val="solid"/>
+                      <a:round/>
+                      <a:headEnd type="none" w="med" len="med"/>
+                      <a:tailEnd type="none" w="med" len="med"/>
+                    </a:lnR>
+                    <a:lnT w="12700" cap="flat" cmpd="sng" algn="ctr">
+                      <a:solidFill>
+                        <a:schemeClr val="tx1"/>
+                      </a:solidFill>
+                      <a:prstDash val="solid"/>
+                      <a:round/>
+                      <a:headEnd type="none" w="med" len="med"/>
+                      <a:tailEnd type="none" w="med" len="med"/>
+                    </a:lnT>
+                    <a:lnB w="12700" cap="flat" cmpd="sng" algn="ctr">
+                      <a:solidFill>
+                        <a:schemeClr val="tx1"/>
+                      </a:solidFill>
+                      <a:prstDash val="solid"/>
+                      <a:round/>
+                      <a:headEnd type="none" w="med" len="med"/>
+                      <a:tailEnd type="none" w="med" len="med"/>
+                    </a:lnB>
+                  </a:tcPr>
+                </a:tc>
+                <a:tc>
+                  <a:txBody>
+                    <a:bodyPr/>
+                    <a:lstStyle/>
+                    <a:p>
+                      <a:pPr algn="l" fontAlgn="t"/>
+                      <a:r>
+                        <a:rPr lang="en-US" sz="900" b="1" dirty="0">
+                          <a:effectLst/>
+                        </a:rPr>
+                        <a:t>Notes</a:t>
+                      </a:r>
+                    </a:p>
+                  </a:txBody>
+                  <a:tcPr marL="34384" marR="34384" marT="17192" marB="17192">
+                    <a:lnL w="12700" cap="flat" cmpd="sng" algn="ctr">
+                      <a:solidFill>
+                        <a:schemeClr val="tx1"/>
+                      </a:solidFill>
+                      <a:prstDash val="solid"/>
+                      <a:round/>
+                      <a:headEnd type="none" w="med" len="med"/>
+                      <a:tailEnd type="none" w="med" len="med"/>
+                    </a:lnL>
+                    <a:lnR w="12700" cap="flat" cmpd="sng" algn="ctr">
+                      <a:solidFill>
+                        <a:schemeClr val="tx1"/>
+                      </a:solidFill>
+                      <a:prstDash val="solid"/>
+                      <a:round/>
+                      <a:headEnd type="none" w="med" len="med"/>
+                      <a:tailEnd type="none" w="med" len="med"/>
+                    </a:lnR>
+                    <a:lnT w="12700" cap="flat" cmpd="sng" algn="ctr">
+                      <a:solidFill>
+                        <a:schemeClr val="tx1"/>
+                      </a:solidFill>
+                      <a:prstDash val="solid"/>
+                      <a:round/>
+                      <a:headEnd type="none" w="med" len="med"/>
+                      <a:tailEnd type="none" w="med" len="med"/>
+                    </a:lnT>
+                    <a:lnB w="12700" cap="flat" cmpd="sng" algn="ctr">
+                      <a:solidFill>
+                        <a:schemeClr val="tx1"/>
+                      </a:solidFill>
+                      <a:prstDash val="solid"/>
+                      <a:round/>
+                      <a:headEnd type="none" w="med" len="med"/>
+                      <a:tailEnd type="none" w="med" len="med"/>
+                    </a:lnB>
+                  </a:tcPr>
+                </a:tc>
+                <a:extLst>
+                  <a:ext uri="{0D108BD9-81ED-4DB2-BD59-A6C34878D82A}">
+                    <a16:rowId xmlns:a16="http://schemas.microsoft.com/office/drawing/2014/main" val="1604533802"/>
+                  </a:ext>
+                </a:extLst>
+              </a:tr>
+              <a:tr h="176330">
+                <a:tc vMerge="1">
+                  <a:txBody>
+                    <a:bodyPr/>
+                    <a:lstStyle/>
+                    <a:p>
+                      <a:endParaRPr lang="en-US"/>
+                    </a:p>
+                  </a:txBody>
+                  <a:tcPr/>
+                </a:tc>
+                <a:tc>
+                  <a:txBody>
+                    <a:bodyPr/>
+                    <a:lstStyle/>
+                    <a:p>
+                      <a:pPr fontAlgn="t"/>
+                      <a:r>
+                        <a:rPr lang="en-US" sz="900">
+                          <a:effectLst/>
+                          <a:hlinkClick r:id="rId2"/>
+                        </a:rPr>
+                        <a:t>Numeric Data Types</a:t>
+                      </a:r>
+                      <a:endParaRPr lang="en-US" sz="900">
+                        <a:effectLst/>
+                      </a:endParaRPr>
+                    </a:p>
+                  </a:txBody>
+                  <a:tcPr marL="34384" marR="34384" marT="17192" marB="17192">
+                    <a:lnL w="12700" cap="flat" cmpd="sng" algn="ctr">
+                      <a:solidFill>
+                        <a:schemeClr val="tx1"/>
+                      </a:solidFill>
+                      <a:prstDash val="solid"/>
+                      <a:round/>
+                      <a:headEnd type="none" w="med" len="med"/>
+                      <a:tailEnd type="none" w="med" len="med"/>
+                    </a:lnL>
+                    <a:lnR w="12700" cap="flat" cmpd="sng" algn="ctr">
+                      <a:solidFill>
+                        <a:schemeClr val="tx1"/>
+                      </a:solidFill>
+                      <a:prstDash val="solid"/>
+                      <a:round/>
+                      <a:headEnd type="none" w="med" len="med"/>
+                      <a:tailEnd type="none" w="med" len="med"/>
+                    </a:lnR>
+                    <a:lnT w="12700" cap="flat" cmpd="sng" algn="ctr">
+                      <a:solidFill>
+                        <a:schemeClr val="tx1"/>
+                      </a:solidFill>
+                      <a:prstDash val="solid"/>
+                      <a:round/>
+                      <a:headEnd type="none" w="med" len="med"/>
+                      <a:tailEnd type="none" w="med" len="med"/>
+                    </a:lnT>
+                    <a:lnB w="12700" cap="flat" cmpd="sng" algn="ctr">
+                      <a:solidFill>
+                        <a:schemeClr val="tx1"/>
+                      </a:solidFill>
+                      <a:prstDash val="solid"/>
+                      <a:round/>
+                      <a:headEnd type="none" w="med" len="med"/>
+                      <a:tailEnd type="none" w="med" len="med"/>
+                    </a:lnB>
+                  </a:tcPr>
+                </a:tc>
+                <a:tc>
+                  <a:txBody>
+                    <a:bodyPr/>
+                    <a:lstStyle/>
+                    <a:p>
+                      <a:pPr fontAlgn="t"/>
+                      <a:r>
+                        <a:rPr lang="en-US" sz="900" dirty="0">
+                          <a:effectLst/>
+                        </a:rPr>
+                        <a:t>NUMBER</a:t>
+                      </a:r>
+                    </a:p>
+                  </a:txBody>
+                  <a:tcPr marL="34384" marR="34384" marT="17192" marB="17192">
+                    <a:lnL w="12700" cap="flat" cmpd="sng" algn="ctr">
+                      <a:solidFill>
+                        <a:schemeClr val="tx1"/>
+                      </a:solidFill>
+                      <a:prstDash val="solid"/>
+                      <a:round/>
+                      <a:headEnd type="none" w="med" len="med"/>
+                      <a:tailEnd type="none" w="med" len="med"/>
+                    </a:lnL>
+                    <a:lnR w="12700" cap="flat" cmpd="sng" algn="ctr">
+                      <a:solidFill>
+                        <a:schemeClr val="tx1"/>
+                      </a:solidFill>
+                      <a:prstDash val="solid"/>
+                      <a:round/>
+                      <a:headEnd type="none" w="med" len="med"/>
+                      <a:tailEnd type="none" w="med" len="med"/>
+                    </a:lnR>
+                    <a:lnT w="12700" cap="flat" cmpd="sng" algn="ctr">
+                      <a:solidFill>
+                        <a:schemeClr val="tx1"/>
+                      </a:solidFill>
+                      <a:prstDash val="solid"/>
+                      <a:round/>
+                      <a:headEnd type="none" w="med" len="med"/>
+                      <a:tailEnd type="none" w="med" len="med"/>
+                    </a:lnT>
+                    <a:lnB w="12700" cap="flat" cmpd="sng" algn="ctr">
+                      <a:solidFill>
+                        <a:schemeClr val="tx1"/>
+                      </a:solidFill>
+                      <a:prstDash val="solid"/>
+                      <a:round/>
+                      <a:headEnd type="none" w="med" len="med"/>
+                      <a:tailEnd type="none" w="med" len="med"/>
+                    </a:lnB>
+                  </a:tcPr>
+                </a:tc>
+                <a:extLst>
+                  <a:ext uri="{0D108BD9-81ED-4DB2-BD59-A6C34878D82A}">
+                    <a16:rowId xmlns:a16="http://schemas.microsoft.com/office/drawing/2014/main" val="3749455602"/>
+                  </a:ext>
+                </a:extLst>
+              </a:tr>
+              <a:tr h="176330">
+                <a:tc vMerge="1">
+                  <a:txBody>
+                    <a:bodyPr/>
+                    <a:lstStyle/>
+                    <a:p>
+                      <a:endParaRPr lang="en-US"/>
+                    </a:p>
+                  </a:txBody>
+                  <a:tcPr/>
+                </a:tc>
+                <a:tc>
+                  <a:txBody>
+                    <a:bodyPr/>
+                    <a:lstStyle/>
+                    <a:p>
+                      <a:pPr fontAlgn="t"/>
+                      <a:r>
+                        <a:rPr lang="en-US" sz="900">
+                          <a:effectLst/>
+                        </a:rPr>
+                        <a:t>DECIMAL, NUMERIC</a:t>
+                      </a:r>
+                    </a:p>
+                  </a:txBody>
+                  <a:tcPr marL="34384" marR="34384" marT="17192" marB="17192">
+                    <a:lnL w="12700" cap="flat" cmpd="sng" algn="ctr">
+                      <a:solidFill>
+                        <a:schemeClr val="tx1"/>
+                      </a:solidFill>
+                      <a:prstDash val="solid"/>
+                      <a:round/>
+                      <a:headEnd type="none" w="med" len="med"/>
+                      <a:tailEnd type="none" w="med" len="med"/>
+                    </a:lnL>
+                    <a:lnR w="12700" cap="flat" cmpd="sng" algn="ctr">
+                      <a:solidFill>
+                        <a:schemeClr val="tx1"/>
+                      </a:solidFill>
+                      <a:prstDash val="solid"/>
+                      <a:round/>
+                      <a:headEnd type="none" w="med" len="med"/>
+                      <a:tailEnd type="none" w="med" len="med"/>
+                    </a:lnR>
+                    <a:lnT w="12700" cap="flat" cmpd="sng" algn="ctr">
+                      <a:solidFill>
+                        <a:schemeClr val="tx1"/>
+                      </a:solidFill>
+                      <a:prstDash val="solid"/>
+                      <a:round/>
+                      <a:headEnd type="none" w="med" len="med"/>
+                      <a:tailEnd type="none" w="med" len="med"/>
+                    </a:lnT>
+                    <a:lnB w="12700" cap="flat" cmpd="sng" algn="ctr">
+                      <a:solidFill>
+                        <a:schemeClr val="tx1"/>
+                      </a:solidFill>
+                      <a:prstDash val="solid"/>
+                      <a:round/>
+                      <a:headEnd type="none" w="med" len="med"/>
+                      <a:tailEnd type="none" w="med" len="med"/>
+                    </a:lnB>
+                  </a:tcPr>
+                </a:tc>
+                <a:tc>
+                  <a:txBody>
+                    <a:bodyPr/>
+                    <a:lstStyle/>
+                    <a:p>
+                      <a:pPr fontAlgn="t"/>
+                      <a:r>
+                        <a:rPr lang="en-US" sz="900" dirty="0">
+                          <a:effectLst/>
+                        </a:rPr>
+                        <a:t>Synonymous with NUMBER.</a:t>
+                      </a:r>
+                    </a:p>
+                  </a:txBody>
+                  <a:tcPr marL="34384" marR="34384" marT="17192" marB="17192">
+                    <a:lnL w="12700" cap="flat" cmpd="sng" algn="ctr">
+                      <a:solidFill>
+                        <a:schemeClr val="tx1"/>
+                      </a:solidFill>
+                      <a:prstDash val="solid"/>
+                      <a:round/>
+                      <a:headEnd type="none" w="med" len="med"/>
+                      <a:tailEnd type="none" w="med" len="med"/>
+                    </a:lnL>
+                    <a:lnR w="12700" cap="flat" cmpd="sng" algn="ctr">
+                      <a:solidFill>
+                        <a:schemeClr val="tx1"/>
+                      </a:solidFill>
+                      <a:prstDash val="solid"/>
+                      <a:round/>
+                      <a:headEnd type="none" w="med" len="med"/>
+                      <a:tailEnd type="none" w="med" len="med"/>
+                    </a:lnR>
+                    <a:lnT w="12700" cap="flat" cmpd="sng" algn="ctr">
+                      <a:solidFill>
+                        <a:schemeClr val="tx1"/>
+                      </a:solidFill>
+                      <a:prstDash val="solid"/>
+                      <a:round/>
+                      <a:headEnd type="none" w="med" len="med"/>
+                      <a:tailEnd type="none" w="med" len="med"/>
+                    </a:lnT>
+                    <a:lnB w="12700" cap="flat" cmpd="sng" algn="ctr">
+                      <a:solidFill>
+                        <a:schemeClr val="tx1"/>
+                      </a:solidFill>
+                      <a:prstDash val="solid"/>
+                      <a:round/>
+                      <a:headEnd type="none" w="med" len="med"/>
+                      <a:tailEnd type="none" w="med" len="med"/>
+                    </a:lnB>
+                  </a:tcPr>
+                </a:tc>
+                <a:extLst>
+                  <a:ext uri="{0D108BD9-81ED-4DB2-BD59-A6C34878D82A}">
+                    <a16:rowId xmlns:a16="http://schemas.microsoft.com/office/drawing/2014/main" val="2243754809"/>
+                  </a:ext>
+                </a:extLst>
+              </a:tr>
+              <a:tr h="330868">
+                <a:tc vMerge="1">
+                  <a:txBody>
+                    <a:bodyPr/>
+                    <a:lstStyle/>
+                    <a:p>
+                      <a:endParaRPr lang="en-US"/>
+                    </a:p>
+                  </a:txBody>
+                  <a:tcPr/>
+                </a:tc>
+                <a:tc>
+                  <a:txBody>
+                    <a:bodyPr/>
+                    <a:lstStyle/>
+                    <a:p>
+                      <a:pPr fontAlgn="t"/>
+                      <a:r>
+                        <a:rPr lang="en-US" sz="900" dirty="0">
+                          <a:effectLst/>
+                        </a:rPr>
+                        <a:t>INT, INTEGER, BIGINT, SMALLINT, TINYINT, BYTEINT</a:t>
+                      </a:r>
+                    </a:p>
+                  </a:txBody>
+                  <a:tcPr marL="34384" marR="34384" marT="17192" marB="17192">
+                    <a:lnL w="12700" cap="flat" cmpd="sng" algn="ctr">
+                      <a:solidFill>
+                        <a:schemeClr val="tx1"/>
+                      </a:solidFill>
+                      <a:prstDash val="solid"/>
+                      <a:round/>
+                      <a:headEnd type="none" w="med" len="med"/>
+                      <a:tailEnd type="none" w="med" len="med"/>
+                    </a:lnL>
+                    <a:lnR w="12700" cap="flat" cmpd="sng" algn="ctr">
+                      <a:solidFill>
+                        <a:schemeClr val="tx1"/>
+                      </a:solidFill>
+                      <a:prstDash val="solid"/>
+                      <a:round/>
+                      <a:headEnd type="none" w="med" len="med"/>
+                      <a:tailEnd type="none" w="med" len="med"/>
+                    </a:lnR>
+                    <a:lnT w="12700" cap="flat" cmpd="sng" algn="ctr">
+                      <a:solidFill>
+                        <a:schemeClr val="tx1"/>
+                      </a:solidFill>
+                      <a:prstDash val="solid"/>
+                      <a:round/>
+                      <a:headEnd type="none" w="med" len="med"/>
+                      <a:tailEnd type="none" w="med" len="med"/>
+                    </a:lnT>
+                    <a:lnB w="12700" cap="flat" cmpd="sng" algn="ctr">
+                      <a:solidFill>
+                        <a:schemeClr val="tx1"/>
+                      </a:solidFill>
+                      <a:prstDash val="solid"/>
+                      <a:round/>
+                      <a:headEnd type="none" w="med" len="med"/>
+                      <a:tailEnd type="none" w="med" len="med"/>
+                    </a:lnB>
+                  </a:tcPr>
+                </a:tc>
+                <a:tc>
+                  <a:txBody>
+                    <a:bodyPr/>
+                    <a:lstStyle/>
+                    <a:p>
+                      <a:pPr fontAlgn="t"/>
+                      <a:r>
+                        <a:rPr lang="en-US" sz="900" dirty="0">
+                          <a:effectLst/>
+                        </a:rPr>
+                        <a:t>Synonymous with NUMBER except precision and scale cannot be specified.</a:t>
+                      </a:r>
+                    </a:p>
+                  </a:txBody>
+                  <a:tcPr marL="34384" marR="34384" marT="17192" marB="17192">
+                    <a:lnL w="12700" cap="flat" cmpd="sng" algn="ctr">
+                      <a:solidFill>
+                        <a:schemeClr val="tx1"/>
+                      </a:solidFill>
+                      <a:prstDash val="solid"/>
+                      <a:round/>
+                      <a:headEnd type="none" w="med" len="med"/>
+                      <a:tailEnd type="none" w="med" len="med"/>
+                    </a:lnL>
+                    <a:lnR w="12700" cap="flat" cmpd="sng" algn="ctr">
+                      <a:solidFill>
+                        <a:schemeClr val="tx1"/>
+                      </a:solidFill>
+                      <a:prstDash val="solid"/>
+                      <a:round/>
+                      <a:headEnd type="none" w="med" len="med"/>
+                      <a:tailEnd type="none" w="med" len="med"/>
+                    </a:lnR>
+                    <a:lnT w="12700" cap="flat" cmpd="sng" algn="ctr">
+                      <a:solidFill>
+                        <a:schemeClr val="tx1"/>
+                      </a:solidFill>
+                      <a:prstDash val="solid"/>
+                      <a:round/>
+                      <a:headEnd type="none" w="med" len="med"/>
+                      <a:tailEnd type="none" w="med" len="med"/>
+                    </a:lnT>
+                    <a:lnB w="12700" cap="flat" cmpd="sng" algn="ctr">
+                      <a:solidFill>
+                        <a:schemeClr val="tx1"/>
+                      </a:solidFill>
+                      <a:prstDash val="solid"/>
+                      <a:round/>
+                      <a:headEnd type="none" w="med" len="med"/>
+                      <a:tailEnd type="none" w="med" len="med"/>
+                    </a:lnB>
+                  </a:tcPr>
+                </a:tc>
+                <a:extLst>
+                  <a:ext uri="{0D108BD9-81ED-4DB2-BD59-A6C34878D82A}">
+                    <a16:rowId xmlns:a16="http://schemas.microsoft.com/office/drawing/2014/main" val="2312413702"/>
+                  </a:ext>
+                </a:extLst>
+              </a:tr>
+              <a:tr h="176330">
+                <a:tc vMerge="1">
+                  <a:txBody>
+                    <a:bodyPr/>
+                    <a:lstStyle/>
+                    <a:p>
+                      <a:endParaRPr lang="en-US"/>
+                    </a:p>
+                  </a:txBody>
+                  <a:tcPr/>
+                </a:tc>
+                <a:tc>
+                  <a:txBody>
+                    <a:bodyPr/>
+                    <a:lstStyle/>
+                    <a:p>
+                      <a:pPr fontAlgn="t"/>
+                      <a:r>
+                        <a:rPr lang="en-US" sz="900" dirty="0">
+                          <a:effectLst/>
+                        </a:rPr>
+                        <a:t>FLOAT, FLOAT4, FLOAT8</a:t>
+                      </a:r>
+                    </a:p>
+                  </a:txBody>
+                  <a:tcPr marL="34384" marR="34384" marT="17192" marB="17192">
+                    <a:lnL w="12700" cap="flat" cmpd="sng" algn="ctr">
+                      <a:solidFill>
+                        <a:schemeClr val="tx1"/>
+                      </a:solidFill>
+                      <a:prstDash val="solid"/>
+                      <a:round/>
+                      <a:headEnd type="none" w="med" len="med"/>
+                      <a:tailEnd type="none" w="med" len="med"/>
+                    </a:lnL>
+                    <a:lnR w="12700" cap="flat" cmpd="sng" algn="ctr">
+                      <a:solidFill>
+                        <a:schemeClr val="tx1"/>
+                      </a:solidFill>
+                      <a:prstDash val="solid"/>
+                      <a:round/>
+                      <a:headEnd type="none" w="med" len="med"/>
+                      <a:tailEnd type="none" w="med" len="med"/>
+                    </a:lnR>
+                    <a:lnT w="12700" cap="flat" cmpd="sng" algn="ctr">
+                      <a:solidFill>
+                        <a:schemeClr val="tx1"/>
+                      </a:solidFill>
+                      <a:prstDash val="solid"/>
+                      <a:round/>
+                      <a:headEnd type="none" w="med" len="med"/>
+                      <a:tailEnd type="none" w="med" len="med"/>
+                    </a:lnT>
+                    <a:lnB w="12700" cap="flat" cmpd="sng" algn="ctr">
+                      <a:solidFill>
+                        <a:schemeClr val="tx1"/>
+                      </a:solidFill>
+                      <a:prstDash val="solid"/>
+                      <a:round/>
+                      <a:headEnd type="none" w="med" len="med"/>
+                      <a:tailEnd type="none" w="med" len="med"/>
+                    </a:lnB>
+                  </a:tcPr>
+                </a:tc>
+                <a:tc>
+                  <a:txBody>
+                    <a:bodyPr/>
+                    <a:lstStyle/>
+                    <a:p>
+                      <a:pPr fontAlgn="t"/>
+                      <a:r>
+                        <a:rPr lang="en-US" sz="900" baseline="30000" dirty="0">
+                          <a:effectLst/>
+                        </a:rPr>
+                        <a:t>[1]</a:t>
+                      </a:r>
+                      <a:endParaRPr lang="en-US" sz="900" dirty="0">
+                        <a:effectLst/>
+                      </a:endParaRPr>
+                    </a:p>
+                  </a:txBody>
+                  <a:tcPr marL="34384" marR="34384" marT="17192" marB="17192">
+                    <a:lnL w="12700" cap="flat" cmpd="sng" algn="ctr">
+                      <a:solidFill>
+                        <a:schemeClr val="tx1"/>
+                      </a:solidFill>
+                      <a:prstDash val="solid"/>
+                      <a:round/>
+                      <a:headEnd type="none" w="med" len="med"/>
+                      <a:tailEnd type="none" w="med" len="med"/>
+                    </a:lnL>
+                    <a:lnR w="12700" cap="flat" cmpd="sng" algn="ctr">
+                      <a:solidFill>
+                        <a:schemeClr val="tx1"/>
+                      </a:solidFill>
+                      <a:prstDash val="solid"/>
+                      <a:round/>
+                      <a:headEnd type="none" w="med" len="med"/>
+                      <a:tailEnd type="none" w="med" len="med"/>
+                    </a:lnR>
+                    <a:lnT w="12700" cap="flat" cmpd="sng" algn="ctr">
+                      <a:solidFill>
+                        <a:schemeClr val="tx1"/>
+                      </a:solidFill>
+                      <a:prstDash val="solid"/>
+                      <a:round/>
+                      <a:headEnd type="none" w="med" len="med"/>
+                      <a:tailEnd type="none" w="med" len="med"/>
+                    </a:lnT>
+                    <a:lnB w="12700" cap="flat" cmpd="sng" algn="ctr">
+                      <a:solidFill>
+                        <a:schemeClr val="tx1"/>
+                      </a:solidFill>
+                      <a:prstDash val="solid"/>
+                      <a:round/>
+                      <a:headEnd type="none" w="med" len="med"/>
+                      <a:tailEnd type="none" w="med" len="med"/>
+                    </a:lnB>
+                  </a:tcPr>
+                </a:tc>
+                <a:extLst>
+                  <a:ext uri="{0D108BD9-81ED-4DB2-BD59-A6C34878D82A}">
+                    <a16:rowId xmlns:a16="http://schemas.microsoft.com/office/drawing/2014/main" val="4155000830"/>
+                  </a:ext>
+                </a:extLst>
+              </a:tr>
+              <a:tr h="176330">
+                <a:tc rowSpan="6">
+                  <a:txBody>
+                    <a:bodyPr/>
+                    <a:lstStyle/>
+                    <a:p>
+                      <a:pPr fontAlgn="t"/>
+                      <a:r>
+                        <a:rPr lang="en-US" sz="900" dirty="0">
+                          <a:effectLst/>
+                        </a:rPr>
+                        <a:t>DOUBLE, DOUBLE PRECISION, REAL</a:t>
+                      </a:r>
+                    </a:p>
+                  </a:txBody>
+                  <a:tcPr marL="34384" marR="34384" marT="17192" marB="17192">
+                    <a:lnL w="12700" cap="flat" cmpd="sng" algn="ctr">
+                      <a:solidFill>
+                        <a:schemeClr val="tx1"/>
+                      </a:solidFill>
+                      <a:prstDash val="solid"/>
+                      <a:round/>
+                      <a:headEnd type="none" w="med" len="med"/>
+                      <a:tailEnd type="none" w="med" len="med"/>
+                    </a:lnL>
+                    <a:lnR w="12700" cap="flat" cmpd="sng" algn="ctr">
+                      <a:solidFill>
+                        <a:schemeClr val="tx1"/>
+                      </a:solidFill>
+                      <a:prstDash val="solid"/>
+                      <a:round/>
+                      <a:headEnd type="none" w="med" len="med"/>
+                      <a:tailEnd type="none" w="med" len="med"/>
+                    </a:lnR>
+                    <a:lnT w="12700" cap="flat" cmpd="sng" algn="ctr">
+                      <a:solidFill>
+                        <a:schemeClr val="tx1"/>
+                      </a:solidFill>
+                      <a:prstDash val="solid"/>
+                      <a:round/>
+                      <a:headEnd type="none" w="med" len="med"/>
+                      <a:tailEnd type="none" w="med" len="med"/>
+                    </a:lnT>
+                    <a:lnB w="12700" cap="flat" cmpd="sng" algn="ctr">
+                      <a:solidFill>
+                        <a:schemeClr val="tx1"/>
+                      </a:solidFill>
+                      <a:prstDash val="solid"/>
+                      <a:round/>
+                      <a:headEnd type="none" w="med" len="med"/>
+                      <a:tailEnd type="none" w="med" len="med"/>
+                    </a:lnB>
+                  </a:tcPr>
+                </a:tc>
+                <a:tc>
+                  <a:txBody>
+                    <a:bodyPr/>
+                    <a:lstStyle/>
+                    <a:p>
+                      <a:pPr fontAlgn="t"/>
+                      <a:r>
+                        <a:rPr lang="en-US" sz="900" dirty="0">
+                          <a:effectLst/>
+                        </a:rPr>
+                        <a:t>Synonymous with FLOAT. </a:t>
+                      </a:r>
+                      <a:r>
+                        <a:rPr lang="en-US" sz="900" baseline="30000" dirty="0">
+                          <a:effectLst/>
+                        </a:rPr>
+                        <a:t>[1]</a:t>
+                      </a:r>
+                      <a:endParaRPr lang="en-US" sz="900" dirty="0">
+                        <a:effectLst/>
+                      </a:endParaRPr>
+                    </a:p>
+                  </a:txBody>
+                  <a:tcPr marL="34384" marR="34384" marT="17192" marB="17192">
+                    <a:lnL w="12700" cap="flat" cmpd="sng" algn="ctr">
+                      <a:solidFill>
+                        <a:schemeClr val="tx1"/>
+                      </a:solidFill>
+                      <a:prstDash val="solid"/>
+                      <a:round/>
+                      <a:headEnd type="none" w="med" len="med"/>
+                      <a:tailEnd type="none" w="med" len="med"/>
+                    </a:lnL>
+                    <a:lnR w="12700" cap="flat" cmpd="sng" algn="ctr">
+                      <a:solidFill>
+                        <a:schemeClr val="tx1"/>
+                      </a:solidFill>
+                      <a:prstDash val="solid"/>
+                      <a:round/>
+                      <a:headEnd type="none" w="med" len="med"/>
+                      <a:tailEnd type="none" w="med" len="med"/>
+                    </a:lnR>
+                    <a:lnT w="12700" cap="flat" cmpd="sng" algn="ctr">
+                      <a:solidFill>
+                        <a:schemeClr val="tx1"/>
+                      </a:solidFill>
+                      <a:prstDash val="solid"/>
+                      <a:round/>
+                      <a:headEnd type="none" w="med" len="med"/>
+                      <a:tailEnd type="none" w="med" len="med"/>
+                    </a:lnT>
+                    <a:lnB w="12700" cap="flat" cmpd="sng" algn="ctr">
+                      <a:solidFill>
+                        <a:schemeClr val="tx1"/>
+                      </a:solidFill>
+                      <a:prstDash val="solid"/>
+                      <a:round/>
+                      <a:headEnd type="none" w="med" len="med"/>
+                      <a:tailEnd type="none" w="med" len="med"/>
+                    </a:lnB>
+                  </a:tcPr>
+                </a:tc>
+                <a:tc>
+                  <a:txBody>
+                    <a:bodyPr/>
+                    <a:lstStyle/>
+                    <a:p>
+                      <a:endParaRPr lang="en-US" sz="900" dirty="0"/>
+                    </a:p>
+                  </a:txBody>
+                  <a:tcPr marL="34384" marR="34384" marT="17192" marB="17192">
+                    <a:lnL w="12700" cap="flat" cmpd="sng" algn="ctr">
+                      <a:solidFill>
+                        <a:schemeClr val="tx1"/>
+                      </a:solidFill>
+                      <a:prstDash val="solid"/>
+                      <a:round/>
+                      <a:headEnd type="none" w="med" len="med"/>
+                      <a:tailEnd type="none" w="med" len="med"/>
+                    </a:lnL>
+                    <a:lnR w="12700" cap="flat" cmpd="sng" algn="ctr">
+                      <a:solidFill>
+                        <a:schemeClr val="tx1"/>
+                      </a:solidFill>
+                      <a:prstDash val="solid"/>
+                      <a:round/>
+                      <a:headEnd type="none" w="med" len="med"/>
+                      <a:tailEnd type="none" w="med" len="med"/>
+                    </a:lnR>
+                    <a:lnT w="12700" cap="flat" cmpd="sng" algn="ctr">
+                      <a:solidFill>
+                        <a:schemeClr val="tx1"/>
+                      </a:solidFill>
+                      <a:prstDash val="solid"/>
+                      <a:round/>
+                      <a:headEnd type="none" w="med" len="med"/>
+                      <a:tailEnd type="none" w="med" len="med"/>
+                    </a:lnT>
+                    <a:lnB w="12700" cap="flat" cmpd="sng" algn="ctr">
+                      <a:solidFill>
+                        <a:schemeClr val="tx1"/>
+                      </a:solidFill>
+                      <a:prstDash val="solid"/>
+                      <a:round/>
+                      <a:headEnd type="none" w="med" len="med"/>
+                      <a:tailEnd type="none" w="med" len="med"/>
+                    </a:lnB>
+                  </a:tcPr>
+                </a:tc>
+                <a:extLst>
+                  <a:ext uri="{0D108BD9-81ED-4DB2-BD59-A6C34878D82A}">
+                    <a16:rowId xmlns:a16="http://schemas.microsoft.com/office/drawing/2014/main" val="423169614"/>
+                  </a:ext>
+                </a:extLst>
+              </a:tr>
+              <a:tr h="176330">
+                <a:tc vMerge="1">
+                  <a:txBody>
+                    <a:bodyPr/>
+                    <a:lstStyle/>
+                    <a:p>
+                      <a:endParaRPr lang="en-US"/>
+                    </a:p>
+                  </a:txBody>
+                  <a:tcPr/>
+                </a:tc>
+                <a:tc>
+                  <a:txBody>
+                    <a:bodyPr/>
+                    <a:lstStyle/>
+                    <a:p>
+                      <a:pPr fontAlgn="t"/>
+                      <a:r>
+                        <a:rPr lang="en-US" sz="900" dirty="0">
+                          <a:effectLst/>
+                          <a:hlinkClick r:id="rId3"/>
+                        </a:rPr>
+                        <a:t>String &amp; Binary Data Types</a:t>
+                      </a:r>
+                      <a:endParaRPr lang="en-US" sz="900" dirty="0">
+                        <a:effectLst/>
+                      </a:endParaRPr>
+                    </a:p>
+                  </a:txBody>
+                  <a:tcPr marL="34384" marR="34384" marT="17192" marB="17192">
+                    <a:lnL w="12700" cap="flat" cmpd="sng" algn="ctr">
+                      <a:solidFill>
+                        <a:schemeClr val="tx1"/>
+                      </a:solidFill>
+                      <a:prstDash val="solid"/>
+                      <a:round/>
+                      <a:headEnd type="none" w="med" len="med"/>
+                      <a:tailEnd type="none" w="med" len="med"/>
+                    </a:lnL>
+                    <a:lnR w="12700" cap="flat" cmpd="sng" algn="ctr">
+                      <a:solidFill>
+                        <a:schemeClr val="tx1"/>
+                      </a:solidFill>
+                      <a:prstDash val="solid"/>
+                      <a:round/>
+                      <a:headEnd type="none" w="med" len="med"/>
+                      <a:tailEnd type="none" w="med" len="med"/>
+                    </a:lnR>
+                    <a:lnT w="12700" cap="flat" cmpd="sng" algn="ctr">
+                      <a:solidFill>
+                        <a:schemeClr val="tx1"/>
+                      </a:solidFill>
+                      <a:prstDash val="solid"/>
+                      <a:round/>
+                      <a:headEnd type="none" w="med" len="med"/>
+                      <a:tailEnd type="none" w="med" len="med"/>
+                    </a:lnT>
+                    <a:lnB w="12700" cap="flat" cmpd="sng" algn="ctr">
+                      <a:solidFill>
+                        <a:schemeClr val="tx1"/>
+                      </a:solidFill>
+                      <a:prstDash val="solid"/>
+                      <a:round/>
+                      <a:headEnd type="none" w="med" len="med"/>
+                      <a:tailEnd type="none" w="med" len="med"/>
+                    </a:lnB>
+                  </a:tcPr>
+                </a:tc>
+                <a:tc>
+                  <a:txBody>
+                    <a:bodyPr/>
+                    <a:lstStyle/>
+                    <a:p>
+                      <a:pPr fontAlgn="t"/>
+                      <a:r>
+                        <a:rPr lang="en-US" sz="900" dirty="0">
+                          <a:effectLst/>
+                        </a:rPr>
+                        <a:t>VARCHAR</a:t>
+                      </a:r>
+                    </a:p>
+                  </a:txBody>
+                  <a:tcPr marL="34384" marR="34384" marT="17192" marB="17192">
+                    <a:lnL w="12700" cap="flat" cmpd="sng" algn="ctr">
+                      <a:solidFill>
+                        <a:schemeClr val="tx1"/>
+                      </a:solidFill>
+                      <a:prstDash val="solid"/>
+                      <a:round/>
+                      <a:headEnd type="none" w="med" len="med"/>
+                      <a:tailEnd type="none" w="med" len="med"/>
+                    </a:lnL>
+                    <a:lnR w="12700" cap="flat" cmpd="sng" algn="ctr">
+                      <a:solidFill>
+                        <a:schemeClr val="tx1"/>
+                      </a:solidFill>
+                      <a:prstDash val="solid"/>
+                      <a:round/>
+                      <a:headEnd type="none" w="med" len="med"/>
+                      <a:tailEnd type="none" w="med" len="med"/>
+                    </a:lnR>
+                    <a:lnT w="12700" cap="flat" cmpd="sng" algn="ctr">
+                      <a:solidFill>
+                        <a:schemeClr val="tx1"/>
+                      </a:solidFill>
+                      <a:prstDash val="solid"/>
+                      <a:round/>
+                      <a:headEnd type="none" w="med" len="med"/>
+                      <a:tailEnd type="none" w="med" len="med"/>
+                    </a:lnT>
+                    <a:lnB w="12700" cap="flat" cmpd="sng" algn="ctr">
+                      <a:solidFill>
+                        <a:schemeClr val="tx1"/>
+                      </a:solidFill>
+                      <a:prstDash val="solid"/>
+                      <a:round/>
+                      <a:headEnd type="none" w="med" len="med"/>
+                      <a:tailEnd type="none" w="med" len="med"/>
+                    </a:lnB>
+                  </a:tcPr>
+                </a:tc>
+                <a:extLst>
+                  <a:ext uri="{0D108BD9-81ED-4DB2-BD59-A6C34878D82A}">
+                    <a16:rowId xmlns:a16="http://schemas.microsoft.com/office/drawing/2014/main" val="3742557625"/>
+                  </a:ext>
+                </a:extLst>
+              </a:tr>
+              <a:tr h="176330">
+                <a:tc vMerge="1">
+                  <a:txBody>
+                    <a:bodyPr/>
+                    <a:lstStyle/>
+                    <a:p>
+                      <a:endParaRPr lang="en-US"/>
+                    </a:p>
+                  </a:txBody>
+                  <a:tcPr/>
+                </a:tc>
+                <a:tc>
+                  <a:txBody>
+                    <a:bodyPr/>
+                    <a:lstStyle/>
+                    <a:p>
+                      <a:pPr fontAlgn="t"/>
+                      <a:r>
+                        <a:rPr lang="en-US" sz="900" dirty="0">
+                          <a:effectLst/>
+                        </a:rPr>
+                        <a:t>CHAR, CHARACTER</a:t>
+                      </a:r>
+                    </a:p>
+                  </a:txBody>
+                  <a:tcPr marL="34384" marR="34384" marT="17192" marB="17192">
+                    <a:lnL w="12700" cap="flat" cmpd="sng" algn="ctr">
+                      <a:solidFill>
+                        <a:schemeClr val="tx1"/>
+                      </a:solidFill>
+                      <a:prstDash val="solid"/>
+                      <a:round/>
+                      <a:headEnd type="none" w="med" len="med"/>
+                      <a:tailEnd type="none" w="med" len="med"/>
+                    </a:lnL>
+                    <a:lnR w="12700" cap="flat" cmpd="sng" algn="ctr">
+                      <a:solidFill>
+                        <a:schemeClr val="tx1"/>
+                      </a:solidFill>
+                      <a:prstDash val="solid"/>
+                      <a:round/>
+                      <a:headEnd type="none" w="med" len="med"/>
+                      <a:tailEnd type="none" w="med" len="med"/>
+                    </a:lnR>
+                    <a:lnT w="12700" cap="flat" cmpd="sng" algn="ctr">
+                      <a:solidFill>
+                        <a:schemeClr val="tx1"/>
+                      </a:solidFill>
+                      <a:prstDash val="solid"/>
+                      <a:round/>
+                      <a:headEnd type="none" w="med" len="med"/>
+                      <a:tailEnd type="none" w="med" len="med"/>
+                    </a:lnT>
+                    <a:lnB w="12700" cap="flat" cmpd="sng" algn="ctr">
+                      <a:solidFill>
+                        <a:schemeClr val="tx1"/>
+                      </a:solidFill>
+                      <a:prstDash val="solid"/>
+                      <a:round/>
+                      <a:headEnd type="none" w="med" len="med"/>
+                      <a:tailEnd type="none" w="med" len="med"/>
+                    </a:lnB>
+                  </a:tcPr>
+                </a:tc>
+                <a:tc>
+                  <a:txBody>
+                    <a:bodyPr/>
+                    <a:lstStyle/>
+                    <a:p>
+                      <a:pPr fontAlgn="t"/>
+                      <a:r>
+                        <a:rPr lang="en-US" sz="900" dirty="0">
+                          <a:effectLst/>
+                        </a:rPr>
+                        <a:t>Synonymous with VARCHAR except default length is VARCHAR(1).</a:t>
+                      </a:r>
+                    </a:p>
+                  </a:txBody>
+                  <a:tcPr marL="34384" marR="34384" marT="17192" marB="17192">
+                    <a:lnL w="12700" cap="flat" cmpd="sng" algn="ctr">
+                      <a:solidFill>
+                        <a:schemeClr val="tx1"/>
+                      </a:solidFill>
+                      <a:prstDash val="solid"/>
+                      <a:round/>
+                      <a:headEnd type="none" w="med" len="med"/>
+                      <a:tailEnd type="none" w="med" len="med"/>
+                    </a:lnL>
+                    <a:lnR w="12700" cap="flat" cmpd="sng" algn="ctr">
+                      <a:solidFill>
+                        <a:schemeClr val="tx1"/>
+                      </a:solidFill>
+                      <a:prstDash val="solid"/>
+                      <a:round/>
+                      <a:headEnd type="none" w="med" len="med"/>
+                      <a:tailEnd type="none" w="med" len="med"/>
+                    </a:lnR>
+                    <a:lnT w="12700" cap="flat" cmpd="sng" algn="ctr">
+                      <a:solidFill>
+                        <a:schemeClr val="tx1"/>
+                      </a:solidFill>
+                      <a:prstDash val="solid"/>
+                      <a:round/>
+                      <a:headEnd type="none" w="med" len="med"/>
+                      <a:tailEnd type="none" w="med" len="med"/>
+                    </a:lnT>
+                    <a:lnB w="12700" cap="flat" cmpd="sng" algn="ctr">
+                      <a:solidFill>
+                        <a:schemeClr val="tx1"/>
+                      </a:solidFill>
+                      <a:prstDash val="solid"/>
+                      <a:round/>
+                      <a:headEnd type="none" w="med" len="med"/>
+                      <a:tailEnd type="none" w="med" len="med"/>
+                    </a:lnB>
+                  </a:tcPr>
+                </a:tc>
+                <a:extLst>
+                  <a:ext uri="{0D108BD9-81ED-4DB2-BD59-A6C34878D82A}">
+                    <a16:rowId xmlns:a16="http://schemas.microsoft.com/office/drawing/2014/main" val="216175944"/>
+                  </a:ext>
+                </a:extLst>
+              </a:tr>
+              <a:tr h="176330">
+                <a:tc vMerge="1">
+                  <a:txBody>
+                    <a:bodyPr/>
+                    <a:lstStyle/>
+                    <a:p>
+                      <a:endParaRPr lang="en-US"/>
+                    </a:p>
+                  </a:txBody>
+                  <a:tcPr/>
+                </a:tc>
+                <a:tc>
+                  <a:txBody>
+                    <a:bodyPr/>
+                    <a:lstStyle/>
+                    <a:p>
+                      <a:pPr fontAlgn="t"/>
+                      <a:r>
+                        <a:rPr lang="en-US" sz="900" dirty="0">
+                          <a:effectLst/>
+                        </a:rPr>
+                        <a:t>STRING</a:t>
+                      </a:r>
+                    </a:p>
+                  </a:txBody>
+                  <a:tcPr marL="34384" marR="34384" marT="17192" marB="17192">
+                    <a:lnL w="12700" cap="flat" cmpd="sng" algn="ctr">
+                      <a:solidFill>
+                        <a:schemeClr val="tx1"/>
+                      </a:solidFill>
+                      <a:prstDash val="solid"/>
+                      <a:round/>
+                      <a:headEnd type="none" w="med" len="med"/>
+                      <a:tailEnd type="none" w="med" len="med"/>
+                    </a:lnL>
+                    <a:lnR w="12700" cap="flat" cmpd="sng" algn="ctr">
+                      <a:solidFill>
+                        <a:schemeClr val="tx1"/>
+                      </a:solidFill>
+                      <a:prstDash val="solid"/>
+                      <a:round/>
+                      <a:headEnd type="none" w="med" len="med"/>
+                      <a:tailEnd type="none" w="med" len="med"/>
+                    </a:lnR>
+                    <a:lnT w="12700" cap="flat" cmpd="sng" algn="ctr">
+                      <a:solidFill>
+                        <a:schemeClr val="tx1"/>
+                      </a:solidFill>
+                      <a:prstDash val="solid"/>
+                      <a:round/>
+                      <a:headEnd type="none" w="med" len="med"/>
+                      <a:tailEnd type="none" w="med" len="med"/>
+                    </a:lnT>
+                    <a:lnB w="12700" cap="flat" cmpd="sng" algn="ctr">
+                      <a:solidFill>
+                        <a:schemeClr val="tx1"/>
+                      </a:solidFill>
+                      <a:prstDash val="solid"/>
+                      <a:round/>
+                      <a:headEnd type="none" w="med" len="med"/>
+                      <a:tailEnd type="none" w="med" len="med"/>
+                    </a:lnB>
+                  </a:tcPr>
+                </a:tc>
+                <a:tc>
+                  <a:txBody>
+                    <a:bodyPr/>
+                    <a:lstStyle/>
+                    <a:p>
+                      <a:pPr fontAlgn="t"/>
+                      <a:r>
+                        <a:rPr lang="en-US" sz="900" dirty="0">
+                          <a:effectLst/>
+                        </a:rPr>
+                        <a:t>Synonymous with VARCHAR.</a:t>
+                      </a:r>
+                    </a:p>
+                  </a:txBody>
+                  <a:tcPr marL="34384" marR="34384" marT="17192" marB="17192">
+                    <a:lnL w="12700" cap="flat" cmpd="sng" algn="ctr">
+                      <a:solidFill>
+                        <a:schemeClr val="tx1"/>
+                      </a:solidFill>
+                      <a:prstDash val="solid"/>
+                      <a:round/>
+                      <a:headEnd type="none" w="med" len="med"/>
+                      <a:tailEnd type="none" w="med" len="med"/>
+                    </a:lnL>
+                    <a:lnR w="12700" cap="flat" cmpd="sng" algn="ctr">
+                      <a:solidFill>
+                        <a:schemeClr val="tx1"/>
+                      </a:solidFill>
+                      <a:prstDash val="solid"/>
+                      <a:round/>
+                      <a:headEnd type="none" w="med" len="med"/>
+                      <a:tailEnd type="none" w="med" len="med"/>
+                    </a:lnR>
+                    <a:lnT w="12700" cap="flat" cmpd="sng" algn="ctr">
+                      <a:solidFill>
+                        <a:schemeClr val="tx1"/>
+                      </a:solidFill>
+                      <a:prstDash val="solid"/>
+                      <a:round/>
+                      <a:headEnd type="none" w="med" len="med"/>
+                      <a:tailEnd type="none" w="med" len="med"/>
+                    </a:lnT>
+                    <a:lnB w="12700" cap="flat" cmpd="sng" algn="ctr">
+                      <a:solidFill>
+                        <a:schemeClr val="tx1"/>
+                      </a:solidFill>
+                      <a:prstDash val="solid"/>
+                      <a:round/>
+                      <a:headEnd type="none" w="med" len="med"/>
+                      <a:tailEnd type="none" w="med" len="med"/>
+                    </a:lnB>
+                  </a:tcPr>
+                </a:tc>
+                <a:extLst>
+                  <a:ext uri="{0D108BD9-81ED-4DB2-BD59-A6C34878D82A}">
+                    <a16:rowId xmlns:a16="http://schemas.microsoft.com/office/drawing/2014/main" val="1412772779"/>
+                  </a:ext>
+                </a:extLst>
+              </a:tr>
+              <a:tr h="176330">
+                <a:tc vMerge="1">
+                  <a:txBody>
+                    <a:bodyPr/>
+                    <a:lstStyle/>
+                    <a:p>
+                      <a:endParaRPr lang="en-US"/>
+                    </a:p>
+                  </a:txBody>
+                  <a:tcPr/>
+                </a:tc>
+                <a:tc>
+                  <a:txBody>
+                    <a:bodyPr/>
+                    <a:lstStyle/>
+                    <a:p>
+                      <a:pPr fontAlgn="t"/>
+                      <a:r>
+                        <a:rPr lang="en-US" sz="900">
+                          <a:effectLst/>
+                        </a:rPr>
+                        <a:t>TEXT</a:t>
+                      </a:r>
+                    </a:p>
+                  </a:txBody>
+                  <a:tcPr marL="34384" marR="34384" marT="17192" marB="17192">
+                    <a:lnL w="12700" cap="flat" cmpd="sng" algn="ctr">
+                      <a:solidFill>
+                        <a:schemeClr val="tx1"/>
+                      </a:solidFill>
+                      <a:prstDash val="solid"/>
+                      <a:round/>
+                      <a:headEnd type="none" w="med" len="med"/>
+                      <a:tailEnd type="none" w="med" len="med"/>
+                    </a:lnL>
+                    <a:lnR w="12700" cap="flat" cmpd="sng" algn="ctr">
+                      <a:solidFill>
+                        <a:schemeClr val="tx1"/>
+                      </a:solidFill>
+                      <a:prstDash val="solid"/>
+                      <a:round/>
+                      <a:headEnd type="none" w="med" len="med"/>
+                      <a:tailEnd type="none" w="med" len="med"/>
+                    </a:lnR>
+                    <a:lnT w="12700" cap="flat" cmpd="sng" algn="ctr">
+                      <a:solidFill>
+                        <a:schemeClr val="tx1"/>
+                      </a:solidFill>
+                      <a:prstDash val="solid"/>
+                      <a:round/>
+                      <a:headEnd type="none" w="med" len="med"/>
+                      <a:tailEnd type="none" w="med" len="med"/>
+                    </a:lnT>
+                    <a:lnB w="12700" cap="flat" cmpd="sng" algn="ctr">
+                      <a:solidFill>
+                        <a:schemeClr val="tx1"/>
+                      </a:solidFill>
+                      <a:prstDash val="solid"/>
+                      <a:round/>
+                      <a:headEnd type="none" w="med" len="med"/>
+                      <a:tailEnd type="none" w="med" len="med"/>
+                    </a:lnB>
+                  </a:tcPr>
+                </a:tc>
+                <a:tc>
+                  <a:txBody>
+                    <a:bodyPr/>
+                    <a:lstStyle/>
+                    <a:p>
+                      <a:pPr fontAlgn="t"/>
+                      <a:r>
+                        <a:rPr lang="en-US" sz="900" dirty="0">
+                          <a:effectLst/>
+                        </a:rPr>
+                        <a:t>Synonymous with VARCHAR.</a:t>
+                      </a:r>
+                    </a:p>
+                  </a:txBody>
+                  <a:tcPr marL="34384" marR="34384" marT="17192" marB="17192">
+                    <a:lnL w="12700" cap="flat" cmpd="sng" algn="ctr">
+                      <a:solidFill>
+                        <a:schemeClr val="tx1"/>
+                      </a:solidFill>
+                      <a:prstDash val="solid"/>
+                      <a:round/>
+                      <a:headEnd type="none" w="med" len="med"/>
+                      <a:tailEnd type="none" w="med" len="med"/>
+                    </a:lnL>
+                    <a:lnR w="12700" cap="flat" cmpd="sng" algn="ctr">
+                      <a:solidFill>
+                        <a:schemeClr val="tx1"/>
+                      </a:solidFill>
+                      <a:prstDash val="solid"/>
+                      <a:round/>
+                      <a:headEnd type="none" w="med" len="med"/>
+                      <a:tailEnd type="none" w="med" len="med"/>
+                    </a:lnR>
+                    <a:lnT w="12700" cap="flat" cmpd="sng" algn="ctr">
+                      <a:solidFill>
+                        <a:schemeClr val="tx1"/>
+                      </a:solidFill>
+                      <a:prstDash val="solid"/>
+                      <a:round/>
+                      <a:headEnd type="none" w="med" len="med"/>
+                      <a:tailEnd type="none" w="med" len="med"/>
+                    </a:lnT>
+                    <a:lnB w="12700" cap="flat" cmpd="sng" algn="ctr">
+                      <a:solidFill>
+                        <a:schemeClr val="tx1"/>
+                      </a:solidFill>
+                      <a:prstDash val="solid"/>
+                      <a:round/>
+                      <a:headEnd type="none" w="med" len="med"/>
+                      <a:tailEnd type="none" w="med" len="med"/>
+                    </a:lnB>
+                  </a:tcPr>
+                </a:tc>
+                <a:extLst>
+                  <a:ext uri="{0D108BD9-81ED-4DB2-BD59-A6C34878D82A}">
+                    <a16:rowId xmlns:a16="http://schemas.microsoft.com/office/drawing/2014/main" val="3530178974"/>
+                  </a:ext>
+                </a:extLst>
+              </a:tr>
+              <a:tr h="176330">
+                <a:tc vMerge="1">
+                  <a:txBody>
+                    <a:bodyPr/>
+                    <a:lstStyle/>
+                    <a:p>
+                      <a:endParaRPr lang="en-US"/>
+                    </a:p>
+                  </a:txBody>
+                  <a:tcPr/>
+                </a:tc>
+                <a:tc>
+                  <a:txBody>
+                    <a:bodyPr/>
+                    <a:lstStyle/>
+                    <a:p>
+                      <a:pPr fontAlgn="t"/>
+                      <a:r>
+                        <a:rPr lang="en-US" sz="900" dirty="0">
+                          <a:effectLst/>
+                        </a:rPr>
+                        <a:t>BINARY</a:t>
+                      </a:r>
+                    </a:p>
+                  </a:txBody>
+                  <a:tcPr marL="34384" marR="34384" marT="17192" marB="17192">
+                    <a:lnL w="12700" cap="flat" cmpd="sng" algn="ctr">
+                      <a:solidFill>
+                        <a:schemeClr val="tx1"/>
+                      </a:solidFill>
+                      <a:prstDash val="solid"/>
+                      <a:round/>
+                      <a:headEnd type="none" w="med" len="med"/>
+                      <a:tailEnd type="none" w="med" len="med"/>
+                    </a:lnL>
+                    <a:lnR w="12700" cap="flat" cmpd="sng" algn="ctr">
+                      <a:solidFill>
+                        <a:schemeClr val="tx1"/>
+                      </a:solidFill>
+                      <a:prstDash val="solid"/>
+                      <a:round/>
+                      <a:headEnd type="none" w="med" len="med"/>
+                      <a:tailEnd type="none" w="med" len="med"/>
+                    </a:lnR>
+                    <a:lnT w="12700" cap="flat" cmpd="sng" algn="ctr">
+                      <a:solidFill>
+                        <a:schemeClr val="tx1"/>
+                      </a:solidFill>
+                      <a:prstDash val="solid"/>
+                      <a:round/>
+                      <a:headEnd type="none" w="med" len="med"/>
+                      <a:tailEnd type="none" w="med" len="med"/>
+                    </a:lnT>
+                    <a:lnB w="12700" cap="flat" cmpd="sng" algn="ctr">
+                      <a:solidFill>
+                        <a:schemeClr val="tx1"/>
+                      </a:solidFill>
+                      <a:prstDash val="solid"/>
+                      <a:round/>
+                      <a:headEnd type="none" w="med" len="med"/>
+                      <a:tailEnd type="none" w="med" len="med"/>
+                    </a:lnB>
+                  </a:tcPr>
+                </a:tc>
+                <a:tc>
+                  <a:txBody>
+                    <a:bodyPr/>
+                    <a:lstStyle/>
+                    <a:p>
+                      <a:pPr fontAlgn="t"/>
+                      <a:endParaRPr lang="en-US" sz="900">
+                        <a:effectLst/>
+                      </a:endParaRPr>
+                    </a:p>
+                  </a:txBody>
+                  <a:tcPr marL="34384" marR="34384" marT="17192" marB="17192">
+                    <a:lnL w="12700" cap="flat" cmpd="sng" algn="ctr">
+                      <a:solidFill>
+                        <a:schemeClr val="tx1"/>
+                      </a:solidFill>
+                      <a:prstDash val="solid"/>
+                      <a:round/>
+                      <a:headEnd type="none" w="med" len="med"/>
+                      <a:tailEnd type="none" w="med" len="med"/>
+                    </a:lnL>
+                    <a:lnR w="12700" cap="flat" cmpd="sng" algn="ctr">
+                      <a:solidFill>
+                        <a:schemeClr val="tx1"/>
+                      </a:solidFill>
+                      <a:prstDash val="solid"/>
+                      <a:round/>
+                      <a:headEnd type="none" w="med" len="med"/>
+                      <a:tailEnd type="none" w="med" len="med"/>
+                    </a:lnR>
+                    <a:lnT w="12700" cap="flat" cmpd="sng" algn="ctr">
+                      <a:solidFill>
+                        <a:schemeClr val="tx1"/>
+                      </a:solidFill>
+                      <a:prstDash val="solid"/>
+                      <a:round/>
+                      <a:headEnd type="none" w="med" len="med"/>
+                      <a:tailEnd type="none" w="med" len="med"/>
+                    </a:lnT>
+                    <a:lnB w="12700" cap="flat" cmpd="sng" algn="ctr">
+                      <a:solidFill>
+                        <a:schemeClr val="tx1"/>
+                      </a:solidFill>
+                      <a:prstDash val="solid"/>
+                      <a:round/>
+                      <a:headEnd type="none" w="med" len="med"/>
+                      <a:tailEnd type="none" w="med" len="med"/>
+                    </a:lnB>
+                  </a:tcPr>
+                </a:tc>
+                <a:extLst>
+                  <a:ext uri="{0D108BD9-81ED-4DB2-BD59-A6C34878D82A}">
+                    <a16:rowId xmlns:a16="http://schemas.microsoft.com/office/drawing/2014/main" val="476233463"/>
+                  </a:ext>
+                </a:extLst>
+              </a:tr>
+              <a:tr h="176330">
+                <a:tc>
+                  <a:txBody>
+                    <a:bodyPr/>
+                    <a:lstStyle/>
+                    <a:p>
+                      <a:pPr fontAlgn="t"/>
+                      <a:r>
+                        <a:rPr lang="en-US" sz="900">
+                          <a:effectLst/>
+                        </a:rPr>
+                        <a:t>VARBINARY</a:t>
+                      </a:r>
+                    </a:p>
+                  </a:txBody>
+                  <a:tcPr marL="34384" marR="34384" marT="17192" marB="17192">
+                    <a:lnL w="12700" cap="flat" cmpd="sng" algn="ctr">
+                      <a:solidFill>
+                        <a:schemeClr val="tx1"/>
+                      </a:solidFill>
+                      <a:prstDash val="solid"/>
+                      <a:round/>
+                      <a:headEnd type="none" w="med" len="med"/>
+                      <a:tailEnd type="none" w="med" len="med"/>
+                    </a:lnL>
+                    <a:lnR w="12700" cap="flat" cmpd="sng" algn="ctr">
+                      <a:solidFill>
+                        <a:schemeClr val="tx1"/>
+                      </a:solidFill>
+                      <a:prstDash val="solid"/>
+                      <a:round/>
+                      <a:headEnd type="none" w="med" len="med"/>
+                      <a:tailEnd type="none" w="med" len="med"/>
+                    </a:lnR>
+                    <a:lnT w="12700" cap="flat" cmpd="sng" algn="ctr">
+                      <a:solidFill>
+                        <a:schemeClr val="tx1"/>
+                      </a:solidFill>
+                      <a:prstDash val="solid"/>
+                      <a:round/>
+                      <a:headEnd type="none" w="med" len="med"/>
+                      <a:tailEnd type="none" w="med" len="med"/>
+                    </a:lnT>
+                    <a:lnB w="12700" cap="flat" cmpd="sng" algn="ctr">
+                      <a:solidFill>
+                        <a:schemeClr val="tx1"/>
+                      </a:solidFill>
+                      <a:prstDash val="solid"/>
+                      <a:round/>
+                      <a:headEnd type="none" w="med" len="med"/>
+                      <a:tailEnd type="none" w="med" len="med"/>
+                    </a:lnB>
+                  </a:tcPr>
+                </a:tc>
+                <a:tc>
+                  <a:txBody>
+                    <a:bodyPr/>
+                    <a:lstStyle/>
+                    <a:p>
+                      <a:pPr fontAlgn="t"/>
+                      <a:r>
+                        <a:rPr lang="en-US" sz="900" dirty="0">
+                          <a:effectLst/>
+                        </a:rPr>
+                        <a:t>Synonymous with BINARY.</a:t>
+                      </a:r>
+                    </a:p>
+                  </a:txBody>
+                  <a:tcPr marL="34384" marR="34384" marT="17192" marB="17192">
+                    <a:lnL w="12700" cap="flat" cmpd="sng" algn="ctr">
+                      <a:solidFill>
+                        <a:schemeClr val="tx1"/>
+                      </a:solidFill>
+                      <a:prstDash val="solid"/>
+                      <a:round/>
+                      <a:headEnd type="none" w="med" len="med"/>
+                      <a:tailEnd type="none" w="med" len="med"/>
+                    </a:lnL>
+                    <a:lnR w="12700" cap="flat" cmpd="sng" algn="ctr">
+                      <a:solidFill>
+                        <a:schemeClr val="tx1"/>
+                      </a:solidFill>
+                      <a:prstDash val="solid"/>
+                      <a:round/>
+                      <a:headEnd type="none" w="med" len="med"/>
+                      <a:tailEnd type="none" w="med" len="med"/>
+                    </a:lnR>
+                    <a:lnT w="12700" cap="flat" cmpd="sng" algn="ctr">
+                      <a:solidFill>
+                        <a:schemeClr val="tx1"/>
+                      </a:solidFill>
+                      <a:prstDash val="solid"/>
+                      <a:round/>
+                      <a:headEnd type="none" w="med" len="med"/>
+                      <a:tailEnd type="none" w="med" len="med"/>
+                    </a:lnT>
+                    <a:lnB w="12700" cap="flat" cmpd="sng" algn="ctr">
+                      <a:solidFill>
+                        <a:schemeClr val="tx1"/>
+                      </a:solidFill>
+                      <a:prstDash val="solid"/>
+                      <a:round/>
+                      <a:headEnd type="none" w="med" len="med"/>
+                      <a:tailEnd type="none" w="med" len="med"/>
+                    </a:lnB>
+                  </a:tcPr>
+                </a:tc>
+                <a:tc>
+                  <a:txBody>
+                    <a:bodyPr/>
+                    <a:lstStyle/>
+                    <a:p>
+                      <a:endParaRPr lang="en-US" sz="900" dirty="0"/>
+                    </a:p>
+                  </a:txBody>
+                  <a:tcPr marL="34384" marR="34384" marT="17192" marB="17192">
+                    <a:lnL w="12700" cap="flat" cmpd="sng" algn="ctr">
+                      <a:solidFill>
+                        <a:schemeClr val="tx1"/>
+                      </a:solidFill>
+                      <a:prstDash val="solid"/>
+                      <a:round/>
+                      <a:headEnd type="none" w="med" len="med"/>
+                      <a:tailEnd type="none" w="med" len="med"/>
+                    </a:lnL>
+                    <a:lnR w="12700" cap="flat" cmpd="sng" algn="ctr">
+                      <a:solidFill>
+                        <a:schemeClr val="tx1"/>
+                      </a:solidFill>
+                      <a:prstDash val="solid"/>
+                      <a:round/>
+                      <a:headEnd type="none" w="med" len="med"/>
+                      <a:tailEnd type="none" w="med" len="med"/>
+                    </a:lnR>
+                    <a:lnT w="12700" cap="flat" cmpd="sng" algn="ctr">
+                      <a:solidFill>
+                        <a:schemeClr val="tx1"/>
+                      </a:solidFill>
+                      <a:prstDash val="solid"/>
+                      <a:round/>
+                      <a:headEnd type="none" w="med" len="med"/>
+                      <a:tailEnd type="none" w="med" len="med"/>
+                    </a:lnT>
+                    <a:lnB w="12700" cap="flat" cmpd="sng" algn="ctr">
+                      <a:solidFill>
+                        <a:schemeClr val="tx1"/>
+                      </a:solidFill>
+                      <a:prstDash val="solid"/>
+                      <a:round/>
+                      <a:headEnd type="none" w="med" len="med"/>
+                      <a:tailEnd type="none" w="med" len="med"/>
+                    </a:lnB>
+                  </a:tcPr>
+                </a:tc>
+                <a:extLst>
+                  <a:ext uri="{0D108BD9-81ED-4DB2-BD59-A6C34878D82A}">
+                    <a16:rowId xmlns:a16="http://schemas.microsoft.com/office/drawing/2014/main" val="1968547097"/>
+                  </a:ext>
+                </a:extLst>
+              </a:tr>
+              <a:tr h="330868">
+                <a:tc rowSpan="7">
+                  <a:txBody>
+                    <a:bodyPr/>
+                    <a:lstStyle/>
+                    <a:p>
+                      <a:pPr fontAlgn="t"/>
+                      <a:r>
+                        <a:rPr lang="en-US" sz="900" dirty="0">
+                          <a:effectLst/>
+                          <a:hlinkClick r:id="rId4"/>
+                        </a:rPr>
+                        <a:t>Logical Data Types</a:t>
+                      </a:r>
+                      <a:endParaRPr lang="en-US" sz="900" dirty="0">
+                        <a:effectLst/>
+                      </a:endParaRPr>
+                    </a:p>
+                  </a:txBody>
+                  <a:tcPr marL="34384" marR="34384" marT="17192" marB="17192">
+                    <a:lnL w="12700" cap="flat" cmpd="sng" algn="ctr">
+                      <a:solidFill>
+                        <a:schemeClr val="tx1"/>
+                      </a:solidFill>
+                      <a:prstDash val="solid"/>
+                      <a:round/>
+                      <a:headEnd type="none" w="med" len="med"/>
+                      <a:tailEnd type="none" w="med" len="med"/>
+                    </a:lnL>
+                    <a:lnR w="12700" cap="flat" cmpd="sng" algn="ctr">
+                      <a:solidFill>
+                        <a:schemeClr val="tx1"/>
+                      </a:solidFill>
+                      <a:prstDash val="solid"/>
+                      <a:round/>
+                      <a:headEnd type="none" w="med" len="med"/>
+                      <a:tailEnd type="none" w="med" len="med"/>
+                    </a:lnR>
+                    <a:lnT w="12700" cap="flat" cmpd="sng" algn="ctr">
+                      <a:solidFill>
+                        <a:schemeClr val="tx1"/>
+                      </a:solidFill>
+                      <a:prstDash val="solid"/>
+                      <a:round/>
+                      <a:headEnd type="none" w="med" len="med"/>
+                      <a:tailEnd type="none" w="med" len="med"/>
+                    </a:lnT>
+                    <a:lnB w="12700" cap="flat" cmpd="sng" algn="ctr">
+                      <a:solidFill>
+                        <a:schemeClr val="tx1"/>
+                      </a:solidFill>
+                      <a:prstDash val="solid"/>
+                      <a:round/>
+                      <a:headEnd type="none" w="med" len="med"/>
+                      <a:tailEnd type="none" w="med" len="med"/>
+                    </a:lnB>
+                  </a:tcPr>
+                </a:tc>
+                <a:tc>
+                  <a:txBody>
+                    <a:bodyPr/>
+                    <a:lstStyle/>
+                    <a:p>
+                      <a:pPr fontAlgn="t"/>
+                      <a:r>
+                        <a:rPr lang="en-US" sz="900" dirty="0">
+                          <a:effectLst/>
+                        </a:rPr>
+                        <a:t>BOOLEAN</a:t>
+                      </a:r>
+                    </a:p>
+                  </a:txBody>
+                  <a:tcPr marL="34384" marR="34384" marT="17192" marB="17192">
+                    <a:lnL w="12700" cap="flat" cmpd="sng" algn="ctr">
+                      <a:solidFill>
+                        <a:schemeClr val="tx1"/>
+                      </a:solidFill>
+                      <a:prstDash val="solid"/>
+                      <a:round/>
+                      <a:headEnd type="none" w="med" len="med"/>
+                      <a:tailEnd type="none" w="med" len="med"/>
+                    </a:lnL>
+                    <a:lnR w="12700" cap="flat" cmpd="sng" algn="ctr">
+                      <a:solidFill>
+                        <a:schemeClr val="tx1"/>
+                      </a:solidFill>
+                      <a:prstDash val="solid"/>
+                      <a:round/>
+                      <a:headEnd type="none" w="med" len="med"/>
+                      <a:tailEnd type="none" w="med" len="med"/>
+                    </a:lnR>
+                    <a:lnT w="12700" cap="flat" cmpd="sng" algn="ctr">
+                      <a:solidFill>
+                        <a:schemeClr val="tx1"/>
+                      </a:solidFill>
+                      <a:prstDash val="solid"/>
+                      <a:round/>
+                      <a:headEnd type="none" w="med" len="med"/>
+                      <a:tailEnd type="none" w="med" len="med"/>
+                    </a:lnT>
+                    <a:lnB w="12700" cap="flat" cmpd="sng" algn="ctr">
+                      <a:solidFill>
+                        <a:schemeClr val="tx1"/>
+                      </a:solidFill>
+                      <a:prstDash val="solid"/>
+                      <a:round/>
+                      <a:headEnd type="none" w="med" len="med"/>
+                      <a:tailEnd type="none" w="med" len="med"/>
+                    </a:lnB>
+                  </a:tcPr>
+                </a:tc>
+                <a:tc>
+                  <a:txBody>
+                    <a:bodyPr/>
+                    <a:lstStyle/>
+                    <a:p>
+                      <a:pPr fontAlgn="t"/>
+                      <a:r>
+                        <a:rPr lang="en-US" sz="900" dirty="0">
+                          <a:effectLst/>
+                        </a:rPr>
+                        <a:t>Currently only supported for accounts provisioned after January 25, 2016.</a:t>
+                      </a:r>
+                    </a:p>
+                  </a:txBody>
+                  <a:tcPr marL="34384" marR="34384" marT="17192" marB="17192">
+                    <a:lnL w="12700" cap="flat" cmpd="sng" algn="ctr">
+                      <a:solidFill>
+                        <a:schemeClr val="tx1"/>
+                      </a:solidFill>
+                      <a:prstDash val="solid"/>
+                      <a:round/>
+                      <a:headEnd type="none" w="med" len="med"/>
+                      <a:tailEnd type="none" w="med" len="med"/>
+                    </a:lnL>
+                    <a:lnR w="12700" cap="flat" cmpd="sng" algn="ctr">
+                      <a:solidFill>
+                        <a:schemeClr val="tx1"/>
+                      </a:solidFill>
+                      <a:prstDash val="solid"/>
+                      <a:round/>
+                      <a:headEnd type="none" w="med" len="med"/>
+                      <a:tailEnd type="none" w="med" len="med"/>
+                    </a:lnR>
+                    <a:lnT w="12700" cap="flat" cmpd="sng" algn="ctr">
+                      <a:solidFill>
+                        <a:schemeClr val="tx1"/>
+                      </a:solidFill>
+                      <a:prstDash val="solid"/>
+                      <a:round/>
+                      <a:headEnd type="none" w="med" len="med"/>
+                      <a:tailEnd type="none" w="med" len="med"/>
+                    </a:lnT>
+                    <a:lnB w="12700" cap="flat" cmpd="sng" algn="ctr">
+                      <a:solidFill>
+                        <a:schemeClr val="tx1"/>
+                      </a:solidFill>
+                      <a:prstDash val="solid"/>
+                      <a:round/>
+                      <a:headEnd type="none" w="med" len="med"/>
+                      <a:tailEnd type="none" w="med" len="med"/>
+                    </a:lnB>
+                  </a:tcPr>
+                </a:tc>
+                <a:extLst>
+                  <a:ext uri="{0D108BD9-81ED-4DB2-BD59-A6C34878D82A}">
+                    <a16:rowId xmlns:a16="http://schemas.microsoft.com/office/drawing/2014/main" val="708003337"/>
+                  </a:ext>
+                </a:extLst>
+              </a:tr>
+              <a:tr h="176330">
+                <a:tc vMerge="1">
+                  <a:txBody>
+                    <a:bodyPr/>
+                    <a:lstStyle/>
+                    <a:p>
+                      <a:endParaRPr lang="en-US"/>
+                    </a:p>
+                  </a:txBody>
+                  <a:tcPr/>
+                </a:tc>
+                <a:tc>
+                  <a:txBody>
+                    <a:bodyPr/>
+                    <a:lstStyle/>
+                    <a:p>
+                      <a:pPr fontAlgn="t"/>
+                      <a:r>
+                        <a:rPr lang="en-US" sz="900">
+                          <a:effectLst/>
+                          <a:hlinkClick r:id="rId5"/>
+                        </a:rPr>
+                        <a:t>Date &amp; Time Data Types</a:t>
+                      </a:r>
+                      <a:endParaRPr lang="en-US" sz="900">
+                        <a:effectLst/>
+                      </a:endParaRPr>
+                    </a:p>
+                  </a:txBody>
+                  <a:tcPr marL="34384" marR="34384" marT="17192" marB="17192">
+                    <a:lnL w="12700" cap="flat" cmpd="sng" algn="ctr">
+                      <a:solidFill>
+                        <a:schemeClr val="tx1"/>
+                      </a:solidFill>
+                      <a:prstDash val="solid"/>
+                      <a:round/>
+                      <a:headEnd type="none" w="med" len="med"/>
+                      <a:tailEnd type="none" w="med" len="med"/>
+                    </a:lnL>
+                    <a:lnR w="12700" cap="flat" cmpd="sng" algn="ctr">
+                      <a:solidFill>
+                        <a:schemeClr val="tx1"/>
+                      </a:solidFill>
+                      <a:prstDash val="solid"/>
+                      <a:round/>
+                      <a:headEnd type="none" w="med" len="med"/>
+                      <a:tailEnd type="none" w="med" len="med"/>
+                    </a:lnR>
+                    <a:lnT w="12700" cap="flat" cmpd="sng" algn="ctr">
+                      <a:solidFill>
+                        <a:schemeClr val="tx1"/>
+                      </a:solidFill>
+                      <a:prstDash val="solid"/>
+                      <a:round/>
+                      <a:headEnd type="none" w="med" len="med"/>
+                      <a:tailEnd type="none" w="med" len="med"/>
+                    </a:lnT>
+                    <a:lnB w="12700" cap="flat" cmpd="sng" algn="ctr">
+                      <a:solidFill>
+                        <a:schemeClr val="tx1"/>
+                      </a:solidFill>
+                      <a:prstDash val="solid"/>
+                      <a:round/>
+                      <a:headEnd type="none" w="med" len="med"/>
+                      <a:tailEnd type="none" w="med" len="med"/>
+                    </a:lnB>
+                  </a:tcPr>
+                </a:tc>
+                <a:tc>
+                  <a:txBody>
+                    <a:bodyPr/>
+                    <a:lstStyle/>
+                    <a:p>
+                      <a:pPr fontAlgn="t"/>
+                      <a:r>
+                        <a:rPr lang="en-US" sz="900" dirty="0">
+                          <a:effectLst/>
+                        </a:rPr>
+                        <a:t>DATE</a:t>
+                      </a:r>
+                    </a:p>
+                  </a:txBody>
+                  <a:tcPr marL="34384" marR="34384" marT="17192" marB="17192">
+                    <a:lnL w="12700" cap="flat" cmpd="sng" algn="ctr">
+                      <a:solidFill>
+                        <a:schemeClr val="tx1"/>
+                      </a:solidFill>
+                      <a:prstDash val="solid"/>
+                      <a:round/>
+                      <a:headEnd type="none" w="med" len="med"/>
+                      <a:tailEnd type="none" w="med" len="med"/>
+                    </a:lnL>
+                    <a:lnR w="12700" cap="flat" cmpd="sng" algn="ctr">
+                      <a:solidFill>
+                        <a:schemeClr val="tx1"/>
+                      </a:solidFill>
+                      <a:prstDash val="solid"/>
+                      <a:round/>
+                      <a:headEnd type="none" w="med" len="med"/>
+                      <a:tailEnd type="none" w="med" len="med"/>
+                    </a:lnR>
+                    <a:lnT w="12700" cap="flat" cmpd="sng" algn="ctr">
+                      <a:solidFill>
+                        <a:schemeClr val="tx1"/>
+                      </a:solidFill>
+                      <a:prstDash val="solid"/>
+                      <a:round/>
+                      <a:headEnd type="none" w="med" len="med"/>
+                      <a:tailEnd type="none" w="med" len="med"/>
+                    </a:lnT>
+                    <a:lnB w="12700" cap="flat" cmpd="sng" algn="ctr">
+                      <a:solidFill>
+                        <a:schemeClr val="tx1"/>
+                      </a:solidFill>
+                      <a:prstDash val="solid"/>
+                      <a:round/>
+                      <a:headEnd type="none" w="med" len="med"/>
+                      <a:tailEnd type="none" w="med" len="med"/>
+                    </a:lnB>
+                  </a:tcPr>
+                </a:tc>
+                <a:extLst>
+                  <a:ext uri="{0D108BD9-81ED-4DB2-BD59-A6C34878D82A}">
+                    <a16:rowId xmlns:a16="http://schemas.microsoft.com/office/drawing/2014/main" val="2576789453"/>
+                  </a:ext>
+                </a:extLst>
+              </a:tr>
+              <a:tr h="176330">
+                <a:tc vMerge="1">
+                  <a:txBody>
+                    <a:bodyPr/>
+                    <a:lstStyle/>
+                    <a:p>
+                      <a:endParaRPr lang="en-US"/>
+                    </a:p>
+                  </a:txBody>
+                  <a:tcPr/>
+                </a:tc>
+                <a:tc>
+                  <a:txBody>
+                    <a:bodyPr/>
+                    <a:lstStyle/>
+                    <a:p>
+                      <a:pPr fontAlgn="t"/>
+                      <a:r>
+                        <a:rPr lang="en-US" sz="900">
+                          <a:effectLst/>
+                        </a:rPr>
+                        <a:t>DATETIME</a:t>
+                      </a:r>
+                    </a:p>
+                  </a:txBody>
+                  <a:tcPr marL="34384" marR="34384" marT="17192" marB="17192">
+                    <a:lnL w="12700" cap="flat" cmpd="sng" algn="ctr">
+                      <a:solidFill>
+                        <a:schemeClr val="tx1"/>
+                      </a:solidFill>
+                      <a:prstDash val="solid"/>
+                      <a:round/>
+                      <a:headEnd type="none" w="med" len="med"/>
+                      <a:tailEnd type="none" w="med" len="med"/>
+                    </a:lnL>
+                    <a:lnR w="12700" cap="flat" cmpd="sng" algn="ctr">
+                      <a:solidFill>
+                        <a:schemeClr val="tx1"/>
+                      </a:solidFill>
+                      <a:prstDash val="solid"/>
+                      <a:round/>
+                      <a:headEnd type="none" w="med" len="med"/>
+                      <a:tailEnd type="none" w="med" len="med"/>
+                    </a:lnR>
+                    <a:lnT w="12700" cap="flat" cmpd="sng" algn="ctr">
+                      <a:solidFill>
+                        <a:schemeClr val="tx1"/>
+                      </a:solidFill>
+                      <a:prstDash val="solid"/>
+                      <a:round/>
+                      <a:headEnd type="none" w="med" len="med"/>
+                      <a:tailEnd type="none" w="med" len="med"/>
+                    </a:lnT>
+                    <a:lnB w="12700" cap="flat" cmpd="sng" algn="ctr">
+                      <a:solidFill>
+                        <a:schemeClr val="tx1"/>
+                      </a:solidFill>
+                      <a:prstDash val="solid"/>
+                      <a:round/>
+                      <a:headEnd type="none" w="med" len="med"/>
+                      <a:tailEnd type="none" w="med" len="med"/>
+                    </a:lnB>
+                  </a:tcPr>
+                </a:tc>
+                <a:tc>
+                  <a:txBody>
+                    <a:bodyPr/>
+                    <a:lstStyle/>
+                    <a:p>
+                      <a:pPr fontAlgn="t"/>
+                      <a:r>
+                        <a:rPr lang="en-US" sz="900">
+                          <a:effectLst/>
+                        </a:rPr>
+                        <a:t>Alias for TIMESTAMP_NTZ</a:t>
+                      </a:r>
+                    </a:p>
+                  </a:txBody>
+                  <a:tcPr marL="34384" marR="34384" marT="17192" marB="17192">
+                    <a:lnL w="12700" cap="flat" cmpd="sng" algn="ctr">
+                      <a:solidFill>
+                        <a:schemeClr val="tx1"/>
+                      </a:solidFill>
+                      <a:prstDash val="solid"/>
+                      <a:round/>
+                      <a:headEnd type="none" w="med" len="med"/>
+                      <a:tailEnd type="none" w="med" len="med"/>
+                    </a:lnL>
+                    <a:lnR w="12700" cap="flat" cmpd="sng" algn="ctr">
+                      <a:solidFill>
+                        <a:schemeClr val="tx1"/>
+                      </a:solidFill>
+                      <a:prstDash val="solid"/>
+                      <a:round/>
+                      <a:headEnd type="none" w="med" len="med"/>
+                      <a:tailEnd type="none" w="med" len="med"/>
+                    </a:lnR>
+                    <a:lnT w="12700" cap="flat" cmpd="sng" algn="ctr">
+                      <a:solidFill>
+                        <a:schemeClr val="tx1"/>
+                      </a:solidFill>
+                      <a:prstDash val="solid"/>
+                      <a:round/>
+                      <a:headEnd type="none" w="med" len="med"/>
+                      <a:tailEnd type="none" w="med" len="med"/>
+                    </a:lnT>
+                    <a:lnB w="12700" cap="flat" cmpd="sng" algn="ctr">
+                      <a:solidFill>
+                        <a:schemeClr val="tx1"/>
+                      </a:solidFill>
+                      <a:prstDash val="solid"/>
+                      <a:round/>
+                      <a:headEnd type="none" w="med" len="med"/>
+                      <a:tailEnd type="none" w="med" len="med"/>
+                    </a:lnB>
+                  </a:tcPr>
+                </a:tc>
+                <a:extLst>
+                  <a:ext uri="{0D108BD9-81ED-4DB2-BD59-A6C34878D82A}">
+                    <a16:rowId xmlns:a16="http://schemas.microsoft.com/office/drawing/2014/main" val="407205665"/>
+                  </a:ext>
+                </a:extLst>
+              </a:tr>
+              <a:tr h="176330">
+                <a:tc vMerge="1">
+                  <a:txBody>
+                    <a:bodyPr/>
+                    <a:lstStyle/>
+                    <a:p>
+                      <a:endParaRPr lang="en-US"/>
+                    </a:p>
+                  </a:txBody>
+                  <a:tcPr/>
+                </a:tc>
+                <a:tc>
+                  <a:txBody>
+                    <a:bodyPr/>
+                    <a:lstStyle/>
+                    <a:p>
+                      <a:pPr fontAlgn="t"/>
+                      <a:r>
+                        <a:rPr lang="en-US" sz="900">
+                          <a:effectLst/>
+                        </a:rPr>
+                        <a:t>TIME</a:t>
+                      </a:r>
+                    </a:p>
+                  </a:txBody>
+                  <a:tcPr marL="34384" marR="34384" marT="17192" marB="17192">
+                    <a:lnL w="12700" cap="flat" cmpd="sng" algn="ctr">
+                      <a:solidFill>
+                        <a:schemeClr val="tx1"/>
+                      </a:solidFill>
+                      <a:prstDash val="solid"/>
+                      <a:round/>
+                      <a:headEnd type="none" w="med" len="med"/>
+                      <a:tailEnd type="none" w="med" len="med"/>
+                    </a:lnL>
+                    <a:lnR w="12700" cap="flat" cmpd="sng" algn="ctr">
+                      <a:solidFill>
+                        <a:schemeClr val="tx1"/>
+                      </a:solidFill>
+                      <a:prstDash val="solid"/>
+                      <a:round/>
+                      <a:headEnd type="none" w="med" len="med"/>
+                      <a:tailEnd type="none" w="med" len="med"/>
+                    </a:lnR>
+                    <a:lnT w="12700" cap="flat" cmpd="sng" algn="ctr">
+                      <a:solidFill>
+                        <a:schemeClr val="tx1"/>
+                      </a:solidFill>
+                      <a:prstDash val="solid"/>
+                      <a:round/>
+                      <a:headEnd type="none" w="med" len="med"/>
+                      <a:tailEnd type="none" w="med" len="med"/>
+                    </a:lnT>
+                    <a:lnB w="12700" cap="flat" cmpd="sng" algn="ctr">
+                      <a:solidFill>
+                        <a:schemeClr val="tx1"/>
+                      </a:solidFill>
+                      <a:prstDash val="solid"/>
+                      <a:round/>
+                      <a:headEnd type="none" w="med" len="med"/>
+                      <a:tailEnd type="none" w="med" len="med"/>
+                    </a:lnB>
+                  </a:tcPr>
+                </a:tc>
+                <a:tc>
+                  <a:txBody>
+                    <a:bodyPr/>
+                    <a:lstStyle/>
+                    <a:p>
+                      <a:pPr fontAlgn="t"/>
+                      <a:endParaRPr lang="en-US" sz="900" dirty="0">
+                        <a:effectLst/>
+                      </a:endParaRPr>
+                    </a:p>
+                  </a:txBody>
+                  <a:tcPr marL="34384" marR="34384" marT="17192" marB="17192">
+                    <a:lnL w="12700" cap="flat" cmpd="sng" algn="ctr">
+                      <a:solidFill>
+                        <a:schemeClr val="tx1"/>
+                      </a:solidFill>
+                      <a:prstDash val="solid"/>
+                      <a:round/>
+                      <a:headEnd type="none" w="med" len="med"/>
+                      <a:tailEnd type="none" w="med" len="med"/>
+                    </a:lnL>
+                    <a:lnR w="12700" cap="flat" cmpd="sng" algn="ctr">
+                      <a:solidFill>
+                        <a:schemeClr val="tx1"/>
+                      </a:solidFill>
+                      <a:prstDash val="solid"/>
+                      <a:round/>
+                      <a:headEnd type="none" w="med" len="med"/>
+                      <a:tailEnd type="none" w="med" len="med"/>
+                    </a:lnR>
+                    <a:lnT w="12700" cap="flat" cmpd="sng" algn="ctr">
+                      <a:solidFill>
+                        <a:schemeClr val="tx1"/>
+                      </a:solidFill>
+                      <a:prstDash val="solid"/>
+                      <a:round/>
+                      <a:headEnd type="none" w="med" len="med"/>
+                      <a:tailEnd type="none" w="med" len="med"/>
+                    </a:lnT>
+                    <a:lnB w="12700" cap="flat" cmpd="sng" algn="ctr">
+                      <a:solidFill>
+                        <a:schemeClr val="tx1"/>
+                      </a:solidFill>
+                      <a:prstDash val="solid"/>
+                      <a:round/>
+                      <a:headEnd type="none" w="med" len="med"/>
+                      <a:tailEnd type="none" w="med" len="med"/>
+                    </a:lnB>
+                  </a:tcPr>
+                </a:tc>
+                <a:extLst>
+                  <a:ext uri="{0D108BD9-81ED-4DB2-BD59-A6C34878D82A}">
+                    <a16:rowId xmlns:a16="http://schemas.microsoft.com/office/drawing/2014/main" val="186569665"/>
+                  </a:ext>
+                </a:extLst>
+              </a:tr>
+              <a:tr h="330868">
+                <a:tc vMerge="1">
+                  <a:txBody>
+                    <a:bodyPr/>
+                    <a:lstStyle/>
+                    <a:p>
+                      <a:endParaRPr lang="en-US"/>
+                    </a:p>
+                  </a:txBody>
+                  <a:tcPr/>
+                </a:tc>
+                <a:tc>
+                  <a:txBody>
+                    <a:bodyPr/>
+                    <a:lstStyle/>
+                    <a:p>
+                      <a:pPr fontAlgn="t"/>
+                      <a:r>
+                        <a:rPr lang="en-US" sz="900">
+                          <a:effectLst/>
+                        </a:rPr>
+                        <a:t>TIMESTAMP</a:t>
+                      </a:r>
+                    </a:p>
+                  </a:txBody>
+                  <a:tcPr marL="34384" marR="34384" marT="17192" marB="17192">
+                    <a:lnL w="12700" cap="flat" cmpd="sng" algn="ctr">
+                      <a:solidFill>
+                        <a:schemeClr val="tx1"/>
+                      </a:solidFill>
+                      <a:prstDash val="solid"/>
+                      <a:round/>
+                      <a:headEnd type="none" w="med" len="med"/>
+                      <a:tailEnd type="none" w="med" len="med"/>
+                    </a:lnL>
+                    <a:lnR w="12700" cap="flat" cmpd="sng" algn="ctr">
+                      <a:solidFill>
+                        <a:schemeClr val="tx1"/>
+                      </a:solidFill>
+                      <a:prstDash val="solid"/>
+                      <a:round/>
+                      <a:headEnd type="none" w="med" len="med"/>
+                      <a:tailEnd type="none" w="med" len="med"/>
+                    </a:lnR>
+                    <a:lnT w="12700" cap="flat" cmpd="sng" algn="ctr">
+                      <a:solidFill>
+                        <a:schemeClr val="tx1"/>
+                      </a:solidFill>
+                      <a:prstDash val="solid"/>
+                      <a:round/>
+                      <a:headEnd type="none" w="med" len="med"/>
+                      <a:tailEnd type="none" w="med" len="med"/>
+                    </a:lnT>
+                    <a:lnB w="12700" cap="flat" cmpd="sng" algn="ctr">
+                      <a:solidFill>
+                        <a:schemeClr val="tx1"/>
+                      </a:solidFill>
+                      <a:prstDash val="solid"/>
+                      <a:round/>
+                      <a:headEnd type="none" w="med" len="med"/>
+                      <a:tailEnd type="none" w="med" len="med"/>
+                    </a:lnB>
+                  </a:tcPr>
+                </a:tc>
+                <a:tc>
+                  <a:txBody>
+                    <a:bodyPr/>
+                    <a:lstStyle/>
+                    <a:p>
+                      <a:pPr fontAlgn="t"/>
+                      <a:r>
+                        <a:rPr lang="en-US" sz="900" dirty="0">
+                          <a:effectLst/>
+                        </a:rPr>
+                        <a:t>Alias for one of the TIMESTAMP variations (TIMESTAMP_NTZ by default).</a:t>
+                      </a:r>
+                    </a:p>
+                  </a:txBody>
+                  <a:tcPr marL="34384" marR="34384" marT="17192" marB="17192">
+                    <a:lnL w="12700" cap="flat" cmpd="sng" algn="ctr">
+                      <a:solidFill>
+                        <a:schemeClr val="tx1"/>
+                      </a:solidFill>
+                      <a:prstDash val="solid"/>
+                      <a:round/>
+                      <a:headEnd type="none" w="med" len="med"/>
+                      <a:tailEnd type="none" w="med" len="med"/>
+                    </a:lnL>
+                    <a:lnR w="12700" cap="flat" cmpd="sng" algn="ctr">
+                      <a:solidFill>
+                        <a:schemeClr val="tx1"/>
+                      </a:solidFill>
+                      <a:prstDash val="solid"/>
+                      <a:round/>
+                      <a:headEnd type="none" w="med" len="med"/>
+                      <a:tailEnd type="none" w="med" len="med"/>
+                    </a:lnR>
+                    <a:lnT w="12700" cap="flat" cmpd="sng" algn="ctr">
+                      <a:solidFill>
+                        <a:schemeClr val="tx1"/>
+                      </a:solidFill>
+                      <a:prstDash val="solid"/>
+                      <a:round/>
+                      <a:headEnd type="none" w="med" len="med"/>
+                      <a:tailEnd type="none" w="med" len="med"/>
+                    </a:lnT>
+                    <a:lnB w="12700" cap="flat" cmpd="sng" algn="ctr">
+                      <a:solidFill>
+                        <a:schemeClr val="tx1"/>
+                      </a:solidFill>
+                      <a:prstDash val="solid"/>
+                      <a:round/>
+                      <a:headEnd type="none" w="med" len="med"/>
+                      <a:tailEnd type="none" w="med" len="med"/>
+                    </a:lnB>
+                  </a:tcPr>
+                </a:tc>
+                <a:extLst>
+                  <a:ext uri="{0D108BD9-81ED-4DB2-BD59-A6C34878D82A}">
+                    <a16:rowId xmlns:a16="http://schemas.microsoft.com/office/drawing/2014/main" val="4068006962"/>
+                  </a:ext>
+                </a:extLst>
+              </a:tr>
+              <a:tr h="330868">
+                <a:tc vMerge="1">
+                  <a:txBody>
+                    <a:bodyPr/>
+                    <a:lstStyle/>
+                    <a:p>
+                      <a:endParaRPr lang="en-US"/>
+                    </a:p>
+                  </a:txBody>
+                  <a:tcPr/>
+                </a:tc>
+                <a:tc>
+                  <a:txBody>
+                    <a:bodyPr/>
+                    <a:lstStyle/>
+                    <a:p>
+                      <a:pPr fontAlgn="t"/>
+                      <a:r>
+                        <a:rPr lang="en-US" sz="900" dirty="0">
+                          <a:effectLst/>
+                        </a:rPr>
+                        <a:t>TIMESTAMP_LTZ</a:t>
+                      </a:r>
+                    </a:p>
+                  </a:txBody>
+                  <a:tcPr marL="34384" marR="34384" marT="17192" marB="17192">
+                    <a:lnL w="12700" cap="flat" cmpd="sng" algn="ctr">
+                      <a:solidFill>
+                        <a:schemeClr val="tx1"/>
+                      </a:solidFill>
+                      <a:prstDash val="solid"/>
+                      <a:round/>
+                      <a:headEnd type="none" w="med" len="med"/>
+                      <a:tailEnd type="none" w="med" len="med"/>
+                    </a:lnL>
+                    <a:lnR w="12700" cap="flat" cmpd="sng" algn="ctr">
+                      <a:solidFill>
+                        <a:schemeClr val="tx1"/>
+                      </a:solidFill>
+                      <a:prstDash val="solid"/>
+                      <a:round/>
+                      <a:headEnd type="none" w="med" len="med"/>
+                      <a:tailEnd type="none" w="med" len="med"/>
+                    </a:lnR>
+                    <a:lnT w="12700" cap="flat" cmpd="sng" algn="ctr">
+                      <a:solidFill>
+                        <a:schemeClr val="tx1"/>
+                      </a:solidFill>
+                      <a:prstDash val="solid"/>
+                      <a:round/>
+                      <a:headEnd type="none" w="med" len="med"/>
+                      <a:tailEnd type="none" w="med" len="med"/>
+                    </a:lnT>
+                    <a:lnB w="12700" cap="flat" cmpd="sng" algn="ctr">
+                      <a:solidFill>
+                        <a:schemeClr val="tx1"/>
+                      </a:solidFill>
+                      <a:prstDash val="solid"/>
+                      <a:round/>
+                      <a:headEnd type="none" w="med" len="med"/>
+                      <a:tailEnd type="none" w="med" len="med"/>
+                    </a:lnB>
+                  </a:tcPr>
+                </a:tc>
+                <a:tc>
+                  <a:txBody>
+                    <a:bodyPr/>
+                    <a:lstStyle/>
+                    <a:p>
+                      <a:pPr fontAlgn="t"/>
+                      <a:r>
+                        <a:rPr lang="en-US" sz="900" dirty="0">
+                          <a:effectLst/>
+                        </a:rPr>
+                        <a:t>TIMESTAMP with local time zone; time zone, if provided, is not stored.</a:t>
+                      </a:r>
+                    </a:p>
+                  </a:txBody>
+                  <a:tcPr marL="34384" marR="34384" marT="17192" marB="17192">
+                    <a:lnL w="12700" cap="flat" cmpd="sng" algn="ctr">
+                      <a:solidFill>
+                        <a:schemeClr val="tx1"/>
+                      </a:solidFill>
+                      <a:prstDash val="solid"/>
+                      <a:round/>
+                      <a:headEnd type="none" w="med" len="med"/>
+                      <a:tailEnd type="none" w="med" len="med"/>
+                    </a:lnL>
+                    <a:lnR w="12700" cap="flat" cmpd="sng" algn="ctr">
+                      <a:solidFill>
+                        <a:schemeClr val="tx1"/>
+                      </a:solidFill>
+                      <a:prstDash val="solid"/>
+                      <a:round/>
+                      <a:headEnd type="none" w="med" len="med"/>
+                      <a:tailEnd type="none" w="med" len="med"/>
+                    </a:lnR>
+                    <a:lnT w="12700" cap="flat" cmpd="sng" algn="ctr">
+                      <a:solidFill>
+                        <a:schemeClr val="tx1"/>
+                      </a:solidFill>
+                      <a:prstDash val="solid"/>
+                      <a:round/>
+                      <a:headEnd type="none" w="med" len="med"/>
+                      <a:tailEnd type="none" w="med" len="med"/>
+                    </a:lnT>
+                    <a:lnB w="12700" cap="flat" cmpd="sng" algn="ctr">
+                      <a:solidFill>
+                        <a:schemeClr val="tx1"/>
+                      </a:solidFill>
+                      <a:prstDash val="solid"/>
+                      <a:round/>
+                      <a:headEnd type="none" w="med" len="med"/>
+                      <a:tailEnd type="none" w="med" len="med"/>
+                    </a:lnB>
+                  </a:tcPr>
+                </a:tc>
+                <a:extLst>
+                  <a:ext uri="{0D108BD9-81ED-4DB2-BD59-A6C34878D82A}">
+                    <a16:rowId xmlns:a16="http://schemas.microsoft.com/office/drawing/2014/main" val="1790202207"/>
+                  </a:ext>
+                </a:extLst>
+              </a:tr>
+              <a:tr h="176330">
+                <a:tc vMerge="1">
+                  <a:txBody>
+                    <a:bodyPr/>
+                    <a:lstStyle/>
+                    <a:p>
+                      <a:endParaRPr lang="en-US"/>
+                    </a:p>
+                  </a:txBody>
+                  <a:tcPr/>
+                </a:tc>
+                <a:tc>
+                  <a:txBody>
+                    <a:bodyPr/>
+                    <a:lstStyle/>
+                    <a:p>
+                      <a:pPr fontAlgn="t"/>
+                      <a:r>
+                        <a:rPr lang="en-US" sz="900">
+                          <a:effectLst/>
+                        </a:rPr>
+                        <a:t>TIMESTAMP_NTZ</a:t>
+                      </a:r>
+                    </a:p>
+                  </a:txBody>
+                  <a:tcPr marL="34384" marR="34384" marT="17192" marB="17192">
+                    <a:lnL w="12700" cap="flat" cmpd="sng" algn="ctr">
+                      <a:solidFill>
+                        <a:schemeClr val="tx1"/>
+                      </a:solidFill>
+                      <a:prstDash val="solid"/>
+                      <a:round/>
+                      <a:headEnd type="none" w="med" len="med"/>
+                      <a:tailEnd type="none" w="med" len="med"/>
+                    </a:lnL>
+                    <a:lnR w="12700" cap="flat" cmpd="sng" algn="ctr">
+                      <a:solidFill>
+                        <a:schemeClr val="tx1"/>
+                      </a:solidFill>
+                      <a:prstDash val="solid"/>
+                      <a:round/>
+                      <a:headEnd type="none" w="med" len="med"/>
+                      <a:tailEnd type="none" w="med" len="med"/>
+                    </a:lnR>
+                    <a:lnT w="12700" cap="flat" cmpd="sng" algn="ctr">
+                      <a:solidFill>
+                        <a:schemeClr val="tx1"/>
+                      </a:solidFill>
+                      <a:prstDash val="solid"/>
+                      <a:round/>
+                      <a:headEnd type="none" w="med" len="med"/>
+                      <a:tailEnd type="none" w="med" len="med"/>
+                    </a:lnT>
+                    <a:lnB w="12700" cap="flat" cmpd="sng" algn="ctr">
+                      <a:solidFill>
+                        <a:schemeClr val="tx1"/>
+                      </a:solidFill>
+                      <a:prstDash val="solid"/>
+                      <a:round/>
+                      <a:headEnd type="none" w="med" len="med"/>
+                      <a:tailEnd type="none" w="med" len="med"/>
+                    </a:lnB>
+                  </a:tcPr>
+                </a:tc>
+                <a:tc>
+                  <a:txBody>
+                    <a:bodyPr/>
+                    <a:lstStyle/>
+                    <a:p>
+                      <a:pPr fontAlgn="t"/>
+                      <a:r>
+                        <a:rPr lang="en-US" sz="900" dirty="0">
+                          <a:effectLst/>
+                        </a:rPr>
+                        <a:t>TIMESTAMP with no time zone; time zone, if provided, is not stored.</a:t>
+                      </a:r>
+                    </a:p>
+                  </a:txBody>
+                  <a:tcPr marL="34384" marR="34384" marT="17192" marB="17192">
+                    <a:lnL w="12700" cap="flat" cmpd="sng" algn="ctr">
+                      <a:solidFill>
+                        <a:schemeClr val="tx1"/>
+                      </a:solidFill>
+                      <a:prstDash val="solid"/>
+                      <a:round/>
+                      <a:headEnd type="none" w="med" len="med"/>
+                      <a:tailEnd type="none" w="med" len="med"/>
+                    </a:lnL>
+                    <a:lnR w="12700" cap="flat" cmpd="sng" algn="ctr">
+                      <a:solidFill>
+                        <a:schemeClr val="tx1"/>
+                      </a:solidFill>
+                      <a:prstDash val="solid"/>
+                      <a:round/>
+                      <a:headEnd type="none" w="med" len="med"/>
+                      <a:tailEnd type="none" w="med" len="med"/>
+                    </a:lnR>
+                    <a:lnT w="12700" cap="flat" cmpd="sng" algn="ctr">
+                      <a:solidFill>
+                        <a:schemeClr val="tx1"/>
+                      </a:solidFill>
+                      <a:prstDash val="solid"/>
+                      <a:round/>
+                      <a:headEnd type="none" w="med" len="med"/>
+                      <a:tailEnd type="none" w="med" len="med"/>
+                    </a:lnT>
+                    <a:lnB w="12700" cap="flat" cmpd="sng" algn="ctr">
+                      <a:solidFill>
+                        <a:schemeClr val="tx1"/>
+                      </a:solidFill>
+                      <a:prstDash val="solid"/>
+                      <a:round/>
+                      <a:headEnd type="none" w="med" len="med"/>
+                      <a:tailEnd type="none" w="med" len="med"/>
+                    </a:lnB>
+                  </a:tcPr>
+                </a:tc>
+                <a:extLst>
+                  <a:ext uri="{0D108BD9-81ED-4DB2-BD59-A6C34878D82A}">
+                    <a16:rowId xmlns:a16="http://schemas.microsoft.com/office/drawing/2014/main" val="3857983985"/>
+                  </a:ext>
+                </a:extLst>
+              </a:tr>
+              <a:tr h="176330">
+                <a:tc rowSpan="3">
+                  <a:txBody>
+                    <a:bodyPr/>
+                    <a:lstStyle/>
+                    <a:p>
+                      <a:pPr fontAlgn="t"/>
+                      <a:r>
+                        <a:rPr lang="en-US" sz="900" dirty="0">
+                          <a:effectLst/>
+                        </a:rPr>
+                        <a:t>TIMESTAMP_TZ</a:t>
+                      </a:r>
+                    </a:p>
+                  </a:txBody>
+                  <a:tcPr marL="34384" marR="34384" marT="17192" marB="17192">
+                    <a:lnL w="12700" cap="flat" cmpd="sng" algn="ctr">
+                      <a:solidFill>
+                        <a:schemeClr val="tx1"/>
+                      </a:solidFill>
+                      <a:prstDash val="solid"/>
+                      <a:round/>
+                      <a:headEnd type="none" w="med" len="med"/>
+                      <a:tailEnd type="none" w="med" len="med"/>
+                    </a:lnL>
+                    <a:lnR w="12700" cap="flat" cmpd="sng" algn="ctr">
+                      <a:solidFill>
+                        <a:schemeClr val="tx1"/>
+                      </a:solidFill>
+                      <a:prstDash val="solid"/>
+                      <a:round/>
+                      <a:headEnd type="none" w="med" len="med"/>
+                      <a:tailEnd type="none" w="med" len="med"/>
+                    </a:lnR>
+                    <a:lnT w="12700" cap="flat" cmpd="sng" algn="ctr">
+                      <a:solidFill>
+                        <a:schemeClr val="tx1"/>
+                      </a:solidFill>
+                      <a:prstDash val="solid"/>
+                      <a:round/>
+                      <a:headEnd type="none" w="med" len="med"/>
+                      <a:tailEnd type="none" w="med" len="med"/>
+                    </a:lnT>
+                    <a:lnB w="12700" cap="flat" cmpd="sng" algn="ctr">
+                      <a:solidFill>
+                        <a:schemeClr val="tx1"/>
+                      </a:solidFill>
+                      <a:prstDash val="solid"/>
+                      <a:round/>
+                      <a:headEnd type="none" w="med" len="med"/>
+                      <a:tailEnd type="none" w="med" len="med"/>
+                    </a:lnB>
+                  </a:tcPr>
+                </a:tc>
+                <a:tc>
+                  <a:txBody>
+                    <a:bodyPr/>
+                    <a:lstStyle/>
+                    <a:p>
+                      <a:pPr fontAlgn="t"/>
+                      <a:r>
+                        <a:rPr lang="en-US" sz="900">
+                          <a:effectLst/>
+                        </a:rPr>
+                        <a:t>TIMESTAMP with time zone.</a:t>
+                      </a:r>
+                    </a:p>
+                  </a:txBody>
+                  <a:tcPr marL="34384" marR="34384" marT="17192" marB="17192">
+                    <a:lnL w="12700" cap="flat" cmpd="sng" algn="ctr">
+                      <a:solidFill>
+                        <a:schemeClr val="tx1"/>
+                      </a:solidFill>
+                      <a:prstDash val="solid"/>
+                      <a:round/>
+                      <a:headEnd type="none" w="med" len="med"/>
+                      <a:tailEnd type="none" w="med" len="med"/>
+                    </a:lnL>
+                    <a:lnT w="12700" cap="flat" cmpd="sng" algn="ctr">
+                      <a:solidFill>
+                        <a:schemeClr val="tx1"/>
+                      </a:solidFill>
+                      <a:prstDash val="solid"/>
+                      <a:round/>
+                      <a:headEnd type="none" w="med" len="med"/>
+                      <a:tailEnd type="none" w="med" len="med"/>
+                    </a:lnT>
+                    <a:lnB w="12700" cap="flat" cmpd="sng" algn="ctr">
+                      <a:solidFill>
+                        <a:schemeClr val="tx1"/>
+                      </a:solidFill>
+                      <a:prstDash val="solid"/>
+                      <a:round/>
+                      <a:headEnd type="none" w="med" len="med"/>
+                      <a:tailEnd type="none" w="med" len="med"/>
+                    </a:lnB>
+                  </a:tcPr>
+                </a:tc>
+                <a:tc>
+                  <a:txBody>
+                    <a:bodyPr/>
+                    <a:lstStyle/>
+                    <a:p>
+                      <a:endParaRPr lang="en-US" sz="900" dirty="0"/>
+                    </a:p>
+                  </a:txBody>
+                  <a:tcPr marL="34384" marR="34384" marT="17192" marB="17192">
+                    <a:lnT w="12700" cap="flat" cmpd="sng" algn="ctr">
+                      <a:solidFill>
+                        <a:schemeClr val="tx1"/>
+                      </a:solidFill>
+                      <a:prstDash val="solid"/>
+                      <a:round/>
+                      <a:headEnd type="none" w="med" len="med"/>
+                      <a:tailEnd type="none" w="med" len="med"/>
+                    </a:lnT>
+                    <a:lnB w="12700" cap="flat" cmpd="sng" algn="ctr">
+                      <a:solidFill>
+                        <a:schemeClr val="tx1"/>
+                      </a:solidFill>
+                      <a:prstDash val="solid"/>
+                      <a:round/>
+                      <a:headEnd type="none" w="med" len="med"/>
+                      <a:tailEnd type="none" w="med" len="med"/>
+                    </a:lnB>
+                  </a:tcPr>
+                </a:tc>
+                <a:extLst>
+                  <a:ext uri="{0D108BD9-81ED-4DB2-BD59-A6C34878D82A}">
+                    <a16:rowId xmlns:a16="http://schemas.microsoft.com/office/drawing/2014/main" val="359769561"/>
+                  </a:ext>
+                </a:extLst>
+              </a:tr>
+              <a:tr h="176330">
+                <a:tc vMerge="1">
+                  <a:txBody>
+                    <a:bodyPr/>
+                    <a:lstStyle/>
+                    <a:p>
+                      <a:endParaRPr lang="en-US"/>
+                    </a:p>
+                  </a:txBody>
+                  <a:tcPr/>
+                </a:tc>
+                <a:tc>
+                  <a:txBody>
+                    <a:bodyPr/>
+                    <a:lstStyle/>
+                    <a:p>
+                      <a:pPr fontAlgn="t"/>
+                      <a:r>
+                        <a:rPr lang="en-US" sz="900">
+                          <a:effectLst/>
+                          <a:hlinkClick r:id="rId6"/>
+                        </a:rPr>
+                        <a:t>Semi-structured Data Types</a:t>
+                      </a:r>
+                      <a:endParaRPr lang="en-US" sz="900">
+                        <a:effectLst/>
+                      </a:endParaRPr>
+                    </a:p>
+                  </a:txBody>
+                  <a:tcPr marL="34384" marR="34384" marT="17192" marB="17192">
+                    <a:lnL w="12700" cap="flat" cmpd="sng" algn="ctr">
+                      <a:solidFill>
+                        <a:schemeClr val="tx1"/>
+                      </a:solidFill>
+                      <a:prstDash val="solid"/>
+                      <a:round/>
+                      <a:headEnd type="none" w="med" len="med"/>
+                      <a:tailEnd type="none" w="med" len="med"/>
+                    </a:lnL>
+                    <a:lnR w="12700" cap="flat" cmpd="sng" algn="ctr">
+                      <a:solidFill>
+                        <a:schemeClr val="tx1"/>
+                      </a:solidFill>
+                      <a:prstDash val="solid"/>
+                      <a:round/>
+                      <a:headEnd type="none" w="med" len="med"/>
+                      <a:tailEnd type="none" w="med" len="med"/>
+                    </a:lnR>
+                    <a:lnT w="12700" cap="flat" cmpd="sng" algn="ctr">
+                      <a:solidFill>
+                        <a:schemeClr val="tx1"/>
+                      </a:solidFill>
+                      <a:prstDash val="solid"/>
+                      <a:round/>
+                      <a:headEnd type="none" w="med" len="med"/>
+                      <a:tailEnd type="none" w="med" len="med"/>
+                    </a:lnT>
+                    <a:lnB w="12700" cap="flat" cmpd="sng" algn="ctr">
+                      <a:solidFill>
+                        <a:schemeClr val="tx1"/>
+                      </a:solidFill>
+                      <a:prstDash val="solid"/>
+                      <a:round/>
+                      <a:headEnd type="none" w="med" len="med"/>
+                      <a:tailEnd type="none" w="med" len="med"/>
+                    </a:lnB>
+                  </a:tcPr>
+                </a:tc>
+                <a:tc>
+                  <a:txBody>
+                    <a:bodyPr/>
+                    <a:lstStyle/>
+                    <a:p>
+                      <a:pPr fontAlgn="t"/>
+                      <a:r>
+                        <a:rPr lang="en-US" sz="900" dirty="0">
+                          <a:effectLst/>
+                        </a:rPr>
+                        <a:t>VARIANT</a:t>
+                      </a:r>
+                    </a:p>
+                  </a:txBody>
+                  <a:tcPr marL="34384" marR="34384" marT="17192" marB="17192">
+                    <a:lnL w="12700" cap="flat" cmpd="sng" algn="ctr">
+                      <a:solidFill>
+                        <a:schemeClr val="tx1"/>
+                      </a:solidFill>
+                      <a:prstDash val="solid"/>
+                      <a:round/>
+                      <a:headEnd type="none" w="med" len="med"/>
+                      <a:tailEnd type="none" w="med" len="med"/>
+                    </a:lnL>
+                    <a:lnR w="12700" cap="flat" cmpd="sng" algn="ctr">
+                      <a:solidFill>
+                        <a:schemeClr val="tx1"/>
+                      </a:solidFill>
+                      <a:prstDash val="solid"/>
+                      <a:round/>
+                      <a:headEnd type="none" w="med" len="med"/>
+                      <a:tailEnd type="none" w="med" len="med"/>
+                    </a:lnR>
+                    <a:lnT w="12700" cap="flat" cmpd="sng" algn="ctr">
+                      <a:solidFill>
+                        <a:schemeClr val="tx1"/>
+                      </a:solidFill>
+                      <a:prstDash val="solid"/>
+                      <a:round/>
+                      <a:headEnd type="none" w="med" len="med"/>
+                      <a:tailEnd type="none" w="med" len="med"/>
+                    </a:lnT>
+                    <a:lnB w="12700" cap="flat" cmpd="sng" algn="ctr">
+                      <a:solidFill>
+                        <a:schemeClr val="tx1"/>
+                      </a:solidFill>
+                      <a:prstDash val="solid"/>
+                      <a:round/>
+                      <a:headEnd type="none" w="med" len="med"/>
+                      <a:tailEnd type="none" w="med" len="med"/>
+                    </a:lnB>
+                  </a:tcPr>
+                </a:tc>
+                <a:extLst>
+                  <a:ext uri="{0D108BD9-81ED-4DB2-BD59-A6C34878D82A}">
+                    <a16:rowId xmlns:a16="http://schemas.microsoft.com/office/drawing/2014/main" val="636327392"/>
+                  </a:ext>
+                </a:extLst>
+              </a:tr>
+              <a:tr h="176330">
+                <a:tc vMerge="1">
+                  <a:txBody>
+                    <a:bodyPr/>
+                    <a:lstStyle/>
+                    <a:p>
+                      <a:endParaRPr lang="en-US"/>
+                    </a:p>
+                  </a:txBody>
+                  <a:tcPr/>
+                </a:tc>
+                <a:tc>
+                  <a:txBody>
+                    <a:bodyPr/>
+                    <a:lstStyle/>
+                    <a:p>
+                      <a:pPr fontAlgn="t"/>
+                      <a:r>
+                        <a:rPr lang="en-US" sz="900">
+                          <a:effectLst/>
+                        </a:rPr>
+                        <a:t>OBJECT</a:t>
+                      </a:r>
+                    </a:p>
+                  </a:txBody>
+                  <a:tcPr marL="34384" marR="34384" marT="17192" marB="17192">
+                    <a:lnL w="12700" cap="flat" cmpd="sng" algn="ctr">
+                      <a:solidFill>
+                        <a:schemeClr val="tx1"/>
+                      </a:solidFill>
+                      <a:prstDash val="solid"/>
+                      <a:round/>
+                      <a:headEnd type="none" w="med" len="med"/>
+                      <a:tailEnd type="none" w="med" len="med"/>
+                    </a:lnL>
+                    <a:lnR w="12700" cap="flat" cmpd="sng" algn="ctr">
+                      <a:solidFill>
+                        <a:schemeClr val="tx1"/>
+                      </a:solidFill>
+                      <a:prstDash val="solid"/>
+                      <a:round/>
+                      <a:headEnd type="none" w="med" len="med"/>
+                      <a:tailEnd type="none" w="med" len="med"/>
+                    </a:lnR>
+                    <a:lnT w="12700" cap="flat" cmpd="sng" algn="ctr">
+                      <a:solidFill>
+                        <a:schemeClr val="tx1"/>
+                      </a:solidFill>
+                      <a:prstDash val="solid"/>
+                      <a:round/>
+                      <a:headEnd type="none" w="med" len="med"/>
+                      <a:tailEnd type="none" w="med" len="med"/>
+                    </a:lnT>
+                    <a:lnB w="12700" cap="flat" cmpd="sng" algn="ctr">
+                      <a:solidFill>
+                        <a:schemeClr val="tx1"/>
+                      </a:solidFill>
+                      <a:prstDash val="solid"/>
+                      <a:round/>
+                      <a:headEnd type="none" w="med" len="med"/>
+                      <a:tailEnd type="none" w="med" len="med"/>
+                    </a:lnB>
+                  </a:tcPr>
+                </a:tc>
+                <a:tc>
+                  <a:txBody>
+                    <a:bodyPr/>
+                    <a:lstStyle/>
+                    <a:p>
+                      <a:pPr fontAlgn="t"/>
+                      <a:endParaRPr lang="en-US" sz="900">
+                        <a:effectLst/>
+                      </a:endParaRPr>
+                    </a:p>
+                  </a:txBody>
+                  <a:tcPr marL="34384" marR="34384" marT="17192" marB="17192">
+                    <a:lnL w="12700" cap="flat" cmpd="sng" algn="ctr">
+                      <a:solidFill>
+                        <a:schemeClr val="tx1"/>
+                      </a:solidFill>
+                      <a:prstDash val="solid"/>
+                      <a:round/>
+                      <a:headEnd type="none" w="med" len="med"/>
+                      <a:tailEnd type="none" w="med" len="med"/>
+                    </a:lnL>
+                    <a:lnR w="12700" cap="flat" cmpd="sng" algn="ctr">
+                      <a:solidFill>
+                        <a:schemeClr val="tx1"/>
+                      </a:solidFill>
+                      <a:prstDash val="solid"/>
+                      <a:round/>
+                      <a:headEnd type="none" w="med" len="med"/>
+                      <a:tailEnd type="none" w="med" len="med"/>
+                    </a:lnR>
+                    <a:lnT w="12700" cap="flat" cmpd="sng" algn="ctr">
+                      <a:solidFill>
+                        <a:schemeClr val="tx1"/>
+                      </a:solidFill>
+                      <a:prstDash val="solid"/>
+                      <a:round/>
+                      <a:headEnd type="none" w="med" len="med"/>
+                      <a:tailEnd type="none" w="med" len="med"/>
+                    </a:lnT>
+                    <a:lnB w="12700" cap="flat" cmpd="sng" algn="ctr">
+                      <a:solidFill>
+                        <a:schemeClr val="tx1"/>
+                      </a:solidFill>
+                      <a:prstDash val="solid"/>
+                      <a:round/>
+                      <a:headEnd type="none" w="med" len="med"/>
+                      <a:tailEnd type="none" w="med" len="med"/>
+                    </a:lnB>
+                  </a:tcPr>
+                </a:tc>
+                <a:extLst>
+                  <a:ext uri="{0D108BD9-81ED-4DB2-BD59-A6C34878D82A}">
+                    <a16:rowId xmlns:a16="http://schemas.microsoft.com/office/drawing/2014/main" val="4279052785"/>
+                  </a:ext>
+                </a:extLst>
+              </a:tr>
+              <a:tr h="176330">
+                <a:tc rowSpan="2">
+                  <a:txBody>
+                    <a:bodyPr/>
+                    <a:lstStyle/>
+                    <a:p>
+                      <a:pPr fontAlgn="t"/>
+                      <a:r>
+                        <a:rPr lang="en-US" sz="900" dirty="0">
+                          <a:effectLst/>
+                        </a:rPr>
+                        <a:t>ARRAY</a:t>
+                      </a:r>
+                    </a:p>
+                  </a:txBody>
+                  <a:tcPr marL="34384" marR="34384" marT="17192" marB="17192">
+                    <a:lnL w="12700" cap="flat" cmpd="sng" algn="ctr">
+                      <a:solidFill>
+                        <a:schemeClr val="tx1"/>
+                      </a:solidFill>
+                      <a:prstDash val="solid"/>
+                      <a:round/>
+                      <a:headEnd type="none" w="med" len="med"/>
+                      <a:tailEnd type="none" w="med" len="med"/>
+                    </a:lnL>
+                    <a:lnR w="12700" cap="flat" cmpd="sng" algn="ctr">
+                      <a:solidFill>
+                        <a:schemeClr val="tx1"/>
+                      </a:solidFill>
+                      <a:prstDash val="solid"/>
+                      <a:round/>
+                      <a:headEnd type="none" w="med" len="med"/>
+                      <a:tailEnd type="none" w="med" len="med"/>
+                    </a:lnR>
+                    <a:lnT w="12700" cap="flat" cmpd="sng" algn="ctr">
+                      <a:solidFill>
+                        <a:schemeClr val="tx1"/>
+                      </a:solidFill>
+                      <a:prstDash val="solid"/>
+                      <a:round/>
+                      <a:headEnd type="none" w="med" len="med"/>
+                      <a:tailEnd type="none" w="med" len="med"/>
+                    </a:lnT>
+                    <a:lnB w="12700" cap="flat" cmpd="sng" algn="ctr">
+                      <a:solidFill>
+                        <a:schemeClr val="tx1"/>
+                      </a:solidFill>
+                      <a:prstDash val="solid"/>
+                      <a:round/>
+                      <a:headEnd type="none" w="med" len="med"/>
+                      <a:tailEnd type="none" w="med" len="med"/>
+                    </a:lnB>
+                  </a:tcPr>
+                </a:tc>
+                <a:tc>
+                  <a:txBody>
+                    <a:bodyPr/>
+                    <a:lstStyle/>
+                    <a:p>
+                      <a:pPr fontAlgn="t"/>
+                      <a:endParaRPr lang="en-US" sz="900">
+                        <a:effectLst/>
+                      </a:endParaRPr>
+                    </a:p>
+                  </a:txBody>
+                  <a:tcPr marL="34384" marR="34384" marT="17192" marB="17192">
+                    <a:lnL w="12700" cap="flat" cmpd="sng" algn="ctr">
+                      <a:solidFill>
+                        <a:schemeClr val="tx1"/>
+                      </a:solidFill>
+                      <a:prstDash val="solid"/>
+                      <a:round/>
+                      <a:headEnd type="none" w="med" len="med"/>
+                      <a:tailEnd type="none" w="med" len="med"/>
+                    </a:lnL>
+                    <a:lnR w="12700" cap="flat" cmpd="sng" algn="ctr">
+                      <a:solidFill>
+                        <a:schemeClr val="tx1"/>
+                      </a:solidFill>
+                      <a:prstDash val="solid"/>
+                      <a:round/>
+                      <a:headEnd type="none" w="med" len="med"/>
+                      <a:tailEnd type="none" w="med" len="med"/>
+                    </a:lnR>
+                    <a:lnT w="12700" cap="flat" cmpd="sng" algn="ctr">
+                      <a:solidFill>
+                        <a:schemeClr val="tx1"/>
+                      </a:solidFill>
+                      <a:prstDash val="solid"/>
+                      <a:round/>
+                      <a:headEnd type="none" w="med" len="med"/>
+                      <a:tailEnd type="none" w="med" len="med"/>
+                    </a:lnT>
+                    <a:lnB w="12700" cap="flat" cmpd="sng" algn="ctr">
+                      <a:solidFill>
+                        <a:schemeClr val="tx1"/>
+                      </a:solidFill>
+                      <a:prstDash val="solid"/>
+                      <a:round/>
+                      <a:headEnd type="none" w="med" len="med"/>
+                      <a:tailEnd type="none" w="med" len="med"/>
+                    </a:lnB>
+                  </a:tcPr>
+                </a:tc>
+                <a:tc>
+                  <a:txBody>
+                    <a:bodyPr/>
+                    <a:lstStyle/>
+                    <a:p>
+                      <a:endParaRPr lang="en-US" sz="900" dirty="0"/>
+                    </a:p>
+                  </a:txBody>
+                  <a:tcPr marL="34384" marR="34384" marT="17192" marB="17192">
+                    <a:lnL w="12700" cap="flat" cmpd="sng" algn="ctr">
+                      <a:solidFill>
+                        <a:schemeClr val="tx1"/>
+                      </a:solidFill>
+                      <a:prstDash val="solid"/>
+                      <a:round/>
+                      <a:headEnd type="none" w="med" len="med"/>
+                      <a:tailEnd type="none" w="med" len="med"/>
+                    </a:lnL>
+                    <a:lnR w="12700" cap="flat" cmpd="sng" algn="ctr">
+                      <a:solidFill>
+                        <a:schemeClr val="tx1"/>
+                      </a:solidFill>
+                      <a:prstDash val="solid"/>
+                      <a:round/>
+                      <a:headEnd type="none" w="med" len="med"/>
+                      <a:tailEnd type="none" w="med" len="med"/>
+                    </a:lnR>
+                    <a:lnT w="12700" cap="flat" cmpd="sng" algn="ctr">
+                      <a:solidFill>
+                        <a:schemeClr val="tx1"/>
+                      </a:solidFill>
+                      <a:prstDash val="solid"/>
+                      <a:round/>
+                      <a:headEnd type="none" w="med" len="med"/>
+                      <a:tailEnd type="none" w="med" len="med"/>
+                    </a:lnT>
+                    <a:lnB w="12700" cap="flat" cmpd="sng" algn="ctr">
+                      <a:solidFill>
+                        <a:schemeClr val="tx1"/>
+                      </a:solidFill>
+                      <a:prstDash val="solid"/>
+                      <a:round/>
+                      <a:headEnd type="none" w="med" len="med"/>
+                      <a:tailEnd type="none" w="med" len="med"/>
+                    </a:lnB>
+                  </a:tcPr>
+                </a:tc>
+                <a:extLst>
+                  <a:ext uri="{0D108BD9-81ED-4DB2-BD59-A6C34878D82A}">
+                    <a16:rowId xmlns:a16="http://schemas.microsoft.com/office/drawing/2014/main" val="1664725785"/>
+                  </a:ext>
+                </a:extLst>
+              </a:tr>
+              <a:tr h="176330">
+                <a:tc vMerge="1">
+                  <a:txBody>
+                    <a:bodyPr/>
+                    <a:lstStyle/>
+                    <a:p>
+                      <a:endParaRPr lang="en-US"/>
+                    </a:p>
+                  </a:txBody>
+                  <a:tcPr/>
+                </a:tc>
+                <a:tc>
+                  <a:txBody>
+                    <a:bodyPr/>
+                    <a:lstStyle/>
+                    <a:p>
+                      <a:pPr fontAlgn="t"/>
+                      <a:r>
+                        <a:rPr lang="en-US" sz="900">
+                          <a:effectLst/>
+                          <a:hlinkClick r:id="rId7"/>
+                        </a:rPr>
+                        <a:t>Geospatial Data Types</a:t>
+                      </a:r>
+                      <a:endParaRPr lang="en-US" sz="900">
+                        <a:effectLst/>
+                      </a:endParaRPr>
+                    </a:p>
+                  </a:txBody>
+                  <a:tcPr marL="34384" marR="34384" marT="17192" marB="17192">
+                    <a:lnL w="12700" cap="flat" cmpd="sng" algn="ctr">
+                      <a:solidFill>
+                        <a:schemeClr val="tx1"/>
+                      </a:solidFill>
+                      <a:prstDash val="solid"/>
+                      <a:round/>
+                      <a:headEnd type="none" w="med" len="med"/>
+                      <a:tailEnd type="none" w="med" len="med"/>
+                    </a:lnL>
+                    <a:lnR w="12700" cap="flat" cmpd="sng" algn="ctr">
+                      <a:solidFill>
+                        <a:schemeClr val="tx1"/>
+                      </a:solidFill>
+                      <a:prstDash val="solid"/>
+                      <a:round/>
+                      <a:headEnd type="none" w="med" len="med"/>
+                      <a:tailEnd type="none" w="med" len="med"/>
+                    </a:lnR>
+                    <a:lnT w="12700" cap="flat" cmpd="sng" algn="ctr">
+                      <a:solidFill>
+                        <a:schemeClr val="tx1"/>
+                      </a:solidFill>
+                      <a:prstDash val="solid"/>
+                      <a:round/>
+                      <a:headEnd type="none" w="med" len="med"/>
+                      <a:tailEnd type="none" w="med" len="med"/>
+                    </a:lnT>
+                    <a:lnB w="12700" cap="flat" cmpd="sng" algn="ctr">
+                      <a:solidFill>
+                        <a:schemeClr val="tx1"/>
+                      </a:solidFill>
+                      <a:prstDash val="solid"/>
+                      <a:round/>
+                      <a:headEnd type="none" w="med" len="med"/>
+                      <a:tailEnd type="none" w="med" len="med"/>
+                    </a:lnB>
+                  </a:tcPr>
+                </a:tc>
+                <a:tc>
+                  <a:txBody>
+                    <a:bodyPr/>
+                    <a:lstStyle/>
+                    <a:p>
+                      <a:pPr fontAlgn="t"/>
+                      <a:r>
+                        <a:rPr lang="en-US" sz="900">
+                          <a:effectLst/>
+                        </a:rPr>
+                        <a:t>GEOGRAPHY</a:t>
+                      </a:r>
+                    </a:p>
+                  </a:txBody>
+                  <a:tcPr marL="34384" marR="34384" marT="17192" marB="17192">
+                    <a:lnL w="12700" cap="flat" cmpd="sng" algn="ctr">
+                      <a:solidFill>
+                        <a:schemeClr val="tx1"/>
+                      </a:solidFill>
+                      <a:prstDash val="solid"/>
+                      <a:round/>
+                      <a:headEnd type="none" w="med" len="med"/>
+                      <a:tailEnd type="none" w="med" len="med"/>
+                    </a:lnL>
+                    <a:lnR w="12700" cap="flat" cmpd="sng" algn="ctr">
+                      <a:solidFill>
+                        <a:schemeClr val="tx1"/>
+                      </a:solidFill>
+                      <a:prstDash val="solid"/>
+                      <a:round/>
+                      <a:headEnd type="none" w="med" len="med"/>
+                      <a:tailEnd type="none" w="med" len="med"/>
+                    </a:lnR>
+                    <a:lnT w="12700" cap="flat" cmpd="sng" algn="ctr">
+                      <a:solidFill>
+                        <a:schemeClr val="tx1"/>
+                      </a:solidFill>
+                      <a:prstDash val="solid"/>
+                      <a:round/>
+                      <a:headEnd type="none" w="med" len="med"/>
+                      <a:tailEnd type="none" w="med" len="med"/>
+                    </a:lnT>
+                    <a:lnB w="12700" cap="flat" cmpd="sng" algn="ctr">
+                      <a:solidFill>
+                        <a:schemeClr val="tx1"/>
+                      </a:solidFill>
+                      <a:prstDash val="solid"/>
+                      <a:round/>
+                      <a:headEnd type="none" w="med" len="med"/>
+                      <a:tailEnd type="none" w="med" len="med"/>
+                    </a:lnB>
+                  </a:tcPr>
+                </a:tc>
+                <a:extLst>
+                  <a:ext uri="{0D108BD9-81ED-4DB2-BD59-A6C34878D82A}">
+                    <a16:rowId xmlns:a16="http://schemas.microsoft.com/office/drawing/2014/main" val="2481891049"/>
+                  </a:ext>
+                </a:extLst>
+              </a:tr>
+              <a:tr h="176330">
+                <a:tc>
+                  <a:txBody>
+                    <a:bodyPr/>
+                    <a:lstStyle/>
+                    <a:p>
+                      <a:pPr fontAlgn="t"/>
+                      <a:r>
+                        <a:rPr lang="en-US" sz="900">
+                          <a:effectLst/>
+                        </a:rPr>
+                        <a:t>GEOMETRY</a:t>
+                      </a:r>
+                    </a:p>
+                  </a:txBody>
+                  <a:tcPr marL="34384" marR="34384" marT="17192" marB="17192">
+                    <a:lnL w="12700" cap="flat" cmpd="sng" algn="ctr">
+                      <a:solidFill>
+                        <a:schemeClr val="tx1"/>
+                      </a:solidFill>
+                      <a:prstDash val="solid"/>
+                      <a:round/>
+                      <a:headEnd type="none" w="med" len="med"/>
+                      <a:tailEnd type="none" w="med" len="med"/>
+                    </a:lnL>
+                    <a:lnR w="12700" cap="flat" cmpd="sng" algn="ctr">
+                      <a:solidFill>
+                        <a:schemeClr val="tx1"/>
+                      </a:solidFill>
+                      <a:prstDash val="solid"/>
+                      <a:round/>
+                      <a:headEnd type="none" w="med" len="med"/>
+                      <a:tailEnd type="none" w="med" len="med"/>
+                    </a:lnR>
+                    <a:lnT w="12700" cap="flat" cmpd="sng" algn="ctr">
+                      <a:solidFill>
+                        <a:schemeClr val="tx1"/>
+                      </a:solidFill>
+                      <a:prstDash val="solid"/>
+                      <a:round/>
+                      <a:headEnd type="none" w="med" len="med"/>
+                      <a:tailEnd type="none" w="med" len="med"/>
+                    </a:lnT>
+                    <a:lnB w="12700" cap="flat" cmpd="sng" algn="ctr">
+                      <a:solidFill>
+                        <a:schemeClr val="tx1"/>
+                      </a:solidFill>
+                      <a:prstDash val="solid"/>
+                      <a:round/>
+                      <a:headEnd type="none" w="med" len="med"/>
+                      <a:tailEnd type="none" w="med" len="med"/>
+                    </a:lnB>
+                  </a:tcPr>
+                </a:tc>
+                <a:tc>
+                  <a:txBody>
+                    <a:bodyPr/>
+                    <a:lstStyle/>
+                    <a:p>
+                      <a:pPr fontAlgn="t"/>
+                      <a:endParaRPr lang="en-US" sz="900">
+                        <a:effectLst/>
+                      </a:endParaRPr>
+                    </a:p>
+                  </a:txBody>
+                  <a:tcPr marL="34384" marR="34384" marT="17192" marB="17192">
+                    <a:lnL w="12700" cap="flat" cmpd="sng" algn="ctr">
+                      <a:solidFill>
+                        <a:schemeClr val="tx1"/>
+                      </a:solidFill>
+                      <a:prstDash val="solid"/>
+                      <a:round/>
+                      <a:headEnd type="none" w="med" len="med"/>
+                      <a:tailEnd type="none" w="med" len="med"/>
+                    </a:lnL>
+                    <a:lnR w="12700" cap="flat" cmpd="sng" algn="ctr">
+                      <a:solidFill>
+                        <a:schemeClr val="tx1"/>
+                      </a:solidFill>
+                      <a:prstDash val="solid"/>
+                      <a:round/>
+                      <a:headEnd type="none" w="med" len="med"/>
+                      <a:tailEnd type="none" w="med" len="med"/>
+                    </a:lnR>
+                    <a:lnT w="12700" cap="flat" cmpd="sng" algn="ctr">
+                      <a:solidFill>
+                        <a:schemeClr val="tx1"/>
+                      </a:solidFill>
+                      <a:prstDash val="solid"/>
+                      <a:round/>
+                      <a:headEnd type="none" w="med" len="med"/>
+                      <a:tailEnd type="none" w="med" len="med"/>
+                    </a:lnT>
+                    <a:lnB w="12700" cap="flat" cmpd="sng" algn="ctr">
+                      <a:solidFill>
+                        <a:schemeClr val="tx1"/>
+                      </a:solidFill>
+                      <a:prstDash val="solid"/>
+                      <a:round/>
+                      <a:headEnd type="none" w="med" len="med"/>
+                      <a:tailEnd type="none" w="med" len="med"/>
+                    </a:lnB>
+                  </a:tcPr>
+                </a:tc>
+                <a:tc>
+                  <a:txBody>
+                    <a:bodyPr/>
+                    <a:lstStyle/>
+                    <a:p>
+                      <a:endParaRPr lang="en-US" sz="900" dirty="0"/>
+                    </a:p>
+                  </a:txBody>
+                  <a:tcPr marL="34384" marR="34384" marT="17192" marB="17192">
+                    <a:lnL w="12700" cap="flat" cmpd="sng" algn="ctr">
+                      <a:solidFill>
+                        <a:schemeClr val="tx1"/>
+                      </a:solidFill>
+                      <a:prstDash val="solid"/>
+                      <a:round/>
+                      <a:headEnd type="none" w="med" len="med"/>
+                      <a:tailEnd type="none" w="med" len="med"/>
+                    </a:lnL>
+                    <a:lnR w="12700" cap="flat" cmpd="sng" algn="ctr">
+                      <a:solidFill>
+                        <a:schemeClr val="tx1"/>
+                      </a:solidFill>
+                      <a:prstDash val="solid"/>
+                      <a:round/>
+                      <a:headEnd type="none" w="med" len="med"/>
+                      <a:tailEnd type="none" w="med" len="med"/>
+                    </a:lnR>
+                    <a:lnT w="12700" cap="flat" cmpd="sng" algn="ctr">
+                      <a:solidFill>
+                        <a:schemeClr val="tx1"/>
+                      </a:solidFill>
+                      <a:prstDash val="solid"/>
+                      <a:round/>
+                      <a:headEnd type="none" w="med" len="med"/>
+                      <a:tailEnd type="none" w="med" len="med"/>
+                    </a:lnT>
+                    <a:lnB w="12700" cap="flat" cmpd="sng" algn="ctr">
+                      <a:solidFill>
+                        <a:schemeClr val="tx1"/>
+                      </a:solidFill>
+                      <a:prstDash val="solid"/>
+                      <a:round/>
+                      <a:headEnd type="none" w="med" len="med"/>
+                      <a:tailEnd type="none" w="med" len="med"/>
+                    </a:lnB>
+                  </a:tcPr>
+                </a:tc>
+                <a:extLst>
+                  <a:ext uri="{0D108BD9-81ED-4DB2-BD59-A6C34878D82A}">
+                    <a16:rowId xmlns:a16="http://schemas.microsoft.com/office/drawing/2014/main" val="2795135085"/>
+                  </a:ext>
+                </a:extLst>
+              </a:tr>
+              <a:tr h="176330">
+                <a:tc>
+                  <a:txBody>
+                    <a:bodyPr/>
+                    <a:lstStyle/>
+                    <a:p>
+                      <a:pPr fontAlgn="t"/>
+                      <a:r>
+                        <a:rPr lang="en-US" sz="900">
+                          <a:effectLst/>
+                          <a:hlinkClick r:id="rId8"/>
+                        </a:rPr>
+                        <a:t>Vector Data Types</a:t>
+                      </a:r>
+                      <a:endParaRPr lang="en-US" sz="900">
+                        <a:effectLst/>
+                      </a:endParaRPr>
+                    </a:p>
+                  </a:txBody>
+                  <a:tcPr marL="34384" marR="34384" marT="17192" marB="17192">
+                    <a:lnL w="12700" cap="flat" cmpd="sng" algn="ctr">
+                      <a:solidFill>
+                        <a:schemeClr val="tx1"/>
+                      </a:solidFill>
+                      <a:prstDash val="solid"/>
+                      <a:round/>
+                      <a:headEnd type="none" w="med" len="med"/>
+                      <a:tailEnd type="none" w="med" len="med"/>
+                    </a:lnL>
+                    <a:lnR w="12700" cap="flat" cmpd="sng" algn="ctr">
+                      <a:solidFill>
+                        <a:schemeClr val="tx1"/>
+                      </a:solidFill>
+                      <a:prstDash val="solid"/>
+                      <a:round/>
+                      <a:headEnd type="none" w="med" len="med"/>
+                      <a:tailEnd type="none" w="med" len="med"/>
+                    </a:lnR>
+                    <a:lnT w="12700" cap="flat" cmpd="sng" algn="ctr">
+                      <a:solidFill>
+                        <a:schemeClr val="tx1"/>
+                      </a:solidFill>
+                      <a:prstDash val="solid"/>
+                      <a:round/>
+                      <a:headEnd type="none" w="med" len="med"/>
+                      <a:tailEnd type="none" w="med" len="med"/>
+                    </a:lnT>
+                    <a:lnB w="12700" cap="flat" cmpd="sng" algn="ctr">
+                      <a:solidFill>
+                        <a:schemeClr val="tx1"/>
+                      </a:solidFill>
+                      <a:prstDash val="solid"/>
+                      <a:round/>
+                      <a:headEnd type="none" w="med" len="med"/>
+                      <a:tailEnd type="none" w="med" len="med"/>
+                    </a:lnB>
+                  </a:tcPr>
+                </a:tc>
+                <a:tc>
+                  <a:txBody>
+                    <a:bodyPr/>
+                    <a:lstStyle/>
+                    <a:p>
+                      <a:pPr fontAlgn="t"/>
+                      <a:r>
+                        <a:rPr lang="en-US" sz="900">
+                          <a:effectLst/>
+                        </a:rPr>
+                        <a:t>VECTOR</a:t>
+                      </a:r>
+                    </a:p>
+                  </a:txBody>
+                  <a:tcPr marL="34384" marR="34384" marT="17192" marB="17192">
+                    <a:lnL w="12700" cap="flat" cmpd="sng" algn="ctr">
+                      <a:solidFill>
+                        <a:schemeClr val="tx1"/>
+                      </a:solidFill>
+                      <a:prstDash val="solid"/>
+                      <a:round/>
+                      <a:headEnd type="none" w="med" len="med"/>
+                      <a:tailEnd type="none" w="med" len="med"/>
+                    </a:lnL>
+                    <a:lnR w="12700" cap="flat" cmpd="sng" algn="ctr">
+                      <a:solidFill>
+                        <a:schemeClr val="tx1"/>
+                      </a:solidFill>
+                      <a:prstDash val="solid"/>
+                      <a:round/>
+                      <a:headEnd type="none" w="med" len="med"/>
+                      <a:tailEnd type="none" w="med" len="med"/>
+                    </a:lnR>
+                    <a:lnT w="12700" cap="flat" cmpd="sng" algn="ctr">
+                      <a:solidFill>
+                        <a:schemeClr val="tx1"/>
+                      </a:solidFill>
+                      <a:prstDash val="solid"/>
+                      <a:round/>
+                      <a:headEnd type="none" w="med" len="med"/>
+                      <a:tailEnd type="none" w="med" len="med"/>
+                    </a:lnT>
+                    <a:lnB w="12700" cap="flat" cmpd="sng" algn="ctr">
+                      <a:solidFill>
+                        <a:schemeClr val="tx1"/>
+                      </a:solidFill>
+                      <a:prstDash val="solid"/>
+                      <a:round/>
+                      <a:headEnd type="none" w="med" len="med"/>
+                      <a:tailEnd type="none" w="med" len="med"/>
+                    </a:lnB>
+                  </a:tcPr>
+                </a:tc>
+                <a:tc>
+                  <a:txBody>
+                    <a:bodyPr/>
+                    <a:lstStyle/>
+                    <a:p>
+                      <a:endParaRPr lang="en-US" sz="900" dirty="0"/>
+                    </a:p>
+                  </a:txBody>
+                  <a:tcPr marL="34384" marR="34384" marT="17192" marB="17192">
+                    <a:lnL w="12700" cap="flat" cmpd="sng" algn="ctr">
+                      <a:solidFill>
+                        <a:schemeClr val="tx1"/>
+                      </a:solidFill>
+                      <a:prstDash val="solid"/>
+                      <a:round/>
+                      <a:headEnd type="none" w="med" len="med"/>
+                      <a:tailEnd type="none" w="med" len="med"/>
+                    </a:lnL>
+                    <a:lnR w="12700" cap="flat" cmpd="sng" algn="ctr">
+                      <a:solidFill>
+                        <a:schemeClr val="tx1"/>
+                      </a:solidFill>
+                      <a:prstDash val="solid"/>
+                      <a:round/>
+                      <a:headEnd type="none" w="med" len="med"/>
+                      <a:tailEnd type="none" w="med" len="med"/>
+                    </a:lnR>
+                    <a:lnT w="12700" cap="flat" cmpd="sng" algn="ctr">
+                      <a:solidFill>
+                        <a:schemeClr val="tx1"/>
+                      </a:solidFill>
+                      <a:prstDash val="solid"/>
+                      <a:round/>
+                      <a:headEnd type="none" w="med" len="med"/>
+                      <a:tailEnd type="none" w="med" len="med"/>
+                    </a:lnT>
+                    <a:lnB w="12700" cap="flat" cmpd="sng" algn="ctr">
+                      <a:solidFill>
+                        <a:schemeClr val="tx1"/>
+                      </a:solidFill>
+                      <a:prstDash val="solid"/>
+                      <a:round/>
+                      <a:headEnd type="none" w="med" len="med"/>
+                      <a:tailEnd type="none" w="med" len="med"/>
+                    </a:lnB>
+                  </a:tcPr>
+                </a:tc>
+                <a:extLst>
+                  <a:ext uri="{0D108BD9-81ED-4DB2-BD59-A6C34878D82A}">
+                    <a16:rowId xmlns:a16="http://schemas.microsoft.com/office/drawing/2014/main" val="1173617955"/>
+                  </a:ext>
+                </a:extLst>
+              </a:tr>
+            </a:tbl>
+          </a:graphicData>
+        </a:graphic>
+      </p:graphicFrame>
+      <p:sp>
+        <p:nvSpPr>
+          <p:cNvPr id="7" name="Rectangle 2">
+            <a:extLst>
+              <a:ext uri="{FF2B5EF4-FFF2-40B4-BE49-F238E27FC236}">
+                <a16:creationId xmlns:a16="http://schemas.microsoft.com/office/drawing/2014/main" id="{0A212C2B-90AC-C73F-424C-696B8B63AC17}"/>
+              </a:ext>
+            </a:extLst>
+          </p:cNvPr>
+          <p:cNvSpPr>
+            <a:spLocks noChangeArrowheads="1"/>
+          </p:cNvSpPr>
+          <p:nvPr/>
+        </p:nvSpPr>
+        <p:spPr bwMode="auto">
+          <a:xfrm>
+            <a:off x="-55984" y="55984"/>
+            <a:ext cx="12192000" cy="0"/>
+          </a:xfrm>
+          <a:prstGeom prst="rect">
+            <a:avLst/>
+          </a:prstGeom>
+          <a:noFill/>
+          <a:ln>
+            <a:noFill/>
+          </a:ln>
+          <a:effectLst/>
+          <a:extLst>
+            <a:ext uri="{909E8E84-426E-40DD-AFC4-6F175D3DCCD1}">
+              <a14:hiddenFill xmlns:a14="http://schemas.microsoft.com/office/drawing/2010/main">
+                <a:solidFill>
+                  <a:schemeClr val="accent1"/>
+                </a:solidFill>
+              </a14:hiddenFill>
+            </a:ext>
+            <a:ext uri="{91240B29-F687-4F45-9708-019B960494DF}">
+              <a14:hiddenLine xmlns:a14="http://schemas.microsoft.com/office/drawing/2010/main" w="9525">
+                <a:solidFill>
+                  <a:schemeClr val="tx1"/>
+                </a:solidFill>
+                <a:miter lim="800000"/>
+                <a:headEnd/>
+                <a:tailEnd/>
+              </a14:hiddenLine>
+            </a:ext>
+            <a:ext uri="{AF507438-7753-43E0-B8FC-AC1667EBCBE1}">
+              <a14:hiddenEffects xmlns:a14="http://schemas.microsoft.com/office/drawing/2010/main">
+                <a:effectLst>
+                  <a:outerShdw dist="35921" dir="2700000" algn="ctr" rotWithShape="0">
+                    <a:schemeClr val="bg2"/>
+                  </a:outerShdw>
+                </a:effectLst>
+              </a14:hiddenEffects>
+            </a:ext>
+          </a:extLst>
+        </p:spPr>
+        <p:txBody>
+          <a:bodyPr vert="horz" wrap="none" lIns="91440" tIns="45720" rIns="91440" bIns="45720" numCol="1" anchor="ctr" anchorCtr="0" compatLnSpc="1">
+            <a:prstTxWarp prst="textNoShape">
+              <a:avLst/>
+            </a:prstTxWarp>
+            <a:spAutoFit/>
+          </a:bodyPr>
+          <a:lstStyle/>
+          <a:p>
+            <a:pPr marL="0" marR="0" lvl="0" indent="0" algn="l" defTabSz="914400" rtl="0" eaLnBrk="0" fontAlgn="base" latinLnBrk="0" hangingPunct="0">
+              <a:lnSpc>
+                <a:spcPct val="100000"/>
+              </a:lnSpc>
+              <a:spcBef>
+                <a:spcPct val="0"/>
+              </a:spcBef>
+              <a:spcAft>
+                <a:spcPct val="0"/>
+              </a:spcAft>
+              <a:buClrTx/>
+              <a:buSzTx/>
+              <a:buFontTx/>
+              <a:buNone/>
+              <a:tabLst/>
+            </a:pPr>
+            <a:br>
+              <a:rPr kumimoji="0" lang="en-US" altLang="en-US" sz="1800" b="0" i="0" u="none" strike="noStrike" cap="none" normalizeH="0" baseline="0">
+                <a:ln>
+                  <a:noFill/>
+                </a:ln>
+                <a:solidFill>
+                  <a:schemeClr val="tx1"/>
+                </a:solidFill>
+                <a:effectLst/>
+                <a:latin typeface="Arial" panose="020B0604020202020204" pitchFamily="34" charset="0"/>
+              </a:rPr>
+            </a:br>
+            <a:endParaRPr kumimoji="0" lang="en-US" altLang="en-US" sz="1800" b="0" i="0" u="none" strike="noStrike" cap="none" normalizeH="0" baseline="0">
+              <a:ln>
+                <a:noFill/>
+              </a:ln>
+              <a:solidFill>
+                <a:schemeClr val="tx1"/>
+              </a:solidFill>
+              <a:effectLst/>
+              <a:latin typeface="Arial" panose="020B0604020202020204" pitchFamily="34" charset="0"/>
+            </a:endParaRPr>
+          </a:p>
+        </p:txBody>
+      </p:sp>
+    </p:spTree>
+    <p:extLst>
+      <p:ext uri="{BB962C8B-B14F-4D97-AF65-F5344CB8AC3E}">
+        <p14:creationId xmlns:p14="http://schemas.microsoft.com/office/powerpoint/2010/main" val="1303400718"/>
+      </p:ext>
+    </p:extLst>
+  </p:cSld>
+  <p:clrMapOvr>
+    <a:masterClrMapping/>
+  </p:clrMapOvr>
+</p:sld>
+</file>
+
+<file path=ppt/slides/slide21.xml><?xml version="1.0" encoding="utf-8"?>
+<p:sld xmlns:a="http://schemas.openxmlformats.org/drawingml/2006/main" xmlns:r="http://schemas.openxmlformats.org/officeDocument/2006/relationships" xmlns:p="http://schemas.openxmlformats.org/presentationml/2006/main">
+  <p:cSld>
+    <p:spTree>
+      <p:nvGrpSpPr>
+        <p:cNvPr id="1" name=""/>
+        <p:cNvGrpSpPr/>
+        <p:nvPr/>
+      </p:nvGrpSpPr>
+      <p:grpSpPr>
+        <a:xfrm>
+          <a:off x="0" y="0"/>
+          <a:ext cx="0" cy="0"/>
+          <a:chOff x="0" y="0"/>
+          <a:chExt cx="0" cy="0"/>
+        </a:xfrm>
+      </p:grpSpPr>
+      <p:sp>
+        <p:nvSpPr>
+          <p:cNvPr id="2" name="Title 1">
+            <a:extLst>
+              <a:ext uri="{FF2B5EF4-FFF2-40B4-BE49-F238E27FC236}">
                 <a16:creationId xmlns:a16="http://schemas.microsoft.com/office/drawing/2014/main" id="{1C21E816-31F5-48BB-BD02-D15F2F18B48A}"/>
               </a:ext>
             </a:extLst>
@@ -6598,7 +11044,7 @@
 </p:sld>
 </file>
 
-<file path=ppt/slides/slide18.xml><?xml version="1.0" encoding="utf-8"?>
+<file path=ppt/slides/slide22.xml><?xml version="1.0" encoding="utf-8"?>
 <p:sld xmlns:a="http://schemas.openxmlformats.org/drawingml/2006/main" xmlns:r="http://schemas.openxmlformats.org/officeDocument/2006/relationships" xmlns:p="http://schemas.openxmlformats.org/presentationml/2006/main">
   <p:cSld>
     <p:spTree>
@@ -6707,7 +11153,7 @@
 </p:sld>
 </file>
 
-<file path=ppt/slides/slide19.xml><?xml version="1.0" encoding="utf-8"?>
+<file path=ppt/slides/slide23.xml><?xml version="1.0" encoding="utf-8"?>
 <p:sld xmlns:a="http://schemas.openxmlformats.org/drawingml/2006/main" xmlns:r="http://schemas.openxmlformats.org/officeDocument/2006/relationships" xmlns:p="http://schemas.openxmlformats.org/presentationml/2006/main">
   <p:cSld>
     <p:spTree>
@@ -6816,258 +11262,7 @@
 </p:sld>
 </file>
 
-<file path=ppt/slides/slide2.xml><?xml version="1.0" encoding="utf-8"?>
-<p:sld xmlns:a="http://schemas.openxmlformats.org/drawingml/2006/main" xmlns:r="http://schemas.openxmlformats.org/officeDocument/2006/relationships" xmlns:p="http://schemas.openxmlformats.org/presentationml/2006/main">
-  <p:cSld>
-    <p:spTree>
-      <p:nvGrpSpPr>
-        <p:cNvPr id="1" name=""/>
-        <p:cNvGrpSpPr/>
-        <p:nvPr/>
-      </p:nvGrpSpPr>
-      <p:grpSpPr>
-        <a:xfrm>
-          <a:off x="0" y="0"/>
-          <a:ext cx="0" cy="0"/>
-          <a:chOff x="0" y="0"/>
-          <a:chExt cx="0" cy="0"/>
-        </a:xfrm>
-      </p:grpSpPr>
-      <p:sp>
-        <p:nvSpPr>
-          <p:cNvPr id="2" name="Title 1">
-            <a:extLst>
-              <a:ext uri="{FF2B5EF4-FFF2-40B4-BE49-F238E27FC236}">
-                <a16:creationId xmlns:a16="http://schemas.microsoft.com/office/drawing/2014/main" id="{525FC945-5FF1-4E1A-989B-CD69C1CB5CF5}"/>
-              </a:ext>
-            </a:extLst>
-          </p:cNvPr>
-          <p:cNvSpPr>
-            <a:spLocks noGrp="1"/>
-          </p:cNvSpPr>
-          <p:nvPr>
-            <p:ph type="title"/>
-          </p:nvPr>
-        </p:nvSpPr>
-        <p:spPr/>
-        <p:txBody>
-          <a:bodyPr>
-            <a:normAutofit fontScale="90000"/>
-          </a:bodyPr>
-          <a:lstStyle/>
-          <a:p>
-            <a:r>
-              <a:rPr lang="en-US" dirty="0"/>
-              <a:t>Snowflake course content</a:t>
-            </a:r>
-          </a:p>
-        </p:txBody>
-      </p:sp>
-      <p:sp>
-        <p:nvSpPr>
-          <p:cNvPr id="3" name="Content Placeholder 2">
-            <a:extLst>
-              <a:ext uri="{FF2B5EF4-FFF2-40B4-BE49-F238E27FC236}">
-                <a16:creationId xmlns:a16="http://schemas.microsoft.com/office/drawing/2014/main" id="{34418B51-0236-2D53-4E38-3BEACD0FFC3B}"/>
-              </a:ext>
-            </a:extLst>
-          </p:cNvPr>
-          <p:cNvSpPr>
-            <a:spLocks noGrp="1"/>
-          </p:cNvSpPr>
-          <p:nvPr>
-            <p:ph idx="1"/>
-          </p:nvPr>
-        </p:nvSpPr>
-        <p:spPr/>
-        <p:txBody>
-          <a:bodyPr numCol="2">
-            <a:normAutofit lnSpcReduction="10000"/>
-          </a:bodyPr>
-          <a:lstStyle/>
-          <a:p>
-            <a:pPr marL="342900" indent="-342900" algn="l">
-              <a:buFont typeface="+mj-lt"/>
-              <a:buAutoNum type="arabicPeriod"/>
-            </a:pPr>
-            <a:r>
-              <a:rPr lang="en-US" dirty="0"/>
-              <a:t>Snowflake Overview and Architecture</a:t>
-            </a:r>
-          </a:p>
-          <a:p>
-            <a:pPr marL="666900" lvl="1" indent="-342900">
-              <a:buFont typeface="+mj-lt"/>
-              <a:buAutoNum type="arabicPeriod"/>
-            </a:pPr>
-            <a:r>
-              <a:rPr lang="en-US" dirty="0"/>
-              <a:t>Architecture</a:t>
-            </a:r>
-          </a:p>
-          <a:p>
-            <a:pPr marL="666900" lvl="1" indent="-342900">
-              <a:buFont typeface="+mj-lt"/>
-              <a:buAutoNum type="arabicPeriod"/>
-            </a:pPr>
-            <a:r>
-              <a:rPr lang="en-US" dirty="0"/>
-              <a:t>Connectivity</a:t>
-            </a:r>
-          </a:p>
-          <a:p>
-            <a:pPr marL="342900" indent="-342900" algn="l">
-              <a:buFont typeface="+mj-lt"/>
-              <a:buAutoNum type="arabicPeriod"/>
-            </a:pPr>
-            <a:r>
-              <a:rPr lang="en-US" dirty="0"/>
-              <a:t>Getting started with snowflake</a:t>
-            </a:r>
-          </a:p>
-          <a:p>
-            <a:pPr marL="666900" lvl="1" indent="-342900">
-              <a:buFont typeface="+mj-lt"/>
-              <a:buAutoNum type="arabicPeriod"/>
-            </a:pPr>
-            <a:r>
-              <a:rPr lang="en-US" dirty="0"/>
-              <a:t>Virtual warehouse</a:t>
-            </a:r>
-          </a:p>
-          <a:p>
-            <a:pPr marL="666900" lvl="1" indent="-342900">
-              <a:buFont typeface="+mj-lt"/>
-              <a:buAutoNum type="arabicPeriod"/>
-            </a:pPr>
-            <a:r>
-              <a:rPr lang="en-US" dirty="0"/>
-              <a:t>Databases, Tables, views, data types</a:t>
-            </a:r>
-          </a:p>
-          <a:p>
-            <a:pPr marL="342900" indent="-342900">
-              <a:buFont typeface="+mj-lt"/>
-              <a:buAutoNum type="arabicPeriod"/>
-            </a:pPr>
-            <a:r>
-              <a:rPr lang="en-US" dirty="0"/>
-              <a:t>Data Loading and Unloading</a:t>
-            </a:r>
-          </a:p>
-          <a:p>
-            <a:pPr marL="342900" indent="-342900">
-              <a:buFont typeface="+mj-lt"/>
-              <a:buAutoNum type="arabicPeriod"/>
-            </a:pPr>
-            <a:r>
-              <a:rPr lang="en-US" dirty="0"/>
-              <a:t>Snowflake Queries</a:t>
-            </a:r>
-          </a:p>
-          <a:p>
-            <a:pPr marL="342900" indent="-342900">
-              <a:buFont typeface="+mj-lt"/>
-              <a:buAutoNum type="arabicPeriod"/>
-            </a:pPr>
-            <a:r>
-              <a:rPr lang="en-US" dirty="0"/>
-              <a:t>Data Sharing and collaboration</a:t>
-            </a:r>
-          </a:p>
-          <a:p>
-            <a:pPr marL="342900" indent="-342900">
-              <a:buFont typeface="+mj-lt"/>
-              <a:buAutoNum type="arabicPeriod"/>
-            </a:pPr>
-            <a:r>
-              <a:rPr lang="en-US" dirty="0"/>
-              <a:t>Alert notifications</a:t>
-            </a:r>
-          </a:p>
-          <a:p>
-            <a:pPr marL="342900" indent="-342900">
-              <a:buFont typeface="+mj-lt"/>
-              <a:buAutoNum type="arabicPeriod"/>
-            </a:pPr>
-            <a:r>
-              <a:rPr lang="en-US" dirty="0"/>
-              <a:t>Snowflake Security</a:t>
-            </a:r>
-          </a:p>
-          <a:p>
-            <a:pPr marL="342900" indent="-342900">
-              <a:buFont typeface="+mj-lt"/>
-              <a:buAutoNum type="arabicPeriod"/>
-            </a:pPr>
-            <a:r>
-              <a:rPr lang="en-US" dirty="0"/>
-              <a:t>Data Governance</a:t>
-            </a:r>
-          </a:p>
-          <a:p>
-            <a:pPr marL="342900" indent="-342900">
-              <a:buFont typeface="+mj-lt"/>
-              <a:buAutoNum type="arabicPeriod"/>
-            </a:pPr>
-            <a:r>
-              <a:rPr lang="en-US" dirty="0"/>
-              <a:t>Snowflake account management</a:t>
-            </a:r>
-          </a:p>
-          <a:p>
-            <a:pPr marL="342900" indent="-342900">
-              <a:buFont typeface="+mj-lt"/>
-              <a:buAutoNum type="arabicPeriod"/>
-            </a:pPr>
-            <a:r>
-              <a:rPr lang="en-US" dirty="0"/>
-              <a:t>Data Recovery</a:t>
-            </a:r>
-          </a:p>
-          <a:p>
-            <a:pPr marL="342900" indent="-342900">
-              <a:buFont typeface="+mj-lt"/>
-              <a:buAutoNum type="arabicPeriod"/>
-            </a:pPr>
-            <a:r>
-              <a:rPr lang="en-US" dirty="0"/>
-              <a:t>Performance optimization</a:t>
-            </a:r>
-          </a:p>
-          <a:p>
-            <a:pPr marL="342900" indent="-342900">
-              <a:buFont typeface="+mj-lt"/>
-              <a:buAutoNum type="arabicPeriod"/>
-            </a:pPr>
-            <a:r>
-              <a:rPr lang="en-US" dirty="0"/>
-              <a:t>Cost and Billing</a:t>
-            </a:r>
-          </a:p>
-          <a:p>
-            <a:pPr marL="342900" indent="-342900" algn="l">
-              <a:buFont typeface="+mj-lt"/>
-              <a:buAutoNum type="arabicPeriod"/>
-            </a:pPr>
-            <a:endParaRPr lang="en-US" dirty="0"/>
-          </a:p>
-        </p:txBody>
-      </p:sp>
-    </p:spTree>
-    <p:extLst>
-      <p:ext uri="{BB962C8B-B14F-4D97-AF65-F5344CB8AC3E}">
-        <p14:creationId xmlns:p14="http://schemas.microsoft.com/office/powerpoint/2010/main" val="2561708030"/>
-      </p:ext>
-    </p:extLst>
-  </p:cSld>
-  <p:clrMapOvr>
-    <a:masterClrMapping/>
-  </p:clrMapOvr>
-</p:sld>
-</file>
-
-<file path=ppt/slides/slide20.xml><?xml version="1.0" encoding="utf-8"?>
+<file path=ppt/slides/slide24.xml><?xml version="1.0" encoding="utf-8"?>
 <p:sld xmlns:a="http://schemas.openxmlformats.org/drawingml/2006/main" xmlns:r="http://schemas.openxmlformats.org/officeDocument/2006/relationships" xmlns:p="http://schemas.openxmlformats.org/presentationml/2006/main">
   <p:cSld>
     <p:spTree>
@@ -7182,7 +11377,7 @@
 </p:sld>
 </file>
 
-<file path=ppt/slides/slide21.xml><?xml version="1.0" encoding="utf-8"?>
+<file path=ppt/slides/slide25.xml><?xml version="1.0" encoding="utf-8"?>
 <p:sld xmlns:a="http://schemas.openxmlformats.org/drawingml/2006/main" xmlns:r="http://schemas.openxmlformats.org/officeDocument/2006/relationships" xmlns:p="http://schemas.openxmlformats.org/presentationml/2006/main">
   <p:cSld>
     <p:spTree>
@@ -7291,7 +11486,7 @@
 </p:sld>
 </file>
 
-<file path=ppt/slides/slide22.xml><?xml version="1.0" encoding="utf-8"?>
+<file path=ppt/slides/slide26.xml><?xml version="1.0" encoding="utf-8"?>
 <p:sld xmlns:a="http://schemas.openxmlformats.org/drawingml/2006/main" xmlns:r="http://schemas.openxmlformats.org/officeDocument/2006/relationships" xmlns:p="http://schemas.openxmlformats.org/presentationml/2006/main">
   <p:cSld>
     <p:spTree>
@@ -7511,7 +11706,7 @@
 </p:sld>
 </file>
 
-<file path=ppt/slides/slide23.xml><?xml version="1.0" encoding="utf-8"?>
+<file path=ppt/slides/slide27.xml><?xml version="1.0" encoding="utf-8"?>
 <p:sld xmlns:a="http://schemas.openxmlformats.org/drawingml/2006/main" xmlns:r="http://schemas.openxmlformats.org/officeDocument/2006/relationships" xmlns:p="http://schemas.openxmlformats.org/presentationml/2006/main">
   <p:cSld>
     <p:spTree>
@@ -7744,7 +11939,7 @@
 </p:sld>
 </file>
 
-<file path=ppt/slides/slide24.xml><?xml version="1.0" encoding="utf-8"?>
+<file path=ppt/slides/slide28.xml><?xml version="1.0" encoding="utf-8"?>
 <p:sld xmlns:a="http://schemas.openxmlformats.org/drawingml/2006/main" xmlns:r="http://schemas.openxmlformats.org/officeDocument/2006/relationships" xmlns:p="http://schemas.openxmlformats.org/presentationml/2006/main">
   <p:cSld>
     <p:spTree>
@@ -7908,7 +12103,7 @@
 </p:sld>
 </file>
 
-<file path=ppt/slides/slide25.xml><?xml version="1.0" encoding="utf-8"?>
+<file path=ppt/slides/slide29.xml><?xml version="1.0" encoding="utf-8"?>
 <p:sld xmlns:a="http://schemas.openxmlformats.org/drawingml/2006/main" xmlns:r="http://schemas.openxmlformats.org/officeDocument/2006/relationships" xmlns:p="http://schemas.openxmlformats.org/presentationml/2006/main">
   <p:cSld>
     <p:spTree>
@@ -8092,7 +12287,107 @@
 </p:sld>
 </file>
 
-<file path=ppt/slides/slide26.xml><?xml version="1.0" encoding="utf-8"?>
+<file path=ppt/slides/slide3.xml><?xml version="1.0" encoding="utf-8"?>
+<p:sld xmlns:a="http://schemas.openxmlformats.org/drawingml/2006/main" xmlns:r="http://schemas.openxmlformats.org/officeDocument/2006/relationships" xmlns:p="http://schemas.openxmlformats.org/presentationml/2006/main">
+  <p:cSld>
+    <p:spTree>
+      <p:nvGrpSpPr>
+        <p:cNvPr id="1" name=""/>
+        <p:cNvGrpSpPr/>
+        <p:nvPr/>
+      </p:nvGrpSpPr>
+      <p:grpSpPr>
+        <a:xfrm>
+          <a:off x="0" y="0"/>
+          <a:ext cx="0" cy="0"/>
+          <a:chOff x="0" y="0"/>
+          <a:chExt cx="0" cy="0"/>
+        </a:xfrm>
+      </p:grpSpPr>
+      <p:sp>
+        <p:nvSpPr>
+          <p:cNvPr id="2" name="Title 1">
+            <a:extLst>
+              <a:ext uri="{FF2B5EF4-FFF2-40B4-BE49-F238E27FC236}">
+                <a16:creationId xmlns:a16="http://schemas.microsoft.com/office/drawing/2014/main" id="{1C21E816-31F5-48BB-BD02-D15F2F18B48A}"/>
+              </a:ext>
+            </a:extLst>
+          </p:cNvPr>
+          <p:cNvSpPr>
+            <a:spLocks noGrp="1"/>
+          </p:cNvSpPr>
+          <p:nvPr>
+            <p:ph type="ctrTitle"/>
+          </p:nvPr>
+        </p:nvSpPr>
+        <p:spPr>
+          <a:xfrm>
+            <a:off x="581191" y="1020431"/>
+            <a:ext cx="10993549" cy="1475013"/>
+          </a:xfrm>
+        </p:spPr>
+        <p:txBody>
+          <a:bodyPr>
+            <a:normAutofit/>
+          </a:bodyPr>
+          <a:lstStyle/>
+          <a:p>
+            <a:r>
+              <a:rPr lang="en-US" dirty="0"/>
+              <a:t>Snowflake Overview and Architecture</a:t>
+            </a:r>
+          </a:p>
+        </p:txBody>
+      </p:sp>
+      <p:pic>
+        <p:nvPicPr>
+          <p:cNvPr id="6" name="Picture 5" descr="abstract image">
+            <a:extLst>
+              <a:ext uri="{FF2B5EF4-FFF2-40B4-BE49-F238E27FC236}">
+                <a16:creationId xmlns:a16="http://schemas.microsoft.com/office/drawing/2014/main" id="{F1A8C364-94D4-4630-BAD0-78722F347055}"/>
+              </a:ext>
+            </a:extLst>
+          </p:cNvPr>
+          <p:cNvPicPr>
+            <a:picLocks noChangeAspect="1"/>
+          </p:cNvPicPr>
+          <p:nvPr/>
+        </p:nvPicPr>
+        <p:blipFill rotWithShape="1">
+          <a:blip r:embed="rId2">
+            <a:extLst>
+              <a:ext uri="{28A0092B-C50C-407E-A947-70E740481C1C}">
+                <a14:useLocalDpi xmlns:a14="http://schemas.microsoft.com/office/drawing/2010/main" val="0"/>
+              </a:ext>
+            </a:extLst>
+          </a:blip>
+          <a:srcRect/>
+          <a:stretch/>
+        </p:blipFill>
+        <p:spPr>
+          <a:xfrm>
+            <a:off x="448733" y="3081867"/>
+            <a:ext cx="11260667" cy="3310466"/>
+          </a:xfrm>
+          <a:prstGeom prst="rect">
+            <a:avLst/>
+          </a:prstGeom>
+        </p:spPr>
+      </p:pic>
+    </p:spTree>
+    <p:extLst>
+      <p:ext uri="{BB962C8B-B14F-4D97-AF65-F5344CB8AC3E}">
+        <p14:creationId xmlns:p14="http://schemas.microsoft.com/office/powerpoint/2010/main" val="1867607976"/>
+      </p:ext>
+    </p:extLst>
+  </p:cSld>
+  <p:clrMapOvr>
+    <a:masterClrMapping/>
+  </p:clrMapOvr>
+</p:sld>
+</file>
+
+<file path=ppt/slides/slide30.xml><?xml version="1.0" encoding="utf-8"?>
 <p:sld xmlns:a="http://schemas.openxmlformats.org/drawingml/2006/main" xmlns:r="http://schemas.openxmlformats.org/officeDocument/2006/relationships" xmlns:p="http://schemas.openxmlformats.org/presentationml/2006/main">
   <p:cSld>
     <p:spTree>
@@ -8210,7 +12505,7 @@
 </p:sld>
 </file>
 
-<file path=ppt/slides/slide27.xml><?xml version="1.0" encoding="utf-8"?>
+<file path=ppt/slides/slide31.xml><?xml version="1.0" encoding="utf-8"?>
 <p:sld xmlns:a="http://schemas.openxmlformats.org/drawingml/2006/main" xmlns:r="http://schemas.openxmlformats.org/officeDocument/2006/relationships" xmlns:p="http://schemas.openxmlformats.org/presentationml/2006/main">
   <p:cSld>
     <p:spTree>
@@ -8366,7 +12661,7 @@
 </p:sld>
 </file>
 
-<file path=ppt/slides/slide28.xml><?xml version="1.0" encoding="utf-8"?>
+<file path=ppt/slides/slide32.xml><?xml version="1.0" encoding="utf-8"?>
 <p:sld xmlns:a="http://schemas.openxmlformats.org/drawingml/2006/main" xmlns:r="http://schemas.openxmlformats.org/officeDocument/2006/relationships" xmlns:p="http://schemas.openxmlformats.org/presentationml/2006/main">
   <p:cSld>
     <p:spTree>
@@ -8547,7 +12842,7 @@
 </p:sld>
 </file>
 
-<file path=ppt/slides/slide29.xml><?xml version="1.0" encoding="utf-8"?>
+<file path=ppt/slides/slide33.xml><?xml version="1.0" encoding="utf-8"?>
 <p:sld xmlns:a="http://schemas.openxmlformats.org/drawingml/2006/main" xmlns:r="http://schemas.openxmlformats.org/officeDocument/2006/relationships" xmlns:p="http://schemas.openxmlformats.org/presentationml/2006/main">
   <p:cSld>
     <p:spTree>
@@ -8703,107 +12998,7 @@
 </p:sld>
 </file>
 
-<file path=ppt/slides/slide3.xml><?xml version="1.0" encoding="utf-8"?>
-<p:sld xmlns:a="http://schemas.openxmlformats.org/drawingml/2006/main" xmlns:r="http://schemas.openxmlformats.org/officeDocument/2006/relationships" xmlns:p="http://schemas.openxmlformats.org/presentationml/2006/main">
-  <p:cSld>
-    <p:spTree>
-      <p:nvGrpSpPr>
-        <p:cNvPr id="1" name=""/>
-        <p:cNvGrpSpPr/>
-        <p:nvPr/>
-      </p:nvGrpSpPr>
-      <p:grpSpPr>
-        <a:xfrm>
-          <a:off x="0" y="0"/>
-          <a:ext cx="0" cy="0"/>
-          <a:chOff x="0" y="0"/>
-          <a:chExt cx="0" cy="0"/>
-        </a:xfrm>
-      </p:grpSpPr>
-      <p:sp>
-        <p:nvSpPr>
-          <p:cNvPr id="2" name="Title 1">
-            <a:extLst>
-              <a:ext uri="{FF2B5EF4-FFF2-40B4-BE49-F238E27FC236}">
-                <a16:creationId xmlns:a16="http://schemas.microsoft.com/office/drawing/2014/main" id="{1C21E816-31F5-48BB-BD02-D15F2F18B48A}"/>
-              </a:ext>
-            </a:extLst>
-          </p:cNvPr>
-          <p:cNvSpPr>
-            <a:spLocks noGrp="1"/>
-          </p:cNvSpPr>
-          <p:nvPr>
-            <p:ph type="ctrTitle"/>
-          </p:nvPr>
-        </p:nvSpPr>
-        <p:spPr>
-          <a:xfrm>
-            <a:off x="581191" y="1020431"/>
-            <a:ext cx="10993549" cy="1475013"/>
-          </a:xfrm>
-        </p:spPr>
-        <p:txBody>
-          <a:bodyPr>
-            <a:normAutofit/>
-          </a:bodyPr>
-          <a:lstStyle/>
-          <a:p>
-            <a:r>
-              <a:rPr lang="en-US" dirty="0"/>
-              <a:t>Snowflake Overview and Architecture</a:t>
-            </a:r>
-          </a:p>
-        </p:txBody>
-      </p:sp>
-      <p:pic>
-        <p:nvPicPr>
-          <p:cNvPr id="6" name="Picture 5" descr="abstract image">
-            <a:extLst>
-              <a:ext uri="{FF2B5EF4-FFF2-40B4-BE49-F238E27FC236}">
-                <a16:creationId xmlns:a16="http://schemas.microsoft.com/office/drawing/2014/main" id="{F1A8C364-94D4-4630-BAD0-78722F347055}"/>
-              </a:ext>
-            </a:extLst>
-          </p:cNvPr>
-          <p:cNvPicPr>
-            <a:picLocks noChangeAspect="1"/>
-          </p:cNvPicPr>
-          <p:nvPr/>
-        </p:nvPicPr>
-        <p:blipFill rotWithShape="1">
-          <a:blip r:embed="rId2">
-            <a:extLst>
-              <a:ext uri="{28A0092B-C50C-407E-A947-70E740481C1C}">
-                <a14:useLocalDpi xmlns:a14="http://schemas.microsoft.com/office/drawing/2010/main" val="0"/>
-              </a:ext>
-            </a:extLst>
-          </a:blip>
-          <a:srcRect/>
-          <a:stretch/>
-        </p:blipFill>
-        <p:spPr>
-          <a:xfrm>
-            <a:off x="448733" y="3081867"/>
-            <a:ext cx="11260667" cy="3310466"/>
-          </a:xfrm>
-          <a:prstGeom prst="rect">
-            <a:avLst/>
-          </a:prstGeom>
-        </p:spPr>
-      </p:pic>
-    </p:spTree>
-    <p:extLst>
-      <p:ext uri="{BB962C8B-B14F-4D97-AF65-F5344CB8AC3E}">
-        <p14:creationId xmlns:p14="http://schemas.microsoft.com/office/powerpoint/2010/main" val="1867607976"/>
-      </p:ext>
-    </p:extLst>
-  </p:cSld>
-  <p:clrMapOvr>
-    <a:masterClrMapping/>
-  </p:clrMapOvr>
-</p:sld>
-</file>
-
-<file path=ppt/slides/slide30.xml><?xml version="1.0" encoding="utf-8"?>
+<file path=ppt/slides/slide34.xml><?xml version="1.0" encoding="utf-8"?>
 <p:sld xmlns:a="http://schemas.openxmlformats.org/drawingml/2006/main" xmlns:r="http://schemas.openxmlformats.org/officeDocument/2006/relationships" xmlns:p="http://schemas.openxmlformats.org/presentationml/2006/main">
   <p:cSld>
     <p:spTree>
@@ -9049,7 +13244,7 @@
 </p:sld>
 </file>
 
-<file path=ppt/slides/slide31.xml><?xml version="1.0" encoding="utf-8"?>
+<file path=ppt/slides/slide35.xml><?xml version="1.0" encoding="utf-8"?>
 <p:sld xmlns:a="http://schemas.openxmlformats.org/drawingml/2006/main" xmlns:r="http://schemas.openxmlformats.org/officeDocument/2006/relationships" xmlns:p="http://schemas.openxmlformats.org/presentationml/2006/main">
   <p:cSld>
     <p:spTree>
@@ -9250,7 +13445,7 @@
 </p:sld>
 </file>
 
-<file path=ppt/slides/slide32.xml><?xml version="1.0" encoding="utf-8"?>
+<file path=ppt/slides/slide36.xml><?xml version="1.0" encoding="utf-8"?>
 <p:sld xmlns:a="http://schemas.openxmlformats.org/drawingml/2006/main" xmlns:r="http://schemas.openxmlformats.org/officeDocument/2006/relationships" xmlns:p="http://schemas.openxmlformats.org/presentationml/2006/main">
   <p:cSld>
     <p:spTree>
@@ -9360,7 +13555,7 @@
 </p:sld>
 </file>
 
-<file path=ppt/slides/slide33.xml><?xml version="1.0" encoding="utf-8"?>
+<file path=ppt/slides/slide37.xml><?xml version="1.0" encoding="utf-8"?>
 <p:sld xmlns:a="http://schemas.openxmlformats.org/drawingml/2006/main" xmlns:r="http://schemas.openxmlformats.org/officeDocument/2006/relationships" xmlns:p="http://schemas.openxmlformats.org/presentationml/2006/main">
   <p:cSld>
     <p:spTree>
@@ -11426,6 +15621,15 @@
 </file>
 
 <file path=customXml/item2.xml><?xml version="1.0" encoding="utf-8"?>
+<?mso-contentType ?>
+<FormTemplates xmlns="http://schemas.microsoft.com/sharepoint/v3/contenttype/forms">
+  <Display>DocumentLibraryForm</Display>
+  <Edit>DocumentLibraryForm</Edit>
+  <New>DocumentLibraryForm</New>
+</FormTemplates>
+</file>
+
+<file path=customXml/item3.xml><?xml version="1.0" encoding="utf-8"?>
 <ct:contentTypeSchema xmlns:ct="http://schemas.microsoft.com/office/2006/metadata/contentType" xmlns:ma="http://schemas.microsoft.com/office/2006/metadata/properties/metaAttributes" ct:_="" ma:_="" ma:contentTypeName="Document" ma:contentTypeID="0x01010079F111ED35F8CC479449609E8A0923A6" ma:contentTypeVersion="12" ma:contentTypeDescription="Create a new document." ma:contentTypeScope="" ma:versionID="a410dd7f93c95333ffa1b60ed6adedd1">
   <xsd:schema xmlns:xsd="http://www.w3.org/2001/XMLSchema" xmlns:xs="http://www.w3.org/2001/XMLSchema" xmlns:p="http://schemas.microsoft.com/office/2006/metadata/properties" xmlns:ns2="71af3243-3dd4-4a8d-8c0d-dd76da1f02a5" xmlns:ns3="16c05727-aa75-4e4a-9b5f-8a80a1165891" targetNamespace="http://schemas.microsoft.com/office/2006/metadata/properties" ma:root="true" ma:fieldsID="a936d9baba76aa3866493feff160faab" ns2:_="" ns3:_="">
     <xsd:import namespace="71af3243-3dd4-4a8d-8c0d-dd76da1f02a5"/>
@@ -11646,15 +15850,6 @@
 </ct:contentTypeSchema>
 </file>
 
-<file path=customXml/item3.xml><?xml version="1.0" encoding="utf-8"?>
-<?mso-contentType ?>
-<FormTemplates xmlns="http://schemas.microsoft.com/sharepoint/v3/contenttype/forms">
-  <Display>DocumentLibraryForm</Display>
-  <Edit>DocumentLibraryForm</Edit>
-  <New>DocumentLibraryForm</New>
-</FormTemplates>
-</file>
-
 <file path=customXml/itemProps1.xml><?xml version="1.0" encoding="utf-8"?>
 <ds:datastoreItem xmlns:ds="http://schemas.openxmlformats.org/officeDocument/2006/customXml" ds:itemID="{8D289AE2-D2AE-49D1-AFAC-3A79F6794255}">
   <ds:schemaRefs>
@@ -11673,6 +15868,14 @@
 </file>
 
 <file path=customXml/itemProps2.xml><?xml version="1.0" encoding="utf-8"?>
+<ds:datastoreItem xmlns:ds="http://schemas.openxmlformats.org/officeDocument/2006/customXml" ds:itemID="{927BD4C1-B6B1-4715-ABF9-E660A51A4EA0}">
+  <ds:schemaRefs>
+    <ds:schemaRef ds:uri="http://schemas.microsoft.com/sharepoint/v3/contenttype/forms"/>
+  </ds:schemaRefs>
+</ds:datastoreItem>
+</file>
+
+<file path=customXml/itemProps3.xml><?xml version="1.0" encoding="utf-8"?>
 <ds:datastoreItem xmlns:ds="http://schemas.openxmlformats.org/officeDocument/2006/customXml" ds:itemID="{41E7CA09-9778-4414-AE97-8064B12DA30E}">
   <ds:schemaRefs>
     <ds:schemaRef ds:uri="http://schemas.microsoft.com/office/2006/metadata/contentType"/>
@@ -11689,12 +15892,4 @@
     <ds:schemaRef ds:uri="http://schemas.microsoft.com/internal/obd"/>
   </ds:schemaRefs>
 </ds:datastoreItem>
-</file>
-
-<file path=customXml/itemProps3.xml><?xml version="1.0" encoding="utf-8"?>
-<ds:datastoreItem xmlns:ds="http://schemas.openxmlformats.org/officeDocument/2006/customXml" ds:itemID="{927BD4C1-B6B1-4715-ABF9-E660A51A4EA0}">
-  <ds:schemaRefs>
-    <ds:schemaRef ds:uri="http://schemas.microsoft.com/sharepoint/v3/contenttype/forms"/>
-  </ds:schemaRefs>
-</ds:datastoreItem>
 </file>
--- a/docs/Azure-Snowflake.pptx
+++ b/docs/Azure-Snowflake.pptx
@@ -54,13 +54,22 @@
     <p:sldId id="262" r:id="rId51"/>
     <p:sldId id="263" r:id="rId52"/>
     <p:sldId id="264" r:id="rId53"/>
-    <p:sldId id="266" r:id="rId54"/>
-    <p:sldId id="267" r:id="rId55"/>
+    <p:sldId id="316" r:id="rId54"/>
+    <p:sldId id="317" r:id="rId55"/>
     <p:sldId id="265" r:id="rId56"/>
     <p:sldId id="268" r:id="rId57"/>
     <p:sldId id="271" r:id="rId58"/>
     <p:sldId id="272" r:id="rId59"/>
     <p:sldId id="273" r:id="rId60"/>
+    <p:sldId id="318" r:id="rId61"/>
+    <p:sldId id="266" r:id="rId62"/>
+    <p:sldId id="319" r:id="rId63"/>
+    <p:sldId id="320" r:id="rId64"/>
+    <p:sldId id="321" r:id="rId65"/>
+    <p:sldId id="322" r:id="rId66"/>
+    <p:sldId id="323" r:id="rId67"/>
+    <p:sldId id="324" r:id="rId68"/>
+    <p:sldId id="325" r:id="rId69"/>
   </p:sldIdLst>
   <p:sldSz cx="12192000" cy="6858000"/>
   <p:notesSz cx="6858000" cy="9144000"/>
@@ -405,7 +414,7 @@
           <a:p>
             <a:fld id="{ED291B17-9318-49DB-B28B-6E5994AE9581}" type="datetime1">
               <a:rPr lang="en-US" smtClean="0"/>
-              <a:t>5/19/2024</a:t>
+              <a:t>5/23/2024</a:t>
             </a:fld>
             <a:endParaRPr lang="en-US" dirty="0"/>
           </a:p>
@@ -608,7 +617,7 @@
           <a:p>
             <a:fld id="{2CED4963-E985-44C4-B8C4-FDD613B7C2F8}" type="datetime1">
               <a:rPr lang="en-US" smtClean="0"/>
-              <a:t>5/19/2024</a:t>
+              <a:t>5/23/2024</a:t>
             </a:fld>
             <a:endParaRPr lang="en-US" dirty="0"/>
           </a:p>
@@ -970,7 +979,7 @@
           <a:p>
             <a:fld id="{ED291B17-9318-49DB-B28B-6E5994AE9581}" type="datetime1">
               <a:rPr lang="en-US" smtClean="0"/>
-              <a:t>5/19/2024</a:t>
+              <a:t>5/23/2024</a:t>
             </a:fld>
             <a:endParaRPr lang="en-US" dirty="0"/>
           </a:p>
@@ -1168,7 +1177,7 @@
           <a:p>
             <a:fld id="{78DD82B9-B8EE-4375-B6FF-88FA6ABB15D9}" type="datetime1">
               <a:rPr lang="en-US" smtClean="0"/>
-              <a:t>5/19/2024</a:t>
+              <a:t>5/23/2024</a:t>
             </a:fld>
             <a:endParaRPr lang="en-US" dirty="0"/>
           </a:p>
@@ -1480,7 +1489,7 @@
           <a:p>
             <a:fld id="{B2497495-0637-405E-AE64-5CC7506D51F5}" type="datetime1">
               <a:rPr lang="en-US" smtClean="0"/>
-              <a:t>5/19/2024</a:t>
+              <a:t>5/23/2024</a:t>
             </a:fld>
             <a:endParaRPr lang="en-US" dirty="0"/>
           </a:p>
@@ -1733,7 +1742,7 @@
           <a:p>
             <a:fld id="{7BFFD690-9426-415D-8B65-26881E07B2D4}" type="datetime1">
               <a:rPr lang="en-US" smtClean="0"/>
-              <a:t>5/19/2024</a:t>
+              <a:t>5/23/2024</a:t>
             </a:fld>
             <a:endParaRPr lang="en-US" dirty="0"/>
           </a:p>
@@ -2155,7 +2164,7 @@
           <a:p>
             <a:fld id="{04C4989A-474C-40DE-95B9-011C28B71673}" type="datetime1">
               <a:rPr lang="en-US" smtClean="0"/>
-              <a:t>5/19/2024</a:t>
+              <a:t>5/23/2024</a:t>
             </a:fld>
             <a:endParaRPr lang="en-US" dirty="0"/>
           </a:p>
@@ -2278,7 +2287,7 @@
           <a:p>
             <a:fld id="{5DB4ED54-5B5E-4A04-93D3-5772E3CE3818}" type="datetime1">
               <a:rPr lang="en-US" smtClean="0"/>
-              <a:t>5/19/2024</a:t>
+              <a:t>5/23/2024</a:t>
             </a:fld>
             <a:endParaRPr lang="en-US" dirty="0"/>
           </a:p>
@@ -2373,7 +2382,7 @@
           <a:p>
             <a:fld id="{4EDE50D6-574B-40AF-946F-D52A04ADE379}" type="datetime1">
               <a:rPr lang="en-US" smtClean="0"/>
-              <a:t>5/19/2024</a:t>
+              <a:t>5/23/2024</a:t>
             </a:fld>
             <a:endParaRPr lang="en-US" dirty="0"/>
           </a:p>
@@ -2750,7 +2759,7 @@
           <a:p>
             <a:fld id="{D82884F1-FFEA-405F-9602-3DCA865EDA4E}" type="datetime1">
               <a:rPr lang="en-US" smtClean="0"/>
-              <a:t>5/19/2024</a:t>
+              <a:t>5/23/2024</a:t>
             </a:fld>
             <a:endParaRPr lang="en-US" dirty="0"/>
           </a:p>
@@ -3043,7 +3052,7 @@
           <a:p>
             <a:fld id="{7E18DB4A-8810-4A10-AD5C-D5E2C667F5B3}" type="datetime1">
               <a:rPr lang="en-US" smtClean="0"/>
-              <a:t>5/19/2024</a:t>
+              <a:t>5/23/2024</a:t>
             </a:fld>
             <a:endParaRPr lang="en-US" dirty="0"/>
           </a:p>
@@ -3258,7 +3267,7 @@
           <a:p>
             <a:fld id="{ED291B17-9318-49DB-B28B-6E5994AE9581}" type="datetime1">
               <a:rPr lang="en-US" smtClean="0"/>
-              <a:t>5/19/2024</a:t>
+              <a:t>5/23/2024</a:t>
             </a:fld>
             <a:endParaRPr lang="en-US" dirty="0"/>
           </a:p>
@@ -30434,26 +30443,24 @@
           <a:p>
             <a:r>
               <a:rPr lang="en-US" dirty="0"/>
-              <a:t>DATA unloading – External Stage</a:t>
+              <a:t>DATA unloading – External Stage AZURE</a:t>
             </a:r>
           </a:p>
         </p:txBody>
       </p:sp>
       <p:pic>
         <p:nvPicPr>
-          <p:cNvPr id="4098" name="Picture 2" descr="Unloading data to S3">
+          <p:cNvPr id="4" name="Picture 2" descr="Data loading overview">
             <a:extLst>
               <a:ext uri="{FF2B5EF4-FFF2-40B4-BE49-F238E27FC236}">
-                <a16:creationId xmlns:a16="http://schemas.microsoft.com/office/drawing/2014/main" id="{915E6E9D-48C5-72AF-F904-C8C5238A8798}"/>
+                <a16:creationId xmlns:a16="http://schemas.microsoft.com/office/drawing/2014/main" id="{28706C79-2D36-ADA1-D943-4F08EE8105A8}"/>
               </a:ext>
             </a:extLst>
           </p:cNvPr>
           <p:cNvPicPr>
-            <a:picLocks noGrp="1" noChangeAspect="1" noChangeArrowheads="1"/>
+            <a:picLocks noChangeAspect="1" noChangeArrowheads="1"/>
           </p:cNvPicPr>
-          <p:nvPr>
-            <p:ph idx="1"/>
-          </p:nvPr>
+          <p:nvPr/>
         </p:nvPicPr>
         <p:blipFill>
           <a:blip r:embed="rId2">
@@ -30470,8 +30477,8 @@
         </p:blipFill>
         <p:spPr bwMode="auto">
           <a:xfrm>
-            <a:off x="4945224" y="1389483"/>
-            <a:ext cx="6472747" cy="5396019"/>
+            <a:off x="304800" y="1211875"/>
+            <a:ext cx="5791200" cy="5646125"/>
           </a:xfrm>
           <a:prstGeom prst="rect">
             <a:avLst/>
@@ -30490,19 +30497,21 @@
       </p:pic>
       <p:pic>
         <p:nvPicPr>
-          <p:cNvPr id="3" name="Picture 2" descr="Data loading overview">
+          <p:cNvPr id="1026" name="Picture 2" descr="Unloading data to Azure">
             <a:extLst>
               <a:ext uri="{FF2B5EF4-FFF2-40B4-BE49-F238E27FC236}">
-                <a16:creationId xmlns:a16="http://schemas.microsoft.com/office/drawing/2014/main" id="{5C500E93-DF8A-4002-7EFA-ACCF47DCDD84}"/>
+                <a16:creationId xmlns:a16="http://schemas.microsoft.com/office/drawing/2014/main" id="{7638C3DE-D9B5-1191-A9DE-B68D1CE2F3EF}"/>
               </a:ext>
             </a:extLst>
           </p:cNvPr>
           <p:cNvPicPr>
-            <a:picLocks noChangeAspect="1" noChangeArrowheads="1"/>
+            <a:picLocks noGrp="1" noChangeAspect="1" noChangeArrowheads="1"/>
           </p:cNvPicPr>
-          <p:nvPr/>
+          <p:nvPr>
+            <p:ph idx="1"/>
+          </p:nvPr>
         </p:nvPicPr>
-        <p:blipFill>
+        <p:blipFill rotWithShape="1">
           <a:blip r:embed="rId3">
             <a:extLst>
               <a:ext uri="{28A0092B-C50C-407E-A947-70E740481C1C}">
@@ -30510,15 +30519,13 @@
               </a:ext>
             </a:extLst>
           </a:blip>
-          <a:srcRect/>
-          <a:stretch>
-            <a:fillRect/>
-          </a:stretch>
+          <a:srcRect l="19935" t="2621"/>
+          <a:stretch/>
         </p:blipFill>
         <p:spPr bwMode="auto">
           <a:xfrm>
-            <a:off x="0" y="1389483"/>
-            <a:ext cx="5384451" cy="5263243"/>
+            <a:off x="6183400" y="1279236"/>
+            <a:ext cx="5427408" cy="5511401"/>
           </a:xfrm>
           <a:prstGeom prst="rect">
             <a:avLst/>
@@ -30538,7 +30545,7 @@
     </p:spTree>
     <p:extLst>
       <p:ext uri="{BB962C8B-B14F-4D97-AF65-F5344CB8AC3E}">
-        <p14:creationId xmlns:p14="http://schemas.microsoft.com/office/powerpoint/2010/main" val="3543279299"/>
+        <p14:creationId xmlns:p14="http://schemas.microsoft.com/office/powerpoint/2010/main" val="1908454222"/>
       </p:ext>
     </p:extLst>
   </p:cSld>
@@ -30590,7 +30597,7 @@
           <a:p>
             <a:r>
               <a:rPr lang="en-US" dirty="0"/>
-              <a:t>DATA unloading – External Stage</a:t>
+              <a:t>DATA unloading – External Stage - AZURE</a:t>
             </a:r>
           </a:p>
         </p:txBody>
@@ -30613,51 +30620,302 @@
         </p:nvSpPr>
         <p:spPr/>
         <p:txBody>
-          <a:bodyPr anchor="t"/>
+          <a:bodyPr anchor="t">
+            <a:normAutofit fontScale="77500" lnSpcReduction="20000"/>
+          </a:bodyPr>
           <a:lstStyle/>
           <a:p>
-            <a:r>
-              <a:rPr lang="en-US" dirty="0"/>
-              <a:t>COPY via named stage:</a:t>
-            </a:r>
-          </a:p>
-          <a:p>
-            <a:pPr marL="324000" lvl="1" indent="0">
+            <a:pPr>
+              <a:lnSpc>
+                <a:spcPct val="120000"/>
+              </a:lnSpc>
+              <a:spcBef>
+                <a:spcPts val="0"/>
+              </a:spcBef>
+              <a:spcAft>
+                <a:spcPts val="0"/>
+              </a:spcAft>
+            </a:pPr>
+            <a:r>
+              <a:rPr lang="en-US" b="1" dirty="0"/>
+              <a:t>Unload using Storage integration:</a:t>
+            </a:r>
+          </a:p>
+          <a:p>
+            <a:pPr lvl="1">
+              <a:lnSpc>
+                <a:spcPct val="120000"/>
+              </a:lnSpc>
+              <a:spcBef>
+                <a:spcPts val="0"/>
+              </a:spcBef>
+              <a:spcAft>
+                <a:spcPts val="0"/>
+              </a:spcAft>
+            </a:pPr>
+            <a:r>
+              <a:rPr lang="en-US" b="1" dirty="0"/>
+              <a:t>Unload using stage storage:</a:t>
+            </a:r>
+          </a:p>
+          <a:p>
+            <a:pPr lvl="2">
+              <a:lnSpc>
+                <a:spcPct val="120000"/>
+              </a:lnSpc>
+              <a:spcBef>
+                <a:spcPts val="0"/>
+              </a:spcBef>
+              <a:spcAft>
+                <a:spcPts val="0"/>
+              </a:spcAft>
+            </a:pPr>
+            <a:r>
+              <a:rPr lang="en-US" b="1" dirty="0"/>
+              <a:t>Create storage integration</a:t>
+            </a:r>
+          </a:p>
+          <a:p>
+            <a:pPr marL="630000" lvl="2" indent="0">
+              <a:lnSpc>
+                <a:spcPct val="120000"/>
+              </a:lnSpc>
+              <a:spcBef>
+                <a:spcPts val="0"/>
+              </a:spcBef>
+              <a:spcAft>
+                <a:spcPts val="0"/>
+              </a:spcAft>
               <a:buNone/>
             </a:pPr>
             <a:r>
               <a:rPr lang="en-US" dirty="0"/>
-              <a:t>CREATE OR REPLACE STAGE </a:t>
+              <a:t>       CREATE or replace STORAGE INTEGRATION </a:t>
             </a:r>
             <a:r>
               <a:rPr lang="en-US" dirty="0" err="1"/>
-              <a:t>my_ext_unload_stage</a:t>
+              <a:t>azure_int</a:t>
             </a:r>
             <a:r>
               <a:rPr lang="en-US" dirty="0"/>
-              <a:t> URL='s3://unload/files/'</a:t>
-            </a:r>
-          </a:p>
-          <a:p>
-            <a:pPr marL="324000" lvl="1" indent="0">
+              <a:t>  TYPE = EXTERNAL_STAGE  STORAGE_PROVIDER = 'AZURE'  ENABLED = TRUE  AZURE_TENANT_ID = 'fda27961-1c4d-48ca-b563-4da0bc461de1'  STORAGE_ALLOWED_LOCATIONS = ('azure://bw2023snowflakedata.blob.core.windows.net/bw2023snowflakedatacontainer/')</a:t>
+            </a:r>
+          </a:p>
+          <a:p>
+            <a:pPr lvl="2">
+              <a:lnSpc>
+                <a:spcPct val="120000"/>
+              </a:lnSpc>
+              <a:spcBef>
+                <a:spcPts val="0"/>
+              </a:spcBef>
+              <a:spcAft>
+                <a:spcPts val="0"/>
+              </a:spcAft>
+            </a:pPr>
+            <a:r>
+              <a:rPr lang="en-US" b="1" dirty="0"/>
+              <a:t>Create stage</a:t>
+            </a:r>
+          </a:p>
+          <a:p>
+            <a:pPr marL="630000" lvl="2" indent="0">
+              <a:lnSpc>
+                <a:spcPct val="120000"/>
+              </a:lnSpc>
+              <a:spcBef>
+                <a:spcPts val="0"/>
+              </a:spcBef>
+              <a:spcAft>
+                <a:spcPts val="0"/>
+              </a:spcAft>
               <a:buNone/>
             </a:pPr>
             <a:r>
               <a:rPr lang="en-US" dirty="0"/>
-              <a:t>    STORAGE_INTEGRATION = s3_int</a:t>
-            </a:r>
-          </a:p>
-          <a:p>
-            <a:pPr marL="324000" lvl="1" indent="0">
+              <a:t>            CREATE OR REPLACE STAGE </a:t>
+            </a:r>
+            <a:r>
+              <a:rPr lang="en-US" dirty="0" err="1"/>
+              <a:t>az_ext_unload_stage_superstore</a:t>
+            </a:r>
+            <a:r>
+              <a:rPr lang="en-US" dirty="0"/>
+              <a:t> URL='azure://bw2023snowflakedata.blob.core.windows.net/bw2023snowflakedatacontainer/</a:t>
+            </a:r>
+            <a:r>
+              <a:rPr lang="en-US" dirty="0" err="1"/>
+              <a:t>snowoutput</a:t>
+            </a:r>
+            <a:r>
+              <a:rPr lang="en-US" dirty="0"/>
+              <a:t>/'    STORAGE_INTEGRATION = </a:t>
+            </a:r>
+            <a:r>
+              <a:rPr lang="en-US" dirty="0" err="1"/>
+              <a:t>azure_int</a:t>
+            </a:r>
+            <a:r>
+              <a:rPr lang="en-US" dirty="0"/>
+              <a:t>    FILE_FORMAT = </a:t>
+            </a:r>
+            <a:r>
+              <a:rPr lang="en-US" dirty="0" err="1"/>
+              <a:t>csv_superstore</a:t>
+            </a:r>
+            <a:r>
+              <a:rPr lang="en-US" dirty="0"/>
+              <a:t>;</a:t>
+            </a:r>
+          </a:p>
+          <a:p>
+            <a:pPr lvl="2">
+              <a:lnSpc>
+                <a:spcPct val="120000"/>
+              </a:lnSpc>
+              <a:spcBef>
+                <a:spcPts val="0"/>
+              </a:spcBef>
+              <a:spcAft>
+                <a:spcPts val="0"/>
+              </a:spcAft>
+            </a:pPr>
+            <a:r>
+              <a:rPr lang="en-US" b="1" dirty="0"/>
+              <a:t>Copy data</a:t>
+            </a:r>
+          </a:p>
+          <a:p>
+            <a:pPr marL="630000" lvl="2" indent="0">
+              <a:lnSpc>
+                <a:spcPct val="120000"/>
+              </a:lnSpc>
+              <a:spcBef>
+                <a:spcPts val="0"/>
+              </a:spcBef>
+              <a:spcAft>
+                <a:spcPts val="0"/>
+              </a:spcAft>
               <a:buNone/>
             </a:pPr>
             <a:r>
               <a:rPr lang="en-US" dirty="0"/>
-              <a:t>    FILE_FORMAT = </a:t>
+              <a:t>           COPY INTO @az_ext_unload_stage_superstore from SUPERSTORE_FRMUSERSTG;</a:t>
+            </a:r>
+          </a:p>
+          <a:p>
+            <a:pPr lvl="1">
+              <a:lnSpc>
+                <a:spcPct val="120000"/>
+              </a:lnSpc>
+              <a:spcBef>
+                <a:spcPts val="0"/>
+              </a:spcBef>
+              <a:spcAft>
+                <a:spcPts val="0"/>
+              </a:spcAft>
+            </a:pPr>
+            <a:r>
+              <a:rPr lang="en-US" b="1" dirty="0"/>
+              <a:t>Unload without using stage: </a:t>
+            </a:r>
+          </a:p>
+          <a:p>
+            <a:pPr lvl="2">
+              <a:lnSpc>
+                <a:spcPct val="120000"/>
+              </a:lnSpc>
+              <a:spcBef>
+                <a:spcPts val="0"/>
+              </a:spcBef>
+              <a:spcAft>
+                <a:spcPts val="0"/>
+              </a:spcAft>
+            </a:pPr>
+            <a:r>
+              <a:rPr lang="en-US" b="1" dirty="0"/>
+              <a:t>Create storage integration</a:t>
+            </a:r>
+          </a:p>
+          <a:p>
+            <a:pPr marL="630000" lvl="2" indent="0">
+              <a:lnSpc>
+                <a:spcPct val="120000"/>
+              </a:lnSpc>
+              <a:spcBef>
+                <a:spcPts val="0"/>
+              </a:spcBef>
+              <a:spcAft>
+                <a:spcPts val="0"/>
+              </a:spcAft>
+              <a:buNone/>
+            </a:pPr>
+            <a:r>
+              <a:rPr lang="en-US" dirty="0"/>
+              <a:t>CREATE or replace STORAGE INTEGRATION </a:t>
             </a:r>
             <a:r>
               <a:rPr lang="en-US" dirty="0" err="1"/>
-              <a:t>my_csv_unload_format</a:t>
+              <a:t>azure_int</a:t>
+            </a:r>
+            <a:r>
+              <a:rPr lang="en-US" dirty="0"/>
+              <a:t>  TYPE = EXTERNAL_STAGE  STORAGE_PROVIDER = 'AZURE'  ENABLED = TRUE  AZURE_TENANT_ID = 'fda27961-1c4d-48ca-b563-4da0bc461de1'  STORAGE_ALLOWED_LOCATIONS = ('azure://bw2023snowflakedata.blob.core.windows.net/bw2023snowflakedatacontainer/')</a:t>
+            </a:r>
+          </a:p>
+          <a:p>
+            <a:pPr lvl="2">
+              <a:lnSpc>
+                <a:spcPct val="120000"/>
+              </a:lnSpc>
+              <a:spcBef>
+                <a:spcPts val="0"/>
+              </a:spcBef>
+              <a:spcAft>
+                <a:spcPts val="0"/>
+              </a:spcAft>
+            </a:pPr>
+            <a:r>
+              <a:rPr lang="en-US" b="1" dirty="0"/>
+              <a:t>Copy data</a:t>
+            </a:r>
+          </a:p>
+          <a:p>
+            <a:pPr marL="630000" lvl="2" indent="0">
+              <a:lnSpc>
+                <a:spcPct val="120000"/>
+              </a:lnSpc>
+              <a:spcBef>
+                <a:spcPts val="0"/>
+              </a:spcBef>
+              <a:spcAft>
+                <a:spcPts val="0"/>
+              </a:spcAft>
+              <a:buNone/>
+            </a:pPr>
+            <a:r>
+              <a:rPr lang="en-US" dirty="0"/>
+              <a:t>  COPY INTO 'azure://bw2023snowflakedata.blob.core.windows.net/bw2023snowflakedatacontainer/</a:t>
+            </a:r>
+            <a:r>
+              <a:rPr lang="en-US" dirty="0" err="1"/>
+              <a:t>snowoutput</a:t>
+            </a:r>
+            <a:r>
+              <a:rPr lang="en-US" dirty="0"/>
+              <a:t>/d1/' from SUPERSTORE_FRMUSERSTG </a:t>
+            </a:r>
+            <a:r>
+              <a:rPr lang="en-US" dirty="0" err="1"/>
+              <a:t>storage_integration</a:t>
+            </a:r>
+            <a:r>
+              <a:rPr lang="en-US" dirty="0"/>
+              <a:t> = </a:t>
+            </a:r>
+            <a:r>
+              <a:rPr lang="en-US" dirty="0" err="1"/>
+              <a:t>azure_int</a:t>
             </a:r>
             <a:r>
               <a:rPr lang="en-US" dirty="0"/>
@@ -30665,16 +30923,204 @@
             </a:r>
           </a:p>
           <a:p>
+            <a:pPr>
+              <a:lnSpc>
+                <a:spcPct val="120000"/>
+              </a:lnSpc>
+              <a:spcBef>
+                <a:spcPts val="0"/>
+              </a:spcBef>
+              <a:spcAft>
+                <a:spcPts val="0"/>
+              </a:spcAft>
+            </a:pPr>
+            <a:r>
+              <a:rPr lang="en-US" b="1" dirty="0"/>
+              <a:t>Unload using SAS token</a:t>
+            </a:r>
+          </a:p>
+          <a:p>
+            <a:pPr lvl="1">
+              <a:lnSpc>
+                <a:spcPct val="120000"/>
+              </a:lnSpc>
+              <a:spcBef>
+                <a:spcPts val="0"/>
+              </a:spcBef>
+              <a:spcAft>
+                <a:spcPts val="0"/>
+              </a:spcAft>
+            </a:pPr>
+            <a:r>
+              <a:rPr lang="en-US" b="1" dirty="0"/>
+              <a:t>Create SAS token</a:t>
+            </a:r>
+            <a:r>
+              <a:rPr lang="en-US" dirty="0"/>
+              <a:t> – as shown in previous slide</a:t>
+            </a:r>
+          </a:p>
+          <a:p>
+            <a:pPr lvl="1">
+              <a:lnSpc>
+                <a:spcPct val="120000"/>
+              </a:lnSpc>
+              <a:spcBef>
+                <a:spcPts val="0"/>
+              </a:spcBef>
+              <a:spcAft>
+                <a:spcPts val="0"/>
+              </a:spcAft>
+            </a:pPr>
+            <a:r>
+              <a:rPr lang="en-US" b="1" dirty="0"/>
+              <a:t>Create stage </a:t>
+            </a:r>
+            <a:r>
+              <a:rPr lang="en-US" dirty="0"/>
+              <a:t>– </a:t>
+            </a:r>
+          </a:p>
+          <a:p>
             <a:pPr marL="324000" lvl="1" indent="0">
+              <a:lnSpc>
+                <a:spcPct val="120000"/>
+              </a:lnSpc>
+              <a:spcBef>
+                <a:spcPts val="0"/>
+              </a:spcBef>
+              <a:spcAft>
+                <a:spcPts val="0"/>
+              </a:spcAft>
               <a:buNone/>
             </a:pPr>
             <a:r>
               <a:rPr lang="en-US" dirty="0"/>
-              <a:t>COPY INTO @my_ext_unload_stage/d1 from </a:t>
+              <a:t>		CREATE OR REPLACE STAGE </a:t>
             </a:r>
             <a:r>
               <a:rPr lang="en-US" dirty="0" err="1"/>
-              <a:t>mytable</a:t>
+              <a:t>bw_azure_stage_sas</a:t>
+            </a:r>
+            <a:r>
+              <a:rPr lang="en-US" dirty="0"/>
+              <a:t>         </a:t>
+            </a:r>
+          </a:p>
+          <a:p>
+            <a:pPr marL="324000" lvl="1" indent="0">
+              <a:lnSpc>
+                <a:spcPct val="120000"/>
+              </a:lnSpc>
+              <a:spcBef>
+                <a:spcPts val="0"/>
+              </a:spcBef>
+              <a:spcAft>
+                <a:spcPts val="0"/>
+              </a:spcAft>
+              <a:buNone/>
+            </a:pPr>
+            <a:r>
+              <a:rPr lang="en-US" dirty="0"/>
+              <a:t>                 URL='azure://bw2023snowflakedata.blob.core.windows.net/bw2023snowflakedatacontainer/'         </a:t>
+            </a:r>
+          </a:p>
+          <a:p>
+            <a:pPr marL="324000" lvl="1" indent="0">
+              <a:lnSpc>
+                <a:spcPct val="120000"/>
+              </a:lnSpc>
+              <a:spcBef>
+                <a:spcPts val="0"/>
+              </a:spcBef>
+              <a:spcAft>
+                <a:spcPts val="0"/>
+              </a:spcAft>
+              <a:buNone/>
+            </a:pPr>
+            <a:r>
+              <a:rPr lang="en-US" dirty="0"/>
+              <a:t>                 CREDENTIALS=(AZURE_SAS_TOKEN='</a:t>
+            </a:r>
+            <a:r>
+              <a:rPr lang="en-US" dirty="0" err="1"/>
+              <a:t>sv</a:t>
+            </a:r>
+            <a:r>
+              <a:rPr lang="en-US" dirty="0"/>
+              <a:t>=2022-11-02&amp;ss=</a:t>
+            </a:r>
+            <a:r>
+              <a:rPr lang="en-US" dirty="0" err="1"/>
+              <a:t>bfqt&amp;srt</a:t>
+            </a:r>
+            <a:r>
+              <a:rPr lang="en-US" dirty="0"/>
+              <a:t>=</a:t>
+            </a:r>
+            <a:r>
+              <a:rPr lang="en-US" dirty="0" err="1"/>
+              <a:t>co&amp;sp</a:t>
+            </a:r>
+            <a:r>
+              <a:rPr lang="en-US" dirty="0"/>
+              <a:t>=</a:t>
+            </a:r>
+            <a:r>
+              <a:rPr lang="en-US" dirty="0" err="1"/>
+              <a:t>rwdlacupiytfx&amp;se</a:t>
+            </a:r>
+            <a:r>
+              <a:rPr lang="en-US" dirty="0"/>
+              <a:t>=2024-06-30T10:26:10Z&amp;st=2024-05-          21T02:26:10Z&amp;spr=</a:t>
+            </a:r>
+            <a:r>
+              <a:rPr lang="en-US" dirty="0" err="1"/>
+              <a:t>https&amp;sig</a:t>
+            </a:r>
+            <a:r>
+              <a:rPr lang="en-US" dirty="0"/>
+              <a:t>=jRhgc2t%2Br9kAkDoJvmqpJgys%2FtELpc3IoQJAK%2BS3wA0%3D')        </a:t>
+            </a:r>
+          </a:p>
+          <a:p>
+            <a:pPr marL="324000" lvl="1" indent="0">
+              <a:lnSpc>
+                <a:spcPct val="120000"/>
+              </a:lnSpc>
+              <a:spcBef>
+                <a:spcPts val="0"/>
+              </a:spcBef>
+              <a:spcAft>
+                <a:spcPts val="0"/>
+              </a:spcAft>
+              <a:buNone/>
+            </a:pPr>
+            <a:r>
+              <a:rPr lang="en-US" dirty="0"/>
+              <a:t>                 ENCRYPTION=(TYPE='NONE')         </a:t>
+            </a:r>
+          </a:p>
+          <a:p>
+            <a:pPr marL="324000" lvl="1" indent="0">
+              <a:lnSpc>
+                <a:spcPct val="120000"/>
+              </a:lnSpc>
+              <a:spcBef>
+                <a:spcPts val="0"/>
+              </a:spcBef>
+              <a:spcAft>
+                <a:spcPts val="0"/>
+              </a:spcAft>
+              <a:buNone/>
+            </a:pPr>
+            <a:r>
+              <a:rPr lang="en-US" dirty="0"/>
+              <a:t>                 FILE_FORMAT = </a:t>
+            </a:r>
+            <a:r>
+              <a:rPr lang="en-US" dirty="0" err="1"/>
+              <a:t>csv_superstore</a:t>
             </a:r>
             <a:r>
               <a:rPr lang="en-US" dirty="0"/>
@@ -30682,44 +31128,54 @@
             </a:r>
           </a:p>
           <a:p>
+            <a:pPr lvl="1">
+              <a:lnSpc>
+                <a:spcPct val="120000"/>
+              </a:lnSpc>
+              <a:spcBef>
+                <a:spcPts val="0"/>
+              </a:spcBef>
+              <a:spcAft>
+                <a:spcPts val="0"/>
+              </a:spcAft>
+            </a:pPr>
+            <a:r>
+              <a:rPr lang="en-US" b="1" dirty="0"/>
+              <a:t>Copy data</a:t>
+            </a:r>
+          </a:p>
+          <a:p>
+            <a:pPr marL="324000" lvl="1" indent="0">
+              <a:lnSpc>
+                <a:spcPct val="120000"/>
+              </a:lnSpc>
+              <a:spcBef>
+                <a:spcPts val="0"/>
+              </a:spcBef>
+              <a:spcAft>
+                <a:spcPts val="0"/>
+              </a:spcAft>
+              <a:buNone/>
+            </a:pPr>
             <a:r>
               <a:rPr lang="en-US" dirty="0"/>
-              <a:t>Unloading Data Directly into an S3 Bucket</a:t>
-            </a:r>
-          </a:p>
-          <a:p>
-            <a:pPr lvl="1"/>
+              <a:t>               COPY INTO @ </a:t>
+            </a:r>
+            <a:r>
+              <a:rPr lang="en-US" dirty="0" err="1"/>
+              <a:t>bw_azure_stage_sas</a:t>
+            </a:r>
             <a:r>
               <a:rPr lang="en-US" dirty="0"/>
-              <a:t>COPY INTO s3://mybucket/unload/ from </a:t>
-            </a:r>
-            <a:r>
-              <a:rPr lang="en-US" dirty="0" err="1"/>
-              <a:t>mytable</a:t>
-            </a:r>
-            <a:r>
-              <a:rPr lang="en-US" dirty="0"/>
-              <a:t> </a:t>
-            </a:r>
-            <a:r>
-              <a:rPr lang="en-US" dirty="0" err="1"/>
-              <a:t>storage_integration</a:t>
-            </a:r>
-            <a:r>
-              <a:rPr lang="en-US" dirty="0"/>
-              <a:t> = s3_int;</a:t>
-            </a:r>
-          </a:p>
-          <a:p>
-            <a:pPr lvl="1"/>
-            <a:endParaRPr lang="en-US" dirty="0"/>
+              <a:t> from SUPERSTORE_FRMUSERSTG;</a:t>
+            </a:r>
           </a:p>
         </p:txBody>
       </p:sp>
     </p:spTree>
     <p:extLst>
       <p:ext uri="{BB962C8B-B14F-4D97-AF65-F5344CB8AC3E}">
-        <p14:creationId xmlns:p14="http://schemas.microsoft.com/office/powerpoint/2010/main" val="668437440"/>
+        <p14:creationId xmlns:p14="http://schemas.microsoft.com/office/powerpoint/2010/main" val="3636843060"/>
       </p:ext>
     </p:extLst>
   </p:cSld>
@@ -31555,6 +32011,426 @@
 </p:sld>
 </file>
 
+<file path=ppt/slides/slide57.xml><?xml version="1.0" encoding="utf-8"?>
+<p:sld xmlns:a="http://schemas.openxmlformats.org/drawingml/2006/main" xmlns:r="http://schemas.openxmlformats.org/officeDocument/2006/relationships" xmlns:p="http://schemas.openxmlformats.org/presentationml/2006/main">
+  <p:cSld>
+    <p:spTree>
+      <p:nvGrpSpPr>
+        <p:cNvPr id="1" name=""/>
+        <p:cNvGrpSpPr/>
+        <p:nvPr/>
+      </p:nvGrpSpPr>
+      <p:grpSpPr>
+        <a:xfrm>
+          <a:off x="0" y="0"/>
+          <a:ext cx="0" cy="0"/>
+          <a:chOff x="0" y="0"/>
+          <a:chExt cx="0" cy="0"/>
+        </a:xfrm>
+      </p:grpSpPr>
+      <p:sp>
+        <p:nvSpPr>
+          <p:cNvPr id="2" name="Title 1">
+            <a:extLst>
+              <a:ext uri="{FF2B5EF4-FFF2-40B4-BE49-F238E27FC236}">
+                <a16:creationId xmlns:a16="http://schemas.microsoft.com/office/drawing/2014/main" id="{257238A7-3AEC-E8C0-3F78-CB96D69BB97D}"/>
+              </a:ext>
+            </a:extLst>
+          </p:cNvPr>
+          <p:cNvSpPr>
+            <a:spLocks noGrp="1"/>
+          </p:cNvSpPr>
+          <p:nvPr>
+            <p:ph type="ctrTitle"/>
+          </p:nvPr>
+        </p:nvSpPr>
+        <p:spPr/>
+        <p:txBody>
+          <a:bodyPr/>
+          <a:lstStyle/>
+          <a:p>
+            <a:r>
+              <a:rPr lang="en-US" dirty="0"/>
+              <a:t>AWS</a:t>
+            </a:r>
+          </a:p>
+        </p:txBody>
+      </p:sp>
+      <p:sp>
+        <p:nvSpPr>
+          <p:cNvPr id="3" name="Subtitle 2">
+            <a:extLst>
+              <a:ext uri="{FF2B5EF4-FFF2-40B4-BE49-F238E27FC236}">
+                <a16:creationId xmlns:a16="http://schemas.microsoft.com/office/drawing/2014/main" id="{E94E0BBE-3B0D-F9DB-1303-C2DCD872D10D}"/>
+              </a:ext>
+            </a:extLst>
+          </p:cNvPr>
+          <p:cNvSpPr>
+            <a:spLocks noGrp="1"/>
+          </p:cNvSpPr>
+          <p:nvPr>
+            <p:ph type="subTitle" idx="1"/>
+          </p:nvPr>
+        </p:nvSpPr>
+        <p:spPr/>
+        <p:txBody>
+          <a:bodyPr/>
+          <a:lstStyle/>
+          <a:p>
+            <a:endParaRPr lang="en-US"/>
+          </a:p>
+        </p:txBody>
+      </p:sp>
+    </p:spTree>
+    <p:extLst>
+      <p:ext uri="{BB962C8B-B14F-4D97-AF65-F5344CB8AC3E}">
+        <p14:creationId xmlns:p14="http://schemas.microsoft.com/office/powerpoint/2010/main" val="4256119522"/>
+      </p:ext>
+    </p:extLst>
+  </p:cSld>
+  <p:clrMapOvr>
+    <a:masterClrMapping/>
+  </p:clrMapOvr>
+</p:sld>
+</file>
+
+<file path=ppt/slides/slide58.xml><?xml version="1.0" encoding="utf-8"?>
+<p:sld xmlns:a="http://schemas.openxmlformats.org/drawingml/2006/main" xmlns:r="http://schemas.openxmlformats.org/officeDocument/2006/relationships" xmlns:p="http://schemas.openxmlformats.org/presentationml/2006/main">
+  <p:cSld>
+    <p:spTree>
+      <p:nvGrpSpPr>
+        <p:cNvPr id="1" name=""/>
+        <p:cNvGrpSpPr/>
+        <p:nvPr/>
+      </p:nvGrpSpPr>
+      <p:grpSpPr>
+        <a:xfrm>
+          <a:off x="0" y="0"/>
+          <a:ext cx="0" cy="0"/>
+          <a:chOff x="0" y="0"/>
+          <a:chExt cx="0" cy="0"/>
+        </a:xfrm>
+      </p:grpSpPr>
+      <p:sp>
+        <p:nvSpPr>
+          <p:cNvPr id="2" name="Title 1">
+            <a:extLst>
+              <a:ext uri="{FF2B5EF4-FFF2-40B4-BE49-F238E27FC236}">
+                <a16:creationId xmlns:a16="http://schemas.microsoft.com/office/drawing/2014/main" id="{5EB3DCD5-31D2-4191-3AFD-31D9196C6AD9}"/>
+              </a:ext>
+            </a:extLst>
+          </p:cNvPr>
+          <p:cNvSpPr>
+            <a:spLocks noGrp="1"/>
+          </p:cNvSpPr>
+          <p:nvPr>
+            <p:ph type="title"/>
+          </p:nvPr>
+        </p:nvSpPr>
+        <p:spPr/>
+        <p:txBody>
+          <a:bodyPr>
+            <a:normAutofit fontScale="90000"/>
+          </a:bodyPr>
+          <a:lstStyle/>
+          <a:p>
+            <a:r>
+              <a:rPr lang="en-US" dirty="0"/>
+              <a:t>DATA unloading – External Stage AWS</a:t>
+            </a:r>
+          </a:p>
+        </p:txBody>
+      </p:sp>
+      <p:pic>
+        <p:nvPicPr>
+          <p:cNvPr id="4098" name="Picture 2" descr="Unloading data to S3">
+            <a:extLst>
+              <a:ext uri="{FF2B5EF4-FFF2-40B4-BE49-F238E27FC236}">
+                <a16:creationId xmlns:a16="http://schemas.microsoft.com/office/drawing/2014/main" id="{915E6E9D-48C5-72AF-F904-C8C5238A8798}"/>
+              </a:ext>
+            </a:extLst>
+          </p:cNvPr>
+          <p:cNvPicPr>
+            <a:picLocks noGrp="1" noChangeAspect="1" noChangeArrowheads="1"/>
+          </p:cNvPicPr>
+          <p:nvPr>
+            <p:ph idx="1"/>
+          </p:nvPr>
+        </p:nvPicPr>
+        <p:blipFill>
+          <a:blip r:embed="rId2">
+            <a:extLst>
+              <a:ext uri="{28A0092B-C50C-407E-A947-70E740481C1C}">
+                <a14:useLocalDpi xmlns:a14="http://schemas.microsoft.com/office/drawing/2010/main" val="0"/>
+              </a:ext>
+            </a:extLst>
+          </a:blip>
+          <a:srcRect/>
+          <a:stretch>
+            <a:fillRect/>
+          </a:stretch>
+        </p:blipFill>
+        <p:spPr bwMode="auto">
+          <a:xfrm>
+            <a:off x="4945224" y="1389483"/>
+            <a:ext cx="6472747" cy="5396019"/>
+          </a:xfrm>
+          <a:prstGeom prst="rect">
+            <a:avLst/>
+          </a:prstGeom>
+          <a:noFill/>
+          <a:extLst>
+            <a:ext uri="{909E8E84-426E-40DD-AFC4-6F175D3DCCD1}">
+              <a14:hiddenFill xmlns:a14="http://schemas.microsoft.com/office/drawing/2010/main">
+                <a:solidFill>
+                  <a:srgbClr val="FFFFFF"/>
+                </a:solidFill>
+              </a14:hiddenFill>
+            </a:ext>
+          </a:extLst>
+        </p:spPr>
+      </p:pic>
+      <p:pic>
+        <p:nvPicPr>
+          <p:cNvPr id="3" name="Picture 2" descr="Data loading overview">
+            <a:extLst>
+              <a:ext uri="{FF2B5EF4-FFF2-40B4-BE49-F238E27FC236}">
+                <a16:creationId xmlns:a16="http://schemas.microsoft.com/office/drawing/2014/main" id="{5C500E93-DF8A-4002-7EFA-ACCF47DCDD84}"/>
+              </a:ext>
+            </a:extLst>
+          </p:cNvPr>
+          <p:cNvPicPr>
+            <a:picLocks noChangeAspect="1" noChangeArrowheads="1"/>
+          </p:cNvPicPr>
+          <p:nvPr/>
+        </p:nvPicPr>
+        <p:blipFill>
+          <a:blip r:embed="rId3">
+            <a:extLst>
+              <a:ext uri="{28A0092B-C50C-407E-A947-70E740481C1C}">
+                <a14:useLocalDpi xmlns:a14="http://schemas.microsoft.com/office/drawing/2010/main" val="0"/>
+              </a:ext>
+            </a:extLst>
+          </a:blip>
+          <a:srcRect/>
+          <a:stretch>
+            <a:fillRect/>
+          </a:stretch>
+        </p:blipFill>
+        <p:spPr bwMode="auto">
+          <a:xfrm>
+            <a:off x="0" y="1389483"/>
+            <a:ext cx="5384451" cy="5263243"/>
+          </a:xfrm>
+          <a:prstGeom prst="rect">
+            <a:avLst/>
+          </a:prstGeom>
+          <a:noFill/>
+          <a:extLst>
+            <a:ext uri="{909E8E84-426E-40DD-AFC4-6F175D3DCCD1}">
+              <a14:hiddenFill xmlns:a14="http://schemas.microsoft.com/office/drawing/2010/main">
+                <a:solidFill>
+                  <a:srgbClr val="FFFFFF"/>
+                </a:solidFill>
+              </a14:hiddenFill>
+            </a:ext>
+          </a:extLst>
+        </p:spPr>
+      </p:pic>
+    </p:spTree>
+    <p:extLst>
+      <p:ext uri="{BB962C8B-B14F-4D97-AF65-F5344CB8AC3E}">
+        <p14:creationId xmlns:p14="http://schemas.microsoft.com/office/powerpoint/2010/main" val="3543279299"/>
+      </p:ext>
+    </p:extLst>
+  </p:cSld>
+  <p:clrMapOvr>
+    <a:masterClrMapping/>
+  </p:clrMapOvr>
+</p:sld>
+</file>
+
+<file path=ppt/slides/slide59.xml><?xml version="1.0" encoding="utf-8"?>
+<p:sld xmlns:a="http://schemas.openxmlformats.org/drawingml/2006/main" xmlns:r="http://schemas.openxmlformats.org/officeDocument/2006/relationships" xmlns:p="http://schemas.openxmlformats.org/presentationml/2006/main">
+  <p:cSld>
+    <p:spTree>
+      <p:nvGrpSpPr>
+        <p:cNvPr id="1" name=""/>
+        <p:cNvGrpSpPr/>
+        <p:nvPr/>
+      </p:nvGrpSpPr>
+      <p:grpSpPr>
+        <a:xfrm>
+          <a:off x="0" y="0"/>
+          <a:ext cx="0" cy="0"/>
+          <a:chOff x="0" y="0"/>
+          <a:chExt cx="0" cy="0"/>
+        </a:xfrm>
+      </p:grpSpPr>
+      <p:sp>
+        <p:nvSpPr>
+          <p:cNvPr id="2" name="Title 1">
+            <a:extLst>
+              <a:ext uri="{FF2B5EF4-FFF2-40B4-BE49-F238E27FC236}">
+                <a16:creationId xmlns:a16="http://schemas.microsoft.com/office/drawing/2014/main" id="{5EB3DCD5-31D2-4191-3AFD-31D9196C6AD9}"/>
+              </a:ext>
+            </a:extLst>
+          </p:cNvPr>
+          <p:cNvSpPr>
+            <a:spLocks noGrp="1"/>
+          </p:cNvSpPr>
+          <p:nvPr>
+            <p:ph type="title"/>
+          </p:nvPr>
+        </p:nvSpPr>
+        <p:spPr/>
+        <p:txBody>
+          <a:bodyPr>
+            <a:normAutofit fontScale="90000"/>
+          </a:bodyPr>
+          <a:lstStyle/>
+          <a:p>
+            <a:r>
+              <a:rPr lang="en-US" dirty="0"/>
+              <a:t>DATA unloading – External Stage - AZURE</a:t>
+            </a:r>
+          </a:p>
+        </p:txBody>
+      </p:sp>
+      <p:sp>
+        <p:nvSpPr>
+          <p:cNvPr id="3" name="Content Placeholder 2">
+            <a:extLst>
+              <a:ext uri="{FF2B5EF4-FFF2-40B4-BE49-F238E27FC236}">
+                <a16:creationId xmlns:a16="http://schemas.microsoft.com/office/drawing/2014/main" id="{CF22BBE7-DC00-ED02-0731-415A99B0D1D2}"/>
+              </a:ext>
+            </a:extLst>
+          </p:cNvPr>
+          <p:cNvSpPr>
+            <a:spLocks noGrp="1"/>
+          </p:cNvSpPr>
+          <p:nvPr>
+            <p:ph idx="1"/>
+          </p:nvPr>
+        </p:nvSpPr>
+        <p:spPr/>
+        <p:txBody>
+          <a:bodyPr anchor="t"/>
+          <a:lstStyle/>
+          <a:p>
+            <a:r>
+              <a:rPr lang="en-US" dirty="0"/>
+              <a:t>COPY via named stage:</a:t>
+            </a:r>
+          </a:p>
+          <a:p>
+            <a:pPr marL="324000" lvl="1" indent="0">
+              <a:buNone/>
+            </a:pPr>
+            <a:r>
+              <a:rPr lang="en-US" dirty="0"/>
+              <a:t>CREATE OR REPLACE STAGE </a:t>
+            </a:r>
+            <a:r>
+              <a:rPr lang="en-US" dirty="0" err="1"/>
+              <a:t>my_ext_unload_stage</a:t>
+            </a:r>
+            <a:r>
+              <a:rPr lang="en-US" dirty="0"/>
+              <a:t> URL='s3://unload/files/'</a:t>
+            </a:r>
+          </a:p>
+          <a:p>
+            <a:pPr marL="324000" lvl="1" indent="0">
+              <a:buNone/>
+            </a:pPr>
+            <a:r>
+              <a:rPr lang="en-US" dirty="0"/>
+              <a:t>    STORAGE_INTEGRATION = s3_int</a:t>
+            </a:r>
+          </a:p>
+          <a:p>
+            <a:pPr marL="324000" lvl="1" indent="0">
+              <a:buNone/>
+            </a:pPr>
+            <a:r>
+              <a:rPr lang="en-US" dirty="0"/>
+              <a:t>    FILE_FORMAT = </a:t>
+            </a:r>
+            <a:r>
+              <a:rPr lang="en-US" dirty="0" err="1"/>
+              <a:t>my_csv_unload_format</a:t>
+            </a:r>
+            <a:r>
+              <a:rPr lang="en-US" dirty="0"/>
+              <a:t>;</a:t>
+            </a:r>
+          </a:p>
+          <a:p>
+            <a:pPr marL="324000" lvl="1" indent="0">
+              <a:buNone/>
+            </a:pPr>
+            <a:r>
+              <a:rPr lang="en-US" dirty="0"/>
+              <a:t>COPY INTO @my_ext_unload_stage/d1 from </a:t>
+            </a:r>
+            <a:r>
+              <a:rPr lang="en-US" dirty="0" err="1"/>
+              <a:t>mytable</a:t>
+            </a:r>
+            <a:r>
+              <a:rPr lang="en-US" dirty="0"/>
+              <a:t>;</a:t>
+            </a:r>
+          </a:p>
+          <a:p>
+            <a:r>
+              <a:rPr lang="en-US" dirty="0"/>
+              <a:t>Unloading Data Directly into an S3 Bucket</a:t>
+            </a:r>
+          </a:p>
+          <a:p>
+            <a:pPr lvl="1"/>
+            <a:r>
+              <a:rPr lang="en-US" dirty="0"/>
+              <a:t>COPY INTO s3://mybucket/unload/ from </a:t>
+            </a:r>
+            <a:r>
+              <a:rPr lang="en-US" dirty="0" err="1"/>
+              <a:t>mytable</a:t>
+            </a:r>
+            <a:r>
+              <a:rPr lang="en-US" dirty="0"/>
+              <a:t> </a:t>
+            </a:r>
+            <a:r>
+              <a:rPr lang="en-US" dirty="0" err="1"/>
+              <a:t>storage_integration</a:t>
+            </a:r>
+            <a:r>
+              <a:rPr lang="en-US" dirty="0"/>
+              <a:t> = s3_int;</a:t>
+            </a:r>
+          </a:p>
+          <a:p>
+            <a:pPr lvl="1"/>
+            <a:endParaRPr lang="en-US" dirty="0"/>
+          </a:p>
+        </p:txBody>
+      </p:sp>
+    </p:spTree>
+    <p:extLst>
+      <p:ext uri="{BB962C8B-B14F-4D97-AF65-F5344CB8AC3E}">
+        <p14:creationId xmlns:p14="http://schemas.microsoft.com/office/powerpoint/2010/main" val="1554373072"/>
+      </p:ext>
+    </p:extLst>
+  </p:cSld>
+  <p:clrMapOvr>
+    <a:masterClrMapping/>
+  </p:clrMapOvr>
+</p:sld>
+</file>
+
 <file path=ppt/slides/slide6.xml><?xml version="1.0" encoding="utf-8"?>
 <p:sld xmlns:a="http://schemas.openxmlformats.org/drawingml/2006/main" xmlns:r="http://schemas.openxmlformats.org/officeDocument/2006/relationships" xmlns:p="http://schemas.openxmlformats.org/presentationml/2006/main">
   <p:cSld>
@@ -31928,6 +32804,1013 @@
     <p:extLst>
       <p:ext uri="{BB962C8B-B14F-4D97-AF65-F5344CB8AC3E}">
         <p14:creationId xmlns:p14="http://schemas.microsoft.com/office/powerpoint/2010/main" val="2520351086"/>
+      </p:ext>
+    </p:extLst>
+  </p:cSld>
+  <p:clrMapOvr>
+    <a:masterClrMapping/>
+  </p:clrMapOvr>
+</p:sld>
+</file>
+
+<file path=ppt/slides/slide60.xml><?xml version="1.0" encoding="utf-8"?>
+<p:sld xmlns:a="http://schemas.openxmlformats.org/drawingml/2006/main" xmlns:r="http://schemas.openxmlformats.org/officeDocument/2006/relationships" xmlns:p="http://schemas.openxmlformats.org/presentationml/2006/main">
+  <p:cSld>
+    <p:spTree>
+      <p:nvGrpSpPr>
+        <p:cNvPr id="1" name=""/>
+        <p:cNvGrpSpPr/>
+        <p:nvPr/>
+      </p:nvGrpSpPr>
+      <p:grpSpPr>
+        <a:xfrm>
+          <a:off x="0" y="0"/>
+          <a:ext cx="0" cy="0"/>
+          <a:chOff x="0" y="0"/>
+          <a:chExt cx="0" cy="0"/>
+        </a:xfrm>
+      </p:grpSpPr>
+      <p:sp>
+        <p:nvSpPr>
+          <p:cNvPr id="2" name="Title 1">
+            <a:extLst>
+              <a:ext uri="{FF2B5EF4-FFF2-40B4-BE49-F238E27FC236}">
+                <a16:creationId xmlns:a16="http://schemas.microsoft.com/office/drawing/2014/main" id="{5EB3DCD5-31D2-4191-3AFD-31D9196C6AD9}"/>
+              </a:ext>
+            </a:extLst>
+          </p:cNvPr>
+          <p:cNvSpPr>
+            <a:spLocks noGrp="1"/>
+          </p:cNvSpPr>
+          <p:nvPr>
+            <p:ph type="title"/>
+          </p:nvPr>
+        </p:nvSpPr>
+        <p:spPr/>
+        <p:txBody>
+          <a:bodyPr>
+            <a:normAutofit fontScale="90000"/>
+          </a:bodyPr>
+          <a:lstStyle/>
+          <a:p>
+            <a:r>
+              <a:rPr lang="en-US" dirty="0"/>
+              <a:t>DATA unloading – External Stage</a:t>
+            </a:r>
+          </a:p>
+        </p:txBody>
+      </p:sp>
+      <p:sp>
+        <p:nvSpPr>
+          <p:cNvPr id="3" name="Content Placeholder 2">
+            <a:extLst>
+              <a:ext uri="{FF2B5EF4-FFF2-40B4-BE49-F238E27FC236}">
+                <a16:creationId xmlns:a16="http://schemas.microsoft.com/office/drawing/2014/main" id="{CF22BBE7-DC00-ED02-0731-415A99B0D1D2}"/>
+              </a:ext>
+            </a:extLst>
+          </p:cNvPr>
+          <p:cNvSpPr>
+            <a:spLocks noGrp="1"/>
+          </p:cNvSpPr>
+          <p:nvPr>
+            <p:ph idx="1"/>
+          </p:nvPr>
+        </p:nvSpPr>
+        <p:spPr/>
+        <p:txBody>
+          <a:bodyPr anchor="t"/>
+          <a:lstStyle/>
+          <a:p>
+            <a:r>
+              <a:rPr lang="en-US" dirty="0"/>
+              <a:t>COPY via named stage:</a:t>
+            </a:r>
+          </a:p>
+          <a:p>
+            <a:pPr marL="324000" lvl="1" indent="0">
+              <a:buNone/>
+            </a:pPr>
+            <a:r>
+              <a:rPr lang="en-US" dirty="0"/>
+              <a:t>CREATE OR REPLACE STAGE </a:t>
+            </a:r>
+            <a:r>
+              <a:rPr lang="en-US" dirty="0" err="1"/>
+              <a:t>my_ext_unload_stage</a:t>
+            </a:r>
+            <a:r>
+              <a:rPr lang="en-US" dirty="0"/>
+              <a:t> URL='s3://unload/files/'</a:t>
+            </a:r>
+          </a:p>
+          <a:p>
+            <a:pPr marL="324000" lvl="1" indent="0">
+              <a:buNone/>
+            </a:pPr>
+            <a:r>
+              <a:rPr lang="en-US" dirty="0"/>
+              <a:t>    STORAGE_INTEGRATION = s3_int</a:t>
+            </a:r>
+          </a:p>
+          <a:p>
+            <a:pPr marL="324000" lvl="1" indent="0">
+              <a:buNone/>
+            </a:pPr>
+            <a:r>
+              <a:rPr lang="en-US" dirty="0"/>
+              <a:t>    FILE_FORMAT = </a:t>
+            </a:r>
+            <a:r>
+              <a:rPr lang="en-US" dirty="0" err="1"/>
+              <a:t>my_csv_unload_format</a:t>
+            </a:r>
+            <a:r>
+              <a:rPr lang="en-US" dirty="0"/>
+              <a:t>;</a:t>
+            </a:r>
+          </a:p>
+          <a:p>
+            <a:pPr marL="324000" lvl="1" indent="0">
+              <a:buNone/>
+            </a:pPr>
+            <a:r>
+              <a:rPr lang="en-US" dirty="0"/>
+              <a:t>COPY INTO @my_ext_unload_stage/d1 from </a:t>
+            </a:r>
+            <a:r>
+              <a:rPr lang="en-US" dirty="0" err="1"/>
+              <a:t>mytable</a:t>
+            </a:r>
+            <a:r>
+              <a:rPr lang="en-US" dirty="0"/>
+              <a:t>;</a:t>
+            </a:r>
+          </a:p>
+          <a:p>
+            <a:r>
+              <a:rPr lang="en-US" dirty="0"/>
+              <a:t>Unloading Data Directly into an S3 Bucket</a:t>
+            </a:r>
+          </a:p>
+          <a:p>
+            <a:pPr lvl="1"/>
+            <a:r>
+              <a:rPr lang="en-US" dirty="0"/>
+              <a:t>COPY INTO s3://mybucket/unload/ from </a:t>
+            </a:r>
+            <a:r>
+              <a:rPr lang="en-US" dirty="0" err="1"/>
+              <a:t>mytable</a:t>
+            </a:r>
+            <a:r>
+              <a:rPr lang="en-US" dirty="0"/>
+              <a:t> </a:t>
+            </a:r>
+            <a:r>
+              <a:rPr lang="en-US" dirty="0" err="1"/>
+              <a:t>storage_integration</a:t>
+            </a:r>
+            <a:r>
+              <a:rPr lang="en-US" dirty="0"/>
+              <a:t> = s3_int;</a:t>
+            </a:r>
+          </a:p>
+          <a:p>
+            <a:pPr lvl="1"/>
+            <a:endParaRPr lang="en-US" dirty="0"/>
+          </a:p>
+        </p:txBody>
+      </p:sp>
+    </p:spTree>
+    <p:extLst>
+      <p:ext uri="{BB962C8B-B14F-4D97-AF65-F5344CB8AC3E}">
+        <p14:creationId xmlns:p14="http://schemas.microsoft.com/office/powerpoint/2010/main" val="1323876115"/>
+      </p:ext>
+    </p:extLst>
+  </p:cSld>
+  <p:clrMapOvr>
+    <a:masterClrMapping/>
+  </p:clrMapOvr>
+</p:sld>
+</file>
+
+<file path=ppt/slides/slide61.xml><?xml version="1.0" encoding="utf-8"?>
+<p:sld xmlns:a="http://schemas.openxmlformats.org/drawingml/2006/main" xmlns:r="http://schemas.openxmlformats.org/officeDocument/2006/relationships" xmlns:p="http://schemas.openxmlformats.org/presentationml/2006/main">
+  <p:cSld>
+    <p:spTree>
+      <p:nvGrpSpPr>
+        <p:cNvPr id="1" name=""/>
+        <p:cNvGrpSpPr/>
+        <p:nvPr/>
+      </p:nvGrpSpPr>
+      <p:grpSpPr>
+        <a:xfrm>
+          <a:off x="0" y="0"/>
+          <a:ext cx="0" cy="0"/>
+          <a:chOff x="0" y="0"/>
+          <a:chExt cx="0" cy="0"/>
+        </a:xfrm>
+      </p:grpSpPr>
+      <p:sp>
+        <p:nvSpPr>
+          <p:cNvPr id="2" name="Title 1">
+            <a:extLst>
+              <a:ext uri="{FF2B5EF4-FFF2-40B4-BE49-F238E27FC236}">
+                <a16:creationId xmlns:a16="http://schemas.microsoft.com/office/drawing/2014/main" id="{D0190E43-5491-14C6-54D4-D398F755BEB4}"/>
+              </a:ext>
+            </a:extLst>
+          </p:cNvPr>
+          <p:cNvSpPr>
+            <a:spLocks noGrp="1"/>
+          </p:cNvSpPr>
+          <p:nvPr>
+            <p:ph type="title"/>
+          </p:nvPr>
+        </p:nvSpPr>
+        <p:spPr/>
+        <p:txBody>
+          <a:bodyPr>
+            <a:normAutofit fontScale="90000"/>
+          </a:bodyPr>
+          <a:lstStyle/>
+          <a:p>
+            <a:r>
+              <a:rPr lang="en-US" dirty="0"/>
+              <a:t>DATA Unloading – Via internal Stage</a:t>
+            </a:r>
+          </a:p>
+        </p:txBody>
+      </p:sp>
+      <p:pic>
+        <p:nvPicPr>
+          <p:cNvPr id="3074" name="Picture 2" descr="Unloading data to a Snowflake stage">
+            <a:extLst>
+              <a:ext uri="{FF2B5EF4-FFF2-40B4-BE49-F238E27FC236}">
+                <a16:creationId xmlns:a16="http://schemas.microsoft.com/office/drawing/2014/main" id="{131F91A1-8A95-C7BA-08CE-8514A6A7079F}"/>
+              </a:ext>
+            </a:extLst>
+          </p:cNvPr>
+          <p:cNvPicPr>
+            <a:picLocks noGrp="1" noChangeAspect="1" noChangeArrowheads="1"/>
+          </p:cNvPicPr>
+          <p:nvPr>
+            <p:ph idx="1"/>
+          </p:nvPr>
+        </p:nvPicPr>
+        <p:blipFill>
+          <a:blip r:embed="rId2">
+            <a:extLst>
+              <a:ext uri="{28A0092B-C50C-407E-A947-70E740481C1C}">
+                <a14:useLocalDpi xmlns:a14="http://schemas.microsoft.com/office/drawing/2010/main" val="0"/>
+              </a:ext>
+            </a:extLst>
+          </a:blip>
+          <a:srcRect/>
+          <a:stretch>
+            <a:fillRect/>
+          </a:stretch>
+        </p:blipFill>
+        <p:spPr bwMode="auto">
+          <a:xfrm>
+            <a:off x="5573486" y="1585427"/>
+            <a:ext cx="6266037" cy="4001041"/>
+          </a:xfrm>
+          <a:prstGeom prst="rect">
+            <a:avLst/>
+          </a:prstGeom>
+          <a:noFill/>
+          <a:extLst>
+            <a:ext uri="{909E8E84-426E-40DD-AFC4-6F175D3DCCD1}">
+              <a14:hiddenFill xmlns:a14="http://schemas.microsoft.com/office/drawing/2010/main">
+                <a:solidFill>
+                  <a:srgbClr val="FFFFFF"/>
+                </a:solidFill>
+              </a14:hiddenFill>
+            </a:ext>
+          </a:extLst>
+        </p:spPr>
+      </p:pic>
+      <p:pic>
+        <p:nvPicPr>
+          <p:cNvPr id="3" name="Picture 2" descr="Data loading overview">
+            <a:extLst>
+              <a:ext uri="{FF2B5EF4-FFF2-40B4-BE49-F238E27FC236}">
+                <a16:creationId xmlns:a16="http://schemas.microsoft.com/office/drawing/2014/main" id="{B8B7E3B3-42F9-D0A3-5EB6-11852A3D3EF1}"/>
+              </a:ext>
+            </a:extLst>
+          </p:cNvPr>
+          <p:cNvPicPr>
+            <a:picLocks noChangeAspect="1" noChangeArrowheads="1"/>
+          </p:cNvPicPr>
+          <p:nvPr/>
+        </p:nvPicPr>
+        <p:blipFill>
+          <a:blip r:embed="rId3">
+            <a:extLst>
+              <a:ext uri="{28A0092B-C50C-407E-A947-70E740481C1C}">
+                <a14:useLocalDpi xmlns:a14="http://schemas.microsoft.com/office/drawing/2010/main" val="0"/>
+              </a:ext>
+            </a:extLst>
+          </a:blip>
+          <a:srcRect/>
+          <a:stretch>
+            <a:fillRect/>
+          </a:stretch>
+        </p:blipFill>
+        <p:spPr bwMode="auto">
+          <a:xfrm>
+            <a:off x="-27744" y="1585427"/>
+            <a:ext cx="5834434" cy="3761014"/>
+          </a:xfrm>
+          <a:prstGeom prst="rect">
+            <a:avLst/>
+          </a:prstGeom>
+          <a:noFill/>
+          <a:extLst>
+            <a:ext uri="{909E8E84-426E-40DD-AFC4-6F175D3DCCD1}">
+              <a14:hiddenFill xmlns:a14="http://schemas.microsoft.com/office/drawing/2010/main">
+                <a:solidFill>
+                  <a:srgbClr val="FFFFFF"/>
+                </a:solidFill>
+              </a14:hiddenFill>
+            </a:ext>
+          </a:extLst>
+        </p:spPr>
+      </p:pic>
+    </p:spTree>
+    <p:extLst>
+      <p:ext uri="{BB962C8B-B14F-4D97-AF65-F5344CB8AC3E}">
+        <p14:creationId xmlns:p14="http://schemas.microsoft.com/office/powerpoint/2010/main" val="155674427"/>
+      </p:ext>
+    </p:extLst>
+  </p:cSld>
+  <p:clrMapOvr>
+    <a:masterClrMapping/>
+  </p:clrMapOvr>
+</p:sld>
+</file>
+
+<file path=ppt/slides/slide62.xml><?xml version="1.0" encoding="utf-8"?>
+<p:sld xmlns:a="http://schemas.openxmlformats.org/drawingml/2006/main" xmlns:r="http://schemas.openxmlformats.org/officeDocument/2006/relationships" xmlns:p="http://schemas.openxmlformats.org/presentationml/2006/main">
+  <p:cSld>
+    <p:spTree>
+      <p:nvGrpSpPr>
+        <p:cNvPr id="1" name=""/>
+        <p:cNvGrpSpPr/>
+        <p:nvPr/>
+      </p:nvGrpSpPr>
+      <p:grpSpPr>
+        <a:xfrm>
+          <a:off x="0" y="0"/>
+          <a:ext cx="0" cy="0"/>
+          <a:chOff x="0" y="0"/>
+          <a:chExt cx="0" cy="0"/>
+        </a:xfrm>
+      </p:grpSpPr>
+      <p:sp>
+        <p:nvSpPr>
+          <p:cNvPr id="2" name="Title 1">
+            <a:extLst>
+              <a:ext uri="{FF2B5EF4-FFF2-40B4-BE49-F238E27FC236}">
+                <a16:creationId xmlns:a16="http://schemas.microsoft.com/office/drawing/2014/main" id="{D0190E43-5491-14C6-54D4-D398F755BEB4}"/>
+              </a:ext>
+            </a:extLst>
+          </p:cNvPr>
+          <p:cNvSpPr>
+            <a:spLocks noGrp="1"/>
+          </p:cNvSpPr>
+          <p:nvPr>
+            <p:ph type="title"/>
+          </p:nvPr>
+        </p:nvSpPr>
+        <p:spPr/>
+        <p:txBody>
+          <a:bodyPr>
+            <a:normAutofit fontScale="90000"/>
+          </a:bodyPr>
+          <a:lstStyle/>
+          <a:p>
+            <a:r>
+              <a:rPr lang="en-US" dirty="0"/>
+              <a:t>DATA Unloading – Via internal Stage</a:t>
+            </a:r>
+          </a:p>
+        </p:txBody>
+      </p:sp>
+      <p:sp>
+        <p:nvSpPr>
+          <p:cNvPr id="3" name="Content Placeholder 2">
+            <a:extLst>
+              <a:ext uri="{FF2B5EF4-FFF2-40B4-BE49-F238E27FC236}">
+                <a16:creationId xmlns:a16="http://schemas.microsoft.com/office/drawing/2014/main" id="{2DAC4BCD-7A7C-B37C-CED4-50E358B1AB74}"/>
+              </a:ext>
+            </a:extLst>
+          </p:cNvPr>
+          <p:cNvSpPr>
+            <a:spLocks noGrp="1"/>
+          </p:cNvSpPr>
+          <p:nvPr>
+            <p:ph idx="1"/>
+          </p:nvPr>
+        </p:nvSpPr>
+        <p:spPr/>
+        <p:txBody>
+          <a:bodyPr anchor="t"/>
+          <a:lstStyle/>
+          <a:p>
+            <a:r>
+              <a:rPr lang="en-US" dirty="0"/>
+              <a:t>Unloading Data to a Named Internal Stage</a:t>
+            </a:r>
+          </a:p>
+          <a:p>
+            <a:pPr marL="324000" lvl="1" indent="0">
+              <a:buNone/>
+            </a:pPr>
+            <a:r>
+              <a:rPr lang="en-US" dirty="0"/>
+              <a:t>CREATE OR REPLACE STAGE </a:t>
+            </a:r>
+            <a:r>
+              <a:rPr lang="en-US" dirty="0" err="1"/>
+              <a:t>my_unload_stage</a:t>
+            </a:r>
+            <a:endParaRPr lang="en-US" dirty="0"/>
+          </a:p>
+          <a:p>
+            <a:pPr marL="324000" lvl="1" indent="0">
+              <a:buNone/>
+            </a:pPr>
+            <a:r>
+              <a:rPr lang="en-US" dirty="0"/>
+              <a:t>  FILE_FORMAT = </a:t>
+            </a:r>
+            <a:r>
+              <a:rPr lang="en-US" dirty="0" err="1"/>
+              <a:t>my_csv_unload_format</a:t>
+            </a:r>
+            <a:r>
+              <a:rPr lang="en-US" dirty="0"/>
+              <a:t>;</a:t>
+            </a:r>
+          </a:p>
+          <a:p>
+            <a:pPr marL="324000" lvl="1" indent="0">
+              <a:buNone/>
+            </a:pPr>
+            <a:r>
+              <a:rPr lang="en-US" dirty="0"/>
+              <a:t>COPY INTO @mystage/unload/ from </a:t>
+            </a:r>
+            <a:r>
+              <a:rPr lang="en-US" dirty="0" err="1"/>
+              <a:t>mytable</a:t>
+            </a:r>
+            <a:r>
+              <a:rPr lang="en-US" dirty="0"/>
+              <a:t>;</a:t>
+            </a:r>
+          </a:p>
+          <a:p>
+            <a:pPr lvl="1"/>
+            <a:endParaRPr lang="en-US" dirty="0"/>
+          </a:p>
+          <a:p>
+            <a:pPr lvl="1"/>
+            <a:r>
+              <a:rPr lang="en-US" dirty="0"/>
+              <a:t>GET @mystage/unload/data_0_0_0.csv.gz </a:t>
+            </a:r>
+            <a:r>
+              <a:rPr lang="en-US" dirty="0">
+                <a:hlinkClick r:id="rId2" action="ppaction://hlinkfile"/>
+              </a:rPr>
+              <a:t>file://C:\data\unload</a:t>
+            </a:r>
+            <a:r>
+              <a:rPr lang="en-US" dirty="0"/>
+              <a:t>;</a:t>
+            </a:r>
+          </a:p>
+          <a:p>
+            <a:r>
+              <a:rPr lang="en-US" dirty="0"/>
+              <a:t>Unloading data via table stage</a:t>
+            </a:r>
+          </a:p>
+          <a:p>
+            <a:pPr lvl="1"/>
+            <a:r>
+              <a:rPr lang="en-US" dirty="0"/>
+              <a:t>COPY INTO @%mytable/unload/ from </a:t>
+            </a:r>
+            <a:r>
+              <a:rPr lang="en-US" dirty="0" err="1"/>
+              <a:t>mytable</a:t>
+            </a:r>
+            <a:r>
+              <a:rPr lang="en-US" dirty="0"/>
+              <a:t> FILE_FORMAT = (FORMAT_NAME = '</a:t>
+            </a:r>
+            <a:r>
+              <a:rPr lang="en-US" dirty="0" err="1"/>
+              <a:t>my_csv_unload_format</a:t>
+            </a:r>
+            <a:r>
+              <a:rPr lang="en-US" dirty="0"/>
+              <a:t>' COMPRESSION = NONE);</a:t>
+            </a:r>
+          </a:p>
+          <a:p>
+            <a:pPr lvl="1"/>
+            <a:r>
+              <a:rPr lang="en-US" dirty="0"/>
+              <a:t>GET @%mytable/unload/data_0_0_0.csv </a:t>
+            </a:r>
+            <a:r>
+              <a:rPr lang="en-US" dirty="0">
+                <a:hlinkClick r:id="rId2" action="ppaction://hlinkfile"/>
+              </a:rPr>
+              <a:t>file://C:\data\unload</a:t>
+            </a:r>
+            <a:r>
+              <a:rPr lang="en-US" dirty="0"/>
+              <a:t>;</a:t>
+            </a:r>
+          </a:p>
+          <a:p>
+            <a:r>
+              <a:rPr lang="en-US" dirty="0"/>
+              <a:t>Unloading Data to Your User Stage</a:t>
+            </a:r>
+          </a:p>
+          <a:p>
+            <a:pPr lvl="1"/>
+            <a:r>
+              <a:rPr lang="en-US" dirty="0"/>
+              <a:t>COPY INTO @~/unload/ from </a:t>
+            </a:r>
+            <a:r>
+              <a:rPr lang="en-US" dirty="0" err="1"/>
+              <a:t>mytable</a:t>
+            </a:r>
+            <a:r>
+              <a:rPr lang="en-US" dirty="0"/>
+              <a:t> FILE_FORMAT = (FORMAT_NAME = '</a:t>
+            </a:r>
+            <a:r>
+              <a:rPr lang="en-US" dirty="0" err="1"/>
+              <a:t>my_csv_unload_format</a:t>
+            </a:r>
+            <a:r>
+              <a:rPr lang="en-US" dirty="0"/>
+              <a:t>' COMPRESSION = NONE);</a:t>
+            </a:r>
+          </a:p>
+          <a:p>
+            <a:pPr lvl="1"/>
+            <a:r>
+              <a:rPr lang="en-US" dirty="0"/>
+              <a:t>GET @~/unload/data_0_0_0.csv file://C:\data\unload;</a:t>
+            </a:r>
+          </a:p>
+          <a:p>
+            <a:pPr lvl="1"/>
+            <a:endParaRPr lang="en-US" dirty="0"/>
+          </a:p>
+          <a:p>
+            <a:endParaRPr lang="en-US" dirty="0"/>
+          </a:p>
+        </p:txBody>
+      </p:sp>
+    </p:spTree>
+    <p:extLst>
+      <p:ext uri="{BB962C8B-B14F-4D97-AF65-F5344CB8AC3E}">
+        <p14:creationId xmlns:p14="http://schemas.microsoft.com/office/powerpoint/2010/main" val="1714211373"/>
+      </p:ext>
+    </p:extLst>
+  </p:cSld>
+  <p:clrMapOvr>
+    <a:masterClrMapping/>
+  </p:clrMapOvr>
+</p:sld>
+</file>
+
+<file path=ppt/slides/slide63.xml><?xml version="1.0" encoding="utf-8"?>
+<p:sld xmlns:a="http://schemas.openxmlformats.org/drawingml/2006/main" xmlns:r="http://schemas.openxmlformats.org/officeDocument/2006/relationships" xmlns:p="http://schemas.openxmlformats.org/presentationml/2006/main">
+  <p:cSld>
+    <p:spTree>
+      <p:nvGrpSpPr>
+        <p:cNvPr id="1" name=""/>
+        <p:cNvGrpSpPr/>
+        <p:nvPr/>
+      </p:nvGrpSpPr>
+      <p:grpSpPr>
+        <a:xfrm>
+          <a:off x="0" y="0"/>
+          <a:ext cx="0" cy="0"/>
+          <a:chOff x="0" y="0"/>
+          <a:chExt cx="0" cy="0"/>
+        </a:xfrm>
+      </p:grpSpPr>
+      <p:sp>
+        <p:nvSpPr>
+          <p:cNvPr id="2" name="Title 1">
+            <a:extLst>
+              <a:ext uri="{FF2B5EF4-FFF2-40B4-BE49-F238E27FC236}">
+                <a16:creationId xmlns:a16="http://schemas.microsoft.com/office/drawing/2014/main" id="{51D978E0-0342-9B25-0448-C0F6016EA8B7}"/>
+              </a:ext>
+            </a:extLst>
+          </p:cNvPr>
+          <p:cNvSpPr>
+            <a:spLocks noGrp="1"/>
+          </p:cNvSpPr>
+          <p:nvPr>
+            <p:ph type="title"/>
+          </p:nvPr>
+        </p:nvSpPr>
+        <p:spPr/>
+        <p:txBody>
+          <a:bodyPr>
+            <a:normAutofit fontScale="90000"/>
+          </a:bodyPr>
+          <a:lstStyle/>
+          <a:p>
+            <a:r>
+              <a:rPr lang="en-US" dirty="0"/>
+              <a:t>SNOWPIPE</a:t>
+            </a:r>
+          </a:p>
+        </p:txBody>
+      </p:sp>
+      <p:sp>
+        <p:nvSpPr>
+          <p:cNvPr id="3" name="Content Placeholder 2">
+            <a:extLst>
+              <a:ext uri="{FF2B5EF4-FFF2-40B4-BE49-F238E27FC236}">
+                <a16:creationId xmlns:a16="http://schemas.microsoft.com/office/drawing/2014/main" id="{95046112-085C-E324-78EC-AE98B05D3A20}"/>
+              </a:ext>
+            </a:extLst>
+          </p:cNvPr>
+          <p:cNvSpPr>
+            <a:spLocks noGrp="1"/>
+          </p:cNvSpPr>
+          <p:nvPr>
+            <p:ph idx="1"/>
+          </p:nvPr>
+        </p:nvSpPr>
+        <p:spPr/>
+        <p:txBody>
+          <a:bodyPr anchor="t"/>
+          <a:lstStyle/>
+          <a:p>
+            <a:r>
+              <a:rPr lang="en-US" b="0" i="0" dirty="0" err="1">
+                <a:solidFill>
+                  <a:srgbClr val="2C2F34"/>
+                </a:solidFill>
+                <a:effectLst/>
+                <a:latin typeface="Inter"/>
+              </a:rPr>
+              <a:t>Snowpipe</a:t>
+            </a:r>
+            <a:r>
+              <a:rPr lang="en-US" b="0" i="0" dirty="0">
+                <a:solidFill>
+                  <a:srgbClr val="2C2F34"/>
+                </a:solidFill>
+                <a:effectLst/>
+                <a:latin typeface="Inter"/>
+              </a:rPr>
+              <a:t> enables loading data from files as soon as they’re available in a stage. This means you can load data from files in micro-batches, making it available to users within minutes, rather than manually executing COPY statements on a schedule to load larger batches.</a:t>
+            </a:r>
+          </a:p>
+          <a:p>
+            <a:pPr algn="l"/>
+            <a:r>
+              <a:rPr lang="en-US" b="0" i="0" dirty="0">
+                <a:solidFill>
+                  <a:srgbClr val="2C2F34"/>
+                </a:solidFill>
+                <a:effectLst/>
+                <a:latin typeface="Inter"/>
+              </a:rPr>
+              <a:t>Different mechanisms for detecting the staged files are available:</a:t>
+            </a:r>
+          </a:p>
+          <a:p>
+            <a:pPr lvl="1"/>
+            <a:r>
+              <a:rPr lang="en-US" b="0" i="0" dirty="0">
+                <a:solidFill>
+                  <a:srgbClr val="2C2F34"/>
+                </a:solidFill>
+                <a:effectLst/>
+                <a:latin typeface="Inter"/>
+              </a:rPr>
+              <a:t>Automating </a:t>
+            </a:r>
+            <a:r>
+              <a:rPr lang="en-US" b="0" i="0" dirty="0" err="1">
+                <a:solidFill>
+                  <a:srgbClr val="2C2F34"/>
+                </a:solidFill>
+                <a:effectLst/>
+                <a:latin typeface="Inter"/>
+              </a:rPr>
+              <a:t>Snowpipe</a:t>
+            </a:r>
+            <a:r>
+              <a:rPr lang="en-US" b="0" i="0" dirty="0">
+                <a:solidFill>
+                  <a:srgbClr val="2C2F34"/>
+                </a:solidFill>
+                <a:effectLst/>
+                <a:latin typeface="Inter"/>
+              </a:rPr>
+              <a:t> using cloud messaging</a:t>
+            </a:r>
+          </a:p>
+          <a:p>
+            <a:pPr lvl="1"/>
+            <a:r>
+              <a:rPr lang="en-US" b="0" i="0" dirty="0">
+                <a:solidFill>
+                  <a:srgbClr val="2C2F34"/>
+                </a:solidFill>
+                <a:effectLst/>
+                <a:latin typeface="Inter"/>
+              </a:rPr>
+              <a:t>Calling </a:t>
+            </a:r>
+            <a:r>
+              <a:rPr lang="en-US" b="0" i="0" dirty="0" err="1">
+                <a:solidFill>
+                  <a:srgbClr val="2C2F34"/>
+                </a:solidFill>
+                <a:effectLst/>
+                <a:latin typeface="Inter"/>
+              </a:rPr>
+              <a:t>Snowpipe</a:t>
+            </a:r>
+            <a:r>
+              <a:rPr lang="en-US" b="0" i="0" dirty="0">
+                <a:solidFill>
+                  <a:srgbClr val="2C2F34"/>
+                </a:solidFill>
+                <a:effectLst/>
+                <a:latin typeface="Inter"/>
+              </a:rPr>
+              <a:t> REST endpoints</a:t>
+            </a:r>
+          </a:p>
+          <a:p>
+            <a:br>
+              <a:rPr lang="en-US" dirty="0"/>
+            </a:br>
+            <a:br>
+              <a:rPr lang="en-US" dirty="0"/>
+            </a:br>
+            <a:br>
+              <a:rPr lang="en-US" b="0" i="0" dirty="0">
+                <a:solidFill>
+                  <a:srgbClr val="2C2F34"/>
+                </a:solidFill>
+                <a:effectLst/>
+                <a:latin typeface="Inter"/>
+              </a:rPr>
+            </a:br>
+            <a:endParaRPr lang="en-US" dirty="0"/>
+          </a:p>
+        </p:txBody>
+      </p:sp>
+    </p:spTree>
+    <p:extLst>
+      <p:ext uri="{BB962C8B-B14F-4D97-AF65-F5344CB8AC3E}">
+        <p14:creationId xmlns:p14="http://schemas.microsoft.com/office/powerpoint/2010/main" val="405784187"/>
+      </p:ext>
+    </p:extLst>
+  </p:cSld>
+  <p:clrMapOvr>
+    <a:masterClrMapping/>
+  </p:clrMapOvr>
+</p:sld>
+</file>
+
+<file path=ppt/slides/slide64.xml><?xml version="1.0" encoding="utf-8"?>
+<p:sld xmlns:a="http://schemas.openxmlformats.org/drawingml/2006/main" xmlns:r="http://schemas.openxmlformats.org/officeDocument/2006/relationships" xmlns:p="http://schemas.openxmlformats.org/presentationml/2006/main">
+  <p:cSld>
+    <p:spTree>
+      <p:nvGrpSpPr>
+        <p:cNvPr id="1" name=""/>
+        <p:cNvGrpSpPr/>
+        <p:nvPr/>
+      </p:nvGrpSpPr>
+      <p:grpSpPr>
+        <a:xfrm>
+          <a:off x="0" y="0"/>
+          <a:ext cx="0" cy="0"/>
+          <a:chOff x="0" y="0"/>
+          <a:chExt cx="0" cy="0"/>
+        </a:xfrm>
+      </p:grpSpPr>
+      <p:sp>
+        <p:nvSpPr>
+          <p:cNvPr id="2" name="Title 1">
+            <a:extLst>
+              <a:ext uri="{FF2B5EF4-FFF2-40B4-BE49-F238E27FC236}">
+                <a16:creationId xmlns:a16="http://schemas.microsoft.com/office/drawing/2014/main" id="{94D71138-8B72-CE17-5631-3514D51099FC}"/>
+              </a:ext>
+            </a:extLst>
+          </p:cNvPr>
+          <p:cNvSpPr>
+            <a:spLocks noGrp="1"/>
+          </p:cNvSpPr>
+          <p:nvPr>
+            <p:ph type="title"/>
+          </p:nvPr>
+        </p:nvSpPr>
+        <p:spPr/>
+        <p:txBody>
+          <a:bodyPr>
+            <a:normAutofit fontScale="90000"/>
+          </a:bodyPr>
+          <a:lstStyle/>
+          <a:p>
+            <a:r>
+              <a:rPr lang="en-US" dirty="0" err="1"/>
+              <a:t>SNowpipe</a:t>
+            </a:r>
+            <a:endParaRPr lang="en-US" dirty="0"/>
+          </a:p>
+        </p:txBody>
+      </p:sp>
+      <p:pic>
+        <p:nvPicPr>
+          <p:cNvPr id="1026" name="Picture 2" descr="Snowpipe Auto-ingest Process Flow">
+            <a:extLst>
+              <a:ext uri="{FF2B5EF4-FFF2-40B4-BE49-F238E27FC236}">
+                <a16:creationId xmlns:a16="http://schemas.microsoft.com/office/drawing/2014/main" id="{DC32A2B5-706C-5874-27C0-9591F5AC080E}"/>
+              </a:ext>
+            </a:extLst>
+          </p:cNvPr>
+          <p:cNvPicPr>
+            <a:picLocks noGrp="1" noChangeAspect="1" noChangeArrowheads="1"/>
+          </p:cNvPicPr>
+          <p:nvPr>
+            <p:ph idx="1"/>
+          </p:nvPr>
+        </p:nvPicPr>
+        <p:blipFill>
+          <a:blip r:embed="rId2">
+            <a:extLst>
+              <a:ext uri="{28A0092B-C50C-407E-A947-70E740481C1C}">
+                <a14:useLocalDpi xmlns:a14="http://schemas.microsoft.com/office/drawing/2010/main" val="0"/>
+              </a:ext>
+            </a:extLst>
+          </a:blip>
+          <a:srcRect/>
+          <a:stretch>
+            <a:fillRect/>
+          </a:stretch>
+        </p:blipFill>
+        <p:spPr bwMode="auto">
+          <a:xfrm>
+            <a:off x="3844212" y="785635"/>
+            <a:ext cx="3811051" cy="6072365"/>
+          </a:xfrm>
+          <a:prstGeom prst="rect">
+            <a:avLst/>
+          </a:prstGeom>
+          <a:noFill/>
+          <a:extLst>
+            <a:ext uri="{909E8E84-426E-40DD-AFC4-6F175D3DCCD1}">
+              <a14:hiddenFill xmlns:a14="http://schemas.microsoft.com/office/drawing/2010/main">
+                <a:solidFill>
+                  <a:srgbClr val="FFFFFF"/>
+                </a:solidFill>
+              </a14:hiddenFill>
+            </a:ext>
+          </a:extLst>
+        </p:spPr>
+      </p:pic>
+    </p:spTree>
+    <p:extLst>
+      <p:ext uri="{BB962C8B-B14F-4D97-AF65-F5344CB8AC3E}">
+        <p14:creationId xmlns:p14="http://schemas.microsoft.com/office/powerpoint/2010/main" val="984987803"/>
+      </p:ext>
+    </p:extLst>
+  </p:cSld>
+  <p:clrMapOvr>
+    <a:masterClrMapping/>
+  </p:clrMapOvr>
+</p:sld>
+</file>
+
+<file path=ppt/slides/slide65.xml><?xml version="1.0" encoding="utf-8"?>
+<p:sld xmlns:a="http://schemas.openxmlformats.org/drawingml/2006/main" xmlns:r="http://schemas.openxmlformats.org/officeDocument/2006/relationships" xmlns:p="http://schemas.openxmlformats.org/presentationml/2006/main">
+  <p:cSld>
+    <p:spTree>
+      <p:nvGrpSpPr>
+        <p:cNvPr id="1" name=""/>
+        <p:cNvGrpSpPr/>
+        <p:nvPr/>
+      </p:nvGrpSpPr>
+      <p:grpSpPr>
+        <a:xfrm>
+          <a:off x="0" y="0"/>
+          <a:ext cx="0" cy="0"/>
+          <a:chOff x="0" y="0"/>
+          <a:chExt cx="0" cy="0"/>
+        </a:xfrm>
+      </p:grpSpPr>
+      <p:sp>
+        <p:nvSpPr>
+          <p:cNvPr id="2" name="Title 1">
+            <a:extLst>
+              <a:ext uri="{FF2B5EF4-FFF2-40B4-BE49-F238E27FC236}">
+                <a16:creationId xmlns:a16="http://schemas.microsoft.com/office/drawing/2014/main" id="{1E2A5F71-2CA3-6875-FDB1-C2B92B640760}"/>
+              </a:ext>
+            </a:extLst>
+          </p:cNvPr>
+          <p:cNvSpPr>
+            <a:spLocks noGrp="1"/>
+          </p:cNvSpPr>
+          <p:nvPr>
+            <p:ph type="title"/>
+          </p:nvPr>
+        </p:nvSpPr>
+        <p:spPr/>
+        <p:txBody>
+          <a:bodyPr>
+            <a:normAutofit fontScale="90000"/>
+          </a:bodyPr>
+          <a:lstStyle/>
+          <a:p>
+            <a:r>
+              <a:rPr lang="en-US" dirty="0" err="1"/>
+              <a:t>Snowpipe</a:t>
+            </a:r>
+            <a:r>
+              <a:rPr lang="en-US" dirty="0"/>
+              <a:t> - Streaming</a:t>
+            </a:r>
+          </a:p>
+        </p:txBody>
+      </p:sp>
+      <p:pic>
+        <p:nvPicPr>
+          <p:cNvPr id="2050" name="Picture 2" descr="Snowpipe Streaming">
+            <a:extLst>
+              <a:ext uri="{FF2B5EF4-FFF2-40B4-BE49-F238E27FC236}">
+                <a16:creationId xmlns:a16="http://schemas.microsoft.com/office/drawing/2014/main" id="{30F6F85F-0586-DA4D-88CA-35981E27B589}"/>
+              </a:ext>
+            </a:extLst>
+          </p:cNvPr>
+          <p:cNvPicPr>
+            <a:picLocks noGrp="1" noChangeAspect="1" noChangeArrowheads="1"/>
+          </p:cNvPicPr>
+          <p:nvPr>
+            <p:ph idx="1"/>
+          </p:nvPr>
+        </p:nvPicPr>
+        <p:blipFill>
+          <a:blip r:embed="rId2">
+            <a:extLst>
+              <a:ext uri="{28A0092B-C50C-407E-A947-70E740481C1C}">
+                <a14:useLocalDpi xmlns:a14="http://schemas.microsoft.com/office/drawing/2010/main" val="0"/>
+              </a:ext>
+            </a:extLst>
+          </a:blip>
+          <a:srcRect/>
+          <a:stretch>
+            <a:fillRect/>
+          </a:stretch>
+        </p:blipFill>
+        <p:spPr bwMode="auto">
+          <a:xfrm>
+            <a:off x="1214054" y="1333500"/>
+            <a:ext cx="9763891" cy="4641850"/>
+          </a:xfrm>
+          <a:prstGeom prst="rect">
+            <a:avLst/>
+          </a:prstGeom>
+          <a:noFill/>
+          <a:extLst>
+            <a:ext uri="{909E8E84-426E-40DD-AFC4-6F175D3DCCD1}">
+              <a14:hiddenFill xmlns:a14="http://schemas.microsoft.com/office/drawing/2010/main">
+                <a:solidFill>
+                  <a:srgbClr val="FFFFFF"/>
+                </a:solidFill>
+              </a14:hiddenFill>
+            </a:ext>
+          </a:extLst>
+        </p:spPr>
+      </p:pic>
+    </p:spTree>
+    <p:extLst>
+      <p:ext uri="{BB962C8B-B14F-4D97-AF65-F5344CB8AC3E}">
+        <p14:creationId xmlns:p14="http://schemas.microsoft.com/office/powerpoint/2010/main" val="1145305604"/>
       </p:ext>
     </p:extLst>
   </p:cSld>
@@ -32807,6 +34690,15 @@
 </file>
 
 <file path=customXml/item1.xml><?xml version="1.0" encoding="utf-8"?>
+<p:properties xmlns:p="http://schemas.microsoft.com/office/2006/metadata/properties" xmlns:xsi="http://www.w3.org/2001/XMLSchema-instance" xmlns:pc="http://schemas.microsoft.com/office/infopath/2007/PartnerControls">
+  <documentManagement>
+    <Status xmlns="71af3243-3dd4-4a8d-8c0d-dd76da1f02a5">Not started</Status>
+    <MediaServiceKeyPoints xmlns="71af3243-3dd4-4a8d-8c0d-dd76da1f02a5" xsi:nil="true"/>
+  </documentManagement>
+</p:properties>
+</file>
+
+<file path=customXml/item2.xml><?xml version="1.0" encoding="utf-8"?>
 <ct:contentTypeSchema xmlns:ct="http://schemas.microsoft.com/office/2006/metadata/contentType" xmlns:ma="http://schemas.microsoft.com/office/2006/metadata/properties/metaAttributes" ct:_="" ma:_="" ma:contentTypeName="Document" ma:contentTypeID="0x01010079F111ED35F8CC479449609E8A0923A6" ma:contentTypeVersion="12" ma:contentTypeDescription="Create a new document." ma:contentTypeScope="" ma:versionID="a410dd7f93c95333ffa1b60ed6adedd1">
   <xsd:schema xmlns:xsd="http://www.w3.org/2001/XMLSchema" xmlns:xs="http://www.w3.org/2001/XMLSchema" xmlns:p="http://schemas.microsoft.com/office/2006/metadata/properties" xmlns:ns2="71af3243-3dd4-4a8d-8c0d-dd76da1f02a5" xmlns:ns3="16c05727-aa75-4e4a-9b5f-8a80a1165891" targetNamespace="http://schemas.microsoft.com/office/2006/metadata/properties" ma:root="true" ma:fieldsID="a936d9baba76aa3866493feff160faab" ns2:_="" ns3:_="">
     <xsd:import namespace="71af3243-3dd4-4a8d-8c0d-dd76da1f02a5"/>
@@ -33027,7 +34919,7 @@
 </ct:contentTypeSchema>
 </file>
 
-<file path=customXml/item2.xml><?xml version="1.0" encoding="utf-8"?>
+<file path=customXml/item3.xml><?xml version="1.0" encoding="utf-8"?>
 <?mso-contentType ?>
 <FormTemplates xmlns="http://schemas.microsoft.com/sharepoint/v3/contenttype/forms">
   <Display>DocumentLibraryForm</Display>
@@ -33036,16 +34928,24 @@
 </FormTemplates>
 </file>
 
-<file path=customXml/item3.xml><?xml version="1.0" encoding="utf-8"?>
-<p:properties xmlns:p="http://schemas.microsoft.com/office/2006/metadata/properties" xmlns:xsi="http://www.w3.org/2001/XMLSchema-instance" xmlns:pc="http://schemas.microsoft.com/office/infopath/2007/PartnerControls">
-  <documentManagement>
-    <Status xmlns="71af3243-3dd4-4a8d-8c0d-dd76da1f02a5">Not started</Status>
-    <MediaServiceKeyPoints xmlns="71af3243-3dd4-4a8d-8c0d-dd76da1f02a5" xsi:nil="true"/>
-  </documentManagement>
-</p:properties>
+<file path=customXml/itemProps1.xml><?xml version="1.0" encoding="utf-8"?>
+<ds:datastoreItem xmlns:ds="http://schemas.openxmlformats.org/officeDocument/2006/customXml" ds:itemID="{8D289AE2-D2AE-49D1-AFAC-3A79F6794255}">
+  <ds:schemaRefs>
+    <ds:schemaRef ds:uri="http://schemas.microsoft.com/office/2006/documentManagement/types"/>
+    <ds:schemaRef ds:uri="http://schemas.microsoft.com/office/infopath/2007/PartnerControls"/>
+    <ds:schemaRef ds:uri="http://schemas.microsoft.com/office/2006/metadata/properties"/>
+    <ds:schemaRef ds:uri="http://purl.org/dc/elements/1.1/"/>
+    <ds:schemaRef ds:uri="http://purl.org/dc/terms/"/>
+    <ds:schemaRef ds:uri="http://www.w3.org/XML/1998/namespace"/>
+    <ds:schemaRef ds:uri="http://purl.org/dc/dcmitype/"/>
+    <ds:schemaRef ds:uri="16c05727-aa75-4e4a-9b5f-8a80a1165891"/>
+    <ds:schemaRef ds:uri="http://schemas.openxmlformats.org/package/2006/metadata/core-properties"/>
+    <ds:schemaRef ds:uri="71af3243-3dd4-4a8d-8c0d-dd76da1f02a5"/>
+  </ds:schemaRefs>
+</ds:datastoreItem>
 </file>
 
-<file path=customXml/itemProps1.xml><?xml version="1.0" encoding="utf-8"?>
+<file path=customXml/itemProps2.xml><?xml version="1.0" encoding="utf-8"?>
 <ds:datastoreItem xmlns:ds="http://schemas.openxmlformats.org/officeDocument/2006/customXml" ds:itemID="{41E7CA09-9778-4414-AE97-8064B12DA30E}">
   <ds:schemaRefs>
     <ds:schemaRef ds:uri="http://schemas.microsoft.com/office/2006/metadata/contentType"/>
@@ -33064,27 +34964,10 @@
 </ds:datastoreItem>
 </file>
 
-<file path=customXml/itemProps2.xml><?xml version="1.0" encoding="utf-8"?>
+<file path=customXml/itemProps3.xml><?xml version="1.0" encoding="utf-8"?>
 <ds:datastoreItem xmlns:ds="http://schemas.openxmlformats.org/officeDocument/2006/customXml" ds:itemID="{927BD4C1-B6B1-4715-ABF9-E660A51A4EA0}">
   <ds:schemaRefs>
     <ds:schemaRef ds:uri="http://schemas.microsoft.com/sharepoint/v3/contenttype/forms"/>
   </ds:schemaRefs>
 </ds:datastoreItem>
-</file>
-
-<file path=customXml/itemProps3.xml><?xml version="1.0" encoding="utf-8"?>
-<ds:datastoreItem xmlns:ds="http://schemas.openxmlformats.org/officeDocument/2006/customXml" ds:itemID="{8D289AE2-D2AE-49D1-AFAC-3A79F6794255}">
-  <ds:schemaRefs>
-    <ds:schemaRef ds:uri="http://schemas.microsoft.com/office/2006/documentManagement/types"/>
-    <ds:schemaRef ds:uri="http://schemas.microsoft.com/office/infopath/2007/PartnerControls"/>
-    <ds:schemaRef ds:uri="http://schemas.microsoft.com/office/2006/metadata/properties"/>
-    <ds:schemaRef ds:uri="http://purl.org/dc/elements/1.1/"/>
-    <ds:schemaRef ds:uri="http://purl.org/dc/terms/"/>
-    <ds:schemaRef ds:uri="http://www.w3.org/XML/1998/namespace"/>
-    <ds:schemaRef ds:uri="http://purl.org/dc/dcmitype/"/>
-    <ds:schemaRef ds:uri="16c05727-aa75-4e4a-9b5f-8a80a1165891"/>
-    <ds:schemaRef ds:uri="http://schemas.openxmlformats.org/package/2006/metadata/core-properties"/>
-    <ds:schemaRef ds:uri="71af3243-3dd4-4a8d-8c0d-dd76da1f02a5"/>
-  </ds:schemaRefs>
-</ds:datastoreItem>
 </file>
--- a/docs/Azure-Snowflake.pptx
+++ b/docs/Azure-Snowflake.pptx
@@ -60,16 +60,26 @@
     <p:sldId id="268" r:id="rId57"/>
     <p:sldId id="271" r:id="rId58"/>
     <p:sldId id="272" r:id="rId59"/>
-    <p:sldId id="273" r:id="rId60"/>
-    <p:sldId id="318" r:id="rId61"/>
-    <p:sldId id="266" r:id="rId62"/>
-    <p:sldId id="319" r:id="rId63"/>
-    <p:sldId id="320" r:id="rId64"/>
-    <p:sldId id="321" r:id="rId65"/>
-    <p:sldId id="322" r:id="rId66"/>
-    <p:sldId id="323" r:id="rId67"/>
-    <p:sldId id="324" r:id="rId68"/>
-    <p:sldId id="325" r:id="rId69"/>
+    <p:sldId id="327" r:id="rId60"/>
+    <p:sldId id="326" r:id="rId61"/>
+    <p:sldId id="273" r:id="rId62"/>
+    <p:sldId id="328" r:id="rId63"/>
+    <p:sldId id="329" r:id="rId64"/>
+    <p:sldId id="330" r:id="rId65"/>
+    <p:sldId id="331" r:id="rId66"/>
+    <p:sldId id="332" r:id="rId67"/>
+    <p:sldId id="333" r:id="rId68"/>
+    <p:sldId id="334" r:id="rId69"/>
+    <p:sldId id="335" r:id="rId70"/>
+    <p:sldId id="318" r:id="rId71"/>
+    <p:sldId id="266" r:id="rId72"/>
+    <p:sldId id="319" r:id="rId73"/>
+    <p:sldId id="320" r:id="rId74"/>
+    <p:sldId id="321" r:id="rId75"/>
+    <p:sldId id="322" r:id="rId76"/>
+    <p:sldId id="323" r:id="rId77"/>
+    <p:sldId id="324" r:id="rId78"/>
+    <p:sldId id="325" r:id="rId79"/>
   </p:sldIdLst>
   <p:sldSz cx="12192000" cy="6858000"/>
   <p:notesSz cx="6858000" cy="9144000"/>
@@ -414,7 +424,7 @@
           <a:p>
             <a:fld id="{ED291B17-9318-49DB-B28B-6E5994AE9581}" type="datetime1">
               <a:rPr lang="en-US" smtClean="0"/>
-              <a:t>5/23/2024</a:t>
+              <a:t>5/30/2024</a:t>
             </a:fld>
             <a:endParaRPr lang="en-US" dirty="0"/>
           </a:p>
@@ -617,7 +627,7 @@
           <a:p>
             <a:fld id="{2CED4963-E985-44C4-B8C4-FDD613B7C2F8}" type="datetime1">
               <a:rPr lang="en-US" smtClean="0"/>
-              <a:t>5/23/2024</a:t>
+              <a:t>5/30/2024</a:t>
             </a:fld>
             <a:endParaRPr lang="en-US" dirty="0"/>
           </a:p>
@@ -979,7 +989,7 @@
           <a:p>
             <a:fld id="{ED291B17-9318-49DB-B28B-6E5994AE9581}" type="datetime1">
               <a:rPr lang="en-US" smtClean="0"/>
-              <a:t>5/23/2024</a:t>
+              <a:t>5/30/2024</a:t>
             </a:fld>
             <a:endParaRPr lang="en-US" dirty="0"/>
           </a:p>
@@ -1177,7 +1187,7 @@
           <a:p>
             <a:fld id="{78DD82B9-B8EE-4375-B6FF-88FA6ABB15D9}" type="datetime1">
               <a:rPr lang="en-US" smtClean="0"/>
-              <a:t>5/23/2024</a:t>
+              <a:t>5/30/2024</a:t>
             </a:fld>
             <a:endParaRPr lang="en-US" dirty="0"/>
           </a:p>
@@ -1489,7 +1499,7 @@
           <a:p>
             <a:fld id="{B2497495-0637-405E-AE64-5CC7506D51F5}" type="datetime1">
               <a:rPr lang="en-US" smtClean="0"/>
-              <a:t>5/23/2024</a:t>
+              <a:t>5/30/2024</a:t>
             </a:fld>
             <a:endParaRPr lang="en-US" dirty="0"/>
           </a:p>
@@ -1742,7 +1752,7 @@
           <a:p>
             <a:fld id="{7BFFD690-9426-415D-8B65-26881E07B2D4}" type="datetime1">
               <a:rPr lang="en-US" smtClean="0"/>
-              <a:t>5/23/2024</a:t>
+              <a:t>5/30/2024</a:t>
             </a:fld>
             <a:endParaRPr lang="en-US" dirty="0"/>
           </a:p>
@@ -2164,7 +2174,7 @@
           <a:p>
             <a:fld id="{04C4989A-474C-40DE-95B9-011C28B71673}" type="datetime1">
               <a:rPr lang="en-US" smtClean="0"/>
-              <a:t>5/23/2024</a:t>
+              <a:t>5/30/2024</a:t>
             </a:fld>
             <a:endParaRPr lang="en-US" dirty="0"/>
           </a:p>
@@ -2287,7 +2297,7 @@
           <a:p>
             <a:fld id="{5DB4ED54-5B5E-4A04-93D3-5772E3CE3818}" type="datetime1">
               <a:rPr lang="en-US" smtClean="0"/>
-              <a:t>5/23/2024</a:t>
+              <a:t>5/30/2024</a:t>
             </a:fld>
             <a:endParaRPr lang="en-US" dirty="0"/>
           </a:p>
@@ -2382,7 +2392,7 @@
           <a:p>
             <a:fld id="{4EDE50D6-574B-40AF-946F-D52A04ADE379}" type="datetime1">
               <a:rPr lang="en-US" smtClean="0"/>
-              <a:t>5/23/2024</a:t>
+              <a:t>5/30/2024</a:t>
             </a:fld>
             <a:endParaRPr lang="en-US" dirty="0"/>
           </a:p>
@@ -2759,7 +2769,7 @@
           <a:p>
             <a:fld id="{D82884F1-FFEA-405F-9602-3DCA865EDA4E}" type="datetime1">
               <a:rPr lang="en-US" smtClean="0"/>
-              <a:t>5/23/2024</a:t>
+              <a:t>5/30/2024</a:t>
             </a:fld>
             <a:endParaRPr lang="en-US" dirty="0"/>
           </a:p>
@@ -3052,7 +3062,7 @@
           <a:p>
             <a:fld id="{7E18DB4A-8810-4A10-AD5C-D5E2C667F5B3}" type="datetime1">
               <a:rPr lang="en-US" smtClean="0"/>
-              <a:t>5/23/2024</a:t>
+              <a:t>5/30/2024</a:t>
             </a:fld>
             <a:endParaRPr lang="en-US" dirty="0"/>
           </a:p>
@@ -3267,7 +3277,7 @@
           <a:p>
             <a:fld id="{ED291B17-9318-49DB-B28B-6E5994AE9581}" type="datetime1">
               <a:rPr lang="en-US" smtClean="0"/>
-              <a:t>5/23/2024</a:t>
+              <a:t>5/30/2024</a:t>
             </a:fld>
             <a:endParaRPr lang="en-US" dirty="0"/>
           </a:p>
@@ -31415,26 +31425,68 @@
             </a:r>
           </a:p>
           <a:p>
-            <a:pPr marL="324000" lvl="1" indent="0">
+            <a:pPr marL="594000" lvl="2" indent="0">
               <a:buNone/>
             </a:pPr>
             <a:r>
               <a:rPr lang="en-US" dirty="0"/>
-              <a:t>CREATE OR REPLACE STAGE </a:t>
-            </a:r>
-            <a:r>
-              <a:rPr lang="en-US" dirty="0" err="1"/>
-              <a:t>my_unload_stage</a:t>
-            </a:r>
-            <a:endParaRPr lang="en-US" dirty="0"/>
-          </a:p>
-          <a:p>
-            <a:pPr marL="324000" lvl="1" indent="0">
+              <a:t>CREATE OR REPLACE STAGE SUPERSTORE_FRMUSERSTG_UNLD_NMED  </a:t>
+            </a:r>
+          </a:p>
+          <a:p>
+            <a:pPr marL="594000" lvl="2" indent="0">
               <a:buNone/>
             </a:pPr>
             <a:r>
               <a:rPr lang="en-US" dirty="0"/>
-              <a:t>  FILE_FORMAT = </a:t>
+              <a:t>FILE_FORMAT = </a:t>
+            </a:r>
+            <a:r>
+              <a:rPr lang="en-US" dirty="0" err="1"/>
+              <a:t>csv_superstore_new</a:t>
+            </a:r>
+            <a:r>
+              <a:rPr lang="en-US" dirty="0"/>
+              <a:t>;  </a:t>
+            </a:r>
+          </a:p>
+          <a:p>
+            <a:pPr marL="594000" lvl="2" indent="0">
+              <a:buNone/>
+            </a:pPr>
+            <a:r>
+              <a:rPr lang="en-US" dirty="0"/>
+              <a:t>COPY INTO @SUPERSTORE_FRMUSERSTG_UNLD_NMED/unload/ from SUPERSTORE;</a:t>
+            </a:r>
+          </a:p>
+          <a:p>
+            <a:pPr marL="594000" lvl="2" indent="0">
+              <a:buNone/>
+            </a:pPr>
+            <a:r>
+              <a:rPr lang="en-US" dirty="0"/>
+              <a:t>GET @SUPERSTORE_FRMUSERSTG_UNLD_NMED/unload/data_0_0_0.csv.gz file://C:\data\unload;</a:t>
+            </a:r>
+          </a:p>
+          <a:p>
+            <a:r>
+              <a:rPr lang="en-US" dirty="0"/>
+              <a:t>Unloading data via table stage</a:t>
+            </a:r>
+          </a:p>
+          <a:p>
+            <a:pPr lvl="1"/>
+            <a:r>
+              <a:rPr lang="en-US" dirty="0"/>
+              <a:t>COPY INTO @%mytable/unload/ from </a:t>
+            </a:r>
+            <a:r>
+              <a:rPr lang="en-US" dirty="0" err="1"/>
+              <a:t>mytable</a:t>
+            </a:r>
+            <a:r>
+              <a:rPr lang="en-US" dirty="0"/>
+              <a:t> FILE_FORMAT = (FORMAT_NAME = '</a:t>
             </a:r>
             <a:r>
               <a:rPr lang="en-US" dirty="0" err="1"/>
@@ -31442,35 +31494,14 @@
             </a:r>
             <a:r>
               <a:rPr lang="en-US" dirty="0"/>
-              <a:t>;</a:t>
-            </a:r>
-          </a:p>
-          <a:p>
-            <a:pPr marL="324000" lvl="1" indent="0">
-              <a:buNone/>
-            </a:pPr>
+              <a:t>' COMPRESSION = NONE);</a:t>
+            </a:r>
+          </a:p>
+          <a:p>
+            <a:pPr lvl="1"/>
             <a:r>
               <a:rPr lang="en-US" dirty="0"/>
-              <a:t>COPY INTO @mystage/unload/ from </a:t>
-            </a:r>
-            <a:r>
-              <a:rPr lang="en-US" dirty="0" err="1"/>
-              <a:t>mytable</a:t>
-            </a:r>
-            <a:r>
-              <a:rPr lang="en-US" dirty="0"/>
-              <a:t>;</a:t>
-            </a:r>
-          </a:p>
-          <a:p>
-            <a:pPr lvl="1"/>
-            <a:endParaRPr lang="en-US" dirty="0"/>
-          </a:p>
-          <a:p>
-            <a:pPr lvl="1"/>
-            <a:r>
-              <a:rPr lang="en-US" dirty="0"/>
-              <a:t>GET @mystage/unload/data_0_0_0.csv.gz </a:t>
+              <a:t>GET @%mytable/unload/data_0_0_0.csv </a:t>
             </a:r>
             <a:r>
               <a:rPr lang="en-US" dirty="0">
@@ -31486,26 +31517,18 @@
           <a:p>
             <a:r>
               <a:rPr lang="en-US" dirty="0"/>
-              <a:t>Unloading data via table stage</a:t>
+              <a:t>Unloading Data to Your User Stage</a:t>
             </a:r>
           </a:p>
           <a:p>
             <a:pPr lvl="1"/>
             <a:r>
               <a:rPr lang="en-US" dirty="0"/>
-              <a:t>COPY INTO @%mytable/unload/ from </a:t>
+              <a:t>COPY INTO @~/unload/ from SUPERSTORE_FRMUSERSTG FILE_FORMAT = (FORMAT_NAME = '</a:t>
             </a:r>
             <a:r>
               <a:rPr lang="en-US" dirty="0" err="1"/>
-              <a:t>mytable</a:t>
-            </a:r>
-            <a:r>
-              <a:rPr lang="en-US" dirty="0"/>
-              <a:t> FILE_FORMAT = (FORMAT_NAME = '</a:t>
-            </a:r>
-            <a:r>
-              <a:rPr lang="en-US" dirty="0" err="1"/>
-              <a:t>my_csv_unload_format</a:t>
+              <a:t>csv_superstore</a:t>
             </a:r>
             <a:r>
               <a:rPr lang="en-US" dirty="0"/>
@@ -31516,58 +31539,8 @@
             <a:pPr lvl="1"/>
             <a:r>
               <a:rPr lang="en-US" dirty="0"/>
-              <a:t>GET @%mytable/unload/data_0_0_0.csv </a:t>
-            </a:r>
-            <a:r>
-              <a:rPr lang="en-US" dirty="0">
-                <a:hlinkClick r:id="rId2" action="ppaction://hlinkfile"/>
-              </a:rPr>
-              <a:t>file://C:\data\unload</a:t>
-            </a:r>
-            <a:r>
-              <a:rPr lang="en-US" dirty="0"/>
-              <a:t>;</a:t>
-            </a:r>
-          </a:p>
-          <a:p>
-            <a:r>
-              <a:rPr lang="en-US" dirty="0"/>
-              <a:t>Unloading Data to Your User Stage</a:t>
-            </a:r>
-          </a:p>
-          <a:p>
-            <a:pPr lvl="1"/>
-            <a:r>
-              <a:rPr lang="en-US" dirty="0"/>
-              <a:t>COPY INTO @~/unload/ from </a:t>
-            </a:r>
-            <a:r>
-              <a:rPr lang="en-US" dirty="0" err="1"/>
-              <a:t>mytable</a:t>
-            </a:r>
-            <a:r>
-              <a:rPr lang="en-US" dirty="0"/>
-              <a:t> FILE_FORMAT = (FORMAT_NAME = '</a:t>
-            </a:r>
-            <a:r>
-              <a:rPr lang="en-US" dirty="0" err="1"/>
-              <a:t>my_csv_unload_format</a:t>
-            </a:r>
-            <a:r>
-              <a:rPr lang="en-US" dirty="0"/>
-              <a:t>' COMPRESSION = NONE);</a:t>
-            </a:r>
-          </a:p>
-          <a:p>
-            <a:pPr lvl="1"/>
-            <a:r>
-              <a:rPr lang="en-US" dirty="0"/>
-              <a:t>GET @~/unload/data_0_0_0.csv file://C:\data\unload;</a:t>
-            </a:r>
-          </a:p>
-          <a:p>
-            <a:pPr lvl="1"/>
-            <a:endParaRPr lang="en-US" dirty="0"/>
+              <a:t>GET @~/unload/data_0_0_0.csv file://~/;</a:t>
+            </a:r>
           </a:p>
           <a:p>
             <a:endParaRPr lang="en-US" dirty="0"/>
@@ -31838,19 +31811,17 @@
       </p:sp>
       <p:pic>
         <p:nvPicPr>
-          <p:cNvPr id="1026" name="Picture 2" descr="Snowpipe Auto-ingest Process Flow">
+          <p:cNvPr id="4" name="Picture 2" descr="Snowpipe Auto-ingest Process Flow">
             <a:extLst>
               <a:ext uri="{FF2B5EF4-FFF2-40B4-BE49-F238E27FC236}">
-                <a16:creationId xmlns:a16="http://schemas.microsoft.com/office/drawing/2014/main" id="{DC32A2B5-706C-5874-27C0-9591F5AC080E}"/>
+                <a16:creationId xmlns:a16="http://schemas.microsoft.com/office/drawing/2014/main" id="{9CE16C18-4478-FCEC-FFBD-E87914B187C6}"/>
               </a:ext>
             </a:extLst>
           </p:cNvPr>
           <p:cNvPicPr>
-            <a:picLocks noGrp="1" noChangeAspect="1" noChangeArrowheads="1"/>
+            <a:picLocks noChangeAspect="1" noChangeArrowheads="1"/>
           </p:cNvPicPr>
-          <p:nvPr>
-            <p:ph idx="1"/>
-          </p:nvPr>
+          <p:nvPr/>
         </p:nvPicPr>
         <p:blipFill>
           <a:blip r:embed="rId2">
@@ -31867,8 +31838,8 @@
         </p:blipFill>
         <p:spPr bwMode="auto">
           <a:xfrm>
-            <a:off x="3844212" y="785635"/>
-            <a:ext cx="3811051" cy="6072365"/>
+            <a:off x="4491346" y="614214"/>
+            <a:ext cx="3863077" cy="6155844"/>
           </a:xfrm>
           <a:prstGeom prst="rect">
             <a:avLst/>
@@ -31899,6 +31870,405 @@
 </file>
 
 <file path=ppt/slides/slide56.xml><?xml version="1.0" encoding="utf-8"?>
+<p:sld xmlns:a="http://schemas.openxmlformats.org/drawingml/2006/main" xmlns:r="http://schemas.openxmlformats.org/officeDocument/2006/relationships" xmlns:p="http://schemas.openxmlformats.org/presentationml/2006/main">
+  <p:cSld>
+    <p:spTree>
+      <p:nvGrpSpPr>
+        <p:cNvPr id="1" name=""/>
+        <p:cNvGrpSpPr/>
+        <p:nvPr/>
+      </p:nvGrpSpPr>
+      <p:grpSpPr>
+        <a:xfrm>
+          <a:off x="0" y="0"/>
+          <a:ext cx="0" cy="0"/>
+          <a:chOff x="0" y="0"/>
+          <a:chExt cx="0" cy="0"/>
+        </a:xfrm>
+      </p:grpSpPr>
+      <p:sp>
+        <p:nvSpPr>
+          <p:cNvPr id="2" name="Title 1">
+            <a:extLst>
+              <a:ext uri="{FF2B5EF4-FFF2-40B4-BE49-F238E27FC236}">
+                <a16:creationId xmlns:a16="http://schemas.microsoft.com/office/drawing/2014/main" id="{94D71138-8B72-CE17-5631-3514D51099FC}"/>
+              </a:ext>
+            </a:extLst>
+          </p:cNvPr>
+          <p:cNvSpPr>
+            <a:spLocks noGrp="1"/>
+          </p:cNvSpPr>
+          <p:nvPr>
+            <p:ph type="title"/>
+          </p:nvPr>
+        </p:nvSpPr>
+        <p:spPr/>
+        <p:txBody>
+          <a:bodyPr>
+            <a:normAutofit fontScale="90000"/>
+          </a:bodyPr>
+          <a:lstStyle/>
+          <a:p>
+            <a:r>
+              <a:rPr lang="en-US" dirty="0" err="1"/>
+              <a:t>SNowpipe</a:t>
+            </a:r>
+            <a:endParaRPr lang="en-US" dirty="0"/>
+          </a:p>
+        </p:txBody>
+      </p:sp>
+      <p:pic>
+        <p:nvPicPr>
+          <p:cNvPr id="7" name="Picture 6">
+            <a:extLst>
+              <a:ext uri="{FF2B5EF4-FFF2-40B4-BE49-F238E27FC236}">
+                <a16:creationId xmlns:a16="http://schemas.microsoft.com/office/drawing/2014/main" id="{C03C170C-EBDF-26FA-526C-6679A3EB1B8D}"/>
+              </a:ext>
+            </a:extLst>
+          </p:cNvPr>
+          <p:cNvPicPr>
+            <a:picLocks noChangeAspect="1"/>
+          </p:cNvPicPr>
+          <p:nvPr/>
+        </p:nvPicPr>
+        <p:blipFill>
+          <a:blip r:embed="rId2"/>
+          <a:stretch>
+            <a:fillRect/>
+          </a:stretch>
+        </p:blipFill>
+        <p:spPr>
+          <a:xfrm>
+            <a:off x="401216" y="1166325"/>
+            <a:ext cx="11389567" cy="5415008"/>
+          </a:xfrm>
+          <a:prstGeom prst="rect">
+            <a:avLst/>
+          </a:prstGeom>
+        </p:spPr>
+      </p:pic>
+    </p:spTree>
+    <p:extLst>
+      <p:ext uri="{BB962C8B-B14F-4D97-AF65-F5344CB8AC3E}">
+        <p14:creationId xmlns:p14="http://schemas.microsoft.com/office/powerpoint/2010/main" val="396036035"/>
+      </p:ext>
+    </p:extLst>
+  </p:cSld>
+  <p:clrMapOvr>
+    <a:masterClrMapping/>
+  </p:clrMapOvr>
+</p:sld>
+</file>
+
+<file path=ppt/slides/slide57.xml><?xml version="1.0" encoding="utf-8"?>
+<p:sld xmlns:a="http://schemas.openxmlformats.org/drawingml/2006/main" xmlns:r="http://schemas.openxmlformats.org/officeDocument/2006/relationships" xmlns:p="http://schemas.openxmlformats.org/presentationml/2006/main">
+  <p:cSld>
+    <p:spTree>
+      <p:nvGrpSpPr>
+        <p:cNvPr id="1" name=""/>
+        <p:cNvGrpSpPr/>
+        <p:nvPr/>
+      </p:nvGrpSpPr>
+      <p:grpSpPr>
+        <a:xfrm>
+          <a:off x="0" y="0"/>
+          <a:ext cx="0" cy="0"/>
+          <a:chOff x="0" y="0"/>
+          <a:chExt cx="0" cy="0"/>
+        </a:xfrm>
+      </p:grpSpPr>
+      <p:sp>
+        <p:nvSpPr>
+          <p:cNvPr id="2" name="Title 1">
+            <a:extLst>
+              <a:ext uri="{FF2B5EF4-FFF2-40B4-BE49-F238E27FC236}">
+                <a16:creationId xmlns:a16="http://schemas.microsoft.com/office/drawing/2014/main" id="{94D71138-8B72-CE17-5631-3514D51099FC}"/>
+              </a:ext>
+            </a:extLst>
+          </p:cNvPr>
+          <p:cNvSpPr>
+            <a:spLocks noGrp="1"/>
+          </p:cNvSpPr>
+          <p:nvPr>
+            <p:ph type="title"/>
+          </p:nvPr>
+        </p:nvSpPr>
+        <p:spPr/>
+        <p:txBody>
+          <a:bodyPr>
+            <a:normAutofit fontScale="90000"/>
+          </a:bodyPr>
+          <a:lstStyle/>
+          <a:p>
+            <a:r>
+              <a:rPr lang="en-US" dirty="0" err="1"/>
+              <a:t>SNowpipe</a:t>
+            </a:r>
+            <a:endParaRPr lang="en-US" dirty="0"/>
+          </a:p>
+        </p:txBody>
+      </p:sp>
+      <p:sp>
+        <p:nvSpPr>
+          <p:cNvPr id="3" name="Content Placeholder 2">
+            <a:extLst>
+              <a:ext uri="{FF2B5EF4-FFF2-40B4-BE49-F238E27FC236}">
+                <a16:creationId xmlns:a16="http://schemas.microsoft.com/office/drawing/2014/main" id="{B3B34B06-027B-A2AC-5922-EA7B58B26EE0}"/>
+              </a:ext>
+            </a:extLst>
+          </p:cNvPr>
+          <p:cNvSpPr>
+            <a:spLocks noGrp="1"/>
+          </p:cNvSpPr>
+          <p:nvPr>
+            <p:ph idx="1"/>
+          </p:nvPr>
+        </p:nvSpPr>
+        <p:spPr>
+          <a:xfrm>
+            <a:off x="581192" y="1334277"/>
+            <a:ext cx="11029615" cy="5150499"/>
+          </a:xfrm>
+        </p:spPr>
+        <p:txBody>
+          <a:bodyPr>
+            <a:normAutofit/>
+          </a:bodyPr>
+          <a:lstStyle/>
+          <a:p>
+            <a:pPr marL="0" indent="0">
+              <a:lnSpc>
+                <a:spcPct val="100000"/>
+              </a:lnSpc>
+              <a:spcBef>
+                <a:spcPts val="0"/>
+              </a:spcBef>
+              <a:spcAft>
+                <a:spcPts val="0"/>
+              </a:spcAft>
+              <a:buNone/>
+            </a:pPr>
+            <a:r>
+              <a:rPr lang="en-US" sz="750" dirty="0"/>
+              <a:t>-- Step -1 create storage integration CREATE or replace STORAGE INTEGRATION </a:t>
+            </a:r>
+            <a:r>
+              <a:rPr lang="en-US" sz="750" dirty="0" err="1"/>
+              <a:t>azure_int_new</a:t>
+            </a:r>
+            <a:r>
+              <a:rPr lang="en-US" sz="750" dirty="0"/>
+              <a:t>  TYPE = EXTERNAL_STAGE  STORAGE_PROVIDER = 'AZURE'  ENABLED = TRUE  AZURE_TENANT_ID = 'fda27961-1c4d-48ca-b563-4da0bc461de1'  STORAGE_ALLOWED_LOCATIONS = ('azure://bw2023snowflakedata.blob.core.windows.net/bw2023snowflakedatacontainer/');DESC STORAGE INTEGRATION </a:t>
+            </a:r>
+            <a:r>
+              <a:rPr lang="en-US" sz="750" dirty="0" err="1"/>
+              <a:t>azure_int_new</a:t>
+            </a:r>
+            <a:r>
+              <a:rPr lang="en-US" sz="750" dirty="0"/>
+              <a:t>;  GRANT CREATE STAGE ON SCHEMA BWSCHEMA TO ROLE ACCOUNTADMIN;GRANT USAGE ON INTEGRATION </a:t>
+            </a:r>
+            <a:r>
+              <a:rPr lang="en-US" sz="750" dirty="0" err="1"/>
+              <a:t>azure_int_new</a:t>
+            </a:r>
+            <a:r>
+              <a:rPr lang="en-US" sz="750" dirty="0"/>
+              <a:t> TO ROLE ACCOUNTADMIN;-- Step -2 Create file </a:t>
+            </a:r>
+            <a:r>
+              <a:rPr lang="en-US" sz="750" dirty="0" err="1"/>
+              <a:t>formatcreate</a:t>
+            </a:r>
+            <a:r>
+              <a:rPr lang="en-US" sz="750" dirty="0"/>
+              <a:t> or replace file format </a:t>
+            </a:r>
+            <a:r>
+              <a:rPr lang="en-US" sz="750" dirty="0" err="1"/>
+              <a:t>csv_superstore</a:t>
+            </a:r>
+            <a:r>
+              <a:rPr lang="en-US" sz="750" dirty="0"/>
+              <a:t>    TYPE=CSV    SKIP_HEADER=1    FIELD_DELIMITER=','    TRIM_SPACE=FALSE    FIELD_OPTIONALLY_ENCLOSED_BY='"'    REPLACE_INVALID_CHARACTERS=TRUE    DATE_FORMAT=AUTO    TIME_FORMAT=AUTO    TIMESTAMP_FORMAT=AUTO;-- Step -3 Create table </a:t>
+            </a:r>
+            <a:r>
+              <a:rPr lang="en-US" sz="750" dirty="0" err="1"/>
+              <a:t>structurecreate</a:t>
+            </a:r>
+            <a:r>
+              <a:rPr lang="en-US" sz="750" dirty="0"/>
+              <a:t> or replace TABLE </a:t>
+            </a:r>
+            <a:r>
+              <a:rPr lang="en-US" sz="750" dirty="0" err="1"/>
+              <a:t>BWDATABASE.BWSCHEMA.SUPERSTORE_fromsnowpipe</a:t>
+            </a:r>
+            <a:r>
+              <a:rPr lang="en-US" sz="750" dirty="0"/>
+              <a:t> (	ROWID NUMBER(38,0),	ORDERID VARCHAR(16777216),	ORDERDATE DATE,	SHIPDATE DATE,	SHIPMODE VARCHAR(16777216),	CUSTOMERID VARCHAR(16777216),	CUSTOMERNAME VARCHAR(16777216),	SEGMENT VARCHAR(16777216),	COUNTRYREGION VARCHAR(16777216),	CITY VARCHAR(16777216),	STATE VARCHAR(16777216),	POSTALCODE NUMBER(38,0),	REGION VARCHAR(16777216),	PRODUCTID VARCHAR(16777216),	CATEGORY VARCHAR(16777216),	SUBCATEGORY VARCHAR(16777216),	PRODUCTNAME VARCHAR(16777216),	SALES NUMBER(38,4),	QUANTITY NUMBER(38,0),	DISCOUNT NUMBER(38,2),	PROFIT NUMBER(38,4));-- Step -4 Create </a:t>
+            </a:r>
+            <a:r>
+              <a:rPr lang="en-US" sz="750" dirty="0" err="1"/>
+              <a:t>stagecreate</a:t>
+            </a:r>
+            <a:r>
+              <a:rPr lang="en-US" sz="750" dirty="0"/>
+              <a:t> or replace stage </a:t>
+            </a:r>
+            <a:r>
+              <a:rPr lang="en-US" sz="750" dirty="0" err="1"/>
+              <a:t>az_stg_superstore_snowpipestorage_integration</a:t>
+            </a:r>
+            <a:r>
+              <a:rPr lang="en-US" sz="750" dirty="0"/>
+              <a:t> = </a:t>
+            </a:r>
+            <a:r>
+              <a:rPr lang="en-US" sz="750" dirty="0" err="1"/>
+              <a:t>azure_int_new</a:t>
+            </a:r>
+            <a:r>
+              <a:rPr lang="en-US" sz="750" dirty="0"/>
+              <a:t>  </a:t>
+            </a:r>
+            <a:r>
+              <a:rPr lang="en-US" sz="750" dirty="0" err="1"/>
+              <a:t>file_format</a:t>
+            </a:r>
+            <a:r>
+              <a:rPr lang="en-US" sz="750" dirty="0"/>
+              <a:t> = </a:t>
+            </a:r>
+            <a:r>
+              <a:rPr lang="en-US" sz="750" dirty="0" err="1"/>
+              <a:t>csv_superstore</a:t>
+            </a:r>
+            <a:r>
+              <a:rPr lang="en-US" sz="750" dirty="0"/>
+              <a:t>;  list @az_stg_superstore_snowpipe; drop NOTIFICATION INTEGRATION AZ_NOTIFICATION_INT;  CREATE or replace NOTIFICATION INTEGRATION AZ_NOTIFICATION_INT  ENABLED =TRUE  TYPE =QUEUE  NOTIFICATION_PROVIDER=AZURE_STORAGE_QUEUE  AZURE_STORAGE_QUEUE_PRIMARY_URI = 'https://bw2023snowflakedata.queue.core.windows.net/</a:t>
+            </a:r>
+            <a:r>
+              <a:rPr lang="en-US" sz="750" dirty="0" err="1"/>
+              <a:t>storagequeues</a:t>
+            </a:r>
+            <a:r>
+              <a:rPr lang="en-US" sz="750" dirty="0"/>
+              <a:t>'  AZURE_TENANT_ID = 'fda27961-1c4d-48ca-b563-4da0bc461de1';  desc NOTIFICATION INTEGRATION AZ_NOTIFICATION_INT;  CREATE OR REPLACE STAGE </a:t>
+            </a:r>
+            <a:r>
+              <a:rPr lang="en-US" sz="750" dirty="0" err="1"/>
+              <a:t>bw_azure_stage_sas</a:t>
+            </a:r>
+            <a:r>
+              <a:rPr lang="en-US" sz="750" dirty="0"/>
+              <a:t>         URL='azure://bw2023snowflakedata.blob.core.windows.net/bw2023snowflakedatacontainer/'         CREDENTIALS=(AZURE_SAS_TOKEN='</a:t>
+            </a:r>
+            <a:r>
+              <a:rPr lang="en-US" sz="750" dirty="0" err="1"/>
+              <a:t>sv</a:t>
+            </a:r>
+            <a:r>
+              <a:rPr lang="en-US" sz="750" dirty="0"/>
+              <a:t>=2022-11-02&amp;ss=</a:t>
+            </a:r>
+            <a:r>
+              <a:rPr lang="en-US" sz="750" dirty="0" err="1"/>
+              <a:t>bfqt&amp;srt</a:t>
+            </a:r>
+            <a:r>
+              <a:rPr lang="en-US" sz="750" dirty="0"/>
+              <a:t>=</a:t>
+            </a:r>
+            <a:r>
+              <a:rPr lang="en-US" sz="750" dirty="0" err="1"/>
+              <a:t>co&amp;sp</a:t>
+            </a:r>
+            <a:r>
+              <a:rPr lang="en-US" sz="750" dirty="0"/>
+              <a:t>=</a:t>
+            </a:r>
+            <a:r>
+              <a:rPr lang="en-US" sz="750" dirty="0" err="1"/>
+              <a:t>rwlaciytfx&amp;se</a:t>
+            </a:r>
+            <a:r>
+              <a:rPr lang="en-US" sz="750" dirty="0"/>
+              <a:t>=2024-06-29T12:39:17Z&amp;st=2024-05-26T04:39:17Z&amp;spr=</a:t>
+            </a:r>
+            <a:r>
+              <a:rPr lang="en-US" sz="750" dirty="0" err="1"/>
+              <a:t>https&amp;sig</a:t>
+            </a:r>
+            <a:r>
+              <a:rPr lang="en-US" sz="750" dirty="0"/>
+              <a:t>=7JreCeW87wEVBmZdQrcNAJ%2FR9fV%2FJ64L3sV7SYaI5M8%3D')         ENCRYPTION=(TYPE='NONE')         FILE_FORMAT = </a:t>
+            </a:r>
+            <a:r>
+              <a:rPr lang="en-US" sz="750" dirty="0" err="1"/>
+              <a:t>csv_superstore</a:t>
+            </a:r>
+            <a:r>
+              <a:rPr lang="en-US" sz="750" dirty="0"/>
+              <a:t>;         -- Step -5 Create </a:t>
+            </a:r>
+            <a:r>
+              <a:rPr lang="en-US" sz="750" dirty="0" err="1"/>
+              <a:t>snowpipecreate</a:t>
+            </a:r>
+            <a:r>
+              <a:rPr lang="en-US" sz="750" dirty="0"/>
+              <a:t> pipe </a:t>
+            </a:r>
+            <a:r>
+              <a:rPr lang="en-US" sz="750" dirty="0" err="1"/>
+              <a:t>az_superstore_snowpipe_new</a:t>
+            </a:r>
+            <a:r>
+              <a:rPr lang="en-US" sz="750" dirty="0"/>
+              <a:t>     </a:t>
+            </a:r>
+            <a:r>
+              <a:rPr lang="en-US" sz="750" dirty="0" err="1"/>
+              <a:t>auto_ingest</a:t>
+            </a:r>
+            <a:r>
+              <a:rPr lang="en-US" sz="750" dirty="0"/>
+              <a:t> = TRUE     integration = 'AZ_NOTIFICATION_INT'      as      copy into </a:t>
+            </a:r>
+            <a:r>
+              <a:rPr lang="en-US" sz="750" dirty="0" err="1"/>
+              <a:t>SUPERSTORE_fromsnowpipe</a:t>
+            </a:r>
+            <a:r>
+              <a:rPr lang="en-US" sz="750" dirty="0"/>
+              <a:t>     from @bw_azure_stage_sas;     -- Step -6  select count(*) from </a:t>
+            </a:r>
+            <a:r>
+              <a:rPr lang="en-US" sz="750" dirty="0" err="1"/>
+              <a:t>SUPERSTORE_fromsnowpipe</a:t>
+            </a:r>
+            <a:r>
+              <a:rPr lang="en-US" sz="750" dirty="0"/>
+              <a:t>;</a:t>
+            </a:r>
+          </a:p>
+        </p:txBody>
+      </p:sp>
+    </p:spTree>
+    <p:extLst>
+      <p:ext uri="{BB962C8B-B14F-4D97-AF65-F5344CB8AC3E}">
+        <p14:creationId xmlns:p14="http://schemas.microsoft.com/office/powerpoint/2010/main" val="1447864571"/>
+      </p:ext>
+    </p:extLst>
+  </p:cSld>
+  <p:clrMapOvr>
+    <a:masterClrMapping/>
+  </p:clrMapOvr>
+</p:sld>
+</file>
+
+<file path=ppt/slides/slide58.xml><?xml version="1.0" encoding="utf-8"?>
 <p:sld xmlns:a="http://schemas.openxmlformats.org/drawingml/2006/main" xmlns:r="http://schemas.openxmlformats.org/officeDocument/2006/relationships" xmlns:p="http://schemas.openxmlformats.org/presentationml/2006/main">
   <p:cSld>
     <p:spTree>
@@ -32011,7 +32381,2003 @@
 </p:sld>
 </file>
 
-<file path=ppt/slides/slide57.xml><?xml version="1.0" encoding="utf-8"?>
+<file path=ppt/slides/slide59.xml><?xml version="1.0" encoding="utf-8"?>
+<p:sld xmlns:a="http://schemas.openxmlformats.org/drawingml/2006/main" xmlns:r="http://schemas.openxmlformats.org/officeDocument/2006/relationships" xmlns:p="http://schemas.openxmlformats.org/presentationml/2006/main">
+  <p:cSld>
+    <p:spTree>
+      <p:nvGrpSpPr>
+        <p:cNvPr id="1" name=""/>
+        <p:cNvGrpSpPr/>
+        <p:nvPr/>
+      </p:nvGrpSpPr>
+      <p:grpSpPr>
+        <a:xfrm>
+          <a:off x="0" y="0"/>
+          <a:ext cx="0" cy="0"/>
+          <a:chOff x="0" y="0"/>
+          <a:chExt cx="0" cy="0"/>
+        </a:xfrm>
+      </p:grpSpPr>
+      <p:sp>
+        <p:nvSpPr>
+          <p:cNvPr id="2" name="Title 1">
+            <a:extLst>
+              <a:ext uri="{FF2B5EF4-FFF2-40B4-BE49-F238E27FC236}">
+                <a16:creationId xmlns:a16="http://schemas.microsoft.com/office/drawing/2014/main" id="{1E2A5F71-2CA3-6875-FDB1-C2B92B640760}"/>
+              </a:ext>
+            </a:extLst>
+          </p:cNvPr>
+          <p:cNvSpPr>
+            <a:spLocks noGrp="1"/>
+          </p:cNvSpPr>
+          <p:nvPr>
+            <p:ph type="title"/>
+          </p:nvPr>
+        </p:nvSpPr>
+        <p:spPr/>
+        <p:txBody>
+          <a:bodyPr>
+            <a:normAutofit fontScale="90000"/>
+          </a:bodyPr>
+          <a:lstStyle/>
+          <a:p>
+            <a:r>
+              <a:rPr lang="en-US" dirty="0"/>
+              <a:t>Working with semi structure data</a:t>
+            </a:r>
+          </a:p>
+        </p:txBody>
+      </p:sp>
+      <p:sp>
+        <p:nvSpPr>
+          <p:cNvPr id="3" name="Content Placeholder 2">
+            <a:extLst>
+              <a:ext uri="{FF2B5EF4-FFF2-40B4-BE49-F238E27FC236}">
+                <a16:creationId xmlns:a16="http://schemas.microsoft.com/office/drawing/2014/main" id="{BF477439-9D92-6CBA-58CA-A73C454ED75B}"/>
+              </a:ext>
+            </a:extLst>
+          </p:cNvPr>
+          <p:cNvSpPr>
+            <a:spLocks noGrp="1"/>
+          </p:cNvSpPr>
+          <p:nvPr>
+            <p:ph idx="1"/>
+          </p:nvPr>
+        </p:nvSpPr>
+        <p:spPr>
+          <a:xfrm>
+            <a:off x="581192" y="1194318"/>
+            <a:ext cx="11229807" cy="5523982"/>
+          </a:xfrm>
+        </p:spPr>
+        <p:txBody>
+          <a:bodyPr>
+            <a:normAutofit/>
+          </a:bodyPr>
+          <a:lstStyle/>
+          <a:p>
+            <a:r>
+              <a:rPr lang="en-US" dirty="0"/>
+              <a:t>Semi-structured Data Types:</a:t>
+            </a:r>
+          </a:p>
+          <a:p>
+            <a:r>
+              <a:rPr lang="en-US" dirty="0"/>
+              <a:t>The following Snowflake data types can contain Semi-structure data:</a:t>
+            </a:r>
+          </a:p>
+          <a:p>
+            <a:pPr lvl="1"/>
+            <a:r>
+              <a:rPr lang="en-US" dirty="0"/>
+              <a:t>VARIANT (can contain any other data type). E.g. {“key1” : “value1”, “key2”: “value2”}</a:t>
+            </a:r>
+          </a:p>
+          <a:p>
+            <a:pPr lvl="1"/>
+            <a:r>
+              <a:rPr lang="en-US" dirty="0"/>
+              <a:t>ARRAY (can directly contain VARIANT, and thus indirectly contain any other data type, including itself). E.g. [1,2,3]</a:t>
+            </a:r>
+          </a:p>
+          <a:p>
+            <a:pPr lvl="1"/>
+            <a:r>
+              <a:rPr lang="en-US" dirty="0"/>
+              <a:t>OBJECT (can directly contain VARIANT, and thus indirectly contain any other data type, including itself). E.g. </a:t>
+            </a:r>
+          </a:p>
+          <a:p>
+            <a:pPr marL="0" lvl="1" indent="0">
+              <a:spcBef>
+                <a:spcPts val="0"/>
+              </a:spcBef>
+              <a:spcAft>
+                <a:spcPts val="0"/>
+              </a:spcAft>
+              <a:buNone/>
+            </a:pPr>
+            <a:r>
+              <a:rPr lang="en-US" dirty="0"/>
+              <a:t>		{ </a:t>
+            </a:r>
+          </a:p>
+          <a:p>
+            <a:pPr marL="0" lvl="1" indent="0">
+              <a:spcBef>
+                <a:spcPts val="0"/>
+              </a:spcBef>
+              <a:spcAft>
+                <a:spcPts val="0"/>
+              </a:spcAft>
+              <a:buNone/>
+            </a:pPr>
+            <a:r>
+              <a:rPr lang="en-US" dirty="0"/>
+              <a:t>                        "outer_key1": { </a:t>
+            </a:r>
+          </a:p>
+          <a:p>
+            <a:pPr marL="0" lvl="1" indent="0">
+              <a:spcBef>
+                <a:spcPts val="0"/>
+              </a:spcBef>
+              <a:spcAft>
+                <a:spcPts val="0"/>
+              </a:spcAft>
+              <a:buNone/>
+            </a:pPr>
+            <a:r>
+              <a:rPr lang="en-US" dirty="0"/>
+              <a:t>			"inner_key1A": "1a", </a:t>
+            </a:r>
+          </a:p>
+          <a:p>
+            <a:pPr marL="0" lvl="1" indent="0">
+              <a:spcBef>
+                <a:spcPts val="0"/>
+              </a:spcBef>
+              <a:spcAft>
+                <a:spcPts val="0"/>
+              </a:spcAft>
+              <a:buNone/>
+            </a:pPr>
+            <a:r>
+              <a:rPr lang="en-US" dirty="0"/>
+              <a:t>			"inner_key1B": "1b“</a:t>
+            </a:r>
+          </a:p>
+          <a:p>
+            <a:pPr marL="0" lvl="1" indent="0">
+              <a:spcBef>
+                <a:spcPts val="0"/>
+              </a:spcBef>
+              <a:spcAft>
+                <a:spcPts val="0"/>
+              </a:spcAft>
+              <a:buNone/>
+            </a:pPr>
+            <a:r>
+              <a:rPr lang="en-US" dirty="0"/>
+              <a:t>                              }, </a:t>
+            </a:r>
+          </a:p>
+          <a:p>
+            <a:pPr marL="0" lvl="1" indent="0">
+              <a:spcBef>
+                <a:spcPts val="0"/>
+              </a:spcBef>
+              <a:spcAft>
+                <a:spcPts val="0"/>
+              </a:spcAft>
+              <a:buNone/>
+            </a:pPr>
+            <a:r>
+              <a:rPr lang="en-US" dirty="0"/>
+              <a:t>                        "outer_key2": { </a:t>
+            </a:r>
+          </a:p>
+          <a:p>
+            <a:pPr marL="0" lvl="1" indent="0">
+              <a:spcBef>
+                <a:spcPts val="0"/>
+              </a:spcBef>
+              <a:spcAft>
+                <a:spcPts val="0"/>
+              </a:spcAft>
+              <a:buNone/>
+            </a:pPr>
+            <a:r>
+              <a:rPr lang="en-US" dirty="0"/>
+              <a:t>                                "inner_key2": 2 </a:t>
+            </a:r>
+          </a:p>
+          <a:p>
+            <a:pPr marL="0" lvl="1" indent="0">
+              <a:spcBef>
+                <a:spcPts val="0"/>
+              </a:spcBef>
+              <a:spcAft>
+                <a:spcPts val="0"/>
+              </a:spcAft>
+              <a:buNone/>
+            </a:pPr>
+            <a:r>
+              <a:rPr lang="en-US" dirty="0"/>
+              <a:t>                              } </a:t>
+            </a:r>
+          </a:p>
+          <a:p>
+            <a:pPr marL="0" lvl="1" indent="0">
+              <a:spcBef>
+                <a:spcPts val="0"/>
+              </a:spcBef>
+              <a:spcAft>
+                <a:spcPts val="0"/>
+              </a:spcAft>
+              <a:buNone/>
+            </a:pPr>
+            <a:r>
+              <a:rPr lang="en-US" dirty="0"/>
+              <a:t>                    } </a:t>
+            </a:r>
+          </a:p>
+          <a:p>
+            <a:r>
+              <a:rPr lang="en-US" dirty="0"/>
+              <a:t>Querying Semi-structured Data: </a:t>
+            </a:r>
+          </a:p>
+          <a:p>
+            <a:pPr lvl="1"/>
+            <a:r>
+              <a:rPr lang="en-US" dirty="0"/>
+              <a:t>Snowflake supports operators for:</a:t>
+            </a:r>
+          </a:p>
+          <a:p>
+            <a:pPr lvl="2"/>
+            <a:r>
+              <a:rPr lang="en-US" dirty="0"/>
+              <a:t>Accessing an element in an array.</a:t>
+            </a:r>
+          </a:p>
+          <a:p>
+            <a:pPr lvl="2"/>
+            <a:r>
+              <a:rPr lang="en-US" dirty="0"/>
+              <a:t>Retrieving a specified value from a key-value pair in an OBJECT.</a:t>
+            </a:r>
+          </a:p>
+          <a:p>
+            <a:pPr lvl="2"/>
+            <a:r>
+              <a:rPr lang="en-US" dirty="0"/>
+              <a:t>Traversing the levels of a hierarchy stored in a VARIANT.</a:t>
+            </a:r>
+          </a:p>
+        </p:txBody>
+      </p:sp>
+    </p:spTree>
+    <p:extLst>
+      <p:ext uri="{BB962C8B-B14F-4D97-AF65-F5344CB8AC3E}">
+        <p14:creationId xmlns:p14="http://schemas.microsoft.com/office/powerpoint/2010/main" val="294271503"/>
+      </p:ext>
+    </p:extLst>
+  </p:cSld>
+  <p:clrMapOvr>
+    <a:masterClrMapping/>
+  </p:clrMapOvr>
+</p:sld>
+</file>
+
+<file path=ppt/slides/slide6.xml><?xml version="1.0" encoding="utf-8"?>
+<p:sld xmlns:a="http://schemas.openxmlformats.org/drawingml/2006/main" xmlns:r="http://schemas.openxmlformats.org/officeDocument/2006/relationships" xmlns:p="http://schemas.openxmlformats.org/presentationml/2006/main">
+  <p:cSld>
+    <p:spTree>
+      <p:nvGrpSpPr>
+        <p:cNvPr id="1" name=""/>
+        <p:cNvGrpSpPr/>
+        <p:nvPr/>
+      </p:nvGrpSpPr>
+      <p:grpSpPr>
+        <a:xfrm>
+          <a:off x="0" y="0"/>
+          <a:ext cx="0" cy="0"/>
+          <a:chOff x="0" y="0"/>
+          <a:chExt cx="0" cy="0"/>
+        </a:xfrm>
+      </p:grpSpPr>
+      <p:sp>
+        <p:nvSpPr>
+          <p:cNvPr id="2" name="Title 1">
+            <a:extLst>
+              <a:ext uri="{FF2B5EF4-FFF2-40B4-BE49-F238E27FC236}">
+                <a16:creationId xmlns:a16="http://schemas.microsoft.com/office/drawing/2014/main" id="{525FC945-5FF1-4E1A-989B-CD69C1CB5CF5}"/>
+              </a:ext>
+            </a:extLst>
+          </p:cNvPr>
+          <p:cNvSpPr>
+            <a:spLocks noGrp="1"/>
+          </p:cNvSpPr>
+          <p:nvPr>
+            <p:ph type="title"/>
+          </p:nvPr>
+        </p:nvSpPr>
+        <p:spPr/>
+        <p:txBody>
+          <a:bodyPr>
+            <a:normAutofit fontScale="90000"/>
+          </a:bodyPr>
+          <a:lstStyle/>
+          <a:p>
+            <a:r>
+              <a:rPr lang="en-US" dirty="0"/>
+              <a:t>Snowflake ARCHITECTURE</a:t>
+            </a:r>
+          </a:p>
+        </p:txBody>
+      </p:sp>
+      <p:sp>
+        <p:nvSpPr>
+          <p:cNvPr id="3" name="Content Placeholder 2">
+            <a:extLst>
+              <a:ext uri="{FF2B5EF4-FFF2-40B4-BE49-F238E27FC236}">
+                <a16:creationId xmlns:a16="http://schemas.microsoft.com/office/drawing/2014/main" id="{CA1FDA27-8FE5-F95B-1ED8-2191E5333C91}"/>
+              </a:ext>
+            </a:extLst>
+          </p:cNvPr>
+          <p:cNvSpPr>
+            <a:spLocks noGrp="1"/>
+          </p:cNvSpPr>
+          <p:nvPr>
+            <p:ph idx="1"/>
+          </p:nvPr>
+        </p:nvSpPr>
+        <p:spPr>
+          <a:xfrm>
+            <a:off x="581192" y="1334278"/>
+            <a:ext cx="11029615" cy="5161772"/>
+          </a:xfrm>
+        </p:spPr>
+        <p:txBody>
+          <a:bodyPr>
+            <a:normAutofit lnSpcReduction="10000"/>
+          </a:bodyPr>
+          <a:lstStyle/>
+          <a:p>
+            <a:pPr>
+              <a:lnSpc>
+                <a:spcPct val="120000"/>
+              </a:lnSpc>
+              <a:spcBef>
+                <a:spcPts val="0"/>
+              </a:spcBef>
+              <a:spcAft>
+                <a:spcPts val="0"/>
+              </a:spcAft>
+            </a:pPr>
+            <a:r>
+              <a:rPr lang="en-US" b="1" dirty="0">
+                <a:effectLst/>
+                <a:latin typeface="Inter"/>
+              </a:rPr>
+              <a:t>Database Storage</a:t>
+            </a:r>
+          </a:p>
+          <a:p>
+            <a:pPr lvl="1">
+              <a:lnSpc>
+                <a:spcPct val="120000"/>
+              </a:lnSpc>
+              <a:spcBef>
+                <a:spcPts val="0"/>
+              </a:spcBef>
+              <a:spcAft>
+                <a:spcPts val="0"/>
+              </a:spcAft>
+            </a:pPr>
+            <a:r>
+              <a:rPr lang="en-US" dirty="0">
+                <a:effectLst/>
+              </a:rPr>
+              <a:t>When data is loaded into Snowflake, Snowflake reorganizes that data into its internal optimized, compressed, columnar format. Snowflake stores this optimized data in cloud storage.</a:t>
+            </a:r>
+          </a:p>
+          <a:p>
+            <a:pPr lvl="1">
+              <a:lnSpc>
+                <a:spcPct val="120000"/>
+              </a:lnSpc>
+              <a:spcBef>
+                <a:spcPts val="0"/>
+              </a:spcBef>
+              <a:spcAft>
+                <a:spcPts val="0"/>
+              </a:spcAft>
+            </a:pPr>
+            <a:r>
+              <a:rPr lang="en-US" dirty="0">
+                <a:effectLst/>
+              </a:rPr>
+              <a:t>Snowflake manages all aspects of how this data is stored — the organization, file size, structure, compression, metadata, statistics, and other aspects of data storage are handled by Snowflake. The data objects stored by Snowflake are not directly visible nor accessible by customers; they are only accessible through SQL query operations run using Snowflake.</a:t>
+            </a:r>
+          </a:p>
+          <a:p>
+            <a:pPr>
+              <a:lnSpc>
+                <a:spcPct val="120000"/>
+              </a:lnSpc>
+              <a:spcBef>
+                <a:spcPts val="0"/>
+              </a:spcBef>
+              <a:spcAft>
+                <a:spcPts val="0"/>
+              </a:spcAft>
+            </a:pPr>
+            <a:r>
+              <a:rPr lang="en-US" b="1" dirty="0">
+                <a:effectLst/>
+                <a:latin typeface="Inter"/>
+              </a:rPr>
+              <a:t>Query Processing</a:t>
+            </a:r>
+          </a:p>
+          <a:p>
+            <a:pPr lvl="1">
+              <a:lnSpc>
+                <a:spcPct val="120000"/>
+              </a:lnSpc>
+              <a:spcBef>
+                <a:spcPts val="0"/>
+              </a:spcBef>
+              <a:spcAft>
+                <a:spcPts val="0"/>
+              </a:spcAft>
+            </a:pPr>
+            <a:r>
+              <a:rPr lang="en-US" dirty="0">
+                <a:effectLst/>
+              </a:rPr>
+              <a:t>Query execution is performed in the processing layer. Snowflake processes queries using “virtual warehouses”. Each virtual warehouse is an MPP compute cluster composed of multiple compute nodes allocated by Snowflake from a cloud provider.</a:t>
+            </a:r>
+          </a:p>
+          <a:p>
+            <a:pPr lvl="1">
+              <a:lnSpc>
+                <a:spcPct val="120000"/>
+              </a:lnSpc>
+              <a:spcBef>
+                <a:spcPts val="0"/>
+              </a:spcBef>
+              <a:spcAft>
+                <a:spcPts val="0"/>
+              </a:spcAft>
+            </a:pPr>
+            <a:r>
+              <a:rPr lang="en-US" dirty="0">
+                <a:effectLst/>
+              </a:rPr>
+              <a:t>Each virtual warehouse is an independent compute cluster that does not share compute resources with other virtual warehouses. As a result, each virtual warehouse has no impact on the performance of other virtual warehouses.</a:t>
+            </a:r>
+          </a:p>
+          <a:p>
+            <a:pPr>
+              <a:lnSpc>
+                <a:spcPct val="120000"/>
+              </a:lnSpc>
+              <a:spcBef>
+                <a:spcPts val="0"/>
+              </a:spcBef>
+              <a:spcAft>
+                <a:spcPts val="0"/>
+              </a:spcAft>
+            </a:pPr>
+            <a:r>
+              <a:rPr lang="en-US" b="1" dirty="0">
+                <a:effectLst/>
+                <a:latin typeface="Inter"/>
+              </a:rPr>
+              <a:t>Cloud Services</a:t>
+            </a:r>
+          </a:p>
+          <a:p>
+            <a:pPr lvl="1">
+              <a:lnSpc>
+                <a:spcPct val="120000"/>
+              </a:lnSpc>
+              <a:spcBef>
+                <a:spcPts val="0"/>
+              </a:spcBef>
+              <a:spcAft>
+                <a:spcPts val="0"/>
+              </a:spcAft>
+            </a:pPr>
+            <a:r>
+              <a:rPr lang="en-US" dirty="0">
+                <a:effectLst/>
+              </a:rPr>
+              <a:t>The cloud services layer is a collection of services that coordinate activities across Snowflake. These services tie together all of the different components of Snowflake in order to process user requests, from login to query dispatch. The cloud services layer also runs on compute instances provisioned by Snowflake from the cloud provider.</a:t>
+            </a:r>
+          </a:p>
+          <a:p>
+            <a:pPr lvl="1">
+              <a:lnSpc>
+                <a:spcPct val="120000"/>
+              </a:lnSpc>
+              <a:spcBef>
+                <a:spcPts val="0"/>
+              </a:spcBef>
+              <a:spcAft>
+                <a:spcPts val="0"/>
+              </a:spcAft>
+            </a:pPr>
+            <a:r>
+              <a:rPr lang="en-US" dirty="0">
+                <a:effectLst/>
+              </a:rPr>
+              <a:t>Services managed in this layer include:</a:t>
+            </a:r>
+          </a:p>
+          <a:p>
+            <a:pPr lvl="2">
+              <a:lnSpc>
+                <a:spcPct val="120000"/>
+              </a:lnSpc>
+              <a:spcBef>
+                <a:spcPts val="0"/>
+              </a:spcBef>
+              <a:spcAft>
+                <a:spcPts val="0"/>
+              </a:spcAft>
+              <a:buFont typeface="Arial" panose="020B0604020202020204" pitchFamily="34" charset="0"/>
+              <a:buChar char="•"/>
+            </a:pPr>
+            <a:r>
+              <a:rPr lang="en-US" dirty="0">
+                <a:effectLst/>
+              </a:rPr>
+              <a:t>Authentication</a:t>
+            </a:r>
+          </a:p>
+          <a:p>
+            <a:pPr lvl="2">
+              <a:lnSpc>
+                <a:spcPct val="120000"/>
+              </a:lnSpc>
+              <a:spcBef>
+                <a:spcPts val="0"/>
+              </a:spcBef>
+              <a:spcAft>
+                <a:spcPts val="0"/>
+              </a:spcAft>
+              <a:buFont typeface="Arial" panose="020B0604020202020204" pitchFamily="34" charset="0"/>
+              <a:buChar char="•"/>
+            </a:pPr>
+            <a:r>
+              <a:rPr lang="en-US" dirty="0">
+                <a:effectLst/>
+              </a:rPr>
+              <a:t>Infrastructure management</a:t>
+            </a:r>
+          </a:p>
+          <a:p>
+            <a:pPr lvl="2">
+              <a:lnSpc>
+                <a:spcPct val="120000"/>
+              </a:lnSpc>
+              <a:spcBef>
+                <a:spcPts val="0"/>
+              </a:spcBef>
+              <a:spcAft>
+                <a:spcPts val="0"/>
+              </a:spcAft>
+              <a:buFont typeface="Arial" panose="020B0604020202020204" pitchFamily="34" charset="0"/>
+              <a:buChar char="•"/>
+            </a:pPr>
+            <a:r>
+              <a:rPr lang="en-US" dirty="0">
+                <a:effectLst/>
+              </a:rPr>
+              <a:t>Metadata management</a:t>
+            </a:r>
+          </a:p>
+          <a:p>
+            <a:pPr lvl="2">
+              <a:lnSpc>
+                <a:spcPct val="120000"/>
+              </a:lnSpc>
+              <a:spcBef>
+                <a:spcPts val="0"/>
+              </a:spcBef>
+              <a:spcAft>
+                <a:spcPts val="0"/>
+              </a:spcAft>
+              <a:buFont typeface="Arial" panose="020B0604020202020204" pitchFamily="34" charset="0"/>
+              <a:buChar char="•"/>
+            </a:pPr>
+            <a:r>
+              <a:rPr lang="en-US" dirty="0">
+                <a:effectLst/>
+              </a:rPr>
+              <a:t>Query parsing and optimization</a:t>
+            </a:r>
+          </a:p>
+          <a:p>
+            <a:pPr lvl="2">
+              <a:lnSpc>
+                <a:spcPct val="120000"/>
+              </a:lnSpc>
+              <a:spcBef>
+                <a:spcPts val="0"/>
+              </a:spcBef>
+              <a:spcAft>
+                <a:spcPts val="0"/>
+              </a:spcAft>
+              <a:buFont typeface="Arial" panose="020B0604020202020204" pitchFamily="34" charset="0"/>
+              <a:buChar char="•"/>
+            </a:pPr>
+            <a:r>
+              <a:rPr lang="en-US" dirty="0">
+                <a:effectLst/>
+              </a:rPr>
+              <a:t>Access control</a:t>
+            </a:r>
+          </a:p>
+          <a:p>
+            <a:pPr>
+              <a:lnSpc>
+                <a:spcPct val="120000"/>
+              </a:lnSpc>
+              <a:spcBef>
+                <a:spcPts val="0"/>
+              </a:spcBef>
+              <a:spcAft>
+                <a:spcPts val="0"/>
+              </a:spcAft>
+            </a:pPr>
+            <a:endParaRPr lang="en-US" dirty="0"/>
+          </a:p>
+        </p:txBody>
+      </p:sp>
+    </p:spTree>
+    <p:extLst>
+      <p:ext uri="{BB962C8B-B14F-4D97-AF65-F5344CB8AC3E}">
+        <p14:creationId xmlns:p14="http://schemas.microsoft.com/office/powerpoint/2010/main" val="2520351086"/>
+      </p:ext>
+    </p:extLst>
+  </p:cSld>
+  <p:clrMapOvr>
+    <a:masterClrMapping/>
+  </p:clrMapOvr>
+</p:sld>
+</file>
+
+<file path=ppt/slides/slide60.xml><?xml version="1.0" encoding="utf-8"?>
+<p:sld xmlns:a="http://schemas.openxmlformats.org/drawingml/2006/main" xmlns:r="http://schemas.openxmlformats.org/officeDocument/2006/relationships" xmlns:p="http://schemas.openxmlformats.org/presentationml/2006/main">
+  <p:cSld>
+    <p:spTree>
+      <p:nvGrpSpPr>
+        <p:cNvPr id="1" name=""/>
+        <p:cNvGrpSpPr/>
+        <p:nvPr/>
+      </p:nvGrpSpPr>
+      <p:grpSpPr>
+        <a:xfrm>
+          <a:off x="0" y="0"/>
+          <a:ext cx="0" cy="0"/>
+          <a:chOff x="0" y="0"/>
+          <a:chExt cx="0" cy="0"/>
+        </a:xfrm>
+      </p:grpSpPr>
+      <p:sp>
+        <p:nvSpPr>
+          <p:cNvPr id="2" name="Title 1">
+            <a:extLst>
+              <a:ext uri="{FF2B5EF4-FFF2-40B4-BE49-F238E27FC236}">
+                <a16:creationId xmlns:a16="http://schemas.microsoft.com/office/drawing/2014/main" id="{1E2A5F71-2CA3-6875-FDB1-C2B92B640760}"/>
+              </a:ext>
+            </a:extLst>
+          </p:cNvPr>
+          <p:cNvSpPr>
+            <a:spLocks noGrp="1"/>
+          </p:cNvSpPr>
+          <p:nvPr>
+            <p:ph type="title"/>
+          </p:nvPr>
+        </p:nvSpPr>
+        <p:spPr/>
+        <p:txBody>
+          <a:bodyPr>
+            <a:normAutofit fontScale="90000"/>
+          </a:bodyPr>
+          <a:lstStyle/>
+          <a:p>
+            <a:r>
+              <a:rPr lang="en-US" dirty="0"/>
+              <a:t>Working with semi structure data</a:t>
+            </a:r>
+          </a:p>
+        </p:txBody>
+      </p:sp>
+      <p:sp>
+        <p:nvSpPr>
+          <p:cNvPr id="3" name="Content Placeholder 2">
+            <a:extLst>
+              <a:ext uri="{FF2B5EF4-FFF2-40B4-BE49-F238E27FC236}">
+                <a16:creationId xmlns:a16="http://schemas.microsoft.com/office/drawing/2014/main" id="{BF477439-9D92-6CBA-58CA-A73C454ED75B}"/>
+              </a:ext>
+            </a:extLst>
+          </p:cNvPr>
+          <p:cNvSpPr>
+            <a:spLocks noGrp="1"/>
+          </p:cNvSpPr>
+          <p:nvPr>
+            <p:ph idx="1"/>
+          </p:nvPr>
+        </p:nvSpPr>
+        <p:spPr>
+          <a:xfrm>
+            <a:off x="581192" y="1194318"/>
+            <a:ext cx="11229807" cy="5523982"/>
+          </a:xfrm>
+        </p:spPr>
+        <p:txBody>
+          <a:bodyPr>
+            <a:normAutofit/>
+          </a:bodyPr>
+          <a:lstStyle/>
+          <a:p>
+            <a:r>
+              <a:rPr lang="en-US" dirty="0"/>
+              <a:t>Querying Semi-structured Data: </a:t>
+            </a:r>
+          </a:p>
+          <a:p>
+            <a:pPr lvl="1"/>
+            <a:r>
+              <a:rPr lang="en-US" dirty="0"/>
+              <a:t>Snowflake supports operators for:</a:t>
+            </a:r>
+          </a:p>
+          <a:p>
+            <a:pPr lvl="2"/>
+            <a:r>
+              <a:rPr lang="en-US" dirty="0"/>
+              <a:t>Accessing an element in an array.</a:t>
+            </a:r>
+          </a:p>
+          <a:p>
+            <a:pPr lvl="3"/>
+            <a:r>
+              <a:rPr lang="en-US" dirty="0"/>
+              <a:t>select </a:t>
+            </a:r>
+            <a:r>
+              <a:rPr lang="en-US" dirty="0" err="1"/>
+              <a:t>my_array_column</a:t>
+            </a:r>
+            <a:r>
+              <a:rPr lang="en-US" dirty="0"/>
+              <a:t>[2] from </a:t>
+            </a:r>
+            <a:r>
+              <a:rPr lang="en-US" dirty="0" err="1"/>
+              <a:t>my_table</a:t>
+            </a:r>
+            <a:r>
+              <a:rPr lang="en-US" dirty="0"/>
+              <a:t>;</a:t>
+            </a:r>
+          </a:p>
+          <a:p>
+            <a:pPr lvl="3"/>
+            <a:r>
+              <a:rPr lang="en-US" dirty="0"/>
+              <a:t>select </a:t>
+            </a:r>
+            <a:r>
+              <a:rPr lang="en-US" dirty="0" err="1"/>
+              <a:t>my_array_column</a:t>
+            </a:r>
+            <a:r>
+              <a:rPr lang="en-US" dirty="0"/>
+              <a:t>[0][0] from </a:t>
+            </a:r>
+            <a:r>
+              <a:rPr lang="en-US" dirty="0" err="1"/>
+              <a:t>my_table</a:t>
+            </a:r>
+            <a:r>
+              <a:rPr lang="en-US" dirty="0"/>
+              <a:t>;</a:t>
+            </a:r>
+          </a:p>
+          <a:p>
+            <a:pPr lvl="3"/>
+            <a:r>
+              <a:rPr lang="en-US" dirty="0"/>
+              <a:t>select </a:t>
+            </a:r>
+            <a:r>
+              <a:rPr lang="en-US" dirty="0" err="1"/>
+              <a:t>array_slice</a:t>
+            </a:r>
+            <a:r>
+              <a:rPr lang="en-US" dirty="0"/>
+              <a:t>(</a:t>
+            </a:r>
+            <a:r>
+              <a:rPr lang="en-US" dirty="0" err="1"/>
+              <a:t>my_array_column</a:t>
+            </a:r>
+            <a:r>
+              <a:rPr lang="en-US" dirty="0"/>
+              <a:t>, 5, 10) from </a:t>
+            </a:r>
+            <a:r>
+              <a:rPr lang="en-US" dirty="0" err="1"/>
+              <a:t>my_table</a:t>
+            </a:r>
+            <a:r>
+              <a:rPr lang="en-US" dirty="0"/>
+              <a:t>;</a:t>
+            </a:r>
+          </a:p>
+          <a:p>
+            <a:pPr lvl="3"/>
+            <a:r>
+              <a:rPr lang="en-US" dirty="0"/>
+              <a:t>Inserting data in </a:t>
+            </a:r>
+            <a:r>
+              <a:rPr lang="en-US" dirty="0" err="1"/>
+              <a:t>arrary</a:t>
+            </a:r>
+            <a:r>
+              <a:rPr lang="en-US" dirty="0"/>
+              <a:t> datatype</a:t>
+            </a:r>
+          </a:p>
+          <a:p>
+            <a:pPr lvl="4"/>
+            <a:r>
+              <a:rPr lang="en-US" dirty="0"/>
+              <a:t>INSERT INTO </a:t>
+            </a:r>
+            <a:r>
+              <a:rPr lang="en-US" dirty="0" err="1"/>
+              <a:t>array_example</a:t>
+            </a:r>
+            <a:r>
+              <a:rPr lang="en-US" dirty="0"/>
+              <a:t> (</a:t>
+            </a:r>
+            <a:r>
+              <a:rPr lang="en-US" dirty="0" err="1"/>
+              <a:t>array_column</a:t>
+            </a:r>
+            <a:r>
+              <a:rPr lang="en-US" dirty="0"/>
+              <a:t>)</a:t>
+            </a:r>
+          </a:p>
+          <a:p>
+            <a:pPr lvl="4"/>
+            <a:r>
+              <a:rPr lang="en-US" dirty="0"/>
+              <a:t>    SELECT ARRAY_CONSTRUCT(12, 'twelve', NULL);</a:t>
+            </a:r>
+          </a:p>
+          <a:p>
+            <a:pPr lvl="2"/>
+            <a:r>
+              <a:rPr lang="en-US" dirty="0"/>
+              <a:t>Retrieving a specified value from a key-value pair in an OBJECT.</a:t>
+            </a:r>
+          </a:p>
+          <a:p>
+            <a:pPr lvl="3"/>
+            <a:r>
+              <a:rPr lang="en-US" dirty="0"/>
+              <a:t>select </a:t>
+            </a:r>
+            <a:r>
+              <a:rPr lang="en-US" dirty="0" err="1"/>
+              <a:t>my_variant_column</a:t>
+            </a:r>
+            <a:r>
+              <a:rPr lang="en-US" dirty="0"/>
+              <a:t>['key1'] from </a:t>
+            </a:r>
+            <a:r>
+              <a:rPr lang="en-US" dirty="0" err="1"/>
+              <a:t>my_table</a:t>
+            </a:r>
+            <a:r>
+              <a:rPr lang="en-US" dirty="0"/>
+              <a:t>;</a:t>
+            </a:r>
+          </a:p>
+          <a:p>
+            <a:pPr lvl="3"/>
+            <a:r>
+              <a:rPr lang="en-US" dirty="0"/>
+              <a:t>Inserting data to object</a:t>
+            </a:r>
+          </a:p>
+          <a:p>
+            <a:pPr lvl="4"/>
+            <a:r>
+              <a:rPr lang="en-US" dirty="0"/>
+              <a:t>INSERT INTO </a:t>
+            </a:r>
+            <a:r>
+              <a:rPr lang="en-US" dirty="0" err="1"/>
+              <a:t>object_example</a:t>
+            </a:r>
+            <a:r>
+              <a:rPr lang="en-US" dirty="0"/>
+              <a:t> (</a:t>
+            </a:r>
+            <a:r>
+              <a:rPr lang="en-US" dirty="0" err="1"/>
+              <a:t>object_column</a:t>
+            </a:r>
+            <a:r>
+              <a:rPr lang="en-US" dirty="0"/>
+              <a:t>)</a:t>
+            </a:r>
+          </a:p>
+          <a:p>
+            <a:pPr lvl="4"/>
+            <a:r>
+              <a:rPr lang="en-US" dirty="0"/>
+              <a:t>    SELECT OBJECT_CONSTRUCT('thirteen', 13::VARIANT, 'zero', 0::VARIANT);</a:t>
+            </a:r>
+          </a:p>
+          <a:p>
+            <a:pPr lvl="2"/>
+            <a:r>
+              <a:rPr lang="en-US" dirty="0"/>
+              <a:t>Traversing the levels of a hierarchy stored in a VARIANT.</a:t>
+            </a:r>
+          </a:p>
+        </p:txBody>
+      </p:sp>
+    </p:spTree>
+    <p:extLst>
+      <p:ext uri="{BB962C8B-B14F-4D97-AF65-F5344CB8AC3E}">
+        <p14:creationId xmlns:p14="http://schemas.microsoft.com/office/powerpoint/2010/main" val="2548344361"/>
+      </p:ext>
+    </p:extLst>
+  </p:cSld>
+  <p:clrMapOvr>
+    <a:masterClrMapping/>
+  </p:clrMapOvr>
+</p:sld>
+</file>
+
+<file path=ppt/slides/slide61.xml><?xml version="1.0" encoding="utf-8"?>
+<p:sld xmlns:a="http://schemas.openxmlformats.org/drawingml/2006/main" xmlns:r="http://schemas.openxmlformats.org/officeDocument/2006/relationships" xmlns:p="http://schemas.openxmlformats.org/presentationml/2006/main">
+  <p:cSld>
+    <p:spTree>
+      <p:nvGrpSpPr>
+        <p:cNvPr id="1" name=""/>
+        <p:cNvGrpSpPr/>
+        <p:nvPr/>
+      </p:nvGrpSpPr>
+      <p:grpSpPr>
+        <a:xfrm>
+          <a:off x="0" y="0"/>
+          <a:ext cx="0" cy="0"/>
+          <a:chOff x="0" y="0"/>
+          <a:chExt cx="0" cy="0"/>
+        </a:xfrm>
+      </p:grpSpPr>
+      <p:sp>
+        <p:nvSpPr>
+          <p:cNvPr id="2" name="Title 1">
+            <a:extLst>
+              <a:ext uri="{FF2B5EF4-FFF2-40B4-BE49-F238E27FC236}">
+                <a16:creationId xmlns:a16="http://schemas.microsoft.com/office/drawing/2014/main" id="{1E2A5F71-2CA3-6875-FDB1-C2B92B640760}"/>
+              </a:ext>
+            </a:extLst>
+          </p:cNvPr>
+          <p:cNvSpPr>
+            <a:spLocks noGrp="1"/>
+          </p:cNvSpPr>
+          <p:nvPr>
+            <p:ph type="title"/>
+          </p:nvPr>
+        </p:nvSpPr>
+        <p:spPr/>
+        <p:txBody>
+          <a:bodyPr>
+            <a:normAutofit fontScale="90000"/>
+          </a:bodyPr>
+          <a:lstStyle/>
+          <a:p>
+            <a:r>
+              <a:rPr lang="en-US" dirty="0"/>
+              <a:t>Working with semi structure data</a:t>
+            </a:r>
+          </a:p>
+        </p:txBody>
+      </p:sp>
+      <p:sp>
+        <p:nvSpPr>
+          <p:cNvPr id="3" name="Content Placeholder 2">
+            <a:extLst>
+              <a:ext uri="{FF2B5EF4-FFF2-40B4-BE49-F238E27FC236}">
+                <a16:creationId xmlns:a16="http://schemas.microsoft.com/office/drawing/2014/main" id="{BF477439-9D92-6CBA-58CA-A73C454ED75B}"/>
+              </a:ext>
+            </a:extLst>
+          </p:cNvPr>
+          <p:cNvSpPr>
+            <a:spLocks noGrp="1"/>
+          </p:cNvSpPr>
+          <p:nvPr>
+            <p:ph idx="1"/>
+          </p:nvPr>
+        </p:nvSpPr>
+        <p:spPr>
+          <a:xfrm>
+            <a:off x="581192" y="1194318"/>
+            <a:ext cx="11229807" cy="5523982"/>
+          </a:xfrm>
+        </p:spPr>
+        <p:txBody>
+          <a:bodyPr>
+            <a:normAutofit/>
+          </a:bodyPr>
+          <a:lstStyle/>
+          <a:p>
+            <a:r>
+              <a:rPr lang="en-US" dirty="0"/>
+              <a:t>Querying Semi-structured Data: </a:t>
+            </a:r>
+          </a:p>
+          <a:p>
+            <a:pPr lvl="1"/>
+            <a:r>
+              <a:rPr lang="en-US" dirty="0"/>
+              <a:t>Snowflake supports operators for:</a:t>
+            </a:r>
+          </a:p>
+          <a:p>
+            <a:pPr lvl="2"/>
+            <a:r>
+              <a:rPr lang="en-US" dirty="0"/>
+              <a:t>Traversing the levels of a hierarchy stored in a VARIANT.</a:t>
+            </a:r>
+          </a:p>
+          <a:p>
+            <a:pPr lvl="3"/>
+            <a:r>
+              <a:rPr lang="en-US" dirty="0"/>
+              <a:t>Using : (colon)</a:t>
+            </a:r>
+          </a:p>
+          <a:p>
+            <a:pPr lvl="3"/>
+            <a:r>
+              <a:rPr lang="en-US" dirty="0"/>
+              <a:t>Using Dot Notation</a:t>
+            </a:r>
+          </a:p>
+          <a:p>
+            <a:pPr lvl="3"/>
+            <a:r>
+              <a:rPr lang="en-US" dirty="0"/>
+              <a:t>Using Bracket notation</a:t>
+            </a:r>
+          </a:p>
+          <a:p>
+            <a:pPr lvl="3"/>
+            <a:r>
+              <a:rPr lang="en-US" dirty="0"/>
+              <a:t>Retrieving single instance of repeating element</a:t>
+            </a:r>
+          </a:p>
+          <a:p>
+            <a:pPr lvl="3"/>
+            <a:r>
+              <a:rPr lang="en-US" dirty="0"/>
+              <a:t>Explicitly casting values</a:t>
+            </a:r>
+          </a:p>
+          <a:p>
+            <a:pPr lvl="3"/>
+            <a:r>
+              <a:rPr lang="en-US" dirty="0"/>
+              <a:t>Using FLATTEN function</a:t>
+            </a:r>
+          </a:p>
+          <a:p>
+            <a:pPr lvl="2"/>
+            <a:r>
+              <a:rPr lang="en-US" dirty="0"/>
+              <a:t>Data </a:t>
+            </a:r>
+            <a:r>
+              <a:rPr lang="en-US"/>
+              <a:t>inserted using PARSE_JSON</a:t>
+            </a:r>
+            <a:endParaRPr lang="en-US" dirty="0"/>
+          </a:p>
+        </p:txBody>
+      </p:sp>
+    </p:spTree>
+    <p:extLst>
+      <p:ext uri="{BB962C8B-B14F-4D97-AF65-F5344CB8AC3E}">
+        <p14:creationId xmlns:p14="http://schemas.microsoft.com/office/powerpoint/2010/main" val="2639632027"/>
+      </p:ext>
+    </p:extLst>
+  </p:cSld>
+  <p:clrMapOvr>
+    <a:masterClrMapping/>
+  </p:clrMapOvr>
+</p:sld>
+</file>
+
+<file path=ppt/slides/slide62.xml><?xml version="1.0" encoding="utf-8"?>
+<p:sld xmlns:a="http://schemas.openxmlformats.org/drawingml/2006/main" xmlns:r="http://schemas.openxmlformats.org/officeDocument/2006/relationships" xmlns:p="http://schemas.openxmlformats.org/presentationml/2006/main">
+  <p:cSld>
+    <p:spTree>
+      <p:nvGrpSpPr>
+        <p:cNvPr id="1" name=""/>
+        <p:cNvGrpSpPr/>
+        <p:nvPr/>
+      </p:nvGrpSpPr>
+      <p:grpSpPr>
+        <a:xfrm>
+          <a:off x="0" y="0"/>
+          <a:ext cx="0" cy="0"/>
+          <a:chOff x="0" y="0"/>
+          <a:chExt cx="0" cy="0"/>
+        </a:xfrm>
+      </p:grpSpPr>
+      <p:sp>
+        <p:nvSpPr>
+          <p:cNvPr id="2" name="Title 1">
+            <a:extLst>
+              <a:ext uri="{FF2B5EF4-FFF2-40B4-BE49-F238E27FC236}">
+                <a16:creationId xmlns:a16="http://schemas.microsoft.com/office/drawing/2014/main" id="{1C21E816-31F5-48BB-BD02-D15F2F18B48A}"/>
+              </a:ext>
+            </a:extLst>
+          </p:cNvPr>
+          <p:cNvSpPr>
+            <a:spLocks noGrp="1"/>
+          </p:cNvSpPr>
+          <p:nvPr>
+            <p:ph type="ctrTitle"/>
+          </p:nvPr>
+        </p:nvSpPr>
+        <p:spPr>
+          <a:xfrm>
+            <a:off x="581191" y="1020431"/>
+            <a:ext cx="10993549" cy="1475013"/>
+          </a:xfrm>
+        </p:spPr>
+        <p:txBody>
+          <a:bodyPr>
+            <a:normAutofit/>
+          </a:bodyPr>
+          <a:lstStyle/>
+          <a:p>
+            <a:r>
+              <a:rPr lang="en-US" dirty="0"/>
+              <a:t>Snowflake data sharing and collaboration</a:t>
+            </a:r>
+          </a:p>
+        </p:txBody>
+      </p:sp>
+      <p:pic>
+        <p:nvPicPr>
+          <p:cNvPr id="6" name="Picture 5" descr="abstract image">
+            <a:extLst>
+              <a:ext uri="{FF2B5EF4-FFF2-40B4-BE49-F238E27FC236}">
+                <a16:creationId xmlns:a16="http://schemas.microsoft.com/office/drawing/2014/main" id="{F1A8C364-94D4-4630-BAD0-78722F347055}"/>
+              </a:ext>
+            </a:extLst>
+          </p:cNvPr>
+          <p:cNvPicPr>
+            <a:picLocks noChangeAspect="1"/>
+          </p:cNvPicPr>
+          <p:nvPr/>
+        </p:nvPicPr>
+        <p:blipFill rotWithShape="1">
+          <a:blip r:embed="rId2">
+            <a:extLst>
+              <a:ext uri="{28A0092B-C50C-407E-A947-70E740481C1C}">
+                <a14:useLocalDpi xmlns:a14="http://schemas.microsoft.com/office/drawing/2010/main" val="0"/>
+              </a:ext>
+            </a:extLst>
+          </a:blip>
+          <a:srcRect/>
+          <a:stretch/>
+        </p:blipFill>
+        <p:spPr>
+          <a:xfrm>
+            <a:off x="448733" y="3081867"/>
+            <a:ext cx="11260667" cy="3310466"/>
+          </a:xfrm>
+          <a:prstGeom prst="rect">
+            <a:avLst/>
+          </a:prstGeom>
+        </p:spPr>
+      </p:pic>
+    </p:spTree>
+    <p:extLst>
+      <p:ext uri="{BB962C8B-B14F-4D97-AF65-F5344CB8AC3E}">
+        <p14:creationId xmlns:p14="http://schemas.microsoft.com/office/powerpoint/2010/main" val="1191171724"/>
+      </p:ext>
+    </p:extLst>
+  </p:cSld>
+  <p:clrMapOvr>
+    <a:masterClrMapping/>
+  </p:clrMapOvr>
+</p:sld>
+</file>
+
+<file path=ppt/slides/slide63.xml><?xml version="1.0" encoding="utf-8"?>
+<p:sld xmlns:a="http://schemas.openxmlformats.org/drawingml/2006/main" xmlns:r="http://schemas.openxmlformats.org/officeDocument/2006/relationships" xmlns:p="http://schemas.openxmlformats.org/presentationml/2006/main">
+  <p:cSld>
+    <p:spTree>
+      <p:nvGrpSpPr>
+        <p:cNvPr id="1" name=""/>
+        <p:cNvGrpSpPr/>
+        <p:nvPr/>
+      </p:nvGrpSpPr>
+      <p:grpSpPr>
+        <a:xfrm>
+          <a:off x="0" y="0"/>
+          <a:ext cx="0" cy="0"/>
+          <a:chOff x="0" y="0"/>
+          <a:chExt cx="0" cy="0"/>
+        </a:xfrm>
+      </p:grpSpPr>
+      <p:sp>
+        <p:nvSpPr>
+          <p:cNvPr id="2" name="Title 1">
+            <a:extLst>
+              <a:ext uri="{FF2B5EF4-FFF2-40B4-BE49-F238E27FC236}">
+                <a16:creationId xmlns:a16="http://schemas.microsoft.com/office/drawing/2014/main" id="{1E2A5F71-2CA3-6875-FDB1-C2B92B640760}"/>
+              </a:ext>
+            </a:extLst>
+          </p:cNvPr>
+          <p:cNvSpPr>
+            <a:spLocks noGrp="1"/>
+          </p:cNvSpPr>
+          <p:nvPr>
+            <p:ph type="title"/>
+          </p:nvPr>
+        </p:nvSpPr>
+        <p:spPr/>
+        <p:txBody>
+          <a:bodyPr>
+            <a:normAutofit fontScale="90000"/>
+          </a:bodyPr>
+          <a:lstStyle/>
+          <a:p>
+            <a:r>
+              <a:rPr lang="en-US" dirty="0"/>
+              <a:t>data sharing and collaboration</a:t>
+            </a:r>
+          </a:p>
+        </p:txBody>
+      </p:sp>
+      <p:sp>
+        <p:nvSpPr>
+          <p:cNvPr id="3" name="Content Placeholder 2">
+            <a:extLst>
+              <a:ext uri="{FF2B5EF4-FFF2-40B4-BE49-F238E27FC236}">
+                <a16:creationId xmlns:a16="http://schemas.microsoft.com/office/drawing/2014/main" id="{BF477439-9D92-6CBA-58CA-A73C454ED75B}"/>
+              </a:ext>
+            </a:extLst>
+          </p:cNvPr>
+          <p:cNvSpPr>
+            <a:spLocks noGrp="1"/>
+          </p:cNvSpPr>
+          <p:nvPr>
+            <p:ph idx="1"/>
+          </p:nvPr>
+        </p:nvSpPr>
+        <p:spPr>
+          <a:xfrm>
+            <a:off x="581192" y="1194318"/>
+            <a:ext cx="11229807" cy="5523982"/>
+          </a:xfrm>
+        </p:spPr>
+        <p:txBody>
+          <a:bodyPr>
+            <a:normAutofit/>
+          </a:bodyPr>
+          <a:lstStyle/>
+          <a:p>
+            <a:pPr marL="0" algn="l">
+              <a:lnSpc>
+                <a:spcPct val="100000"/>
+              </a:lnSpc>
+              <a:spcBef>
+                <a:spcPts val="0"/>
+              </a:spcBef>
+              <a:spcAft>
+                <a:spcPts val="0"/>
+              </a:spcAft>
+            </a:pPr>
+            <a:r>
+              <a:rPr lang="en-US" b="0" i="0" dirty="0">
+                <a:solidFill>
+                  <a:srgbClr val="2C2F34"/>
+                </a:solidFill>
+                <a:effectLst/>
+                <a:highlight>
+                  <a:srgbClr val="FFFFFF"/>
+                </a:highlight>
+                <a:latin typeface="Inter"/>
+              </a:rPr>
+              <a:t>Secure Data Sharing lets you share selected objects in a database in your account with other Snowflake accounts. You can share the following Snowflake objects:</a:t>
+            </a:r>
+          </a:p>
+          <a:p>
+            <a:pPr marL="594000" lvl="2">
+              <a:spcBef>
+                <a:spcPts val="0"/>
+              </a:spcBef>
+              <a:spcAft>
+                <a:spcPts val="0"/>
+              </a:spcAft>
+              <a:buFont typeface="Arial" panose="020B0604020202020204" pitchFamily="34" charset="0"/>
+              <a:buChar char="•"/>
+            </a:pPr>
+            <a:r>
+              <a:rPr lang="en-US" b="0" i="0" dirty="0">
+                <a:solidFill>
+                  <a:srgbClr val="2C2F34"/>
+                </a:solidFill>
+                <a:effectLst/>
+                <a:highlight>
+                  <a:srgbClr val="FFFFFF"/>
+                </a:highlight>
+                <a:latin typeface="Inter"/>
+              </a:rPr>
+              <a:t>Databases</a:t>
+            </a:r>
+          </a:p>
+          <a:p>
+            <a:pPr marL="594000" lvl="2">
+              <a:spcBef>
+                <a:spcPts val="0"/>
+              </a:spcBef>
+              <a:spcAft>
+                <a:spcPts val="0"/>
+              </a:spcAft>
+              <a:buFont typeface="Arial" panose="020B0604020202020204" pitchFamily="34" charset="0"/>
+              <a:buChar char="•"/>
+            </a:pPr>
+            <a:r>
+              <a:rPr lang="en-US" b="0" i="0" dirty="0">
+                <a:solidFill>
+                  <a:srgbClr val="2C2F34"/>
+                </a:solidFill>
+                <a:effectLst/>
+                <a:highlight>
+                  <a:srgbClr val="FFFFFF"/>
+                </a:highlight>
+                <a:latin typeface="Inter"/>
+              </a:rPr>
+              <a:t>Tables</a:t>
+            </a:r>
+          </a:p>
+          <a:p>
+            <a:pPr marL="594000" lvl="2">
+              <a:spcBef>
+                <a:spcPts val="0"/>
+              </a:spcBef>
+              <a:spcAft>
+                <a:spcPts val="0"/>
+              </a:spcAft>
+              <a:buFont typeface="Arial" panose="020B0604020202020204" pitchFamily="34" charset="0"/>
+              <a:buChar char="•"/>
+            </a:pPr>
+            <a:r>
+              <a:rPr lang="en-US" b="0" i="0" dirty="0">
+                <a:solidFill>
+                  <a:srgbClr val="2C2F34"/>
+                </a:solidFill>
+                <a:effectLst/>
+                <a:highlight>
+                  <a:srgbClr val="FFFFFF"/>
+                </a:highlight>
+                <a:latin typeface="Inter"/>
+              </a:rPr>
+              <a:t>Dynamic tables</a:t>
+            </a:r>
+          </a:p>
+          <a:p>
+            <a:pPr marL="594000" lvl="2">
+              <a:spcBef>
+                <a:spcPts val="0"/>
+              </a:spcBef>
+              <a:spcAft>
+                <a:spcPts val="0"/>
+              </a:spcAft>
+              <a:buFont typeface="Arial" panose="020B0604020202020204" pitchFamily="34" charset="0"/>
+              <a:buChar char="•"/>
+            </a:pPr>
+            <a:r>
+              <a:rPr lang="en-US" b="0" i="0" dirty="0">
+                <a:solidFill>
+                  <a:srgbClr val="2C2F34"/>
+                </a:solidFill>
+                <a:effectLst/>
+                <a:highlight>
+                  <a:srgbClr val="FFFFFF"/>
+                </a:highlight>
+                <a:latin typeface="Inter"/>
+              </a:rPr>
+              <a:t>External tables</a:t>
+            </a:r>
+          </a:p>
+          <a:p>
+            <a:pPr marL="594000" lvl="2">
+              <a:spcBef>
+                <a:spcPts val="0"/>
+              </a:spcBef>
+              <a:spcAft>
+                <a:spcPts val="0"/>
+              </a:spcAft>
+              <a:buFont typeface="Arial" panose="020B0604020202020204" pitchFamily="34" charset="0"/>
+              <a:buChar char="•"/>
+            </a:pPr>
+            <a:r>
+              <a:rPr lang="en-US" b="0" i="0" dirty="0">
+                <a:solidFill>
+                  <a:srgbClr val="2C2F34"/>
+                </a:solidFill>
+                <a:effectLst/>
+                <a:highlight>
+                  <a:srgbClr val="FFFFFF"/>
+                </a:highlight>
+                <a:latin typeface="Inter"/>
+              </a:rPr>
+              <a:t>Iceberg tables</a:t>
+            </a:r>
+          </a:p>
+          <a:p>
+            <a:pPr marL="594000" lvl="2">
+              <a:spcBef>
+                <a:spcPts val="0"/>
+              </a:spcBef>
+              <a:spcAft>
+                <a:spcPts val="0"/>
+              </a:spcAft>
+              <a:buFont typeface="Arial" panose="020B0604020202020204" pitchFamily="34" charset="0"/>
+              <a:buChar char="•"/>
+            </a:pPr>
+            <a:r>
+              <a:rPr lang="en-US" b="0" i="0" dirty="0">
+                <a:solidFill>
+                  <a:srgbClr val="2C2F34"/>
+                </a:solidFill>
+                <a:effectLst/>
+                <a:highlight>
+                  <a:srgbClr val="FFFFFF"/>
+                </a:highlight>
+                <a:latin typeface="Inter"/>
+              </a:rPr>
+              <a:t>Secure views</a:t>
+            </a:r>
+          </a:p>
+          <a:p>
+            <a:pPr marL="594000" lvl="2">
+              <a:spcBef>
+                <a:spcPts val="0"/>
+              </a:spcBef>
+              <a:spcAft>
+                <a:spcPts val="0"/>
+              </a:spcAft>
+              <a:buFont typeface="Arial" panose="020B0604020202020204" pitchFamily="34" charset="0"/>
+              <a:buChar char="•"/>
+            </a:pPr>
+            <a:r>
+              <a:rPr lang="en-US" b="0" i="0" dirty="0">
+                <a:solidFill>
+                  <a:srgbClr val="2C2F34"/>
+                </a:solidFill>
+                <a:effectLst/>
+                <a:highlight>
+                  <a:srgbClr val="FFFFFF"/>
+                </a:highlight>
+                <a:latin typeface="Inter"/>
+              </a:rPr>
+              <a:t>Secure materialized views</a:t>
+            </a:r>
+          </a:p>
+          <a:p>
+            <a:pPr marL="594000" lvl="2">
+              <a:spcBef>
+                <a:spcPts val="0"/>
+              </a:spcBef>
+              <a:spcAft>
+                <a:spcPts val="0"/>
+              </a:spcAft>
+              <a:buFont typeface="Arial" panose="020B0604020202020204" pitchFamily="34" charset="0"/>
+              <a:buChar char="•"/>
+            </a:pPr>
+            <a:r>
+              <a:rPr lang="en-US" b="0" i="0" dirty="0">
+                <a:solidFill>
+                  <a:srgbClr val="2C2F34"/>
+                </a:solidFill>
+                <a:effectLst/>
+                <a:highlight>
+                  <a:srgbClr val="FFFFFF"/>
+                </a:highlight>
+                <a:latin typeface="Inter"/>
+              </a:rPr>
+              <a:t>Secure user-defined functions (UDFs)</a:t>
+            </a:r>
+          </a:p>
+          <a:p>
+            <a:pPr algn="l"/>
+            <a:r>
+              <a:rPr lang="en-US" b="1" i="0" dirty="0">
+                <a:solidFill>
+                  <a:srgbClr val="2C2F34"/>
+                </a:solidFill>
+                <a:effectLst/>
+                <a:latin typeface="Inter"/>
+              </a:rPr>
+              <a:t>Important: </a:t>
+            </a:r>
+            <a:r>
+              <a:rPr lang="en-US" b="0" i="0" dirty="0">
+                <a:solidFill>
+                  <a:srgbClr val="2C2F34"/>
+                </a:solidFill>
+                <a:effectLst/>
+                <a:latin typeface="Inter"/>
+              </a:rPr>
+              <a:t>All database objects shared between accounts are </a:t>
+            </a:r>
+            <a:r>
+              <a:rPr lang="en-US" b="1" i="1" dirty="0">
+                <a:solidFill>
+                  <a:srgbClr val="2C2F34"/>
+                </a:solidFill>
+                <a:effectLst/>
+                <a:latin typeface="Inter"/>
+              </a:rPr>
+              <a:t>read-only</a:t>
+            </a:r>
+            <a:r>
+              <a:rPr lang="en-US" b="0" i="0" dirty="0">
+                <a:solidFill>
+                  <a:srgbClr val="2C2F34"/>
+                </a:solidFill>
+                <a:effectLst/>
+                <a:latin typeface="Inter"/>
+              </a:rPr>
+              <a:t> (i.e. the objects cannot be modified or deleted, including adding or modifying table data).</a:t>
+            </a:r>
+          </a:p>
+          <a:p>
+            <a:endParaRPr lang="en-US" dirty="0"/>
+          </a:p>
+        </p:txBody>
+      </p:sp>
+    </p:spTree>
+    <p:extLst>
+      <p:ext uri="{BB962C8B-B14F-4D97-AF65-F5344CB8AC3E}">
+        <p14:creationId xmlns:p14="http://schemas.microsoft.com/office/powerpoint/2010/main" val="1958005562"/>
+      </p:ext>
+    </p:extLst>
+  </p:cSld>
+  <p:clrMapOvr>
+    <a:masterClrMapping/>
+  </p:clrMapOvr>
+</p:sld>
+</file>
+
+<file path=ppt/slides/slide64.xml><?xml version="1.0" encoding="utf-8"?>
+<p:sld xmlns:a="http://schemas.openxmlformats.org/drawingml/2006/main" xmlns:r="http://schemas.openxmlformats.org/officeDocument/2006/relationships" xmlns:p="http://schemas.openxmlformats.org/presentationml/2006/main">
+  <p:cSld>
+    <p:spTree>
+      <p:nvGrpSpPr>
+        <p:cNvPr id="1" name=""/>
+        <p:cNvGrpSpPr/>
+        <p:nvPr/>
+      </p:nvGrpSpPr>
+      <p:grpSpPr>
+        <a:xfrm>
+          <a:off x="0" y="0"/>
+          <a:ext cx="0" cy="0"/>
+          <a:chOff x="0" y="0"/>
+          <a:chExt cx="0" cy="0"/>
+        </a:xfrm>
+      </p:grpSpPr>
+      <p:sp>
+        <p:nvSpPr>
+          <p:cNvPr id="2" name="Title 1">
+            <a:extLst>
+              <a:ext uri="{FF2B5EF4-FFF2-40B4-BE49-F238E27FC236}">
+                <a16:creationId xmlns:a16="http://schemas.microsoft.com/office/drawing/2014/main" id="{1E2A5F71-2CA3-6875-FDB1-C2B92B640760}"/>
+              </a:ext>
+            </a:extLst>
+          </p:cNvPr>
+          <p:cNvSpPr>
+            <a:spLocks noGrp="1"/>
+          </p:cNvSpPr>
+          <p:nvPr>
+            <p:ph type="title"/>
+          </p:nvPr>
+        </p:nvSpPr>
+        <p:spPr/>
+        <p:txBody>
+          <a:bodyPr>
+            <a:normAutofit fontScale="90000"/>
+          </a:bodyPr>
+          <a:lstStyle/>
+          <a:p>
+            <a:r>
+              <a:rPr lang="en-US" dirty="0"/>
+              <a:t>data sharing and collaboration</a:t>
+            </a:r>
+          </a:p>
+        </p:txBody>
+      </p:sp>
+      <p:pic>
+        <p:nvPicPr>
+          <p:cNvPr id="1026" name="Picture 2" descr="Overview of provider accounts sharing data with consumer accounts">
+            <a:extLst>
+              <a:ext uri="{FF2B5EF4-FFF2-40B4-BE49-F238E27FC236}">
+                <a16:creationId xmlns:a16="http://schemas.microsoft.com/office/drawing/2014/main" id="{63241326-0050-E19B-70F8-187455D78B31}"/>
+              </a:ext>
+            </a:extLst>
+          </p:cNvPr>
+          <p:cNvPicPr>
+            <a:picLocks noChangeAspect="1" noChangeArrowheads="1"/>
+          </p:cNvPicPr>
+          <p:nvPr/>
+        </p:nvPicPr>
+        <p:blipFill>
+          <a:blip r:embed="rId2">
+            <a:extLst>
+              <a:ext uri="{28A0092B-C50C-407E-A947-70E740481C1C}">
+                <a14:useLocalDpi xmlns:a14="http://schemas.microsoft.com/office/drawing/2010/main" val="0"/>
+              </a:ext>
+            </a:extLst>
+          </a:blip>
+          <a:srcRect/>
+          <a:stretch>
+            <a:fillRect/>
+          </a:stretch>
+        </p:blipFill>
+        <p:spPr bwMode="auto">
+          <a:xfrm>
+            <a:off x="0" y="1194318"/>
+            <a:ext cx="12192000" cy="4929187"/>
+          </a:xfrm>
+          <a:prstGeom prst="rect">
+            <a:avLst/>
+          </a:prstGeom>
+          <a:noFill/>
+          <a:extLst>
+            <a:ext uri="{909E8E84-426E-40DD-AFC4-6F175D3DCCD1}">
+              <a14:hiddenFill xmlns:a14="http://schemas.microsoft.com/office/drawing/2010/main">
+                <a:solidFill>
+                  <a:srgbClr val="FFFFFF"/>
+                </a:solidFill>
+              </a14:hiddenFill>
+            </a:ext>
+          </a:extLst>
+        </p:spPr>
+      </p:pic>
+    </p:spTree>
+    <p:extLst>
+      <p:ext uri="{BB962C8B-B14F-4D97-AF65-F5344CB8AC3E}">
+        <p14:creationId xmlns:p14="http://schemas.microsoft.com/office/powerpoint/2010/main" val="1599690507"/>
+      </p:ext>
+    </p:extLst>
+  </p:cSld>
+  <p:clrMapOvr>
+    <a:masterClrMapping/>
+  </p:clrMapOvr>
+</p:sld>
+</file>
+
+<file path=ppt/slides/slide65.xml><?xml version="1.0" encoding="utf-8"?>
+<p:sld xmlns:a="http://schemas.openxmlformats.org/drawingml/2006/main" xmlns:r="http://schemas.openxmlformats.org/officeDocument/2006/relationships" xmlns:p="http://schemas.openxmlformats.org/presentationml/2006/main">
+  <p:cSld>
+    <p:spTree>
+      <p:nvGrpSpPr>
+        <p:cNvPr id="1" name=""/>
+        <p:cNvGrpSpPr/>
+        <p:nvPr/>
+      </p:nvGrpSpPr>
+      <p:grpSpPr>
+        <a:xfrm>
+          <a:off x="0" y="0"/>
+          <a:ext cx="0" cy="0"/>
+          <a:chOff x="0" y="0"/>
+          <a:chExt cx="0" cy="0"/>
+        </a:xfrm>
+      </p:grpSpPr>
+      <p:sp>
+        <p:nvSpPr>
+          <p:cNvPr id="2" name="Title 1">
+            <a:extLst>
+              <a:ext uri="{FF2B5EF4-FFF2-40B4-BE49-F238E27FC236}">
+                <a16:creationId xmlns:a16="http://schemas.microsoft.com/office/drawing/2014/main" id="{1E2A5F71-2CA3-6875-FDB1-C2B92B640760}"/>
+              </a:ext>
+            </a:extLst>
+          </p:cNvPr>
+          <p:cNvSpPr>
+            <a:spLocks noGrp="1"/>
+          </p:cNvSpPr>
+          <p:nvPr>
+            <p:ph type="title"/>
+          </p:nvPr>
+        </p:nvSpPr>
+        <p:spPr/>
+        <p:txBody>
+          <a:bodyPr>
+            <a:normAutofit fontScale="90000"/>
+          </a:bodyPr>
+          <a:lstStyle/>
+          <a:p>
+            <a:pPr algn="l"/>
+            <a:r>
+              <a:rPr lang="en-US" b="1" i="0" dirty="0">
+                <a:solidFill>
+                  <a:srgbClr val="2C2F34"/>
+                </a:solidFill>
+                <a:effectLst/>
+                <a:highlight>
+                  <a:srgbClr val="FFFFFF"/>
+                </a:highlight>
+                <a:latin typeface="Inter"/>
+              </a:rPr>
+              <a:t>Reader accounts for third-party access</a:t>
+            </a:r>
+          </a:p>
+        </p:txBody>
+      </p:sp>
+      <p:pic>
+        <p:nvPicPr>
+          <p:cNvPr id="3074" name="Picture 2" descr="Overview of data sharing reader accounts">
+            <a:extLst>
+              <a:ext uri="{FF2B5EF4-FFF2-40B4-BE49-F238E27FC236}">
+                <a16:creationId xmlns:a16="http://schemas.microsoft.com/office/drawing/2014/main" id="{7749FD11-9A76-7B3E-5025-9CBD3BE921A7}"/>
+              </a:ext>
+            </a:extLst>
+          </p:cNvPr>
+          <p:cNvPicPr>
+            <a:picLocks noChangeAspect="1" noChangeArrowheads="1"/>
+          </p:cNvPicPr>
+          <p:nvPr/>
+        </p:nvPicPr>
+        <p:blipFill rotWithShape="1">
+          <a:blip r:embed="rId2">
+            <a:extLst>
+              <a:ext uri="{28A0092B-C50C-407E-A947-70E740481C1C}">
+                <a14:useLocalDpi xmlns:a14="http://schemas.microsoft.com/office/drawing/2010/main" val="0"/>
+              </a:ext>
+            </a:extLst>
+          </a:blip>
+          <a:srcRect l="2602" t="5710" r="25306" b="2472"/>
+          <a:stretch/>
+        </p:blipFill>
+        <p:spPr bwMode="auto">
+          <a:xfrm>
+            <a:off x="0" y="1371600"/>
+            <a:ext cx="8789437" cy="4476334"/>
+          </a:xfrm>
+          <a:prstGeom prst="rect">
+            <a:avLst/>
+          </a:prstGeom>
+          <a:noFill/>
+          <a:extLst>
+            <a:ext uri="{909E8E84-426E-40DD-AFC4-6F175D3DCCD1}">
+              <a14:hiddenFill xmlns:a14="http://schemas.microsoft.com/office/drawing/2010/main">
+                <a:solidFill>
+                  <a:srgbClr val="FFFFFF"/>
+                </a:solidFill>
+              </a14:hiddenFill>
+            </a:ext>
+          </a:extLst>
+        </p:spPr>
+      </p:pic>
+      <p:sp>
+        <p:nvSpPr>
+          <p:cNvPr id="3" name="TextBox 2">
+            <a:extLst>
+              <a:ext uri="{FF2B5EF4-FFF2-40B4-BE49-F238E27FC236}">
+                <a16:creationId xmlns:a16="http://schemas.microsoft.com/office/drawing/2014/main" id="{F49925F1-6BC1-A016-29AF-A14E80567858}"/>
+              </a:ext>
+            </a:extLst>
+          </p:cNvPr>
+          <p:cNvSpPr txBox="1"/>
+          <p:nvPr/>
+        </p:nvSpPr>
+        <p:spPr>
+          <a:xfrm>
+            <a:off x="8789437" y="1371599"/>
+            <a:ext cx="3135085" cy="4154984"/>
+          </a:xfrm>
+          <a:prstGeom prst="rect">
+            <a:avLst/>
+          </a:prstGeom>
+          <a:noFill/>
+        </p:spPr>
+        <p:txBody>
+          <a:bodyPr wrap="square" rtlCol="0">
+            <a:spAutoFit/>
+          </a:bodyPr>
+          <a:lstStyle/>
+          <a:p>
+            <a:pPr algn="l"/>
+            <a:r>
+              <a:rPr lang="en-US" sz="1200" dirty="0"/>
+              <a:t>Data sharing is only supported between Snowflake accounts. As a data provider, you might want to share data with a consumer who does not already have a Snowflake account or is not ready to become a licensed Snowflake customer.</a:t>
+            </a:r>
+          </a:p>
+          <a:p>
+            <a:pPr algn="l"/>
+            <a:endParaRPr lang="en-US" sz="1200" dirty="0"/>
+          </a:p>
+          <a:p>
+            <a:pPr algn="l"/>
+            <a:r>
+              <a:rPr lang="en-US" sz="1200" dirty="0"/>
+              <a:t>To facilitate sharing data with these consumers, you can create reader accounts. Reader accounts (formerly known as “read-only accounts”) provide a quick, easy, and cost-effective way to share data without requiring the consumer to become a Snowflake </a:t>
+            </a:r>
+            <a:r>
+              <a:rPr lang="en-US" sz="1200"/>
+              <a:t>customer.</a:t>
+            </a:r>
+          </a:p>
+          <a:p>
+            <a:pPr algn="l"/>
+            <a:endParaRPr lang="en-US" sz="1200" dirty="0"/>
+          </a:p>
+          <a:p>
+            <a:pPr algn="l"/>
+            <a:r>
+              <a:rPr lang="en-US" sz="1200" dirty="0"/>
+              <a:t>Each reader account belongs to the provider account that created it. As a provider, you use shares to share databases with reader accounts; however, a reader account can only consume data from the provider account that created it. Refer to the following diagram:</a:t>
+            </a:r>
+          </a:p>
+          <a:p>
+            <a:endParaRPr lang="en-US" sz="1200" dirty="0"/>
+          </a:p>
+        </p:txBody>
+      </p:sp>
+    </p:spTree>
+    <p:extLst>
+      <p:ext uri="{BB962C8B-B14F-4D97-AF65-F5344CB8AC3E}">
+        <p14:creationId xmlns:p14="http://schemas.microsoft.com/office/powerpoint/2010/main" val="2760920975"/>
+      </p:ext>
+    </p:extLst>
+  </p:cSld>
+  <p:clrMapOvr>
+    <a:masterClrMapping/>
+  </p:clrMapOvr>
+</p:sld>
+</file>
+
+<file path=ppt/slides/slide66.xml><?xml version="1.0" encoding="utf-8"?>
+<p:sld xmlns:a="http://schemas.openxmlformats.org/drawingml/2006/main" xmlns:r="http://schemas.openxmlformats.org/officeDocument/2006/relationships" xmlns:p="http://schemas.openxmlformats.org/presentationml/2006/main">
+  <p:cSld>
+    <p:spTree>
+      <p:nvGrpSpPr>
+        <p:cNvPr id="1" name=""/>
+        <p:cNvGrpSpPr/>
+        <p:nvPr/>
+      </p:nvGrpSpPr>
+      <p:grpSpPr>
+        <a:xfrm>
+          <a:off x="0" y="0"/>
+          <a:ext cx="0" cy="0"/>
+          <a:chOff x="0" y="0"/>
+          <a:chExt cx="0" cy="0"/>
+        </a:xfrm>
+      </p:grpSpPr>
+      <p:sp>
+        <p:nvSpPr>
+          <p:cNvPr id="2" name="Title 1">
+            <a:extLst>
+              <a:ext uri="{FF2B5EF4-FFF2-40B4-BE49-F238E27FC236}">
+                <a16:creationId xmlns:a16="http://schemas.microsoft.com/office/drawing/2014/main" id="{1E2A5F71-2CA3-6875-FDB1-C2B92B640760}"/>
+              </a:ext>
+            </a:extLst>
+          </p:cNvPr>
+          <p:cNvSpPr>
+            <a:spLocks noGrp="1"/>
+          </p:cNvSpPr>
+          <p:nvPr>
+            <p:ph type="title"/>
+          </p:nvPr>
+        </p:nvSpPr>
+        <p:spPr/>
+        <p:txBody>
+          <a:bodyPr>
+            <a:normAutofit fontScale="90000"/>
+          </a:bodyPr>
+          <a:lstStyle/>
+          <a:p>
+            <a:r>
+              <a:rPr lang="en-US" dirty="0"/>
+              <a:t>data sharing and collaboration</a:t>
+            </a:r>
+          </a:p>
+        </p:txBody>
+      </p:sp>
+      <p:pic>
+        <p:nvPicPr>
+          <p:cNvPr id="1026" name="Picture 2" descr="Overview of provider accounts sharing data with consumer accounts">
+            <a:extLst>
+              <a:ext uri="{FF2B5EF4-FFF2-40B4-BE49-F238E27FC236}">
+                <a16:creationId xmlns:a16="http://schemas.microsoft.com/office/drawing/2014/main" id="{63241326-0050-E19B-70F8-187455D78B31}"/>
+              </a:ext>
+            </a:extLst>
+          </p:cNvPr>
+          <p:cNvPicPr>
+            <a:picLocks noChangeAspect="1" noChangeArrowheads="1"/>
+          </p:cNvPicPr>
+          <p:nvPr/>
+        </p:nvPicPr>
+        <p:blipFill>
+          <a:blip r:embed="rId2">
+            <a:extLst>
+              <a:ext uri="{28A0092B-C50C-407E-A947-70E740481C1C}">
+                <a14:useLocalDpi xmlns:a14="http://schemas.microsoft.com/office/drawing/2010/main" val="0"/>
+              </a:ext>
+            </a:extLst>
+          </a:blip>
+          <a:srcRect/>
+          <a:stretch>
+            <a:fillRect/>
+          </a:stretch>
+        </p:blipFill>
+        <p:spPr bwMode="auto">
+          <a:xfrm>
+            <a:off x="0" y="1194318"/>
+            <a:ext cx="12192000" cy="4929187"/>
+          </a:xfrm>
+          <a:prstGeom prst="rect">
+            <a:avLst/>
+          </a:prstGeom>
+          <a:noFill/>
+          <a:extLst>
+            <a:ext uri="{909E8E84-426E-40DD-AFC4-6F175D3DCCD1}">
+              <a14:hiddenFill xmlns:a14="http://schemas.microsoft.com/office/drawing/2010/main">
+                <a:solidFill>
+                  <a:srgbClr val="FFFFFF"/>
+                </a:solidFill>
+              </a14:hiddenFill>
+            </a:ext>
+          </a:extLst>
+        </p:spPr>
+      </p:pic>
+    </p:spTree>
+    <p:extLst>
+      <p:ext uri="{BB962C8B-B14F-4D97-AF65-F5344CB8AC3E}">
+        <p14:creationId xmlns:p14="http://schemas.microsoft.com/office/powerpoint/2010/main" val="1303742543"/>
+      </p:ext>
+    </p:extLst>
+  </p:cSld>
+  <p:clrMapOvr>
+    <a:masterClrMapping/>
+  </p:clrMapOvr>
+</p:sld>
+</file>
+
+<file path=ppt/slides/slide67.xml><?xml version="1.0" encoding="utf-8"?>
 <p:sld xmlns:a="http://schemas.openxmlformats.org/drawingml/2006/main" xmlns:r="http://schemas.openxmlformats.org/officeDocument/2006/relationships" xmlns:p="http://schemas.openxmlformats.org/presentationml/2006/main">
   <p:cSld>
     <p:spTree>
@@ -32094,7 +34460,7 @@
 </p:sld>
 </file>
 
-<file path=ppt/slides/slide58.xml><?xml version="1.0" encoding="utf-8"?>
+<file path=ppt/slides/slide68.xml><?xml version="1.0" encoding="utf-8"?>
 <p:sld xmlns:a="http://schemas.openxmlformats.org/drawingml/2006/main" xmlns:r="http://schemas.openxmlformats.org/officeDocument/2006/relationships" xmlns:p="http://schemas.openxmlformats.org/presentationml/2006/main">
   <p:cSld>
     <p:spTree>
@@ -32250,7 +34616,7 @@
 </p:sld>
 </file>
 
-<file path=ppt/slides/slide59.xml><?xml version="1.0" encoding="utf-8"?>
+<file path=ppt/slides/slide69.xml><?xml version="1.0" encoding="utf-8"?>
 <p:sld xmlns:a="http://schemas.openxmlformats.org/drawingml/2006/main" xmlns:r="http://schemas.openxmlformats.org/officeDocument/2006/relationships" xmlns:p="http://schemas.openxmlformats.org/presentationml/2006/main">
   <p:cSld>
     <p:spTree>
@@ -32431,7 +34797,7 @@
 </p:sld>
 </file>
 
-<file path=ppt/slides/slide6.xml><?xml version="1.0" encoding="utf-8"?>
+<file path=ppt/slides/slide7.xml><?xml version="1.0" encoding="utf-8"?>
 <p:sld xmlns:a="http://schemas.openxmlformats.org/drawingml/2006/main" xmlns:r="http://schemas.openxmlformats.org/officeDocument/2006/relationships" xmlns:p="http://schemas.openxmlformats.org/presentationml/2006/main">
   <p:cSld>
     <p:spTree>
@@ -32467,13 +34833,13 @@
         <p:spPr/>
         <p:txBody>
           <a:bodyPr>
-            <a:normAutofit fontScale="90000"/>
+            <a:normAutofit/>
           </a:bodyPr>
           <a:lstStyle/>
           <a:p>
             <a:r>
-              <a:rPr lang="en-US" dirty="0"/>
-              <a:t>Snowflake ARCHITECTURE</a:t>
+              <a:rPr lang="en-US" sz="2500" dirty="0"/>
+              <a:t>Supported Cloud Platforms</a:t>
             </a:r>
           </a:p>
         </p:txBody>
@@ -32497,313 +34863,124 @@
         <p:spPr>
           <a:xfrm>
             <a:off x="581192" y="1334278"/>
-            <a:ext cx="11029615" cy="5161772"/>
+            <a:ext cx="11029615" cy="3409172"/>
           </a:xfrm>
         </p:spPr>
         <p:txBody>
           <a:bodyPr>
-            <a:normAutofit lnSpcReduction="10000"/>
+            <a:normAutofit/>
           </a:bodyPr>
           <a:lstStyle/>
           <a:p>
-            <a:pPr>
-              <a:lnSpc>
-                <a:spcPct val="120000"/>
-              </a:lnSpc>
-              <a:spcBef>
-                <a:spcPts val="0"/>
-              </a:spcBef>
-              <a:spcAft>
-                <a:spcPts val="0"/>
-              </a:spcAft>
-            </a:pPr>
-            <a:r>
-              <a:rPr lang="en-US" b="1" dirty="0">
+            <a:pPr algn="l"/>
+            <a:r>
+              <a:rPr lang="en-US" b="0" i="0" dirty="0">
+                <a:solidFill>
+                  <a:srgbClr val="2C2F34"/>
+                </a:solidFill>
                 <a:effectLst/>
+                <a:highlight>
+                  <a:srgbClr val="FFFFFF"/>
+                </a:highlight>
                 <a:latin typeface="Inter"/>
               </a:rPr>
-              <a:t>Database Storage</a:t>
-            </a:r>
-          </a:p>
-          <a:p>
-            <a:pPr lvl="1">
-              <a:lnSpc>
-                <a:spcPct val="120000"/>
-              </a:lnSpc>
-              <a:spcBef>
-                <a:spcPts val="0"/>
-              </a:spcBef>
-              <a:spcAft>
-                <a:spcPts val="0"/>
-              </a:spcAft>
-            </a:pPr>
-            <a:r>
-              <a:rPr lang="en-US" dirty="0">
+              <a:t>Snowflake is provided as a self-managed service that runs completely on cloud infrastructure. This means that all three layers of Snowflake’s architecture (storage, compute, and cloud services) are deployed and managed entirely on a selected cloud platform.</a:t>
+            </a:r>
+          </a:p>
+          <a:p>
+            <a:pPr algn="l"/>
+            <a:r>
+              <a:rPr lang="en-US" b="0" i="0" dirty="0">
+                <a:solidFill>
+                  <a:srgbClr val="2C2F34"/>
+                </a:solidFill>
                 <a:effectLst/>
-              </a:rPr>
-              <a:t>When data is loaded into Snowflake, Snowflake reorganizes that data into its internal optimized, compressed, columnar format. Snowflake stores this optimized data in cloud storage.</a:t>
-            </a:r>
-          </a:p>
-          <a:p>
-            <a:pPr lvl="1">
-              <a:lnSpc>
-                <a:spcPct val="120000"/>
-              </a:lnSpc>
-              <a:spcBef>
-                <a:spcPts val="0"/>
-              </a:spcBef>
-              <a:spcAft>
-                <a:spcPts val="0"/>
-              </a:spcAft>
-            </a:pPr>
-            <a:r>
-              <a:rPr lang="en-US" dirty="0">
-                <a:effectLst/>
-              </a:rPr>
-              <a:t>Snowflake manages all aspects of how this data is stored — the organization, file size, structure, compression, metadata, statistics, and other aspects of data storage are handled by Snowflake. The data objects stored by Snowflake are not directly visible nor accessible by customers; they are only accessible through SQL query operations run using Snowflake.</a:t>
-            </a:r>
-          </a:p>
-          <a:p>
-            <a:pPr>
-              <a:lnSpc>
-                <a:spcPct val="120000"/>
-              </a:lnSpc>
-              <a:spcBef>
-                <a:spcPts val="0"/>
-              </a:spcBef>
-              <a:spcAft>
-                <a:spcPts val="0"/>
-              </a:spcAft>
-            </a:pPr>
-            <a:r>
-              <a:rPr lang="en-US" b="1" dirty="0">
-                <a:effectLst/>
+                <a:highlight>
+                  <a:srgbClr val="FFFFFF"/>
+                </a:highlight>
                 <a:latin typeface="Inter"/>
               </a:rPr>
-              <a:t>Query Processing</a:t>
+              <a:t>A Snowflake account can be hosted on any of the following cloud platforms:</a:t>
             </a:r>
           </a:p>
           <a:p>
             <a:pPr lvl="1">
-              <a:lnSpc>
-                <a:spcPct val="120000"/>
-              </a:lnSpc>
-              <a:spcBef>
-                <a:spcPts val="0"/>
-              </a:spcBef>
-              <a:spcAft>
-                <a:spcPts val="0"/>
-              </a:spcAft>
-            </a:pPr>
-            <a:r>
-              <a:rPr lang="en-US" dirty="0">
-                <a:effectLst/>
-              </a:rPr>
-              <a:t>Query execution is performed in the processing layer. Snowflake processes queries using “virtual warehouses”. Each virtual warehouse is an MPP compute cluster composed of multiple compute nodes allocated by Snowflake from a cloud provider.</a:t>
-            </a:r>
-          </a:p>
-          <a:p>
-            <a:pPr lvl="1">
-              <a:lnSpc>
-                <a:spcPct val="120000"/>
-              </a:lnSpc>
-              <a:spcBef>
-                <a:spcPts val="0"/>
-              </a:spcBef>
-              <a:spcAft>
-                <a:spcPts val="0"/>
-              </a:spcAft>
-            </a:pPr>
-            <a:r>
-              <a:rPr lang="en-US" dirty="0">
-                <a:effectLst/>
-              </a:rPr>
-              <a:t>Each virtual warehouse is an independent compute cluster that does not share compute resources with other virtual warehouses. As a result, each virtual warehouse has no impact on the performance of other virtual warehouses.</a:t>
-            </a:r>
-          </a:p>
-          <a:p>
-            <a:pPr>
-              <a:lnSpc>
-                <a:spcPct val="120000"/>
-              </a:lnSpc>
-              <a:spcBef>
-                <a:spcPts val="0"/>
-              </a:spcBef>
-              <a:spcAft>
-                <a:spcPts val="0"/>
-              </a:spcAft>
-            </a:pPr>
-            <a:r>
-              <a:rPr lang="en-US" b="1" dirty="0">
-                <a:effectLst/>
-                <a:latin typeface="Inter"/>
-              </a:rPr>
-              <a:t>Cloud Services</a:t>
-            </a:r>
-          </a:p>
-          <a:p>
-            <a:pPr lvl="1">
-              <a:lnSpc>
-                <a:spcPct val="120000"/>
-              </a:lnSpc>
-              <a:spcBef>
-                <a:spcPts val="0"/>
-              </a:spcBef>
-              <a:spcAft>
-                <a:spcPts val="0"/>
-              </a:spcAft>
-            </a:pPr>
-            <a:r>
-              <a:rPr lang="en-US" dirty="0">
-                <a:effectLst/>
-              </a:rPr>
-              <a:t>The cloud services layer is a collection of services that coordinate activities across Snowflake. These services tie together all of the different components of Snowflake in order to process user requests, from login to query dispatch. The cloud services layer also runs on compute instances provisioned by Snowflake from the cloud provider.</a:t>
-            </a:r>
-          </a:p>
-          <a:p>
-            <a:pPr lvl="1">
-              <a:lnSpc>
-                <a:spcPct val="120000"/>
-              </a:lnSpc>
-              <a:spcBef>
-                <a:spcPts val="0"/>
-              </a:spcBef>
-              <a:spcAft>
-                <a:spcPts val="0"/>
-              </a:spcAft>
-            </a:pPr>
-            <a:r>
-              <a:rPr lang="en-US" dirty="0">
-                <a:effectLst/>
-              </a:rPr>
-              <a:t>Services managed in this layer include:</a:t>
-            </a:r>
-          </a:p>
-          <a:p>
-            <a:pPr lvl="2">
-              <a:lnSpc>
-                <a:spcPct val="120000"/>
-              </a:lnSpc>
-              <a:spcBef>
-                <a:spcPts val="0"/>
-              </a:spcBef>
-              <a:spcAft>
-                <a:spcPts val="0"/>
-              </a:spcAft>
               <a:buFont typeface="Arial" panose="020B0604020202020204" pitchFamily="34" charset="0"/>
               <a:buChar char="•"/>
             </a:pPr>
             <a:r>
-              <a:rPr lang="en-US" dirty="0">
+              <a:rPr lang="en-US" b="0" i="0" dirty="0">
+                <a:solidFill>
+                  <a:srgbClr val="2C2F34"/>
+                </a:solidFill>
                 <a:effectLst/>
+                <a:highlight>
+                  <a:srgbClr val="FFFFFF"/>
+                </a:highlight>
+                <a:latin typeface="Inter"/>
               </a:rPr>
-              <a:t>Authentication</a:t>
-            </a:r>
-          </a:p>
-          <a:p>
-            <a:pPr lvl="2">
-              <a:lnSpc>
-                <a:spcPct val="120000"/>
-              </a:lnSpc>
-              <a:spcBef>
-                <a:spcPts val="0"/>
-              </a:spcBef>
-              <a:spcAft>
-                <a:spcPts val="0"/>
-              </a:spcAft>
+              <a:t>Amazon Web Services (AWS)</a:t>
+            </a:r>
+          </a:p>
+          <a:p>
+            <a:pPr lvl="1">
               <a:buFont typeface="Arial" panose="020B0604020202020204" pitchFamily="34" charset="0"/>
               <a:buChar char="•"/>
             </a:pPr>
             <a:r>
-              <a:rPr lang="en-US" dirty="0">
+              <a:rPr lang="en-US" b="0" i="0" dirty="0">
+                <a:solidFill>
+                  <a:srgbClr val="2C2F34"/>
+                </a:solidFill>
                 <a:effectLst/>
+                <a:highlight>
+                  <a:srgbClr val="FFFFFF"/>
+                </a:highlight>
+                <a:latin typeface="Inter"/>
               </a:rPr>
-              <a:t>Infrastructure management</a:t>
-            </a:r>
-          </a:p>
-          <a:p>
-            <a:pPr lvl="2">
-              <a:lnSpc>
-                <a:spcPct val="120000"/>
-              </a:lnSpc>
-              <a:spcBef>
-                <a:spcPts val="0"/>
-              </a:spcBef>
-              <a:spcAft>
-                <a:spcPts val="0"/>
-              </a:spcAft>
+              <a:t>Google Cloud Platform (GCP)</a:t>
+            </a:r>
+          </a:p>
+          <a:p>
+            <a:pPr lvl="1">
               <a:buFont typeface="Arial" panose="020B0604020202020204" pitchFamily="34" charset="0"/>
               <a:buChar char="•"/>
             </a:pPr>
             <a:r>
-              <a:rPr lang="en-US" dirty="0">
+              <a:rPr lang="en-US" b="0" i="0" dirty="0">
+                <a:solidFill>
+                  <a:srgbClr val="2C2F34"/>
+                </a:solidFill>
                 <a:effectLst/>
+                <a:highlight>
+                  <a:srgbClr val="FFFFFF"/>
+                </a:highlight>
+                <a:latin typeface="Inter"/>
               </a:rPr>
-              <a:t>Metadata management</a:t>
-            </a:r>
-          </a:p>
-          <a:p>
-            <a:pPr lvl="2">
-              <a:lnSpc>
-                <a:spcPct val="120000"/>
-              </a:lnSpc>
-              <a:spcBef>
-                <a:spcPts val="0"/>
-              </a:spcBef>
-              <a:spcAft>
-                <a:spcPts val="0"/>
-              </a:spcAft>
-              <a:buFont typeface="Arial" panose="020B0604020202020204" pitchFamily="34" charset="0"/>
-              <a:buChar char="•"/>
+              <a:t>Microsoft Azure (Azure)</a:t>
+            </a:r>
+          </a:p>
+          <a:p>
+            <a:pPr marL="0" indent="0" algn="l">
+              <a:buNone/>
             </a:pPr>
-            <a:r>
-              <a:rPr lang="en-US" dirty="0">
-                <a:effectLst/>
-              </a:rPr>
-              <a:t>Query parsing and optimization</a:t>
-            </a:r>
-          </a:p>
-          <a:p>
-            <a:pPr lvl="2">
-              <a:lnSpc>
-                <a:spcPct val="120000"/>
-              </a:lnSpc>
-              <a:spcBef>
-                <a:spcPts val="0"/>
-              </a:spcBef>
-              <a:spcAft>
-                <a:spcPts val="0"/>
-              </a:spcAft>
-              <a:buFont typeface="Arial" panose="020B0604020202020204" pitchFamily="34" charset="0"/>
-              <a:buChar char="•"/>
-            </a:pPr>
-            <a:r>
-              <a:rPr lang="en-US" dirty="0">
-                <a:effectLst/>
-              </a:rPr>
-              <a:t>Access control</a:t>
-            </a:r>
-          </a:p>
-          <a:p>
-            <a:pPr>
-              <a:lnSpc>
-                <a:spcPct val="120000"/>
-              </a:lnSpc>
-              <a:spcBef>
-                <a:spcPts val="0"/>
-              </a:spcBef>
-              <a:spcAft>
-                <a:spcPts val="0"/>
-              </a:spcAft>
-            </a:pPr>
-            <a:endParaRPr lang="en-US" dirty="0"/>
+            <a:endParaRPr lang="en-US" b="0" i="0" dirty="0">
+              <a:solidFill>
+                <a:srgbClr val="2C2F34"/>
+              </a:solidFill>
+              <a:effectLst/>
+              <a:highlight>
+                <a:srgbClr val="FFFFFF"/>
+              </a:highlight>
+              <a:latin typeface="Inter"/>
+            </a:endParaRPr>
           </a:p>
         </p:txBody>
       </p:sp>
     </p:spTree>
     <p:extLst>
       <p:ext uri="{BB962C8B-B14F-4D97-AF65-F5344CB8AC3E}">
-        <p14:creationId xmlns:p14="http://schemas.microsoft.com/office/powerpoint/2010/main" val="2520351086"/>
+        <p14:creationId xmlns:p14="http://schemas.microsoft.com/office/powerpoint/2010/main" val="4011627774"/>
       </p:ext>
     </p:extLst>
   </p:cSld>
@@ -32813,7 +34990,7 @@
 </p:sld>
 </file>
 
-<file path=ppt/slides/slide60.xml><?xml version="1.0" encoding="utf-8"?>
+<file path=ppt/slides/slide70.xml><?xml version="1.0" encoding="utf-8"?>
 <p:sld xmlns:a="http://schemas.openxmlformats.org/drawingml/2006/main" xmlns:r="http://schemas.openxmlformats.org/officeDocument/2006/relationships" xmlns:p="http://schemas.openxmlformats.org/presentationml/2006/main">
   <p:cSld>
     <p:spTree>
@@ -32994,7 +35171,7 @@
 </p:sld>
 </file>
 
-<file path=ppt/slides/slide61.xml><?xml version="1.0" encoding="utf-8"?>
+<file path=ppt/slides/slide71.xml><?xml version="1.0" encoding="utf-8"?>
 <p:sld xmlns:a="http://schemas.openxmlformats.org/drawingml/2006/main" xmlns:r="http://schemas.openxmlformats.org/officeDocument/2006/relationships" xmlns:p="http://schemas.openxmlformats.org/presentationml/2006/main">
   <p:cSld>
     <p:spTree>
@@ -33150,7 +35327,7 @@
 </p:sld>
 </file>
 
-<file path=ppt/slides/slide62.xml><?xml version="1.0" encoding="utf-8"?>
+<file path=ppt/slides/slide72.xml><?xml version="1.0" encoding="utf-8"?>
 <p:sld xmlns:a="http://schemas.openxmlformats.org/drawingml/2006/main" xmlns:r="http://schemas.openxmlformats.org/officeDocument/2006/relationships" xmlns:p="http://schemas.openxmlformats.org/presentationml/2006/main">
   <p:cSld>
     <p:spTree>
@@ -33396,7 +35573,7 @@
 </p:sld>
 </file>
 
-<file path=ppt/slides/slide63.xml><?xml version="1.0" encoding="utf-8"?>
+<file path=ppt/slides/slide73.xml><?xml version="1.0" encoding="utf-8"?>
 <p:sld xmlns:a="http://schemas.openxmlformats.org/drawingml/2006/main" xmlns:r="http://schemas.openxmlformats.org/officeDocument/2006/relationships" xmlns:p="http://schemas.openxmlformats.org/presentationml/2006/main">
   <p:cSld>
     <p:spTree>
@@ -33597,7 +35774,7 @@
 </p:sld>
 </file>
 
-<file path=ppt/slides/slide64.xml><?xml version="1.0" encoding="utf-8"?>
+<file path=ppt/slides/slide74.xml><?xml version="1.0" encoding="utf-8"?>
 <p:sld xmlns:a="http://schemas.openxmlformats.org/drawingml/2006/main" xmlns:r="http://schemas.openxmlformats.org/officeDocument/2006/relationships" xmlns:p="http://schemas.openxmlformats.org/presentationml/2006/main">
   <p:cSld>
     <p:spTree>
@@ -33707,7 +35884,7 @@
 </p:sld>
 </file>
 
-<file path=ppt/slides/slide65.xml><?xml version="1.0" encoding="utf-8"?>
+<file path=ppt/slides/slide75.xml><?xml version="1.0" encoding="utf-8"?>
 <p:sld xmlns:a="http://schemas.openxmlformats.org/drawingml/2006/main" xmlns:r="http://schemas.openxmlformats.org/officeDocument/2006/relationships" xmlns:p="http://schemas.openxmlformats.org/presentationml/2006/main">
   <p:cSld>
     <p:spTree>
@@ -33811,199 +35988,6 @@
     <p:extLst>
       <p:ext uri="{BB962C8B-B14F-4D97-AF65-F5344CB8AC3E}">
         <p14:creationId xmlns:p14="http://schemas.microsoft.com/office/powerpoint/2010/main" val="1145305604"/>
-      </p:ext>
-    </p:extLst>
-  </p:cSld>
-  <p:clrMapOvr>
-    <a:masterClrMapping/>
-  </p:clrMapOvr>
-</p:sld>
-</file>
-
-<file path=ppt/slides/slide7.xml><?xml version="1.0" encoding="utf-8"?>
-<p:sld xmlns:a="http://schemas.openxmlformats.org/drawingml/2006/main" xmlns:r="http://schemas.openxmlformats.org/officeDocument/2006/relationships" xmlns:p="http://schemas.openxmlformats.org/presentationml/2006/main">
-  <p:cSld>
-    <p:spTree>
-      <p:nvGrpSpPr>
-        <p:cNvPr id="1" name=""/>
-        <p:cNvGrpSpPr/>
-        <p:nvPr/>
-      </p:nvGrpSpPr>
-      <p:grpSpPr>
-        <a:xfrm>
-          <a:off x="0" y="0"/>
-          <a:ext cx="0" cy="0"/>
-          <a:chOff x="0" y="0"/>
-          <a:chExt cx="0" cy="0"/>
-        </a:xfrm>
-      </p:grpSpPr>
-      <p:sp>
-        <p:nvSpPr>
-          <p:cNvPr id="2" name="Title 1">
-            <a:extLst>
-              <a:ext uri="{FF2B5EF4-FFF2-40B4-BE49-F238E27FC236}">
-                <a16:creationId xmlns:a16="http://schemas.microsoft.com/office/drawing/2014/main" id="{525FC945-5FF1-4E1A-989B-CD69C1CB5CF5}"/>
-              </a:ext>
-            </a:extLst>
-          </p:cNvPr>
-          <p:cNvSpPr>
-            <a:spLocks noGrp="1"/>
-          </p:cNvSpPr>
-          <p:nvPr>
-            <p:ph type="title"/>
-          </p:nvPr>
-        </p:nvSpPr>
-        <p:spPr/>
-        <p:txBody>
-          <a:bodyPr>
-            <a:normAutofit/>
-          </a:bodyPr>
-          <a:lstStyle/>
-          <a:p>
-            <a:r>
-              <a:rPr lang="en-US" sz="2500" dirty="0"/>
-              <a:t>Supported Cloud Platforms</a:t>
-            </a:r>
-          </a:p>
-        </p:txBody>
-      </p:sp>
-      <p:sp>
-        <p:nvSpPr>
-          <p:cNvPr id="3" name="Content Placeholder 2">
-            <a:extLst>
-              <a:ext uri="{FF2B5EF4-FFF2-40B4-BE49-F238E27FC236}">
-                <a16:creationId xmlns:a16="http://schemas.microsoft.com/office/drawing/2014/main" id="{CA1FDA27-8FE5-F95B-1ED8-2191E5333C91}"/>
-              </a:ext>
-            </a:extLst>
-          </p:cNvPr>
-          <p:cNvSpPr>
-            <a:spLocks noGrp="1"/>
-          </p:cNvSpPr>
-          <p:nvPr>
-            <p:ph idx="1"/>
-          </p:nvPr>
-        </p:nvSpPr>
-        <p:spPr>
-          <a:xfrm>
-            <a:off x="581192" y="1334278"/>
-            <a:ext cx="11029615" cy="3409172"/>
-          </a:xfrm>
-        </p:spPr>
-        <p:txBody>
-          <a:bodyPr>
-            <a:normAutofit/>
-          </a:bodyPr>
-          <a:lstStyle/>
-          <a:p>
-            <a:pPr algn="l"/>
-            <a:r>
-              <a:rPr lang="en-US" b="0" i="0" dirty="0">
-                <a:solidFill>
-                  <a:srgbClr val="2C2F34"/>
-                </a:solidFill>
-                <a:effectLst/>
-                <a:highlight>
-                  <a:srgbClr val="FFFFFF"/>
-                </a:highlight>
-                <a:latin typeface="Inter"/>
-              </a:rPr>
-              <a:t>Snowflake is provided as a self-managed service that runs completely on cloud infrastructure. This means that all three layers of Snowflake’s architecture (storage, compute, and cloud services) are deployed and managed entirely on a selected cloud platform.</a:t>
-            </a:r>
-          </a:p>
-          <a:p>
-            <a:pPr algn="l"/>
-            <a:r>
-              <a:rPr lang="en-US" b="0" i="0" dirty="0">
-                <a:solidFill>
-                  <a:srgbClr val="2C2F34"/>
-                </a:solidFill>
-                <a:effectLst/>
-                <a:highlight>
-                  <a:srgbClr val="FFFFFF"/>
-                </a:highlight>
-                <a:latin typeface="Inter"/>
-              </a:rPr>
-              <a:t>A Snowflake account can be hosted on any of the following cloud platforms:</a:t>
-            </a:r>
-          </a:p>
-          <a:p>
-            <a:pPr lvl="1">
-              <a:buFont typeface="Arial" panose="020B0604020202020204" pitchFamily="34" charset="0"/>
-              <a:buChar char="•"/>
-            </a:pPr>
-            <a:r>
-              <a:rPr lang="en-US" b="0" i="0" dirty="0">
-                <a:solidFill>
-                  <a:srgbClr val="2C2F34"/>
-                </a:solidFill>
-                <a:effectLst/>
-                <a:highlight>
-                  <a:srgbClr val="FFFFFF"/>
-                </a:highlight>
-                <a:latin typeface="Inter"/>
-              </a:rPr>
-              <a:t>Amazon Web Services (AWS)</a:t>
-            </a:r>
-          </a:p>
-          <a:p>
-            <a:pPr lvl="1">
-              <a:buFont typeface="Arial" panose="020B0604020202020204" pitchFamily="34" charset="0"/>
-              <a:buChar char="•"/>
-            </a:pPr>
-            <a:r>
-              <a:rPr lang="en-US" b="0" i="0" dirty="0">
-                <a:solidFill>
-                  <a:srgbClr val="2C2F34"/>
-                </a:solidFill>
-                <a:effectLst/>
-                <a:highlight>
-                  <a:srgbClr val="FFFFFF"/>
-                </a:highlight>
-                <a:latin typeface="Inter"/>
-              </a:rPr>
-              <a:t>Google Cloud Platform (GCP)</a:t>
-            </a:r>
-          </a:p>
-          <a:p>
-            <a:pPr lvl="1">
-              <a:buFont typeface="Arial" panose="020B0604020202020204" pitchFamily="34" charset="0"/>
-              <a:buChar char="•"/>
-            </a:pPr>
-            <a:r>
-              <a:rPr lang="en-US" b="0" i="0" dirty="0">
-                <a:solidFill>
-                  <a:srgbClr val="2C2F34"/>
-                </a:solidFill>
-                <a:effectLst/>
-                <a:highlight>
-                  <a:srgbClr val="FFFFFF"/>
-                </a:highlight>
-                <a:latin typeface="Inter"/>
-              </a:rPr>
-              <a:t>Microsoft Azure (Azure)</a:t>
-            </a:r>
-          </a:p>
-          <a:p>
-            <a:pPr marL="0" indent="0" algn="l">
-              <a:buNone/>
-            </a:pPr>
-            <a:endParaRPr lang="en-US" b="0" i="0" dirty="0">
-              <a:solidFill>
-                <a:srgbClr val="2C2F34"/>
-              </a:solidFill>
-              <a:effectLst/>
-              <a:highlight>
-                <a:srgbClr val="FFFFFF"/>
-              </a:highlight>
-              <a:latin typeface="Inter"/>
-            </a:endParaRPr>
-          </a:p>
-        </p:txBody>
-      </p:sp>
-    </p:spTree>
-    <p:extLst>
-      <p:ext uri="{BB962C8B-B14F-4D97-AF65-F5344CB8AC3E}">
-        <p14:creationId xmlns:p14="http://schemas.microsoft.com/office/powerpoint/2010/main" val="4011627774"/>
       </p:ext>
     </p:extLst>
   </p:cSld>
@@ -34690,15 +36674,6 @@
 </file>
 
 <file path=customXml/item1.xml><?xml version="1.0" encoding="utf-8"?>
-<p:properties xmlns:p="http://schemas.microsoft.com/office/2006/metadata/properties" xmlns:xsi="http://www.w3.org/2001/XMLSchema-instance" xmlns:pc="http://schemas.microsoft.com/office/infopath/2007/PartnerControls">
-  <documentManagement>
-    <Status xmlns="71af3243-3dd4-4a8d-8c0d-dd76da1f02a5">Not started</Status>
-    <MediaServiceKeyPoints xmlns="71af3243-3dd4-4a8d-8c0d-dd76da1f02a5" xsi:nil="true"/>
-  </documentManagement>
-</p:properties>
-</file>
-
-<file path=customXml/item2.xml><?xml version="1.0" encoding="utf-8"?>
 <ct:contentTypeSchema xmlns:ct="http://schemas.microsoft.com/office/2006/metadata/contentType" xmlns:ma="http://schemas.microsoft.com/office/2006/metadata/properties/metaAttributes" ct:_="" ma:_="" ma:contentTypeName="Document" ma:contentTypeID="0x01010079F111ED35F8CC479449609E8A0923A6" ma:contentTypeVersion="12" ma:contentTypeDescription="Create a new document." ma:contentTypeScope="" ma:versionID="a410dd7f93c95333ffa1b60ed6adedd1">
   <xsd:schema xmlns:xsd="http://www.w3.org/2001/XMLSchema" xmlns:xs="http://www.w3.org/2001/XMLSchema" xmlns:p="http://schemas.microsoft.com/office/2006/metadata/properties" xmlns:ns2="71af3243-3dd4-4a8d-8c0d-dd76da1f02a5" xmlns:ns3="16c05727-aa75-4e4a-9b5f-8a80a1165891" targetNamespace="http://schemas.microsoft.com/office/2006/metadata/properties" ma:root="true" ma:fieldsID="a936d9baba76aa3866493feff160faab" ns2:_="" ns3:_="">
     <xsd:import namespace="71af3243-3dd4-4a8d-8c0d-dd76da1f02a5"/>
@@ -34919,7 +36894,7 @@
 </ct:contentTypeSchema>
 </file>
 
-<file path=customXml/item3.xml><?xml version="1.0" encoding="utf-8"?>
+<file path=customXml/item2.xml><?xml version="1.0" encoding="utf-8"?>
 <?mso-contentType ?>
 <FormTemplates xmlns="http://schemas.microsoft.com/sharepoint/v3/contenttype/forms">
   <Display>DocumentLibraryForm</Display>
@@ -34928,24 +36903,16 @@
 </FormTemplates>
 </file>
 
-<file path=customXml/itemProps1.xml><?xml version="1.0" encoding="utf-8"?>
-<ds:datastoreItem xmlns:ds="http://schemas.openxmlformats.org/officeDocument/2006/customXml" ds:itemID="{8D289AE2-D2AE-49D1-AFAC-3A79F6794255}">
-  <ds:schemaRefs>
-    <ds:schemaRef ds:uri="http://schemas.microsoft.com/office/2006/documentManagement/types"/>
-    <ds:schemaRef ds:uri="http://schemas.microsoft.com/office/infopath/2007/PartnerControls"/>
-    <ds:schemaRef ds:uri="http://schemas.microsoft.com/office/2006/metadata/properties"/>
-    <ds:schemaRef ds:uri="http://purl.org/dc/elements/1.1/"/>
-    <ds:schemaRef ds:uri="http://purl.org/dc/terms/"/>
-    <ds:schemaRef ds:uri="http://www.w3.org/XML/1998/namespace"/>
-    <ds:schemaRef ds:uri="http://purl.org/dc/dcmitype/"/>
-    <ds:schemaRef ds:uri="16c05727-aa75-4e4a-9b5f-8a80a1165891"/>
-    <ds:schemaRef ds:uri="http://schemas.openxmlformats.org/package/2006/metadata/core-properties"/>
-    <ds:schemaRef ds:uri="71af3243-3dd4-4a8d-8c0d-dd76da1f02a5"/>
-  </ds:schemaRefs>
-</ds:datastoreItem>
+<file path=customXml/item3.xml><?xml version="1.0" encoding="utf-8"?>
+<p:properties xmlns:p="http://schemas.microsoft.com/office/2006/metadata/properties" xmlns:xsi="http://www.w3.org/2001/XMLSchema-instance" xmlns:pc="http://schemas.microsoft.com/office/infopath/2007/PartnerControls">
+  <documentManagement>
+    <Status xmlns="71af3243-3dd4-4a8d-8c0d-dd76da1f02a5">Not started</Status>
+    <MediaServiceKeyPoints xmlns="71af3243-3dd4-4a8d-8c0d-dd76da1f02a5" xsi:nil="true"/>
+  </documentManagement>
+</p:properties>
 </file>
 
-<file path=customXml/itemProps2.xml><?xml version="1.0" encoding="utf-8"?>
+<file path=customXml/itemProps1.xml><?xml version="1.0" encoding="utf-8"?>
 <ds:datastoreItem xmlns:ds="http://schemas.openxmlformats.org/officeDocument/2006/customXml" ds:itemID="{41E7CA09-9778-4414-AE97-8064B12DA30E}">
   <ds:schemaRefs>
     <ds:schemaRef ds:uri="http://schemas.microsoft.com/office/2006/metadata/contentType"/>
@@ -34964,10 +36931,27 @@
 </ds:datastoreItem>
 </file>
 
-<file path=customXml/itemProps3.xml><?xml version="1.0" encoding="utf-8"?>
+<file path=customXml/itemProps2.xml><?xml version="1.0" encoding="utf-8"?>
 <ds:datastoreItem xmlns:ds="http://schemas.openxmlformats.org/officeDocument/2006/customXml" ds:itemID="{927BD4C1-B6B1-4715-ABF9-E660A51A4EA0}">
   <ds:schemaRefs>
     <ds:schemaRef ds:uri="http://schemas.microsoft.com/sharepoint/v3/contenttype/forms"/>
   </ds:schemaRefs>
 </ds:datastoreItem>
+</file>
+
+<file path=customXml/itemProps3.xml><?xml version="1.0" encoding="utf-8"?>
+<ds:datastoreItem xmlns:ds="http://schemas.openxmlformats.org/officeDocument/2006/customXml" ds:itemID="{8D289AE2-D2AE-49D1-AFAC-3A79F6794255}">
+  <ds:schemaRefs>
+    <ds:schemaRef ds:uri="http://schemas.microsoft.com/office/2006/documentManagement/types"/>
+    <ds:schemaRef ds:uri="http://schemas.microsoft.com/office/infopath/2007/PartnerControls"/>
+    <ds:schemaRef ds:uri="http://schemas.microsoft.com/office/2006/metadata/properties"/>
+    <ds:schemaRef ds:uri="http://purl.org/dc/elements/1.1/"/>
+    <ds:schemaRef ds:uri="http://purl.org/dc/terms/"/>
+    <ds:schemaRef ds:uri="http://www.w3.org/XML/1998/namespace"/>
+    <ds:schemaRef ds:uri="http://purl.org/dc/dcmitype/"/>
+    <ds:schemaRef ds:uri="16c05727-aa75-4e4a-9b5f-8a80a1165891"/>
+    <ds:schemaRef ds:uri="http://schemas.openxmlformats.org/package/2006/metadata/core-properties"/>
+    <ds:schemaRef ds:uri="71af3243-3dd4-4a8d-8c0d-dd76da1f02a5"/>
+  </ds:schemaRefs>
+</ds:datastoreItem>
 </file>